--- a/slides/KeyStone_Edison.pptx
+++ b/slides/KeyStone_Edison.pptx
@@ -20,22 +20,22 @@
     <p:sldId id="352" r:id="rId8"/>
     <p:sldId id="353" r:id="rId9"/>
     <p:sldId id="374" r:id="rId10"/>
-    <p:sldId id="355" r:id="rId11"/>
-    <p:sldId id="356" r:id="rId12"/>
-    <p:sldId id="357" r:id="rId13"/>
-    <p:sldId id="358" r:id="rId14"/>
-    <p:sldId id="359" r:id="rId15"/>
-    <p:sldId id="360" r:id="rId16"/>
-    <p:sldId id="361" r:id="rId17"/>
-    <p:sldId id="362" r:id="rId18"/>
-    <p:sldId id="379" r:id="rId19"/>
-    <p:sldId id="365" r:id="rId20"/>
-    <p:sldId id="366" r:id="rId21"/>
-    <p:sldId id="367" r:id="rId22"/>
-    <p:sldId id="380" r:id="rId23"/>
-    <p:sldId id="369" r:id="rId24"/>
-    <p:sldId id="370" r:id="rId25"/>
-    <p:sldId id="371" r:id="rId26"/>
+    <p:sldId id="381" r:id="rId11"/>
+    <p:sldId id="382" r:id="rId12"/>
+    <p:sldId id="383" r:id="rId13"/>
+    <p:sldId id="355" r:id="rId14"/>
+    <p:sldId id="356" r:id="rId15"/>
+    <p:sldId id="357" r:id="rId16"/>
+    <p:sldId id="358" r:id="rId17"/>
+    <p:sldId id="359" r:id="rId18"/>
+    <p:sldId id="360" r:id="rId19"/>
+    <p:sldId id="361" r:id="rId20"/>
+    <p:sldId id="362" r:id="rId21"/>
+    <p:sldId id="379" r:id="rId22"/>
+    <p:sldId id="365" r:id="rId23"/>
+    <p:sldId id="366" r:id="rId24"/>
+    <p:sldId id="367" r:id="rId25"/>
+    <p:sldId id="380" r:id="rId26"/>
     <p:sldId id="372" r:id="rId27"/>
     <p:sldId id="347" r:id="rId28"/>
   </p:sldIdLst>
@@ -377,7 +377,7 @@
     </p:spTree>
     <p:extLst>
       <p:ext uri="{BB962C8B-B14F-4D97-AF65-F5344CB8AC3E}">
-        <p14:creationId xmlns:p14="http://schemas.microsoft.com/office/powerpoint/2010/main" xmlns="" val="4170102886"/>
+        <p14:creationId xmlns:p14="http://schemas.microsoft.com/office/powerpoint/2010/main" val="4170102886"/>
       </p:ext>
     </p:extLst>
   </p:cSld>
@@ -690,7 +690,7 @@
     </p:spTree>
     <p:extLst>
       <p:ext uri="{BB962C8B-B14F-4D97-AF65-F5344CB8AC3E}">
-        <p14:creationId xmlns:p14="http://schemas.microsoft.com/office/powerpoint/2010/main" xmlns="" val="419590164"/>
+        <p14:creationId xmlns:p14="http://schemas.microsoft.com/office/powerpoint/2010/main" val="419590164"/>
       </p:ext>
     </p:extLst>
   </p:cSld>
@@ -992,7 +992,7 @@
                 </a:solidFill>
               </a:rPr>
               <a:pPr defTabSz="921040"/>
-              <a:t>20</a:t>
+              <a:t>23</a:t>
             </a:fld>
             <a:endParaRPr lang="en-US" sz="1200" dirty="0">
               <a:solidFill>
@@ -1328,7 +1328,7 @@
                 </a:solidFill>
               </a:rPr>
               <a:pPr defTabSz="921040"/>
-              <a:t>10</a:t>
+              <a:t>13</a:t>
             </a:fld>
             <a:endParaRPr lang="en-US" sz="1200" dirty="0">
               <a:solidFill>
@@ -1447,7 +1447,7 @@
                 </a:solidFill>
               </a:rPr>
               <a:pPr defTabSz="921040"/>
-              <a:t>11</a:t>
+              <a:t>14</a:t>
             </a:fld>
             <a:endParaRPr lang="en-US" sz="1200" dirty="0">
               <a:solidFill>
@@ -1566,7 +1566,7 @@
                 </a:solidFill>
               </a:rPr>
               <a:pPr defTabSz="921040"/>
-              <a:t>13</a:t>
+              <a:t>16</a:t>
             </a:fld>
             <a:endParaRPr lang="en-US" sz="1200" dirty="0">
               <a:solidFill>
@@ -1685,7 +1685,7 @@
                 </a:solidFill>
               </a:rPr>
               <a:pPr defTabSz="921040"/>
-              <a:t>14</a:t>
+              <a:t>17</a:t>
             </a:fld>
             <a:endParaRPr lang="en-US" sz="1200" dirty="0">
               <a:solidFill>
@@ -1804,7 +1804,7 @@
                 </a:solidFill>
               </a:rPr>
               <a:pPr defTabSz="921040"/>
-              <a:t>16</a:t>
+              <a:t>19</a:t>
             </a:fld>
             <a:endParaRPr lang="en-US" sz="1200" dirty="0">
               <a:solidFill>
@@ -1923,7 +1923,7 @@
                 </a:solidFill>
               </a:rPr>
               <a:pPr defTabSz="921040"/>
-              <a:t>17</a:t>
+              <a:t>20</a:t>
             </a:fld>
             <a:endParaRPr lang="en-US" sz="1200" dirty="0">
               <a:solidFill>
@@ -2042,7 +2042,7 @@
                 </a:solidFill>
               </a:rPr>
               <a:pPr defTabSz="921040"/>
-              <a:t>18</a:t>
+              <a:t>21</a:t>
             </a:fld>
             <a:endParaRPr lang="en-US" sz="1200" dirty="0">
               <a:solidFill>
@@ -6058,4191 +6058,6 @@
       </p:grpSpPr>
       <p:sp>
         <p:nvSpPr>
-          <p:cNvPr id="104450" name="Rectangle 3"/>
-          <p:cNvSpPr>
-            <a:spLocks noGrp="1" noChangeArrowheads="1"/>
-          </p:cNvSpPr>
-          <p:nvPr>
-            <p:ph type="title" idx="4294967295"/>
-          </p:nvPr>
-        </p:nvSpPr>
-        <p:spPr>
-          <a:xfrm>
-            <a:off x="437305" y="76200"/>
-            <a:ext cx="8229600" cy="762000"/>
-          </a:xfrm>
-        </p:spPr>
-        <p:txBody>
-          <a:bodyPr/>
-          <a:lstStyle/>
-          <a:p>
-            <a:pPr eaLnBrk="1" hangingPunct="1"/>
-            <a:r>
-              <a:rPr lang="en-US" dirty="0" smtClean="0"/>
-              <a:t>66AK2E05 Key </a:t>
-            </a:r>
-            <a:r>
-              <a:rPr lang="en-US" dirty="0" smtClean="0"/>
-              <a:t>Features</a:t>
-            </a:r>
-            <a:endParaRPr lang="en-US" sz="4000" dirty="0" smtClean="0"/>
-          </a:p>
-        </p:txBody>
-      </p:sp>
-      <p:sp>
-        <p:nvSpPr>
-          <p:cNvPr id="859" name="Rectangle 5"/>
-          <p:cNvSpPr txBox="1">
-            <a:spLocks noChangeArrowheads="1"/>
-          </p:cNvSpPr>
-          <p:nvPr/>
-        </p:nvSpPr>
-        <p:spPr bwMode="auto">
-          <a:xfrm>
-            <a:off x="5364960" y="812035"/>
-            <a:ext cx="3721893" cy="5464408"/>
-          </a:xfrm>
-          <a:prstGeom prst="rect">
-            <a:avLst/>
-          </a:prstGeom>
-          <a:noFill/>
-          <a:ln w="9525">
-            <a:noFill/>
-            <a:miter lim="800000"/>
-            <a:headEnd/>
-            <a:tailEnd/>
-          </a:ln>
-        </p:spPr>
-        <p:txBody>
-          <a:bodyPr/>
-          <a:lstStyle/>
-          <a:p>
-            <a:pPr marL="285750" indent="-285750">
-              <a:lnSpc>
-                <a:spcPct val="80000"/>
-              </a:lnSpc>
-              <a:spcBef>
-                <a:spcPts val="600"/>
-              </a:spcBef>
-              <a:buFont typeface="Arial" panose="020B0604020202020204" pitchFamily="34" charset="0"/>
-              <a:buChar char="•"/>
-              <a:defRPr/>
-            </a:pPr>
-            <a:r>
-              <a:rPr lang="en-US" sz="2400" dirty="0" smtClean="0">
-                <a:latin typeface="Calibri" pitchFamily="34" charset="0"/>
-                <a:cs typeface="Calibri" pitchFamily="34" charset="0"/>
-              </a:rPr>
-              <a:t>Powerful </a:t>
-            </a:r>
-            <a:r>
-              <a:rPr lang="en-US" sz="2400" dirty="0" smtClean="0">
-                <a:latin typeface="Calibri" pitchFamily="34" charset="0"/>
-                <a:cs typeface="Calibri" pitchFamily="34" charset="0"/>
-              </a:rPr>
-              <a:t>microcomputer </a:t>
-            </a:r>
-            <a:r>
-              <a:rPr lang="en-US" sz="2400" dirty="0" smtClean="0">
-                <a:latin typeface="Calibri" pitchFamily="34" charset="0"/>
-                <a:cs typeface="Calibri" pitchFamily="34" charset="0"/>
-              </a:rPr>
-              <a:t>with DSP </a:t>
-            </a:r>
-            <a:r>
-              <a:rPr lang="en-US" sz="2400" dirty="0" smtClean="0">
-                <a:latin typeface="Calibri" pitchFamily="34" charset="0"/>
-                <a:cs typeface="Calibri" pitchFamily="34" charset="0"/>
-              </a:rPr>
-              <a:t>coprocessor</a:t>
-            </a:r>
-            <a:endParaRPr lang="en-US" sz="2400" dirty="0" smtClean="0">
-              <a:latin typeface="Calibri" pitchFamily="34" charset="0"/>
-              <a:cs typeface="Calibri" pitchFamily="34" charset="0"/>
-            </a:endParaRPr>
-          </a:p>
-          <a:p>
-            <a:pPr marL="285750" lvl="1" indent="-285750">
-              <a:lnSpc>
-                <a:spcPct val="80000"/>
-              </a:lnSpc>
-              <a:spcBef>
-                <a:spcPts val="600"/>
-              </a:spcBef>
-              <a:buFont typeface="Arial" panose="020B0604020202020204" pitchFamily="34" charset="0"/>
-              <a:buChar char="•"/>
-              <a:defRPr/>
-            </a:pPr>
-            <a:r>
-              <a:rPr lang="en-US" sz="2400" dirty="0" smtClean="0">
-                <a:latin typeface="Calibri" pitchFamily="34" charset="0"/>
-                <a:cs typeface="Calibri" pitchFamily="34" charset="0"/>
-              </a:rPr>
-              <a:t>Quad-ARM </a:t>
-            </a:r>
-            <a:r>
-              <a:rPr lang="en-US" sz="2400" dirty="0" smtClean="0">
-                <a:latin typeface="Calibri" pitchFamily="34" charset="0"/>
-                <a:cs typeface="Calibri" pitchFamily="34" charset="0"/>
-              </a:rPr>
-              <a:t>A15 CorePac</a:t>
-            </a:r>
-          </a:p>
-          <a:p>
-            <a:pPr marL="285750" lvl="1" indent="-285750">
-              <a:lnSpc>
-                <a:spcPct val="80000"/>
-              </a:lnSpc>
-              <a:spcBef>
-                <a:spcPts val="600"/>
-              </a:spcBef>
-              <a:buFont typeface="Arial" panose="020B0604020202020204" pitchFamily="34" charset="0"/>
-              <a:buChar char="•"/>
-              <a:defRPr/>
-            </a:pPr>
-            <a:r>
-              <a:rPr lang="en-US" sz="2400" dirty="0" smtClean="0">
-                <a:latin typeface="Calibri" pitchFamily="34" charset="0"/>
-                <a:cs typeface="Calibri" pitchFamily="34" charset="0"/>
-              </a:rPr>
-              <a:t>1x Queue Manager supports up to 8K queues</a:t>
-            </a:r>
-          </a:p>
-          <a:p>
-            <a:pPr marL="285750" lvl="1" indent="-285750">
-              <a:lnSpc>
-                <a:spcPct val="80000"/>
-              </a:lnSpc>
-              <a:spcBef>
-                <a:spcPts val="600"/>
-              </a:spcBef>
-              <a:buFont typeface="Arial" panose="020B0604020202020204" pitchFamily="34" charset="0"/>
-              <a:buChar char="•"/>
-              <a:defRPr/>
-            </a:pPr>
-            <a:r>
-              <a:rPr lang="en-US" sz="2400" dirty="0" smtClean="0">
-                <a:latin typeface="Calibri" pitchFamily="34" charset="0"/>
-                <a:cs typeface="Calibri" pitchFamily="34" charset="0"/>
-              </a:rPr>
-              <a:t>1x Network Coprocessor (NETCP)</a:t>
-            </a:r>
-          </a:p>
-          <a:p>
-            <a:pPr marL="285750" lvl="1" indent="-285750">
-              <a:lnSpc>
-                <a:spcPct val="80000"/>
-              </a:lnSpc>
-              <a:spcBef>
-                <a:spcPts val="600"/>
-              </a:spcBef>
-              <a:buFont typeface="Arial" panose="020B0604020202020204" pitchFamily="34" charset="0"/>
-              <a:buChar char="•"/>
-              <a:defRPr/>
-            </a:pPr>
-            <a:r>
-              <a:rPr lang="en-US" sz="2400" dirty="0" smtClean="0">
-                <a:latin typeface="Calibri" pitchFamily="34" charset="0"/>
-                <a:cs typeface="Calibri" pitchFamily="34" charset="0"/>
-              </a:rPr>
-              <a:t>1x 3-port 10GBE Switch </a:t>
-            </a:r>
-            <a:r>
-              <a:rPr lang="en-US" sz="2400" dirty="0" smtClean="0">
-                <a:latin typeface="Calibri" pitchFamily="34" charset="0"/>
-                <a:cs typeface="Calibri" pitchFamily="34" charset="0"/>
-              </a:rPr>
-              <a:t>Subsystem</a:t>
-            </a:r>
-          </a:p>
-          <a:p>
-            <a:pPr marL="285750" indent="-285750">
-              <a:lnSpc>
-                <a:spcPct val="80000"/>
-              </a:lnSpc>
-              <a:spcBef>
-                <a:spcPts val="600"/>
-              </a:spcBef>
-              <a:buFont typeface="Arial" panose="020B0604020202020204" pitchFamily="34" charset="0"/>
-              <a:buChar char="•"/>
-              <a:defRPr/>
-            </a:pPr>
-            <a:r>
-              <a:rPr lang="en-US" sz="2400" dirty="0" smtClean="0">
-                <a:latin typeface="Calibri" pitchFamily="34" charset="0"/>
-                <a:cs typeface="Calibri" pitchFamily="34" charset="0"/>
-              </a:rPr>
-              <a:t>10 Ethernet ports: </a:t>
-            </a:r>
-          </a:p>
-          <a:p>
-            <a:pPr marL="742950" lvl="1" indent="-285750">
-              <a:lnSpc>
-                <a:spcPct val="80000"/>
-              </a:lnSpc>
-              <a:spcBef>
-                <a:spcPts val="600"/>
-              </a:spcBef>
-              <a:buFont typeface="Calibri" pitchFamily="34" charset="0"/>
-              <a:buChar char="–"/>
-              <a:defRPr/>
-            </a:pPr>
-            <a:r>
-              <a:rPr lang="en-US" sz="2000" dirty="0" smtClean="0">
-                <a:latin typeface="Calibri" pitchFamily="34" charset="0"/>
-                <a:cs typeface="Calibri" pitchFamily="34" charset="0"/>
-              </a:rPr>
-              <a:t>2x 10G</a:t>
-            </a:r>
-          </a:p>
-          <a:p>
-            <a:pPr marL="742950" lvl="1" indent="-285750">
-              <a:lnSpc>
-                <a:spcPct val="80000"/>
-              </a:lnSpc>
-              <a:spcBef>
-                <a:spcPts val="600"/>
-              </a:spcBef>
-              <a:buFont typeface="Calibri" pitchFamily="34" charset="0"/>
-              <a:buChar char="–"/>
-              <a:defRPr/>
-            </a:pPr>
-            <a:r>
-              <a:rPr lang="en-US" sz="2000" dirty="0" smtClean="0">
-                <a:latin typeface="Calibri" pitchFamily="34" charset="0"/>
-                <a:cs typeface="Calibri" pitchFamily="34" charset="0"/>
-              </a:rPr>
-              <a:t>8x 1G</a:t>
-            </a:r>
-          </a:p>
-          <a:p>
-            <a:pPr marL="285750" lvl="1" indent="-285750">
-              <a:lnSpc>
-                <a:spcPct val="80000"/>
-              </a:lnSpc>
-              <a:spcBef>
-                <a:spcPts val="600"/>
-              </a:spcBef>
-              <a:buFont typeface="Arial" panose="020B0604020202020204" pitchFamily="34" charset="0"/>
-              <a:buChar char="•"/>
-              <a:defRPr/>
-            </a:pPr>
-            <a:r>
-              <a:rPr lang="en-US" sz="2400" dirty="0" smtClean="0">
-                <a:latin typeface="Calibri" pitchFamily="34" charset="0"/>
-                <a:cs typeface="Calibri" pitchFamily="34" charset="0"/>
-              </a:rPr>
-              <a:t>Telecommunications Serial Port (TSIP)</a:t>
-            </a:r>
-          </a:p>
-          <a:p>
-            <a:pPr marL="285750" lvl="1" indent="-285750">
-              <a:lnSpc>
-                <a:spcPct val="80000"/>
-              </a:lnSpc>
-              <a:spcBef>
-                <a:spcPts val="600"/>
-              </a:spcBef>
-              <a:buFont typeface="Arial" panose="020B0604020202020204" pitchFamily="34" charset="0"/>
-              <a:buChar char="•"/>
-              <a:defRPr/>
-            </a:pPr>
-            <a:r>
-              <a:rPr lang="en-US" sz="2400" dirty="0" smtClean="0">
-                <a:latin typeface="Calibri" pitchFamily="34" charset="0"/>
-                <a:cs typeface="Calibri" pitchFamily="34" charset="0"/>
-              </a:rPr>
-              <a:t>2x PCIe and 2x USB 3.0 to support solid-state drive</a:t>
-            </a:r>
-          </a:p>
-        </p:txBody>
-      </p:sp>
-      <p:pic>
-        <p:nvPicPr>
-          <p:cNvPr id="8" name="Picture 7" descr="Functional Block Diagram 66AK2E05.bmp"/>
-          <p:cNvPicPr>
-            <a:picLocks noChangeAspect="1"/>
-          </p:cNvPicPr>
-          <p:nvPr/>
-        </p:nvPicPr>
-        <p:blipFill>
-          <a:blip r:embed="rId4" cstate="print"/>
-          <a:stretch>
-            <a:fillRect/>
-          </a:stretch>
-        </p:blipFill>
-        <p:spPr>
-          <a:xfrm>
-            <a:off x="0" y="859536"/>
-            <a:ext cx="5343155" cy="5443739"/>
-          </a:xfrm>
-          <a:prstGeom prst="rect">
-            <a:avLst/>
-          </a:prstGeom>
-        </p:spPr>
-      </p:pic>
-      <p:sp>
-        <p:nvSpPr>
-          <p:cNvPr id="5" name="Slide Number Placeholder 3"/>
-          <p:cNvSpPr>
-            <a:spLocks noGrp="1"/>
-          </p:cNvSpPr>
-          <p:nvPr>
-            <p:ph type="sldNum" sz="quarter" idx="10"/>
-          </p:nvPr>
-        </p:nvSpPr>
-        <p:spPr>
-          <a:xfrm>
-            <a:off x="6642100" y="6038850"/>
-            <a:ext cx="2133600" cy="206375"/>
-          </a:xfrm>
-        </p:spPr>
-        <p:txBody>
-          <a:bodyPr/>
-          <a:lstStyle/>
-          <a:p>
-            <a:fld id="{91A5AC0A-F4BD-4464-80DC-A88E0D9F781D}" type="slidenum">
-              <a:rPr lang="en-US" smtClean="0"/>
-              <a:pPr/>
-              <a:t>10</a:t>
-            </a:fld>
-            <a:endParaRPr lang="en-US" dirty="0"/>
-          </a:p>
-        </p:txBody>
-      </p:sp>
-    </p:spTree>
-    <p:custDataLst>
-      <p:tags r:id="rId1"/>
-    </p:custDataLst>
-    <p:extLst>
-      <p:ext uri="{BB962C8B-B14F-4D97-AF65-F5344CB8AC3E}">
-        <p14:creationId xmlns="" xmlns:p14="http://schemas.microsoft.com/office/powerpoint/2010/main" val="3691244631"/>
-      </p:ext>
-    </p:extLst>
-  </p:cSld>
-  <p:clrMapOvr>
-    <a:masterClrMapping/>
-  </p:clrMapOvr>
-  <p:timing>
-    <p:tnLst>
-      <p:par>
-        <p:cTn id="1" dur="indefinite" restart="never" nodeType="tmRoot"/>
-      </p:par>
-    </p:tnLst>
-  </p:timing>
-</p:sld>
-</file>
-
-<file path=ppt/slides/slide11.xml><?xml version="1.0" encoding="utf-8"?>
-<p:sld xmlns:a="http://schemas.openxmlformats.org/drawingml/2006/main" xmlns:r="http://schemas.openxmlformats.org/officeDocument/2006/relationships" xmlns:p="http://schemas.openxmlformats.org/presentationml/2006/main">
-  <p:cSld>
-    <p:spTree>
-      <p:nvGrpSpPr>
-        <p:cNvPr id="1" name=""/>
-        <p:cNvGrpSpPr/>
-        <p:nvPr/>
-      </p:nvGrpSpPr>
-      <p:grpSpPr>
-        <a:xfrm>
-          <a:off x="0" y="0"/>
-          <a:ext cx="0" cy="0"/>
-          <a:chOff x="0" y="0"/>
-          <a:chExt cx="0" cy="0"/>
-        </a:xfrm>
-      </p:grpSpPr>
-      <p:sp>
-        <p:nvSpPr>
-          <p:cNvPr id="104450" name="Rectangle 3"/>
-          <p:cNvSpPr>
-            <a:spLocks noGrp="1" noChangeArrowheads="1"/>
-          </p:cNvSpPr>
-          <p:nvPr>
-            <p:ph type="title" idx="4294967295"/>
-          </p:nvPr>
-        </p:nvSpPr>
-        <p:spPr>
-          <a:xfrm>
-            <a:off x="437305" y="76200"/>
-            <a:ext cx="8229600" cy="762000"/>
-          </a:xfrm>
-        </p:spPr>
-        <p:txBody>
-          <a:bodyPr/>
-          <a:lstStyle/>
-          <a:p>
-            <a:pPr eaLnBrk="1" hangingPunct="1"/>
-            <a:r>
-              <a:rPr lang="en-US" sz="4000" dirty="0" smtClean="0"/>
-              <a:t>66AK2E05 Applications</a:t>
-            </a:r>
-          </a:p>
-        </p:txBody>
-      </p:sp>
-      <p:sp>
-        <p:nvSpPr>
-          <p:cNvPr id="859" name="Rectangle 5"/>
-          <p:cNvSpPr txBox="1">
-            <a:spLocks noChangeArrowheads="1"/>
-          </p:cNvSpPr>
-          <p:nvPr/>
-        </p:nvSpPr>
-        <p:spPr bwMode="auto">
-          <a:xfrm>
-            <a:off x="5364960" y="855925"/>
-            <a:ext cx="3721893" cy="1582475"/>
-          </a:xfrm>
-          <a:prstGeom prst="rect">
-            <a:avLst/>
-          </a:prstGeom>
-          <a:noFill/>
-          <a:ln w="9525">
-            <a:noFill/>
-            <a:miter lim="800000"/>
-            <a:headEnd/>
-            <a:tailEnd/>
-          </a:ln>
-        </p:spPr>
-        <p:txBody>
-          <a:bodyPr/>
-          <a:lstStyle/>
-          <a:p>
-            <a:pPr marL="342900" indent="-342900" algn="l">
-              <a:lnSpc>
-                <a:spcPct val="80000"/>
-              </a:lnSpc>
-              <a:spcAft>
-                <a:spcPct val="10000"/>
-              </a:spcAft>
-              <a:buAutoNum type="arabicPeriod"/>
-              <a:defRPr/>
-            </a:pPr>
-            <a:endParaRPr lang="en-US" sz="2000" dirty="0" smtClean="0">
-              <a:solidFill>
-                <a:srgbClr val="000000"/>
-              </a:solidFill>
-              <a:latin typeface="Calibri" pitchFamily="34" charset="0"/>
-            </a:endParaRPr>
-          </a:p>
-        </p:txBody>
-      </p:sp>
-      <p:pic>
-        <p:nvPicPr>
-          <p:cNvPr id="8" name="Picture 7" descr="Functional Block Diagram 66AK2E05.bmp"/>
-          <p:cNvPicPr>
-            <a:picLocks noChangeAspect="1"/>
-          </p:cNvPicPr>
-          <p:nvPr/>
-        </p:nvPicPr>
-        <p:blipFill>
-          <a:blip r:embed="rId4" cstate="print"/>
-          <a:stretch>
-            <a:fillRect/>
-          </a:stretch>
-        </p:blipFill>
-        <p:spPr>
-          <a:xfrm>
-            <a:off x="609600" y="2200274"/>
-            <a:ext cx="3657600" cy="3726453"/>
-          </a:xfrm>
-          <a:prstGeom prst="rect">
-            <a:avLst/>
-          </a:prstGeom>
-        </p:spPr>
-      </p:pic>
-      <p:sp>
-        <p:nvSpPr>
-          <p:cNvPr id="6" name="Rectangle 5"/>
-          <p:cNvSpPr txBox="1">
-            <a:spLocks noChangeArrowheads="1"/>
-          </p:cNvSpPr>
-          <p:nvPr/>
-        </p:nvSpPr>
-        <p:spPr bwMode="auto">
-          <a:xfrm>
-            <a:off x="685800" y="760830"/>
-            <a:ext cx="7848600" cy="1345950"/>
-          </a:xfrm>
-          <a:prstGeom prst="rect">
-            <a:avLst/>
-          </a:prstGeom>
-          <a:noFill/>
-          <a:ln w="9525">
-            <a:noFill/>
-            <a:miter lim="800000"/>
-            <a:headEnd/>
-            <a:tailEnd/>
-          </a:ln>
-        </p:spPr>
-        <p:txBody>
-          <a:bodyPr/>
-          <a:lstStyle/>
-          <a:p>
-            <a:pPr marL="342900" indent="-342900" algn="l">
-              <a:lnSpc>
-                <a:spcPct val="80000"/>
-              </a:lnSpc>
-              <a:spcAft>
-                <a:spcPct val="10000"/>
-              </a:spcAft>
-              <a:buFont typeface="Arial" panose="020B0604020202020204" pitchFamily="34" charset="0"/>
-              <a:buChar char="•"/>
-              <a:defRPr/>
-            </a:pPr>
-            <a:r>
-              <a:rPr lang="en-US" sz="2400" dirty="0" smtClean="0">
-                <a:solidFill>
-                  <a:srgbClr val="000000"/>
-                </a:solidFill>
-                <a:latin typeface="Calibri" pitchFamily="34" charset="0"/>
-              </a:rPr>
-              <a:t>Communication and networking</a:t>
-            </a:r>
-          </a:p>
-          <a:p>
-            <a:pPr marL="342900" indent="-342900" algn="l">
-              <a:lnSpc>
-                <a:spcPct val="80000"/>
-              </a:lnSpc>
-              <a:spcAft>
-                <a:spcPct val="10000"/>
-              </a:spcAft>
-              <a:buFont typeface="Arial" panose="020B0604020202020204" pitchFamily="34" charset="0"/>
-              <a:buChar char="•"/>
-              <a:defRPr/>
-            </a:pPr>
-            <a:r>
-              <a:rPr lang="en-US" sz="2400" dirty="0" smtClean="0">
-                <a:solidFill>
-                  <a:srgbClr val="000000"/>
-                </a:solidFill>
-                <a:latin typeface="Calibri" pitchFamily="34" charset="0"/>
-              </a:rPr>
-              <a:t>Fast hard-disk storage (PCIe, USB)</a:t>
-            </a:r>
-          </a:p>
-          <a:p>
-            <a:pPr marL="342900" indent="-342900" algn="l">
-              <a:lnSpc>
-                <a:spcPct val="80000"/>
-              </a:lnSpc>
-              <a:spcAft>
-                <a:spcPct val="10000"/>
-              </a:spcAft>
-              <a:buFont typeface="Arial" panose="020B0604020202020204" pitchFamily="34" charset="0"/>
-              <a:buChar char="•"/>
-              <a:defRPr/>
-            </a:pPr>
-            <a:r>
-              <a:rPr lang="en-US" sz="2400" dirty="0" smtClean="0">
-                <a:solidFill>
-                  <a:srgbClr val="000000"/>
-                </a:solidFill>
-                <a:latin typeface="Calibri" pitchFamily="34" charset="0"/>
-              </a:rPr>
-              <a:t>Imaging, including analytics</a:t>
-            </a:r>
-          </a:p>
-          <a:p>
-            <a:pPr marL="342900" indent="-342900">
-              <a:lnSpc>
-                <a:spcPct val="80000"/>
-              </a:lnSpc>
-              <a:spcAft>
-                <a:spcPct val="10000"/>
-              </a:spcAft>
-              <a:buFont typeface="Arial" panose="020B0604020202020204" pitchFamily="34" charset="0"/>
-              <a:buChar char="•"/>
-              <a:defRPr/>
-            </a:pPr>
-            <a:r>
-              <a:rPr lang="en-US" sz="2400" dirty="0" smtClean="0">
-                <a:solidFill>
-                  <a:srgbClr val="000000"/>
-                </a:solidFill>
-                <a:latin typeface="Calibri" pitchFamily="34" charset="0"/>
-              </a:rPr>
-              <a:t>Example: Defense communication systems</a:t>
-            </a:r>
-            <a:r>
-              <a:rPr lang="en-US" sz="2400" dirty="0" smtClean="0">
-                <a:solidFill>
-                  <a:srgbClr val="000000"/>
-                </a:solidFill>
-                <a:latin typeface="Calibri" pitchFamily="34" charset="0"/>
-              </a:rPr>
-              <a:t> </a:t>
-            </a:r>
-          </a:p>
-          <a:p>
-            <a:pPr marL="342900" indent="-342900" algn="l">
-              <a:lnSpc>
-                <a:spcPct val="80000"/>
-              </a:lnSpc>
-              <a:spcAft>
-                <a:spcPct val="10000"/>
-              </a:spcAft>
-              <a:buAutoNum type="arabicPeriod"/>
-              <a:defRPr/>
-            </a:pPr>
-            <a:endParaRPr lang="en-US" sz="2000" dirty="0" smtClean="0">
-              <a:solidFill>
-                <a:srgbClr val="000000"/>
-              </a:solidFill>
-              <a:latin typeface="Calibri" pitchFamily="34" charset="0"/>
-            </a:endParaRPr>
-          </a:p>
-        </p:txBody>
-      </p:sp>
-      <p:sp>
-        <p:nvSpPr>
-          <p:cNvPr id="7" name="Rectangle 5"/>
-          <p:cNvSpPr txBox="1">
-            <a:spLocks noChangeArrowheads="1"/>
-          </p:cNvSpPr>
-          <p:nvPr/>
-        </p:nvSpPr>
-        <p:spPr bwMode="auto">
-          <a:xfrm>
-            <a:off x="4390339" y="2222602"/>
-            <a:ext cx="4343400" cy="3995318"/>
-          </a:xfrm>
-          <a:prstGeom prst="rect">
-            <a:avLst/>
-          </a:prstGeom>
-          <a:noFill/>
-          <a:ln w="9525">
-            <a:noFill/>
-            <a:miter lim="800000"/>
-            <a:headEnd/>
-            <a:tailEnd/>
-          </a:ln>
-        </p:spPr>
-        <p:txBody>
-          <a:bodyPr/>
-          <a:lstStyle/>
-          <a:p>
-            <a:pPr algn="ctr">
-              <a:lnSpc>
-                <a:spcPct val="80000"/>
-              </a:lnSpc>
-              <a:spcAft>
-                <a:spcPct val="10000"/>
-              </a:spcAft>
-              <a:defRPr/>
-            </a:pPr>
-            <a:r>
-              <a:rPr lang="en-US" sz="2400" b="1" dirty="0" smtClean="0">
-                <a:solidFill>
-                  <a:srgbClr val="000000"/>
-                </a:solidFill>
-                <a:latin typeface="Calibri" pitchFamily="34" charset="0"/>
-                <a:cs typeface="Calibri" pitchFamily="34" charset="0"/>
-              </a:rPr>
-              <a:t>Advantages</a:t>
-            </a:r>
-            <a:endParaRPr lang="en-US" sz="2400" b="1" dirty="0" smtClean="0">
-              <a:solidFill>
-                <a:srgbClr val="000000"/>
-              </a:solidFill>
-              <a:latin typeface="Calibri" pitchFamily="34" charset="0"/>
-              <a:cs typeface="Calibri" pitchFamily="34" charset="0"/>
-            </a:endParaRPr>
-          </a:p>
-          <a:p>
-            <a:pPr marL="342900" indent="-342900" algn="l">
-              <a:lnSpc>
-                <a:spcPct val="80000"/>
-              </a:lnSpc>
-              <a:spcAft>
-                <a:spcPct val="10000"/>
-              </a:spcAft>
-              <a:buFont typeface="Arial" panose="020B0604020202020204" pitchFamily="34" charset="0"/>
-              <a:buChar char="•"/>
-              <a:defRPr/>
-            </a:pPr>
-            <a:r>
-              <a:rPr lang="en-US" sz="2400" dirty="0" smtClean="0">
-                <a:solidFill>
-                  <a:srgbClr val="000000"/>
-                </a:solidFill>
-                <a:latin typeface="Calibri" pitchFamily="34" charset="0"/>
-                <a:cs typeface="Calibri" pitchFamily="34" charset="0"/>
-              </a:rPr>
-              <a:t>Integrated SOC solution</a:t>
-            </a:r>
-            <a:endParaRPr lang="en-US" sz="2400" dirty="0" smtClean="0">
-              <a:solidFill>
-                <a:srgbClr val="000000"/>
-              </a:solidFill>
-              <a:latin typeface="Calibri" pitchFamily="34" charset="0"/>
-              <a:cs typeface="Calibri" pitchFamily="34" charset="0"/>
-            </a:endParaRPr>
-          </a:p>
-          <a:p>
-            <a:pPr marL="342900" indent="-342900">
-              <a:lnSpc>
-                <a:spcPct val="80000"/>
-              </a:lnSpc>
-              <a:spcAft>
-                <a:spcPct val="10000"/>
-              </a:spcAft>
-              <a:buFont typeface="Arial" panose="020B0604020202020204" pitchFamily="34" charset="0"/>
-              <a:buChar char="•"/>
-              <a:defRPr/>
-            </a:pPr>
-            <a:r>
-              <a:rPr lang="en-US" sz="2400" dirty="0" smtClean="0">
-                <a:solidFill>
-                  <a:srgbClr val="000000"/>
-                </a:solidFill>
-                <a:latin typeface="Calibri" pitchFamily="34" charset="0"/>
-                <a:cs typeface="Calibri" pitchFamily="34" charset="0"/>
-              </a:rPr>
-              <a:t>High-speed </a:t>
-            </a:r>
-            <a:r>
-              <a:rPr lang="en-US" sz="2400" dirty="0" smtClean="0">
-                <a:solidFill>
-                  <a:srgbClr val="000000"/>
-                </a:solidFill>
-                <a:latin typeface="Calibri" pitchFamily="34" charset="0"/>
-                <a:cs typeface="Calibri" pitchFamily="34" charset="0"/>
-              </a:rPr>
-              <a:t>communication </a:t>
-            </a:r>
-            <a:r>
-              <a:rPr lang="en-US" sz="2400" dirty="0" smtClean="0">
-                <a:solidFill>
-                  <a:srgbClr val="000000"/>
-                </a:solidFill>
-                <a:latin typeface="Calibri" pitchFamily="34" charset="0"/>
-                <a:cs typeface="Calibri" pitchFamily="34" charset="0"/>
-              </a:rPr>
-              <a:t>and </a:t>
-            </a:r>
-            <a:r>
-              <a:rPr lang="en-US" sz="2400" dirty="0" smtClean="0">
-                <a:solidFill>
-                  <a:srgbClr val="000000"/>
-                </a:solidFill>
-                <a:latin typeface="Calibri" pitchFamily="34" charset="0"/>
-                <a:cs typeface="Calibri" pitchFamily="34" charset="0"/>
-              </a:rPr>
-              <a:t>disk bandwidth </a:t>
-            </a:r>
-            <a:r>
-              <a:rPr lang="en-US" sz="2400" dirty="0" smtClean="0">
-                <a:solidFill>
-                  <a:srgbClr val="000000"/>
-                </a:solidFill>
-                <a:latin typeface="Calibri" pitchFamily="34" charset="0"/>
-                <a:cs typeface="Calibri" pitchFamily="34" charset="0"/>
-              </a:rPr>
-              <a:t>for data storage</a:t>
-            </a:r>
-            <a:endParaRPr lang="en-US" sz="2400" dirty="0" smtClean="0">
-              <a:solidFill>
-                <a:srgbClr val="000000"/>
-              </a:solidFill>
-              <a:latin typeface="Calibri" pitchFamily="34" charset="0"/>
-              <a:cs typeface="Calibri" pitchFamily="34" charset="0"/>
-            </a:endParaRPr>
-          </a:p>
-          <a:p>
-            <a:pPr marL="342900" indent="-342900">
-              <a:lnSpc>
-                <a:spcPct val="80000"/>
-              </a:lnSpc>
-              <a:spcAft>
-                <a:spcPct val="10000"/>
-              </a:spcAft>
-              <a:buFont typeface="Arial" panose="020B0604020202020204" pitchFamily="34" charset="0"/>
-              <a:buChar char="•"/>
-              <a:defRPr/>
-            </a:pPr>
-            <a:r>
-              <a:rPr lang="en-US" sz="2400" dirty="0" smtClean="0">
-                <a:solidFill>
-                  <a:srgbClr val="000000"/>
-                </a:solidFill>
-                <a:latin typeface="Calibri" pitchFamily="34" charset="0"/>
-                <a:cs typeface="Calibri" pitchFamily="34" charset="0"/>
-              </a:rPr>
-              <a:t>DSP enables </a:t>
-            </a:r>
-            <a:r>
-              <a:rPr lang="en-US" sz="2400" dirty="0" smtClean="0">
-                <a:solidFill>
-                  <a:srgbClr val="000000"/>
-                </a:solidFill>
-                <a:latin typeface="Calibri" pitchFamily="34" charset="0"/>
-                <a:cs typeface="Calibri" pitchFamily="34" charset="0"/>
-              </a:rPr>
-              <a:t>on-the-fly </a:t>
-            </a:r>
-            <a:r>
-              <a:rPr lang="en-US" sz="2400" dirty="0" smtClean="0">
-                <a:solidFill>
-                  <a:srgbClr val="000000"/>
-                </a:solidFill>
-                <a:latin typeface="Calibri" pitchFamily="34" charset="0"/>
-                <a:cs typeface="Calibri" pitchFamily="34" charset="0"/>
-              </a:rPr>
-              <a:t>data processing</a:t>
-            </a:r>
-            <a:endParaRPr lang="en-US" sz="2400" dirty="0" smtClean="0">
-              <a:solidFill>
-                <a:srgbClr val="000000"/>
-              </a:solidFill>
-              <a:latin typeface="Calibri" pitchFamily="34" charset="0"/>
-              <a:cs typeface="Calibri" pitchFamily="34" charset="0"/>
-            </a:endParaRPr>
-          </a:p>
-          <a:p>
-            <a:pPr marL="342900" indent="-342900" algn="l">
-              <a:lnSpc>
-                <a:spcPct val="80000"/>
-              </a:lnSpc>
-              <a:spcAft>
-                <a:spcPct val="10000"/>
-              </a:spcAft>
-              <a:buFont typeface="Arial" panose="020B0604020202020204" pitchFamily="34" charset="0"/>
-              <a:buChar char="•"/>
-              <a:defRPr/>
-            </a:pPr>
-            <a:r>
-              <a:rPr lang="en-US" sz="2400" dirty="0">
-                <a:solidFill>
-                  <a:srgbClr val="000000"/>
-                </a:solidFill>
-                <a:latin typeface="Calibri" pitchFamily="34" charset="0"/>
-                <a:cs typeface="Calibri" pitchFamily="34" charset="0"/>
-              </a:rPr>
-              <a:t>A</a:t>
-            </a:r>
-            <a:r>
-              <a:rPr lang="en-US" sz="2400" dirty="0" smtClean="0">
-                <a:solidFill>
-                  <a:srgbClr val="000000"/>
-                </a:solidFill>
-                <a:latin typeface="Calibri" pitchFamily="34" charset="0"/>
-                <a:cs typeface="Calibri" pitchFamily="34" charset="0"/>
-              </a:rPr>
-              <a:t>bility to scale up using </a:t>
-            </a:r>
-            <a:r>
-              <a:rPr lang="en-US" sz="2400" dirty="0" smtClean="0">
-                <a:solidFill>
-                  <a:srgbClr val="000000"/>
-                </a:solidFill>
-                <a:latin typeface="Calibri" pitchFamily="34" charset="0"/>
-                <a:cs typeface="Calibri" pitchFamily="34" charset="0"/>
-              </a:rPr>
-              <a:t>H</a:t>
-            </a:r>
-            <a:r>
-              <a:rPr lang="en-US" sz="2400" dirty="0" smtClean="0">
-                <a:solidFill>
-                  <a:srgbClr val="000000"/>
-                </a:solidFill>
-                <a:latin typeface="Calibri" pitchFamily="34" charset="0"/>
-                <a:cs typeface="Calibri" pitchFamily="34" charset="0"/>
-              </a:rPr>
-              <a:t>yperLink</a:t>
-            </a:r>
-            <a:r>
-              <a:rPr lang="en-US" sz="2400" dirty="0" smtClean="0">
-                <a:solidFill>
-                  <a:srgbClr val="000000"/>
-                </a:solidFill>
-                <a:latin typeface="Calibri" pitchFamily="34" charset="0"/>
-                <a:cs typeface="Calibri" pitchFamily="34" charset="0"/>
-              </a:rPr>
-              <a:t>, </a:t>
-            </a:r>
-            <a:r>
-              <a:rPr lang="en-US" sz="2400" dirty="0" smtClean="0">
-                <a:solidFill>
-                  <a:srgbClr val="000000"/>
-                </a:solidFill>
-                <a:latin typeface="Calibri" pitchFamily="34" charset="0"/>
-                <a:cs typeface="Calibri" pitchFamily="34" charset="0"/>
-              </a:rPr>
-              <a:t>or scale </a:t>
-            </a:r>
-            <a:r>
-              <a:rPr lang="en-US" sz="2400" dirty="0" smtClean="0">
-                <a:solidFill>
-                  <a:srgbClr val="000000"/>
-                </a:solidFill>
-                <a:latin typeface="Calibri" pitchFamily="34" charset="0"/>
-                <a:cs typeface="Calibri" pitchFamily="34" charset="0"/>
-              </a:rPr>
-              <a:t>down using 66AK2E02</a:t>
-            </a:r>
-          </a:p>
-          <a:p>
-            <a:pPr marL="342900" indent="-342900" algn="l">
-              <a:lnSpc>
-                <a:spcPct val="80000"/>
-              </a:lnSpc>
-              <a:spcAft>
-                <a:spcPct val="10000"/>
-              </a:spcAft>
-              <a:buFont typeface="Arial" panose="020B0604020202020204" pitchFamily="34" charset="0"/>
-              <a:buChar char="•"/>
-              <a:defRPr/>
-            </a:pPr>
-            <a:r>
-              <a:rPr lang="en-US" sz="2400" dirty="0" smtClean="0">
-                <a:solidFill>
-                  <a:srgbClr val="000000"/>
-                </a:solidFill>
-                <a:latin typeface="Calibri" pitchFamily="34" charset="0"/>
-                <a:cs typeface="Calibri" pitchFamily="34" charset="0"/>
-              </a:rPr>
-              <a:t>Low power (</a:t>
-            </a:r>
-            <a:r>
-              <a:rPr lang="en-US" sz="2400" dirty="0" smtClean="0">
-                <a:solidFill>
-                  <a:srgbClr val="000000"/>
-                </a:solidFill>
-                <a:latin typeface="Calibri" pitchFamily="34" charset="0"/>
-                <a:cs typeface="Calibri" pitchFamily="34" charset="0"/>
-              </a:rPr>
-              <a:t>compared </a:t>
-            </a:r>
-            <a:r>
-              <a:rPr lang="en-US" sz="2400" dirty="0" smtClean="0">
-                <a:solidFill>
-                  <a:srgbClr val="000000"/>
-                </a:solidFill>
-                <a:latin typeface="Calibri" pitchFamily="34" charset="0"/>
-                <a:cs typeface="Calibri" pitchFamily="34" charset="0"/>
-              </a:rPr>
-              <a:t>to other solutions) </a:t>
-            </a:r>
-          </a:p>
-        </p:txBody>
-      </p:sp>
-      <p:sp>
-        <p:nvSpPr>
-          <p:cNvPr id="10" name="Slide Number Placeholder 3"/>
-          <p:cNvSpPr>
-            <a:spLocks noGrp="1"/>
-          </p:cNvSpPr>
-          <p:nvPr>
-            <p:ph type="sldNum" sz="quarter" idx="10"/>
-          </p:nvPr>
-        </p:nvSpPr>
-        <p:spPr>
-          <a:xfrm>
-            <a:off x="6642100" y="6038850"/>
-            <a:ext cx="2133600" cy="206375"/>
-          </a:xfrm>
-        </p:spPr>
-        <p:txBody>
-          <a:bodyPr/>
-          <a:lstStyle/>
-          <a:p>
-            <a:fld id="{91A5AC0A-F4BD-4464-80DC-A88E0D9F781D}" type="slidenum">
-              <a:rPr lang="en-US" smtClean="0"/>
-              <a:pPr/>
-              <a:t>11</a:t>
-            </a:fld>
-            <a:endParaRPr lang="en-US" dirty="0"/>
-          </a:p>
-        </p:txBody>
-      </p:sp>
-    </p:spTree>
-    <p:custDataLst>
-      <p:tags r:id="rId1"/>
-    </p:custDataLst>
-    <p:extLst>
-      <p:ext uri="{BB962C8B-B14F-4D97-AF65-F5344CB8AC3E}">
-        <p14:creationId xmlns="" xmlns:p14="http://schemas.microsoft.com/office/powerpoint/2010/main" val="856361381"/>
-      </p:ext>
-    </p:extLst>
-  </p:cSld>
-  <p:clrMapOvr>
-    <a:masterClrMapping/>
-  </p:clrMapOvr>
-  <p:timing>
-    <p:tnLst>
-      <p:par>
-        <p:cTn id="1" dur="indefinite" restart="never" nodeType="tmRoot"/>
-      </p:par>
-    </p:tnLst>
-  </p:timing>
-</p:sld>
-</file>
-
-<file path=ppt/slides/slide12.xml><?xml version="1.0" encoding="utf-8"?>
-<p:sld xmlns:a="http://schemas.openxmlformats.org/drawingml/2006/main" xmlns:r="http://schemas.openxmlformats.org/officeDocument/2006/relationships" xmlns:p="http://schemas.openxmlformats.org/presentationml/2006/main">
-  <p:cSld>
-    <p:spTree>
-      <p:nvGrpSpPr>
-        <p:cNvPr id="1" name=""/>
-        <p:cNvGrpSpPr/>
-        <p:nvPr/>
-      </p:nvGrpSpPr>
-      <p:grpSpPr>
-        <a:xfrm>
-          <a:off x="0" y="0"/>
-          <a:ext cx="0" cy="0"/>
-          <a:chOff x="0" y="0"/>
-          <a:chExt cx="0" cy="0"/>
-        </a:xfrm>
-      </p:grpSpPr>
-      <p:sp>
-        <p:nvSpPr>
-          <p:cNvPr id="2" name="Title 1"/>
-          <p:cNvSpPr>
-            <a:spLocks noGrp="1"/>
-          </p:cNvSpPr>
-          <p:nvPr>
-            <p:ph type="title"/>
-          </p:nvPr>
-        </p:nvSpPr>
-        <p:spPr>
-          <a:xfrm>
-            <a:off x="457200" y="82296"/>
-            <a:ext cx="8229600" cy="868362"/>
-          </a:xfrm>
-        </p:spPr>
-        <p:txBody>
-          <a:bodyPr>
-            <a:normAutofit/>
-          </a:bodyPr>
-          <a:lstStyle/>
-          <a:p>
-            <a:r>
-              <a:rPr lang="en-US" dirty="0" smtClean="0"/>
-              <a:t>TI Embedded Processing </a:t>
-            </a:r>
-            <a:r>
-              <a:rPr lang="en-US" dirty="0" smtClean="0"/>
-              <a:t>Devices</a:t>
-            </a:r>
-            <a:endParaRPr lang="en-US" dirty="0"/>
-          </a:p>
-        </p:txBody>
-      </p:sp>
-      <p:sp>
-        <p:nvSpPr>
-          <p:cNvPr id="5" name="Rectangle 1"/>
-          <p:cNvSpPr>
-            <a:spLocks noChangeArrowheads="1"/>
-          </p:cNvSpPr>
-          <p:nvPr/>
-        </p:nvSpPr>
-        <p:spPr bwMode="auto">
-          <a:xfrm>
-            <a:off x="1531938" y="1778000"/>
-            <a:ext cx="9144000" cy="457200"/>
-          </a:xfrm>
-          <a:prstGeom prst="rect">
-            <a:avLst/>
-          </a:prstGeom>
-          <a:noFill/>
-          <a:ln>
-            <a:noFill/>
-          </a:ln>
-          <a:effectLst/>
-          <a:extLst>
-            <a:ext uri="{909E8E84-426E-40DD-AFC4-6F175D3DCCD1}">
-              <a14:hiddenFill xmlns="" xmlns:a14="http://schemas.microsoft.com/office/drawing/2010/main">
-                <a:solidFill>
-                  <a:schemeClr val="accent1"/>
-                </a:solidFill>
-              </a14:hiddenFill>
-            </a:ext>
-            <a:ext uri="{91240B29-F687-4F45-9708-019B960494DF}">
-              <a14:hiddenLine xmlns="" xmlns:a14="http://schemas.microsoft.com/office/drawing/2010/main" w="9525">
-                <a:solidFill>
-                  <a:schemeClr val="tx1"/>
-                </a:solidFill>
-                <a:miter lim="800000"/>
-                <a:headEnd/>
-                <a:tailEnd/>
-              </a14:hiddenLine>
-            </a:ext>
-            <a:ext uri="{AF507438-7753-43E0-B8FC-AC1667EBCBE1}">
-              <a14:hiddenEffects xmlns="" xmlns:a14="http://schemas.microsoft.com/office/drawing/2010/main">
-                <a:effectLst>
-                  <a:outerShdw dist="35921" dir="2700000" algn="ctr" rotWithShape="0">
-                    <a:schemeClr val="bg2"/>
-                  </a:outerShdw>
-                </a:effectLst>
-              </a14:hiddenEffects>
-            </a:ext>
-          </a:extLst>
-        </p:spPr>
-        <p:txBody>
-          <a:bodyPr vert="horz" wrap="none" lIns="91440" tIns="45720" rIns="91440" bIns="45720" numCol="1" anchor="ctr" anchorCtr="0" compatLnSpc="1">
-            <a:prstTxWarp prst="textNoShape">
-              <a:avLst/>
-            </a:prstTxWarp>
-            <a:spAutoFit/>
-          </a:bodyPr>
-          <a:lstStyle/>
-          <a:p>
-            <a:pPr marL="0" marR="0" lvl="0" indent="0" algn="l" defTabSz="914400" rtl="0" eaLnBrk="1" fontAlgn="base" latinLnBrk="0" hangingPunct="1">
-              <a:lnSpc>
-                <a:spcPct val="100000"/>
-              </a:lnSpc>
-              <a:spcBef>
-                <a:spcPct val="0"/>
-              </a:spcBef>
-              <a:spcAft>
-                <a:spcPct val="0"/>
-              </a:spcAft>
-              <a:buClrTx/>
-              <a:buSzTx/>
-              <a:buFontTx/>
-              <a:buNone/>
-              <a:tabLst/>
-            </a:pPr>
-            <a:endParaRPr kumimoji="0" lang="en-US" sz="1800" b="0" i="0" u="none" strike="noStrike" cap="none" normalizeH="0" baseline="0" dirty="0" smtClean="0">
-              <a:ln>
-                <a:noFill/>
-              </a:ln>
-              <a:solidFill>
-                <a:schemeClr val="tx1"/>
-              </a:solidFill>
-              <a:effectLst/>
-              <a:latin typeface="Arial" pitchFamily="34" charset="0"/>
-              <a:cs typeface="Arial" pitchFamily="34" charset="0"/>
-            </a:endParaRPr>
-          </a:p>
-        </p:txBody>
-      </p:sp>
-      <p:graphicFrame>
-        <p:nvGraphicFramePr>
-          <p:cNvPr id="4" name="Object 3"/>
-          <p:cNvGraphicFramePr>
-            <a:graphicFrameLocks noChangeAspect="1"/>
-          </p:cNvGraphicFramePr>
-          <p:nvPr>
-            <p:extLst>
-              <p:ext uri="{D42A27DB-BD31-4B8C-83A1-F6EECF244321}">
-                <p14:modId xmlns="" xmlns:p14="http://schemas.microsoft.com/office/powerpoint/2010/main" val="3829498261"/>
-              </p:ext>
-            </p:extLst>
-          </p:nvPr>
-        </p:nvGraphicFramePr>
-        <p:xfrm>
-          <a:off x="1141413" y="885825"/>
-          <a:ext cx="6591300" cy="5384800"/>
-        </p:xfrm>
-        <a:graphic>
-          <a:graphicData uri="http://schemas.openxmlformats.org/presentationml/2006/ole">
-            <p:oleObj spid="_x0000_s84994" name="Visio" r:id="rId3" imgW="8321715" imgH="6803957" progId="Visio.Drawing.11">
-              <p:embed/>
-            </p:oleObj>
-          </a:graphicData>
-        </a:graphic>
-      </p:graphicFrame>
-      <p:sp>
-        <p:nvSpPr>
-          <p:cNvPr id="6" name="Slide Number Placeholder 3"/>
-          <p:cNvSpPr>
-            <a:spLocks noGrp="1"/>
-          </p:cNvSpPr>
-          <p:nvPr>
-            <p:ph type="sldNum" sz="quarter" idx="10"/>
-          </p:nvPr>
-        </p:nvSpPr>
-        <p:spPr>
-          <a:xfrm>
-            <a:off x="6642100" y="6038850"/>
-            <a:ext cx="2133600" cy="206375"/>
-          </a:xfrm>
-        </p:spPr>
-        <p:txBody>
-          <a:bodyPr/>
-          <a:lstStyle/>
-          <a:p>
-            <a:fld id="{91A5AC0A-F4BD-4464-80DC-A88E0D9F781D}" type="slidenum">
-              <a:rPr lang="en-US" smtClean="0"/>
-              <a:pPr/>
-              <a:t>12</a:t>
-            </a:fld>
-            <a:endParaRPr lang="en-US" dirty="0"/>
-          </a:p>
-        </p:txBody>
-      </p:sp>
-    </p:spTree>
-    <p:extLst>
-      <p:ext uri="{BB962C8B-B14F-4D97-AF65-F5344CB8AC3E}">
-        <p14:creationId xmlns="" xmlns:p14="http://schemas.microsoft.com/office/powerpoint/2010/main" val="1580231294"/>
-      </p:ext>
-    </p:extLst>
-  </p:cSld>
-  <p:clrMapOvr>
-    <a:masterClrMapping/>
-  </p:clrMapOvr>
-</p:sld>
-</file>
-
-<file path=ppt/slides/slide13.xml><?xml version="1.0" encoding="utf-8"?>
-<p:sld xmlns:a="http://schemas.openxmlformats.org/drawingml/2006/main" xmlns:r="http://schemas.openxmlformats.org/officeDocument/2006/relationships" xmlns:p="http://schemas.openxmlformats.org/presentationml/2006/main">
-  <p:cSld>
-    <p:spTree>
-      <p:nvGrpSpPr>
-        <p:cNvPr id="1" name=""/>
-        <p:cNvGrpSpPr/>
-        <p:nvPr/>
-      </p:nvGrpSpPr>
-      <p:grpSpPr>
-        <a:xfrm>
-          <a:off x="0" y="0"/>
-          <a:ext cx="0" cy="0"/>
-          <a:chOff x="0" y="0"/>
-          <a:chExt cx="0" cy="0"/>
-        </a:xfrm>
-      </p:grpSpPr>
-      <p:sp>
-        <p:nvSpPr>
-          <p:cNvPr id="104450" name="Rectangle 3"/>
-          <p:cNvSpPr>
-            <a:spLocks noGrp="1" noChangeArrowheads="1"/>
-          </p:cNvSpPr>
-          <p:nvPr>
-            <p:ph type="title" idx="4294967295"/>
-          </p:nvPr>
-        </p:nvSpPr>
-        <p:spPr>
-          <a:xfrm>
-            <a:off x="437305" y="76200"/>
-            <a:ext cx="8229600" cy="762000"/>
-          </a:xfrm>
-        </p:spPr>
-        <p:txBody>
-          <a:bodyPr/>
-          <a:lstStyle/>
-          <a:p>
-            <a:r>
-              <a:rPr lang="en-US" sz="4000" dirty="0" smtClean="0"/>
-              <a:t>66AK2E02 </a:t>
-            </a:r>
-            <a:r>
-              <a:rPr lang="en-US" dirty="0" smtClean="0"/>
-              <a:t>Key Features</a:t>
-            </a:r>
-            <a:endParaRPr lang="en-US" sz="4000" dirty="0" smtClean="0"/>
-          </a:p>
-        </p:txBody>
-      </p:sp>
-      <p:sp>
-        <p:nvSpPr>
-          <p:cNvPr id="859" name="Rectangle 5"/>
-          <p:cNvSpPr txBox="1">
-            <a:spLocks noChangeArrowheads="1"/>
-          </p:cNvSpPr>
-          <p:nvPr/>
-        </p:nvSpPr>
-        <p:spPr bwMode="auto">
-          <a:xfrm>
-            <a:off x="5364960" y="855925"/>
-            <a:ext cx="3721893" cy="2896773"/>
-          </a:xfrm>
-          <a:prstGeom prst="rect">
-            <a:avLst/>
-          </a:prstGeom>
-          <a:noFill/>
-          <a:ln w="9525">
-            <a:noFill/>
-            <a:miter lim="800000"/>
-            <a:headEnd/>
-            <a:tailEnd/>
-          </a:ln>
-        </p:spPr>
-        <p:txBody>
-          <a:bodyPr/>
-          <a:lstStyle/>
-          <a:p>
-            <a:pPr marL="285750" indent="-285750">
-              <a:lnSpc>
-                <a:spcPct val="80000"/>
-              </a:lnSpc>
-              <a:spcBef>
-                <a:spcPts val="600"/>
-              </a:spcBef>
-              <a:buFont typeface="Arial" panose="020B0604020202020204" pitchFamily="34" charset="0"/>
-              <a:buChar char="•"/>
-              <a:defRPr/>
-            </a:pPr>
-            <a:r>
-              <a:rPr lang="en-US" sz="2400" dirty="0" smtClean="0">
-                <a:latin typeface="Calibri" pitchFamily="34" charset="0"/>
-                <a:cs typeface="Calibri" pitchFamily="34" charset="0"/>
-              </a:rPr>
-              <a:t>Scaled-down </a:t>
-            </a:r>
-            <a:r>
-              <a:rPr lang="en-US" sz="2400" dirty="0">
-                <a:latin typeface="Calibri" pitchFamily="34" charset="0"/>
-                <a:cs typeface="Calibri" pitchFamily="34" charset="0"/>
-              </a:rPr>
-              <a:t>version </a:t>
-            </a:r>
-            <a:r>
-              <a:rPr lang="en-US" sz="2400" dirty="0" smtClean="0">
-                <a:latin typeface="Calibri" pitchFamily="34" charset="0"/>
-                <a:cs typeface="Calibri" pitchFamily="34" charset="0"/>
-              </a:rPr>
-              <a:t>of 66AK2E05</a:t>
-            </a:r>
-          </a:p>
-          <a:p>
-            <a:pPr marL="285750" indent="-285750">
-              <a:lnSpc>
-                <a:spcPct val="80000"/>
-              </a:lnSpc>
-              <a:spcBef>
-                <a:spcPts val="600"/>
-              </a:spcBef>
-              <a:buFont typeface="Arial" panose="020B0604020202020204" pitchFamily="34" charset="0"/>
-              <a:buChar char="•"/>
-              <a:defRPr/>
-            </a:pPr>
-            <a:r>
-              <a:rPr lang="en-US" sz="2400" dirty="0" smtClean="0">
-                <a:latin typeface="Calibri" pitchFamily="34" charset="0"/>
-                <a:cs typeface="Calibri" pitchFamily="34" charset="0"/>
-              </a:rPr>
-              <a:t>High </a:t>
-            </a:r>
-            <a:r>
-              <a:rPr lang="en-US" sz="2400" dirty="0" smtClean="0">
-                <a:latin typeface="Calibri" pitchFamily="34" charset="0"/>
-                <a:cs typeface="Calibri" pitchFamily="34" charset="0"/>
-              </a:rPr>
-              <a:t>connectivity, </a:t>
-            </a:r>
-            <a:r>
-              <a:rPr lang="en-US" sz="2400" dirty="0" smtClean="0">
-                <a:latin typeface="Calibri" pitchFamily="34" charset="0"/>
-                <a:cs typeface="Calibri" pitchFamily="34" charset="0"/>
-              </a:rPr>
-              <a:t>but does not have </a:t>
-            </a:r>
-            <a:r>
-              <a:rPr lang="en-US" sz="2400" dirty="0" smtClean="0">
-                <a:latin typeface="Calibri" pitchFamily="34" charset="0"/>
-                <a:cs typeface="Calibri" pitchFamily="34" charset="0"/>
-              </a:rPr>
-              <a:t>10GBE</a:t>
-            </a:r>
-            <a:endParaRPr lang="en-US" sz="2400" dirty="0" smtClean="0">
-              <a:latin typeface="Calibri" pitchFamily="34" charset="0"/>
-              <a:cs typeface="Calibri" pitchFamily="34" charset="0"/>
-            </a:endParaRPr>
-          </a:p>
-          <a:p>
-            <a:pPr marL="285750" indent="-285750">
-              <a:lnSpc>
-                <a:spcPct val="80000"/>
-              </a:lnSpc>
-              <a:spcBef>
-                <a:spcPts val="600"/>
-              </a:spcBef>
-              <a:buFont typeface="Arial" panose="020B0604020202020204" pitchFamily="34" charset="0"/>
-              <a:buChar char="•"/>
-              <a:defRPr/>
-            </a:pPr>
-            <a:r>
-              <a:rPr lang="en-US" sz="2400" dirty="0" smtClean="0">
-                <a:latin typeface="Calibri" pitchFamily="34" charset="0"/>
-                <a:cs typeface="Calibri" pitchFamily="34" charset="0"/>
-              </a:rPr>
-              <a:t>2x PCIe </a:t>
-            </a:r>
-            <a:r>
-              <a:rPr lang="en-US" sz="2400" dirty="0" smtClean="0">
-                <a:latin typeface="Calibri" pitchFamily="34" charset="0"/>
-                <a:cs typeface="Calibri" pitchFamily="34" charset="0"/>
-              </a:rPr>
-              <a:t>and </a:t>
-            </a:r>
-            <a:r>
-              <a:rPr lang="en-US" sz="2400" dirty="0" smtClean="0">
-                <a:latin typeface="Calibri" pitchFamily="34" charset="0"/>
-                <a:cs typeface="Calibri" pitchFamily="34" charset="0"/>
-              </a:rPr>
-              <a:t>2x </a:t>
-            </a:r>
-            <a:r>
-              <a:rPr lang="en-US" sz="2400" dirty="0" smtClean="0">
-                <a:latin typeface="Calibri" pitchFamily="34" charset="0"/>
-                <a:cs typeface="Calibri" pitchFamily="34" charset="0"/>
-              </a:rPr>
-              <a:t>USB 3.0</a:t>
-            </a:r>
-            <a:r>
-              <a:rPr lang="en-US" sz="2400" dirty="0" smtClean="0">
-                <a:latin typeface="Calibri" pitchFamily="34" charset="0"/>
-                <a:cs typeface="Calibri" pitchFamily="34" charset="0"/>
-              </a:rPr>
-              <a:t> </a:t>
-            </a:r>
-            <a:r>
-              <a:rPr lang="en-US" sz="2400" dirty="0" smtClean="0">
-                <a:latin typeface="Calibri" pitchFamily="34" charset="0"/>
-                <a:cs typeface="Calibri" pitchFamily="34" charset="0"/>
-              </a:rPr>
-              <a:t>enables fast disk storage</a:t>
-            </a:r>
-          </a:p>
-          <a:p>
-            <a:pPr marL="285750" indent="-285750">
-              <a:lnSpc>
-                <a:spcPct val="80000"/>
-              </a:lnSpc>
-              <a:spcBef>
-                <a:spcPts val="600"/>
-              </a:spcBef>
-              <a:buFont typeface="Arial" panose="020B0604020202020204" pitchFamily="34" charset="0"/>
-              <a:buChar char="•"/>
-              <a:defRPr/>
-            </a:pPr>
-            <a:r>
-              <a:rPr lang="en-US" sz="2400" dirty="0" smtClean="0">
-                <a:latin typeface="Calibri" pitchFamily="34" charset="0"/>
-                <a:cs typeface="Calibri" pitchFamily="34" charset="0"/>
-              </a:rPr>
-              <a:t>Communication, storage with some analytics</a:t>
-            </a:r>
-          </a:p>
-          <a:p>
-            <a:pPr algn="l">
-              <a:lnSpc>
-                <a:spcPct val="85000"/>
-              </a:lnSpc>
-              <a:spcBef>
-                <a:spcPct val="20000"/>
-              </a:spcBef>
-              <a:defRPr/>
-            </a:pPr>
-            <a:endParaRPr lang="en-US" sz="2400" dirty="0" smtClean="0">
-              <a:solidFill>
-                <a:srgbClr val="000000"/>
-              </a:solidFill>
-              <a:latin typeface="Calibri" pitchFamily="34" charset="0"/>
-            </a:endParaRPr>
-          </a:p>
-        </p:txBody>
-      </p:sp>
-      <p:pic>
-        <p:nvPicPr>
-          <p:cNvPr id="9" name="Picture 8" descr="Functional Block Diagram 66AK2E02.bmp"/>
-          <p:cNvPicPr>
-            <a:picLocks noChangeAspect="1"/>
-          </p:cNvPicPr>
-          <p:nvPr/>
-        </p:nvPicPr>
-        <p:blipFill>
-          <a:blip r:embed="rId4" cstate="print"/>
-          <a:stretch>
-            <a:fillRect/>
-          </a:stretch>
-        </p:blipFill>
-        <p:spPr>
-          <a:xfrm>
-            <a:off x="0" y="859536"/>
-            <a:ext cx="5343155" cy="5443739"/>
-          </a:xfrm>
-          <a:prstGeom prst="rect">
-            <a:avLst/>
-          </a:prstGeom>
-        </p:spPr>
-      </p:pic>
-      <p:sp>
-        <p:nvSpPr>
-          <p:cNvPr id="5" name="Slide Number Placeholder 3"/>
-          <p:cNvSpPr>
-            <a:spLocks noGrp="1"/>
-          </p:cNvSpPr>
-          <p:nvPr>
-            <p:ph type="sldNum" sz="quarter" idx="10"/>
-          </p:nvPr>
-        </p:nvSpPr>
-        <p:spPr>
-          <a:xfrm>
-            <a:off x="6642100" y="6038850"/>
-            <a:ext cx="2133600" cy="206375"/>
-          </a:xfrm>
-        </p:spPr>
-        <p:txBody>
-          <a:bodyPr/>
-          <a:lstStyle/>
-          <a:p>
-            <a:fld id="{91A5AC0A-F4BD-4464-80DC-A88E0D9F781D}" type="slidenum">
-              <a:rPr lang="en-US" smtClean="0"/>
-              <a:pPr/>
-              <a:t>13</a:t>
-            </a:fld>
-            <a:endParaRPr lang="en-US" dirty="0"/>
-          </a:p>
-        </p:txBody>
-      </p:sp>
-    </p:spTree>
-    <p:custDataLst>
-      <p:tags r:id="rId1"/>
-    </p:custDataLst>
-    <p:extLst>
-      <p:ext uri="{BB962C8B-B14F-4D97-AF65-F5344CB8AC3E}">
-        <p14:creationId xmlns="" xmlns:p14="http://schemas.microsoft.com/office/powerpoint/2010/main" val="2071910042"/>
-      </p:ext>
-    </p:extLst>
-  </p:cSld>
-  <p:clrMapOvr>
-    <a:masterClrMapping/>
-  </p:clrMapOvr>
-  <p:timing>
-    <p:tnLst>
-      <p:par>
-        <p:cTn id="1" dur="indefinite" restart="never" nodeType="tmRoot"/>
-      </p:par>
-    </p:tnLst>
-  </p:timing>
-</p:sld>
-</file>
-
-<file path=ppt/slides/slide14.xml><?xml version="1.0" encoding="utf-8"?>
-<p:sld xmlns:a="http://schemas.openxmlformats.org/drawingml/2006/main" xmlns:r="http://schemas.openxmlformats.org/officeDocument/2006/relationships" xmlns:p="http://schemas.openxmlformats.org/presentationml/2006/main">
-  <p:cSld>
-    <p:spTree>
-      <p:nvGrpSpPr>
-        <p:cNvPr id="1" name=""/>
-        <p:cNvGrpSpPr/>
-        <p:nvPr/>
-      </p:nvGrpSpPr>
-      <p:grpSpPr>
-        <a:xfrm>
-          <a:off x="0" y="0"/>
-          <a:ext cx="0" cy="0"/>
-          <a:chOff x="0" y="0"/>
-          <a:chExt cx="0" cy="0"/>
-        </a:xfrm>
-      </p:grpSpPr>
-      <p:sp>
-        <p:nvSpPr>
-          <p:cNvPr id="104450" name="Rectangle 3"/>
-          <p:cNvSpPr>
-            <a:spLocks noGrp="1" noChangeArrowheads="1"/>
-          </p:cNvSpPr>
-          <p:nvPr>
-            <p:ph type="title" idx="4294967295"/>
-          </p:nvPr>
-        </p:nvSpPr>
-        <p:spPr>
-          <a:xfrm>
-            <a:off x="437305" y="76200"/>
-            <a:ext cx="8229600" cy="762000"/>
-          </a:xfrm>
-        </p:spPr>
-        <p:txBody>
-          <a:bodyPr/>
-          <a:lstStyle/>
-          <a:p>
-            <a:r>
-              <a:rPr lang="en-US" sz="4000" dirty="0" smtClean="0"/>
-              <a:t>66AK2E02 Applications </a:t>
-            </a:r>
-          </a:p>
-        </p:txBody>
-      </p:sp>
-      <p:sp>
-        <p:nvSpPr>
-          <p:cNvPr id="7" name="Rectangle 5"/>
-          <p:cNvSpPr txBox="1">
-            <a:spLocks noChangeArrowheads="1"/>
-          </p:cNvSpPr>
-          <p:nvPr/>
-        </p:nvSpPr>
-        <p:spPr bwMode="auto">
-          <a:xfrm>
-            <a:off x="5376671" y="871728"/>
-            <a:ext cx="3767329" cy="3352800"/>
-          </a:xfrm>
-          <a:prstGeom prst="rect">
-            <a:avLst/>
-          </a:prstGeom>
-          <a:noFill/>
-          <a:ln w="9525">
-            <a:noFill/>
-            <a:miter lim="800000"/>
-            <a:headEnd/>
-            <a:tailEnd/>
-          </a:ln>
-        </p:spPr>
-        <p:txBody>
-          <a:bodyPr/>
-          <a:lstStyle/>
-          <a:p>
-            <a:pPr marL="285750" lvl="0" indent="-285750">
-              <a:lnSpc>
-                <a:spcPct val="80000"/>
-              </a:lnSpc>
-              <a:spcBef>
-                <a:spcPts val="600"/>
-              </a:spcBef>
-              <a:buFont typeface="Arial" panose="020B0604020202020204" pitchFamily="34" charset="0"/>
-              <a:buChar char="•"/>
-              <a:defRPr/>
-            </a:pPr>
-            <a:r>
-              <a:rPr lang="en-US" sz="2400" dirty="0" smtClean="0">
-                <a:latin typeface="Calibri" pitchFamily="34" charset="0"/>
-                <a:cs typeface="Calibri" pitchFamily="34" charset="0"/>
-              </a:rPr>
-              <a:t>Smart </a:t>
-            </a:r>
-            <a:r>
-              <a:rPr lang="en-US" sz="2400" dirty="0">
-                <a:latin typeface="Calibri" pitchFamily="34" charset="0"/>
-                <a:cs typeface="Calibri" pitchFamily="34" charset="0"/>
-              </a:rPr>
-              <a:t>Grid and Smart Metering</a:t>
-            </a:r>
-          </a:p>
-          <a:p>
-            <a:pPr marL="285750" lvl="0" indent="-285750">
-              <a:lnSpc>
-                <a:spcPct val="80000"/>
-              </a:lnSpc>
-              <a:spcBef>
-                <a:spcPts val="600"/>
-              </a:spcBef>
-              <a:buFont typeface="Arial" panose="020B0604020202020204" pitchFamily="34" charset="0"/>
-              <a:buChar char="•"/>
-              <a:defRPr/>
-            </a:pPr>
-            <a:r>
-              <a:rPr lang="en-US" sz="2400" dirty="0">
-                <a:latin typeface="Calibri" pitchFamily="34" charset="0"/>
-                <a:cs typeface="Calibri" pitchFamily="34" charset="0"/>
-              </a:rPr>
-              <a:t>Factory </a:t>
-            </a:r>
-            <a:r>
-              <a:rPr lang="en-US" sz="2400" dirty="0" smtClean="0">
-                <a:latin typeface="Calibri" pitchFamily="34" charset="0"/>
-                <a:cs typeface="Calibri" pitchFamily="34" charset="0"/>
-              </a:rPr>
-              <a:t>automation</a:t>
-            </a:r>
-            <a:endParaRPr lang="en-US" sz="2400" dirty="0">
-              <a:latin typeface="Calibri" pitchFamily="34" charset="0"/>
-              <a:cs typeface="Calibri" pitchFamily="34" charset="0"/>
-            </a:endParaRPr>
-          </a:p>
-          <a:p>
-            <a:pPr marL="285750" lvl="0" indent="-285750">
-              <a:lnSpc>
-                <a:spcPct val="80000"/>
-              </a:lnSpc>
-              <a:spcBef>
-                <a:spcPts val="600"/>
-              </a:spcBef>
-              <a:buFont typeface="Arial" panose="020B0604020202020204" pitchFamily="34" charset="0"/>
-              <a:buChar char="•"/>
-              <a:defRPr/>
-            </a:pPr>
-            <a:r>
-              <a:rPr lang="en-US" sz="2400" dirty="0">
-                <a:latin typeface="Calibri" pitchFamily="34" charset="0"/>
-                <a:cs typeface="Calibri" pitchFamily="34" charset="0"/>
-              </a:rPr>
-              <a:t>Building </a:t>
-            </a:r>
-            <a:r>
-              <a:rPr lang="en-US" sz="2400" dirty="0" smtClean="0">
-                <a:latin typeface="Calibri" pitchFamily="34" charset="0"/>
-                <a:cs typeface="Calibri" pitchFamily="34" charset="0"/>
-              </a:rPr>
-              <a:t>control</a:t>
-            </a:r>
-            <a:endParaRPr lang="en-US" sz="2400" dirty="0">
-              <a:latin typeface="Calibri" pitchFamily="34" charset="0"/>
-              <a:cs typeface="Calibri" pitchFamily="34" charset="0"/>
-            </a:endParaRPr>
-          </a:p>
-          <a:p>
-            <a:pPr marL="285750" lvl="0" indent="-285750">
-              <a:lnSpc>
-                <a:spcPct val="80000"/>
-              </a:lnSpc>
-              <a:spcBef>
-                <a:spcPts val="600"/>
-              </a:spcBef>
-              <a:buFont typeface="Arial" panose="020B0604020202020204" pitchFamily="34" charset="0"/>
-              <a:buChar char="•"/>
-              <a:defRPr/>
-            </a:pPr>
-            <a:r>
-              <a:rPr lang="en-US" sz="2400" dirty="0">
-                <a:latin typeface="Calibri" pitchFamily="34" charset="0"/>
-                <a:cs typeface="Calibri" pitchFamily="34" charset="0"/>
-              </a:rPr>
-              <a:t>Aerospace and </a:t>
-            </a:r>
-            <a:r>
-              <a:rPr lang="en-US" sz="2400" dirty="0" smtClean="0">
-                <a:latin typeface="Calibri" pitchFamily="34" charset="0"/>
-                <a:cs typeface="Calibri" pitchFamily="34" charset="0"/>
-              </a:rPr>
-              <a:t>defense</a:t>
-            </a:r>
-            <a:endParaRPr lang="en-US" sz="2400" dirty="0">
-              <a:latin typeface="Calibri" pitchFamily="34" charset="0"/>
-              <a:cs typeface="Calibri" pitchFamily="34" charset="0"/>
-            </a:endParaRPr>
-          </a:p>
-          <a:p>
-            <a:pPr marL="285750" lvl="0" indent="-285750">
-              <a:lnSpc>
-                <a:spcPct val="80000"/>
-              </a:lnSpc>
-              <a:spcBef>
-                <a:spcPts val="600"/>
-              </a:spcBef>
-              <a:buFont typeface="Arial" panose="020B0604020202020204" pitchFamily="34" charset="0"/>
-              <a:buChar char="•"/>
-              <a:defRPr/>
-            </a:pPr>
-            <a:r>
-              <a:rPr lang="en-US" sz="2400" dirty="0">
-                <a:latin typeface="Calibri" pitchFamily="34" charset="0"/>
-                <a:cs typeface="Calibri" pitchFamily="34" charset="0"/>
-              </a:rPr>
-              <a:t>Industrial </a:t>
-            </a:r>
-            <a:r>
-              <a:rPr lang="en-US" sz="2400" dirty="0" smtClean="0">
-                <a:latin typeface="Calibri" pitchFamily="34" charset="0"/>
-                <a:cs typeface="Calibri" pitchFamily="34" charset="0"/>
-              </a:rPr>
-              <a:t>networking </a:t>
-            </a:r>
-            <a:r>
-              <a:rPr lang="en-US" sz="2400" dirty="0">
-                <a:latin typeface="Calibri" pitchFamily="34" charset="0"/>
-                <a:cs typeface="Calibri" pitchFamily="34" charset="0"/>
-              </a:rPr>
-              <a:t>and </a:t>
-            </a:r>
-            <a:r>
-              <a:rPr lang="en-US" sz="2400" dirty="0" err="1" smtClean="0">
-                <a:latin typeface="Calibri" pitchFamily="34" charset="0"/>
-                <a:cs typeface="Calibri" pitchFamily="34" charset="0"/>
-              </a:rPr>
-              <a:t>Fieldbus</a:t>
-            </a:r>
-            <a:r>
-              <a:rPr lang="en-US" sz="2400" dirty="0" smtClean="0">
-                <a:latin typeface="Calibri" pitchFamily="34" charset="0"/>
-                <a:cs typeface="Calibri" pitchFamily="34" charset="0"/>
-              </a:rPr>
-              <a:t> protocols</a:t>
-            </a:r>
-            <a:endParaRPr lang="en-US" sz="2400" dirty="0" smtClean="0">
-              <a:latin typeface="Calibri" pitchFamily="34" charset="0"/>
-              <a:cs typeface="Calibri" pitchFamily="34" charset="0"/>
-            </a:endParaRPr>
-          </a:p>
-          <a:p>
-            <a:pPr marL="285750" lvl="0" indent="-285750">
-              <a:lnSpc>
-                <a:spcPct val="80000"/>
-              </a:lnSpc>
-              <a:spcBef>
-                <a:spcPts val="600"/>
-              </a:spcBef>
-              <a:buFont typeface="Arial" panose="020B0604020202020204" pitchFamily="34" charset="0"/>
-              <a:buChar char="•"/>
-              <a:defRPr/>
-            </a:pPr>
-            <a:r>
-              <a:rPr lang="en-US" sz="2400" dirty="0" smtClean="0">
-                <a:latin typeface="Calibri" pitchFamily="34" charset="0"/>
-                <a:cs typeface="Calibri" pitchFamily="34" charset="0"/>
-              </a:rPr>
-              <a:t>Medical </a:t>
-            </a:r>
-            <a:r>
-              <a:rPr lang="en-US" sz="2400" dirty="0" smtClean="0">
-                <a:latin typeface="Calibri" pitchFamily="34" charset="0"/>
-                <a:cs typeface="Calibri" pitchFamily="34" charset="0"/>
-              </a:rPr>
-              <a:t>imaging</a:t>
-            </a:r>
-            <a:endParaRPr lang="en-US" sz="2400" dirty="0">
-              <a:latin typeface="Calibri" pitchFamily="34" charset="0"/>
-              <a:cs typeface="Calibri" pitchFamily="34" charset="0"/>
-            </a:endParaRPr>
-          </a:p>
-          <a:p>
-            <a:pPr algn="l">
-              <a:lnSpc>
-                <a:spcPct val="85000"/>
-              </a:lnSpc>
-              <a:spcBef>
-                <a:spcPct val="20000"/>
-              </a:spcBef>
-              <a:defRPr/>
-            </a:pPr>
-            <a:endParaRPr lang="en-US" sz="2400" dirty="0" smtClean="0">
-              <a:solidFill>
-                <a:srgbClr val="000000"/>
-              </a:solidFill>
-              <a:latin typeface="Calibri" pitchFamily="34" charset="0"/>
-            </a:endParaRPr>
-          </a:p>
-        </p:txBody>
-      </p:sp>
-      <p:pic>
-        <p:nvPicPr>
-          <p:cNvPr id="5" name="Picture 4" descr="Functional Block Diagram 66AK2E02.bmp"/>
-          <p:cNvPicPr>
-            <a:picLocks noChangeAspect="1"/>
-          </p:cNvPicPr>
-          <p:nvPr/>
-        </p:nvPicPr>
-        <p:blipFill>
-          <a:blip r:embed="rId4" cstate="print"/>
-          <a:stretch>
-            <a:fillRect/>
-          </a:stretch>
-        </p:blipFill>
-        <p:spPr>
-          <a:xfrm>
-            <a:off x="0" y="859536"/>
-            <a:ext cx="5343155" cy="5443739"/>
-          </a:xfrm>
-          <a:prstGeom prst="rect">
-            <a:avLst/>
-          </a:prstGeom>
-        </p:spPr>
-      </p:pic>
-      <p:sp>
-        <p:nvSpPr>
-          <p:cNvPr id="6" name="Slide Number Placeholder 3"/>
-          <p:cNvSpPr>
-            <a:spLocks noGrp="1"/>
-          </p:cNvSpPr>
-          <p:nvPr>
-            <p:ph type="sldNum" sz="quarter" idx="10"/>
-          </p:nvPr>
-        </p:nvSpPr>
-        <p:spPr>
-          <a:xfrm>
-            <a:off x="6642100" y="6038850"/>
-            <a:ext cx="2133600" cy="206375"/>
-          </a:xfrm>
-        </p:spPr>
-        <p:txBody>
-          <a:bodyPr/>
-          <a:lstStyle/>
-          <a:p>
-            <a:fld id="{91A5AC0A-F4BD-4464-80DC-A88E0D9F781D}" type="slidenum">
-              <a:rPr lang="en-US" smtClean="0"/>
-              <a:pPr/>
-              <a:t>14</a:t>
-            </a:fld>
-            <a:endParaRPr lang="en-US" dirty="0"/>
-          </a:p>
-        </p:txBody>
-      </p:sp>
-    </p:spTree>
-    <p:custDataLst>
-      <p:tags r:id="rId1"/>
-    </p:custDataLst>
-    <p:extLst>
-      <p:ext uri="{BB962C8B-B14F-4D97-AF65-F5344CB8AC3E}">
-        <p14:creationId xmlns="" xmlns:p14="http://schemas.microsoft.com/office/powerpoint/2010/main" val="3238446912"/>
-      </p:ext>
-    </p:extLst>
-  </p:cSld>
-  <p:clrMapOvr>
-    <a:masterClrMapping/>
-  </p:clrMapOvr>
-  <p:timing>
-    <p:tnLst>
-      <p:par>
-        <p:cTn id="1" dur="indefinite" restart="never" nodeType="tmRoot"/>
-      </p:par>
-    </p:tnLst>
-  </p:timing>
-</p:sld>
-</file>
-
-<file path=ppt/slides/slide15.xml><?xml version="1.0" encoding="utf-8"?>
-<p:sld xmlns:a="http://schemas.openxmlformats.org/drawingml/2006/main" xmlns:r="http://schemas.openxmlformats.org/officeDocument/2006/relationships" xmlns:p="http://schemas.openxmlformats.org/presentationml/2006/main">
-  <p:cSld>
-    <p:spTree>
-      <p:nvGrpSpPr>
-        <p:cNvPr id="1" name=""/>
-        <p:cNvGrpSpPr/>
-        <p:nvPr/>
-      </p:nvGrpSpPr>
-      <p:grpSpPr>
-        <a:xfrm>
-          <a:off x="0" y="0"/>
-          <a:ext cx="0" cy="0"/>
-          <a:chOff x="0" y="0"/>
-          <a:chExt cx="0" cy="0"/>
-        </a:xfrm>
-      </p:grpSpPr>
-      <p:sp>
-        <p:nvSpPr>
-          <p:cNvPr id="2" name="Title 1"/>
-          <p:cNvSpPr>
-            <a:spLocks noGrp="1"/>
-          </p:cNvSpPr>
-          <p:nvPr>
-            <p:ph type="title"/>
-          </p:nvPr>
-        </p:nvSpPr>
-        <p:spPr>
-          <a:xfrm>
-            <a:off x="457200" y="82296"/>
-            <a:ext cx="8229600" cy="868362"/>
-          </a:xfrm>
-        </p:spPr>
-        <p:txBody>
-          <a:bodyPr>
-            <a:normAutofit/>
-          </a:bodyPr>
-          <a:lstStyle/>
-          <a:p>
-            <a:r>
-              <a:rPr lang="en-US" dirty="0" smtClean="0"/>
-              <a:t>TI Embedded Processing Devices </a:t>
-            </a:r>
-            <a:endParaRPr lang="en-US" dirty="0"/>
-          </a:p>
-        </p:txBody>
-      </p:sp>
-      <p:sp>
-        <p:nvSpPr>
-          <p:cNvPr id="5" name="Rectangle 1"/>
-          <p:cNvSpPr>
-            <a:spLocks noChangeArrowheads="1"/>
-          </p:cNvSpPr>
-          <p:nvPr/>
-        </p:nvSpPr>
-        <p:spPr bwMode="auto">
-          <a:xfrm>
-            <a:off x="1531938" y="1778000"/>
-            <a:ext cx="9144000" cy="457200"/>
-          </a:xfrm>
-          <a:prstGeom prst="rect">
-            <a:avLst/>
-          </a:prstGeom>
-          <a:noFill/>
-          <a:ln>
-            <a:noFill/>
-          </a:ln>
-          <a:effectLst/>
-          <a:extLst>
-            <a:ext uri="{909E8E84-426E-40DD-AFC4-6F175D3DCCD1}">
-              <a14:hiddenFill xmlns="" xmlns:a14="http://schemas.microsoft.com/office/drawing/2010/main">
-                <a:solidFill>
-                  <a:schemeClr val="accent1"/>
-                </a:solidFill>
-              </a14:hiddenFill>
-            </a:ext>
-            <a:ext uri="{91240B29-F687-4F45-9708-019B960494DF}">
-              <a14:hiddenLine xmlns="" xmlns:a14="http://schemas.microsoft.com/office/drawing/2010/main" w="9525">
-                <a:solidFill>
-                  <a:schemeClr val="tx1"/>
-                </a:solidFill>
-                <a:miter lim="800000"/>
-                <a:headEnd/>
-                <a:tailEnd/>
-              </a14:hiddenLine>
-            </a:ext>
-            <a:ext uri="{AF507438-7753-43E0-B8FC-AC1667EBCBE1}">
-              <a14:hiddenEffects xmlns="" xmlns:a14="http://schemas.microsoft.com/office/drawing/2010/main">
-                <a:effectLst>
-                  <a:outerShdw dist="35921" dir="2700000" algn="ctr" rotWithShape="0">
-                    <a:schemeClr val="bg2"/>
-                  </a:outerShdw>
-                </a:effectLst>
-              </a14:hiddenEffects>
-            </a:ext>
-          </a:extLst>
-        </p:spPr>
-        <p:txBody>
-          <a:bodyPr vert="horz" wrap="none" lIns="91440" tIns="45720" rIns="91440" bIns="45720" numCol="1" anchor="ctr" anchorCtr="0" compatLnSpc="1">
-            <a:prstTxWarp prst="textNoShape">
-              <a:avLst/>
-            </a:prstTxWarp>
-            <a:spAutoFit/>
-          </a:bodyPr>
-          <a:lstStyle/>
-          <a:p>
-            <a:pPr marL="0" marR="0" lvl="0" indent="0" algn="l" defTabSz="914400" rtl="0" eaLnBrk="1" fontAlgn="base" latinLnBrk="0" hangingPunct="1">
-              <a:lnSpc>
-                <a:spcPct val="100000"/>
-              </a:lnSpc>
-              <a:spcBef>
-                <a:spcPct val="0"/>
-              </a:spcBef>
-              <a:spcAft>
-                <a:spcPct val="0"/>
-              </a:spcAft>
-              <a:buClrTx/>
-              <a:buSzTx/>
-              <a:buFontTx/>
-              <a:buNone/>
-              <a:tabLst/>
-            </a:pPr>
-            <a:endParaRPr kumimoji="0" lang="en-US" sz="1800" b="0" i="0" u="none" strike="noStrike" cap="none" normalizeH="0" baseline="0" dirty="0" smtClean="0">
-              <a:ln>
-                <a:noFill/>
-              </a:ln>
-              <a:solidFill>
-                <a:schemeClr val="tx1"/>
-              </a:solidFill>
-              <a:effectLst/>
-              <a:latin typeface="Arial" pitchFamily="34" charset="0"/>
-              <a:cs typeface="Arial" pitchFamily="34" charset="0"/>
-            </a:endParaRPr>
-          </a:p>
-        </p:txBody>
-      </p:sp>
-      <p:graphicFrame>
-        <p:nvGraphicFramePr>
-          <p:cNvPr id="4" name="Object 3"/>
-          <p:cNvGraphicFramePr>
-            <a:graphicFrameLocks noChangeAspect="1"/>
-          </p:cNvGraphicFramePr>
-          <p:nvPr>
-            <p:extLst>
-              <p:ext uri="{D42A27DB-BD31-4B8C-83A1-F6EECF244321}">
-                <p14:modId xmlns="" xmlns:p14="http://schemas.microsoft.com/office/powerpoint/2010/main" val="601772777"/>
-              </p:ext>
-            </p:extLst>
-          </p:nvPr>
-        </p:nvGraphicFramePr>
-        <p:xfrm>
-          <a:off x="1141413" y="885825"/>
-          <a:ext cx="6591300" cy="5384800"/>
-        </p:xfrm>
-        <a:graphic>
-          <a:graphicData uri="http://schemas.openxmlformats.org/presentationml/2006/ole">
-            <p:oleObj spid="_x0000_s86018" name="Visio" r:id="rId3" imgW="8321715" imgH="6803957" progId="Visio.Drawing.11">
-              <p:embed/>
-            </p:oleObj>
-          </a:graphicData>
-        </a:graphic>
-      </p:graphicFrame>
-      <p:sp>
-        <p:nvSpPr>
-          <p:cNvPr id="6" name="Slide Number Placeholder 3"/>
-          <p:cNvSpPr>
-            <a:spLocks noGrp="1"/>
-          </p:cNvSpPr>
-          <p:nvPr>
-            <p:ph type="sldNum" sz="quarter" idx="10"/>
-          </p:nvPr>
-        </p:nvSpPr>
-        <p:spPr>
-          <a:xfrm>
-            <a:off x="6642100" y="6038850"/>
-            <a:ext cx="2133600" cy="206375"/>
-          </a:xfrm>
-        </p:spPr>
-        <p:txBody>
-          <a:bodyPr/>
-          <a:lstStyle/>
-          <a:p>
-            <a:fld id="{91A5AC0A-F4BD-4464-80DC-A88E0D9F781D}" type="slidenum">
-              <a:rPr lang="en-US" smtClean="0"/>
-              <a:pPr/>
-              <a:t>15</a:t>
-            </a:fld>
-            <a:endParaRPr lang="en-US" dirty="0"/>
-          </a:p>
-        </p:txBody>
-      </p:sp>
-    </p:spTree>
-    <p:extLst>
-      <p:ext uri="{BB962C8B-B14F-4D97-AF65-F5344CB8AC3E}">
-        <p14:creationId xmlns="" xmlns:p14="http://schemas.microsoft.com/office/powerpoint/2010/main" val="1958137510"/>
-      </p:ext>
-    </p:extLst>
-  </p:cSld>
-  <p:clrMapOvr>
-    <a:masterClrMapping/>
-  </p:clrMapOvr>
-</p:sld>
-</file>
-
-<file path=ppt/slides/slide16.xml><?xml version="1.0" encoding="utf-8"?>
-<p:sld xmlns:a="http://schemas.openxmlformats.org/drawingml/2006/main" xmlns:r="http://schemas.openxmlformats.org/officeDocument/2006/relationships" xmlns:p="http://schemas.openxmlformats.org/presentationml/2006/main">
-  <p:cSld>
-    <p:spTree>
-      <p:nvGrpSpPr>
-        <p:cNvPr id="1" name=""/>
-        <p:cNvGrpSpPr/>
-        <p:nvPr/>
-      </p:nvGrpSpPr>
-      <p:grpSpPr>
-        <a:xfrm>
-          <a:off x="0" y="0"/>
-          <a:ext cx="0" cy="0"/>
-          <a:chOff x="0" y="0"/>
-          <a:chExt cx="0" cy="0"/>
-        </a:xfrm>
-      </p:grpSpPr>
-      <p:sp>
-        <p:nvSpPr>
-          <p:cNvPr id="104450" name="Rectangle 3"/>
-          <p:cNvSpPr>
-            <a:spLocks noGrp="1" noChangeArrowheads="1"/>
-          </p:cNvSpPr>
-          <p:nvPr>
-            <p:ph type="title" idx="4294967295"/>
-          </p:nvPr>
-        </p:nvSpPr>
-        <p:spPr>
-          <a:xfrm>
-            <a:off x="437305" y="76200"/>
-            <a:ext cx="8229600" cy="762000"/>
-          </a:xfrm>
-        </p:spPr>
-        <p:txBody>
-          <a:bodyPr/>
-          <a:lstStyle/>
-          <a:p>
-            <a:pPr eaLnBrk="1" hangingPunct="1"/>
-            <a:r>
-              <a:rPr lang="en-US" sz="4000" dirty="0" smtClean="0"/>
-              <a:t>AM5K2E04 Key Features</a:t>
-            </a:r>
-            <a:endParaRPr lang="en-US" sz="4000" dirty="0" smtClean="0"/>
-          </a:p>
-        </p:txBody>
-      </p:sp>
-      <p:sp>
-        <p:nvSpPr>
-          <p:cNvPr id="859" name="Rectangle 5"/>
-          <p:cNvSpPr txBox="1">
-            <a:spLocks noChangeArrowheads="1"/>
-          </p:cNvSpPr>
-          <p:nvPr/>
-        </p:nvSpPr>
-        <p:spPr bwMode="auto">
-          <a:xfrm>
-            <a:off x="5364960" y="855925"/>
-            <a:ext cx="3721893" cy="4937115"/>
-          </a:xfrm>
-          <a:prstGeom prst="rect">
-            <a:avLst/>
-          </a:prstGeom>
-          <a:noFill/>
-          <a:ln w="9525">
-            <a:noFill/>
-            <a:miter lim="800000"/>
-            <a:headEnd/>
-            <a:tailEnd/>
-          </a:ln>
-        </p:spPr>
-        <p:txBody>
-          <a:bodyPr/>
-          <a:lstStyle/>
-          <a:p>
-            <a:pPr marL="285750" lvl="1" indent="-285750">
-              <a:lnSpc>
-                <a:spcPct val="80000"/>
-              </a:lnSpc>
-              <a:spcBef>
-                <a:spcPts val="600"/>
-              </a:spcBef>
-              <a:buFont typeface="Arial" panose="020B0604020202020204" pitchFamily="34" charset="0"/>
-              <a:buChar char="•"/>
-              <a:defRPr/>
-            </a:pPr>
-            <a:r>
-              <a:rPr lang="en-US" sz="2400" dirty="0" smtClean="0">
-                <a:latin typeface="Calibri" pitchFamily="34" charset="0"/>
-                <a:cs typeface="Calibri" pitchFamily="34" charset="0"/>
-              </a:rPr>
-              <a:t>ARM-only TI multicore device</a:t>
-            </a:r>
-          </a:p>
-          <a:p>
-            <a:pPr marL="285750" lvl="1" indent="-285750">
-              <a:lnSpc>
-                <a:spcPct val="80000"/>
-              </a:lnSpc>
-              <a:spcBef>
-                <a:spcPts val="600"/>
-              </a:spcBef>
-              <a:buFont typeface="Arial" panose="020B0604020202020204" pitchFamily="34" charset="0"/>
-              <a:buChar char="•"/>
-              <a:defRPr/>
-            </a:pPr>
-            <a:r>
-              <a:rPr lang="en-US" sz="2400" dirty="0" smtClean="0">
-                <a:latin typeface="Calibri" pitchFamily="34" charset="0"/>
-                <a:cs typeface="Calibri" pitchFamily="34" charset="0"/>
-              </a:rPr>
-              <a:t>Quad-ARM A15 CorePac</a:t>
-            </a:r>
-          </a:p>
-          <a:p>
-            <a:pPr marL="285750" lvl="1" indent="-285750">
-              <a:lnSpc>
-                <a:spcPct val="80000"/>
-              </a:lnSpc>
-              <a:spcBef>
-                <a:spcPts val="600"/>
-              </a:spcBef>
-              <a:buFont typeface="Arial" panose="020B0604020202020204" pitchFamily="34" charset="0"/>
-              <a:buChar char="•"/>
-              <a:defRPr/>
-            </a:pPr>
-            <a:r>
-              <a:rPr lang="en-US" sz="2400" dirty="0" smtClean="0">
-                <a:latin typeface="Calibri" pitchFamily="34" charset="0"/>
-                <a:cs typeface="Calibri" pitchFamily="34" charset="0"/>
-              </a:rPr>
-              <a:t>1x Queue Manager supports up to 8K queues</a:t>
-            </a:r>
-          </a:p>
-          <a:p>
-            <a:pPr marL="285750" lvl="1" indent="-285750">
-              <a:lnSpc>
-                <a:spcPct val="80000"/>
-              </a:lnSpc>
-              <a:spcBef>
-                <a:spcPts val="600"/>
-              </a:spcBef>
-              <a:buFont typeface="Arial" panose="020B0604020202020204" pitchFamily="34" charset="0"/>
-              <a:buChar char="•"/>
-              <a:defRPr/>
-            </a:pPr>
-            <a:r>
-              <a:rPr lang="en-US" sz="2400" dirty="0" smtClean="0">
-                <a:latin typeface="Calibri" pitchFamily="34" charset="0"/>
-                <a:cs typeface="Calibri" pitchFamily="34" charset="0"/>
-              </a:rPr>
-              <a:t>1x Network </a:t>
-            </a:r>
-            <a:r>
-              <a:rPr lang="en-US" sz="2400" dirty="0" smtClean="0">
-                <a:latin typeface="Calibri" pitchFamily="34" charset="0"/>
-                <a:cs typeface="Calibri" pitchFamily="34" charset="0"/>
-              </a:rPr>
-              <a:t>Coprocessor </a:t>
-            </a:r>
-            <a:r>
-              <a:rPr lang="en-US" sz="2400" dirty="0" smtClean="0">
-                <a:latin typeface="Calibri" pitchFamily="34" charset="0"/>
-                <a:cs typeface="Calibri" pitchFamily="34" charset="0"/>
-              </a:rPr>
-              <a:t>(NETCP)</a:t>
-            </a:r>
-          </a:p>
-          <a:p>
-            <a:pPr marL="285750" lvl="1" indent="-285750">
-              <a:lnSpc>
-                <a:spcPct val="80000"/>
-              </a:lnSpc>
-              <a:spcBef>
-                <a:spcPts val="600"/>
-              </a:spcBef>
-              <a:buFont typeface="Arial" panose="020B0604020202020204" pitchFamily="34" charset="0"/>
-              <a:buChar char="•"/>
-              <a:defRPr/>
-            </a:pPr>
-            <a:r>
-              <a:rPr lang="en-US" sz="2400" dirty="0" smtClean="0">
-                <a:latin typeface="Calibri" pitchFamily="34" charset="0"/>
-                <a:cs typeface="Calibri" pitchFamily="34" charset="0"/>
-              </a:rPr>
-              <a:t>1x </a:t>
-            </a:r>
-            <a:r>
-              <a:rPr lang="en-US" sz="2400" dirty="0" smtClean="0">
-                <a:latin typeface="Calibri" pitchFamily="34" charset="0"/>
-                <a:cs typeface="Calibri" pitchFamily="34" charset="0"/>
-              </a:rPr>
-              <a:t>3-port </a:t>
-            </a:r>
-            <a:r>
-              <a:rPr lang="en-US" sz="2400" dirty="0" smtClean="0">
-                <a:latin typeface="Calibri" pitchFamily="34" charset="0"/>
-                <a:cs typeface="Calibri" pitchFamily="34" charset="0"/>
-              </a:rPr>
-              <a:t>10GBE Switch Subsystem</a:t>
-            </a:r>
-          </a:p>
-          <a:p>
-            <a:pPr marL="285750" lvl="1" indent="-285750">
-              <a:lnSpc>
-                <a:spcPct val="80000"/>
-              </a:lnSpc>
-              <a:spcBef>
-                <a:spcPts val="600"/>
-              </a:spcBef>
-              <a:buFont typeface="Arial" panose="020B0604020202020204" pitchFamily="34" charset="0"/>
-              <a:buChar char="•"/>
-              <a:defRPr/>
-            </a:pPr>
-            <a:r>
-              <a:rPr lang="en-US" sz="2400" dirty="0" smtClean="0">
-                <a:latin typeface="Calibri" pitchFamily="34" charset="0"/>
-                <a:cs typeface="Calibri" pitchFamily="34" charset="0"/>
-              </a:rPr>
-              <a:t>Telecommunications Serial Port (TSIP)</a:t>
-            </a:r>
-          </a:p>
-          <a:p>
-            <a:pPr marL="285750" lvl="1" indent="-285750">
-              <a:lnSpc>
-                <a:spcPct val="80000"/>
-              </a:lnSpc>
-              <a:spcBef>
-                <a:spcPts val="600"/>
-              </a:spcBef>
-              <a:buFont typeface="Arial" panose="020B0604020202020204" pitchFamily="34" charset="0"/>
-              <a:buChar char="•"/>
-              <a:defRPr/>
-            </a:pPr>
-            <a:r>
-              <a:rPr lang="en-US" sz="2400" dirty="0" smtClean="0">
-                <a:latin typeface="Calibri" pitchFamily="34" charset="0"/>
-                <a:cs typeface="Calibri" pitchFamily="34" charset="0"/>
-              </a:rPr>
-              <a:t>2x PCIe </a:t>
-            </a:r>
-            <a:r>
-              <a:rPr lang="en-US" sz="2400" dirty="0" smtClean="0">
-                <a:latin typeface="Calibri" pitchFamily="34" charset="0"/>
-                <a:cs typeface="Calibri" pitchFamily="34" charset="0"/>
-              </a:rPr>
-              <a:t>and 2x USB 3.0 to support </a:t>
-            </a:r>
-            <a:r>
-              <a:rPr lang="en-US" sz="2400" dirty="0" smtClean="0">
-                <a:latin typeface="Calibri" pitchFamily="34" charset="0"/>
-                <a:cs typeface="Calibri" pitchFamily="34" charset="0"/>
-              </a:rPr>
-              <a:t>solid-state </a:t>
-            </a:r>
-            <a:r>
-              <a:rPr lang="en-US" sz="2400" dirty="0" smtClean="0">
-                <a:latin typeface="Calibri" pitchFamily="34" charset="0"/>
-                <a:cs typeface="Calibri" pitchFamily="34" charset="0"/>
-              </a:rPr>
-              <a:t>drive</a:t>
-            </a:r>
-          </a:p>
-          <a:p>
-            <a:pPr algn="l">
-              <a:lnSpc>
-                <a:spcPct val="85000"/>
-              </a:lnSpc>
-              <a:spcBef>
-                <a:spcPct val="20000"/>
-              </a:spcBef>
-              <a:defRPr/>
-            </a:pPr>
-            <a:endParaRPr lang="en-US" sz="1600" dirty="0" smtClean="0">
-              <a:solidFill>
-                <a:srgbClr val="000000"/>
-              </a:solidFill>
-              <a:latin typeface="Calibri" pitchFamily="34" charset="0"/>
-            </a:endParaRPr>
-          </a:p>
-        </p:txBody>
-      </p:sp>
-      <p:sp>
-        <p:nvSpPr>
-          <p:cNvPr id="5" name="Slide Number Placeholder 4"/>
-          <p:cNvSpPr>
-            <a:spLocks noGrp="1"/>
-          </p:cNvSpPr>
-          <p:nvPr>
-            <p:ph type="sldNum" sz="quarter" idx="4294967295"/>
-          </p:nvPr>
-        </p:nvSpPr>
-        <p:spPr>
-          <a:xfrm>
-            <a:off x="6642100" y="6049963"/>
-            <a:ext cx="2133600" cy="206375"/>
-          </a:xfrm>
-          <a:prstGeom prst="rect">
-            <a:avLst/>
-          </a:prstGeom>
-        </p:spPr>
-        <p:txBody>
-          <a:bodyPr/>
-          <a:lstStyle/>
-          <a:p>
-            <a:fld id="{3144B24B-BAB1-431A-82C6-36E096187F50}" type="slidenum">
-              <a:rPr lang="en-US" smtClean="0"/>
-              <a:pPr/>
-              <a:t>16</a:t>
-            </a:fld>
-            <a:endParaRPr lang="en-US" dirty="0"/>
-          </a:p>
-        </p:txBody>
-      </p:sp>
-      <p:pic>
-        <p:nvPicPr>
-          <p:cNvPr id="8" name="Picture 7" descr="Functional Block Diagram AM5K2E04.bmp"/>
-          <p:cNvPicPr>
-            <a:picLocks noChangeAspect="1"/>
-          </p:cNvPicPr>
-          <p:nvPr/>
-        </p:nvPicPr>
-        <p:blipFill>
-          <a:blip r:embed="rId4" cstate="print"/>
-          <a:stretch>
-            <a:fillRect/>
-          </a:stretch>
-        </p:blipFill>
-        <p:spPr>
-          <a:xfrm>
-            <a:off x="0" y="859536"/>
-            <a:ext cx="5343155" cy="5443739"/>
-          </a:xfrm>
-          <a:prstGeom prst="rect">
-            <a:avLst/>
-          </a:prstGeom>
-        </p:spPr>
-      </p:pic>
-    </p:spTree>
-    <p:custDataLst>
-      <p:tags r:id="rId1"/>
-    </p:custDataLst>
-    <p:extLst>
-      <p:ext uri="{BB962C8B-B14F-4D97-AF65-F5344CB8AC3E}">
-        <p14:creationId xmlns="" xmlns:p14="http://schemas.microsoft.com/office/powerpoint/2010/main" val="873099895"/>
-      </p:ext>
-    </p:extLst>
-  </p:cSld>
-  <p:clrMapOvr>
-    <a:masterClrMapping/>
-  </p:clrMapOvr>
-  <p:timing>
-    <p:tnLst>
-      <p:par>
-        <p:cTn id="1" dur="indefinite" restart="never" nodeType="tmRoot"/>
-      </p:par>
-    </p:tnLst>
-  </p:timing>
-</p:sld>
-</file>
-
-<file path=ppt/slides/slide17.xml><?xml version="1.0" encoding="utf-8"?>
-<p:sld xmlns:a="http://schemas.openxmlformats.org/drawingml/2006/main" xmlns:r="http://schemas.openxmlformats.org/officeDocument/2006/relationships" xmlns:p="http://schemas.openxmlformats.org/presentationml/2006/main">
-  <p:cSld>
-    <p:spTree>
-      <p:nvGrpSpPr>
-        <p:cNvPr id="1" name=""/>
-        <p:cNvGrpSpPr/>
-        <p:nvPr/>
-      </p:nvGrpSpPr>
-      <p:grpSpPr>
-        <a:xfrm>
-          <a:off x="0" y="0"/>
-          <a:ext cx="0" cy="0"/>
-          <a:chOff x="0" y="0"/>
-          <a:chExt cx="0" cy="0"/>
-        </a:xfrm>
-      </p:grpSpPr>
-      <p:sp>
-        <p:nvSpPr>
-          <p:cNvPr id="104450" name="Rectangle 3"/>
-          <p:cNvSpPr>
-            <a:spLocks noGrp="1" noChangeArrowheads="1"/>
-          </p:cNvSpPr>
-          <p:nvPr>
-            <p:ph type="title" idx="4294967295"/>
-          </p:nvPr>
-        </p:nvSpPr>
-        <p:spPr>
-          <a:xfrm>
-            <a:off x="437305" y="76200"/>
-            <a:ext cx="8229600" cy="762000"/>
-          </a:xfrm>
-        </p:spPr>
-        <p:txBody>
-          <a:bodyPr/>
-          <a:lstStyle/>
-          <a:p>
-            <a:pPr eaLnBrk="1" hangingPunct="1"/>
-            <a:r>
-              <a:rPr lang="en-US" sz="4000" dirty="0" smtClean="0"/>
-              <a:t>AM5K2E04 Applications </a:t>
-            </a:r>
-          </a:p>
-        </p:txBody>
-      </p:sp>
-      <p:sp>
-        <p:nvSpPr>
-          <p:cNvPr id="859" name="Rectangle 5"/>
-          <p:cNvSpPr txBox="1">
-            <a:spLocks noChangeArrowheads="1"/>
-          </p:cNvSpPr>
-          <p:nvPr/>
-        </p:nvSpPr>
-        <p:spPr bwMode="auto">
-          <a:xfrm>
-            <a:off x="5420563" y="870510"/>
-            <a:ext cx="3584448" cy="3708806"/>
-          </a:xfrm>
-          <a:prstGeom prst="rect">
-            <a:avLst/>
-          </a:prstGeom>
-          <a:noFill/>
-          <a:ln w="9525">
-            <a:noFill/>
-            <a:miter lim="800000"/>
-            <a:headEnd/>
-            <a:tailEnd/>
-          </a:ln>
-        </p:spPr>
-        <p:txBody>
-          <a:bodyPr/>
-          <a:lstStyle/>
-          <a:p>
-            <a:pPr marL="285750" indent="-285750">
-              <a:lnSpc>
-                <a:spcPct val="80000"/>
-              </a:lnSpc>
-              <a:spcBef>
-                <a:spcPts val="600"/>
-              </a:spcBef>
-              <a:buFont typeface="Arial" panose="020B0604020202020204" pitchFamily="34" charset="0"/>
-              <a:buChar char="•"/>
-              <a:defRPr/>
-            </a:pPr>
-            <a:r>
-              <a:rPr lang="en-US" sz="2400" dirty="0" smtClean="0">
-                <a:latin typeface="Calibri" pitchFamily="34" charset="0"/>
-                <a:cs typeface="Calibri" pitchFamily="34" charset="0"/>
-              </a:rPr>
-              <a:t>Networking:</a:t>
-            </a:r>
-            <a:endParaRPr lang="en-US" sz="2400" dirty="0" smtClean="0">
-              <a:latin typeface="Calibri" pitchFamily="34" charset="0"/>
-              <a:cs typeface="Calibri" pitchFamily="34" charset="0"/>
-            </a:endParaRPr>
-          </a:p>
-          <a:p>
-            <a:pPr marL="742950" lvl="1" indent="-285750">
-              <a:lnSpc>
-                <a:spcPct val="80000"/>
-              </a:lnSpc>
-              <a:spcBef>
-                <a:spcPts val="600"/>
-              </a:spcBef>
-              <a:buFont typeface="Calibri" pitchFamily="34" charset="0"/>
-              <a:buChar char="–"/>
-              <a:defRPr/>
-            </a:pPr>
-            <a:r>
-              <a:rPr lang="en-US" sz="2400" dirty="0">
-                <a:latin typeface="Calibri" pitchFamily="34" charset="0"/>
-                <a:cs typeface="Calibri" pitchFamily="34" charset="0"/>
-              </a:rPr>
-              <a:t>Enterprise</a:t>
-            </a:r>
-          </a:p>
-          <a:p>
-            <a:pPr marL="742950" lvl="1" indent="-285750">
-              <a:lnSpc>
-                <a:spcPct val="80000"/>
-              </a:lnSpc>
-              <a:spcBef>
-                <a:spcPts val="600"/>
-              </a:spcBef>
-              <a:buFont typeface="Calibri" pitchFamily="34" charset="0"/>
-              <a:buChar char="–"/>
-              <a:defRPr/>
-            </a:pPr>
-            <a:r>
-              <a:rPr lang="en-US" sz="2400" dirty="0">
-                <a:latin typeface="Calibri" pitchFamily="34" charset="0"/>
-                <a:cs typeface="Calibri" pitchFamily="34" charset="0"/>
-              </a:rPr>
-              <a:t>Service Provider</a:t>
-            </a:r>
-          </a:p>
-          <a:p>
-            <a:pPr marL="742950" lvl="1" indent="-285750">
-              <a:lnSpc>
-                <a:spcPct val="80000"/>
-              </a:lnSpc>
-              <a:spcBef>
-                <a:spcPts val="600"/>
-              </a:spcBef>
-              <a:buFont typeface="Calibri" pitchFamily="34" charset="0"/>
-              <a:buChar char="–"/>
-              <a:defRPr/>
-            </a:pPr>
-            <a:r>
-              <a:rPr lang="en-US" sz="2400" dirty="0">
-                <a:latin typeface="Calibri" pitchFamily="34" charset="0"/>
-                <a:cs typeface="Calibri" pitchFamily="34" charset="0"/>
-              </a:rPr>
-              <a:t>Data </a:t>
-            </a:r>
-            <a:r>
-              <a:rPr lang="en-US" sz="2400" dirty="0" smtClean="0">
-                <a:latin typeface="Calibri" pitchFamily="34" charset="0"/>
-                <a:cs typeface="Calibri" pitchFamily="34" charset="0"/>
-              </a:rPr>
-              <a:t>Center/Cloud</a:t>
-            </a:r>
-          </a:p>
-          <a:p>
-            <a:pPr marL="742950" lvl="1" indent="-285750">
-              <a:lnSpc>
-                <a:spcPct val="80000"/>
-              </a:lnSpc>
-              <a:spcBef>
-                <a:spcPts val="600"/>
-              </a:spcBef>
-              <a:buFont typeface="Calibri" pitchFamily="34" charset="0"/>
-              <a:buChar char="–"/>
-              <a:defRPr/>
-            </a:pPr>
-            <a:r>
-              <a:rPr lang="en-US" sz="2400" dirty="0">
-                <a:latin typeface="Calibri" pitchFamily="34" charset="0"/>
-                <a:cs typeface="Calibri" pitchFamily="34" charset="0"/>
-              </a:rPr>
-              <a:t>Industrial </a:t>
-            </a:r>
-            <a:r>
-              <a:rPr lang="en-US" sz="2400" dirty="0" smtClean="0">
-                <a:latin typeface="Calibri" pitchFamily="34" charset="0"/>
-                <a:cs typeface="Calibri" pitchFamily="34" charset="0"/>
-              </a:rPr>
-              <a:t>network </a:t>
-            </a:r>
-            <a:r>
-              <a:rPr lang="en-US" sz="2400" dirty="0">
-                <a:latin typeface="Calibri" pitchFamily="34" charset="0"/>
-                <a:cs typeface="Calibri" pitchFamily="34" charset="0"/>
-              </a:rPr>
-              <a:t>and </a:t>
-            </a:r>
-            <a:r>
-              <a:rPr lang="en-US" sz="2400" dirty="0" err="1" smtClean="0">
-                <a:latin typeface="Calibri" pitchFamily="34" charset="0"/>
-                <a:cs typeface="Calibri" pitchFamily="34" charset="0"/>
-              </a:rPr>
-              <a:t>Fieldbus</a:t>
-            </a:r>
-            <a:r>
-              <a:rPr lang="en-US" sz="2400" dirty="0" smtClean="0">
-                <a:latin typeface="Calibri" pitchFamily="34" charset="0"/>
-                <a:cs typeface="Calibri" pitchFamily="34" charset="0"/>
-              </a:rPr>
-              <a:t> protocols</a:t>
-            </a:r>
-            <a:endParaRPr lang="en-US" sz="2400" dirty="0" smtClean="0">
-              <a:latin typeface="Calibri" pitchFamily="34" charset="0"/>
-              <a:cs typeface="Calibri" pitchFamily="34" charset="0"/>
-            </a:endParaRPr>
-          </a:p>
-          <a:p>
-            <a:pPr marL="285750" indent="-285750">
-              <a:lnSpc>
-                <a:spcPct val="80000"/>
-              </a:lnSpc>
-              <a:spcBef>
-                <a:spcPts val="600"/>
-              </a:spcBef>
-              <a:buFont typeface="Arial" panose="020B0604020202020204" pitchFamily="34" charset="0"/>
-              <a:buChar char="•"/>
-              <a:defRPr/>
-            </a:pPr>
-            <a:r>
-              <a:rPr lang="en-US" sz="2400" dirty="0" smtClean="0">
-                <a:latin typeface="Calibri" pitchFamily="34" charset="0"/>
-                <a:cs typeface="Calibri" pitchFamily="34" charset="0"/>
-              </a:rPr>
-              <a:t>Other industrial applications  that do not require DSP</a:t>
-            </a:r>
-            <a:endParaRPr lang="en-US" sz="2400" dirty="0">
-              <a:latin typeface="Calibri" pitchFamily="34" charset="0"/>
-              <a:cs typeface="Calibri" pitchFamily="34" charset="0"/>
-            </a:endParaRPr>
-          </a:p>
-          <a:p>
-            <a:pPr marL="914400" lvl="1" indent="-457200">
-              <a:buFont typeface="Arial" panose="020B0604020202020204" pitchFamily="34" charset="0"/>
-              <a:buChar char="•"/>
-            </a:pPr>
-            <a:endParaRPr lang="en-US" sz="2800" dirty="0"/>
-          </a:p>
-          <a:p>
-            <a:pPr marL="742950" lvl="1" indent="-285750">
-              <a:lnSpc>
-                <a:spcPct val="85000"/>
-              </a:lnSpc>
-              <a:spcBef>
-                <a:spcPct val="20000"/>
-              </a:spcBef>
-              <a:buFont typeface="Arial" panose="020B0604020202020204" pitchFamily="34" charset="0"/>
-              <a:buChar char="•"/>
-              <a:defRPr/>
-            </a:pPr>
-            <a:endParaRPr lang="en-US" sz="1600" dirty="0" smtClean="0">
-              <a:solidFill>
-                <a:srgbClr val="000000"/>
-              </a:solidFill>
-              <a:latin typeface="Calibri" pitchFamily="34" charset="0"/>
-            </a:endParaRPr>
-          </a:p>
-        </p:txBody>
-      </p:sp>
-      <p:sp>
-        <p:nvSpPr>
-          <p:cNvPr id="5" name="Slide Number Placeholder 4"/>
-          <p:cNvSpPr>
-            <a:spLocks noGrp="1"/>
-          </p:cNvSpPr>
-          <p:nvPr>
-            <p:ph type="sldNum" sz="quarter" idx="4294967295"/>
-          </p:nvPr>
-        </p:nvSpPr>
-        <p:spPr>
-          <a:xfrm>
-            <a:off x="6642100" y="6049963"/>
-            <a:ext cx="2133600" cy="206375"/>
-          </a:xfrm>
-          <a:prstGeom prst="rect">
-            <a:avLst/>
-          </a:prstGeom>
-        </p:spPr>
-        <p:txBody>
-          <a:bodyPr/>
-          <a:lstStyle/>
-          <a:p>
-            <a:fld id="{3144B24B-BAB1-431A-82C6-36E096187F50}" type="slidenum">
-              <a:rPr lang="en-US" smtClean="0"/>
-              <a:pPr/>
-              <a:t>17</a:t>
-            </a:fld>
-            <a:endParaRPr lang="en-US" dirty="0"/>
-          </a:p>
-        </p:txBody>
-      </p:sp>
-      <p:pic>
-        <p:nvPicPr>
-          <p:cNvPr id="6" name="Picture 5" descr="Functional Block Diagram AM5K2E04.bmp"/>
-          <p:cNvPicPr>
-            <a:picLocks noChangeAspect="1"/>
-          </p:cNvPicPr>
-          <p:nvPr/>
-        </p:nvPicPr>
-        <p:blipFill>
-          <a:blip r:embed="rId4" cstate="print"/>
-          <a:stretch>
-            <a:fillRect/>
-          </a:stretch>
-        </p:blipFill>
-        <p:spPr>
-          <a:xfrm>
-            <a:off x="0" y="859536"/>
-            <a:ext cx="5343155" cy="5443739"/>
-          </a:xfrm>
-          <a:prstGeom prst="rect">
-            <a:avLst/>
-          </a:prstGeom>
-        </p:spPr>
-      </p:pic>
-    </p:spTree>
-    <p:custDataLst>
-      <p:tags r:id="rId1"/>
-    </p:custDataLst>
-    <p:extLst>
-      <p:ext uri="{BB962C8B-B14F-4D97-AF65-F5344CB8AC3E}">
-        <p14:creationId xmlns="" xmlns:p14="http://schemas.microsoft.com/office/powerpoint/2010/main" val="3461455567"/>
-      </p:ext>
-    </p:extLst>
-  </p:cSld>
-  <p:clrMapOvr>
-    <a:masterClrMapping/>
-  </p:clrMapOvr>
-  <p:timing>
-    <p:tnLst>
-      <p:par>
-        <p:cTn id="1" dur="indefinite" restart="never" nodeType="tmRoot"/>
-      </p:par>
-    </p:tnLst>
-  </p:timing>
-</p:sld>
-</file>
-
-<file path=ppt/slides/slide18.xml><?xml version="1.0" encoding="utf-8"?>
-<p:sld xmlns:a="http://schemas.openxmlformats.org/drawingml/2006/main" xmlns:r="http://schemas.openxmlformats.org/officeDocument/2006/relationships" xmlns:p="http://schemas.openxmlformats.org/presentationml/2006/main">
-  <p:cSld>
-    <p:spTree>
-      <p:nvGrpSpPr>
-        <p:cNvPr id="1" name=""/>
-        <p:cNvGrpSpPr/>
-        <p:nvPr/>
-      </p:nvGrpSpPr>
-      <p:grpSpPr>
-        <a:xfrm>
-          <a:off x="0" y="0"/>
-          <a:ext cx="0" cy="0"/>
-          <a:chOff x="0" y="0"/>
-          <a:chExt cx="0" cy="0"/>
-        </a:xfrm>
-      </p:grpSpPr>
-      <p:sp>
-        <p:nvSpPr>
-          <p:cNvPr id="104450" name="Rectangle 3"/>
-          <p:cNvSpPr>
-            <a:spLocks noGrp="1" noChangeArrowheads="1"/>
-          </p:cNvSpPr>
-          <p:nvPr>
-            <p:ph type="title" idx="4294967295"/>
-          </p:nvPr>
-        </p:nvSpPr>
-        <p:spPr>
-          <a:xfrm>
-            <a:off x="437305" y="76200"/>
-            <a:ext cx="8229600" cy="762000"/>
-          </a:xfrm>
-        </p:spPr>
-        <p:txBody>
-          <a:bodyPr/>
-          <a:lstStyle/>
-          <a:p>
-            <a:pPr eaLnBrk="1" hangingPunct="1"/>
-            <a:r>
-              <a:rPr lang="en-US" sz="4000" dirty="0" smtClean="0"/>
-              <a:t>AM5K2E04 </a:t>
-            </a:r>
-            <a:r>
-              <a:rPr lang="en-US" sz="4000" dirty="0" smtClean="0"/>
-              <a:t>Wins </a:t>
-            </a:r>
-            <a:endParaRPr lang="en-US" sz="4000" dirty="0" smtClean="0"/>
-          </a:p>
-        </p:txBody>
-      </p:sp>
-      <p:sp>
-        <p:nvSpPr>
-          <p:cNvPr id="859" name="Rectangle 5"/>
-          <p:cNvSpPr txBox="1">
-            <a:spLocks noChangeArrowheads="1"/>
-          </p:cNvSpPr>
-          <p:nvPr/>
-        </p:nvSpPr>
-        <p:spPr bwMode="auto">
-          <a:xfrm>
-            <a:off x="5420562" y="870510"/>
-            <a:ext cx="3723437" cy="5420562"/>
-          </a:xfrm>
-          <a:prstGeom prst="rect">
-            <a:avLst/>
-          </a:prstGeom>
-          <a:noFill/>
-          <a:ln w="9525">
-            <a:noFill/>
-            <a:miter lim="800000"/>
-            <a:headEnd/>
-            <a:tailEnd/>
-          </a:ln>
-        </p:spPr>
-        <p:txBody>
-          <a:bodyPr/>
-          <a:lstStyle/>
-          <a:p>
-            <a:pPr marL="285750" indent="-285750">
-              <a:lnSpc>
-                <a:spcPct val="80000"/>
-              </a:lnSpc>
-              <a:spcBef>
-                <a:spcPts val="600"/>
-              </a:spcBef>
-              <a:buFont typeface="Arial" panose="020B0604020202020204" pitchFamily="34" charset="0"/>
-              <a:buChar char="•"/>
-              <a:defRPr/>
-            </a:pPr>
-            <a:r>
-              <a:rPr lang="en-US" sz="2400" dirty="0" smtClean="0">
-                <a:latin typeface="Calibri" pitchFamily="34" charset="0"/>
-                <a:cs typeface="Calibri" pitchFamily="34" charset="0"/>
-              </a:rPr>
-              <a:t>Defense Munitions</a:t>
-            </a:r>
-            <a:endParaRPr lang="en-US" sz="2400" dirty="0" smtClean="0">
-              <a:latin typeface="Calibri" pitchFamily="34" charset="0"/>
-              <a:cs typeface="Calibri" pitchFamily="34" charset="0"/>
-            </a:endParaRPr>
-          </a:p>
-          <a:p>
-            <a:pPr marL="742950" lvl="1" indent="-285750">
-              <a:lnSpc>
-                <a:spcPct val="80000"/>
-              </a:lnSpc>
-              <a:spcBef>
-                <a:spcPts val="600"/>
-              </a:spcBef>
-              <a:buFont typeface="Calibri" pitchFamily="34" charset="0"/>
-              <a:buChar char="–"/>
-              <a:defRPr/>
-            </a:pPr>
-            <a:r>
-              <a:rPr lang="en-US" sz="2000" dirty="0" smtClean="0">
-                <a:latin typeface="Calibri" pitchFamily="34" charset="0"/>
-                <a:cs typeface="Calibri" pitchFamily="34" charset="0"/>
-              </a:rPr>
-              <a:t>Power efficiency</a:t>
-            </a:r>
-          </a:p>
-          <a:p>
-            <a:pPr marL="742950" lvl="1" indent="-285750">
-              <a:lnSpc>
-                <a:spcPct val="80000"/>
-              </a:lnSpc>
-              <a:spcBef>
-                <a:spcPts val="600"/>
-              </a:spcBef>
-              <a:buFont typeface="Calibri" pitchFamily="34" charset="0"/>
-              <a:buChar char="–"/>
-              <a:defRPr/>
-            </a:pPr>
-            <a:r>
-              <a:rPr lang="en-US" sz="2000" dirty="0" smtClean="0">
-                <a:latin typeface="Calibri" pitchFamily="34" charset="0"/>
-                <a:cs typeface="Calibri" pitchFamily="34" charset="0"/>
-              </a:rPr>
-              <a:t>High performance processing</a:t>
-            </a:r>
-          </a:p>
-          <a:p>
-            <a:pPr marL="742950" lvl="1" indent="-285750">
-              <a:lnSpc>
-                <a:spcPct val="80000"/>
-              </a:lnSpc>
-              <a:spcBef>
-                <a:spcPts val="600"/>
-              </a:spcBef>
-              <a:buFont typeface="Calibri" pitchFamily="34" charset="0"/>
-              <a:buChar char="–"/>
-              <a:defRPr/>
-            </a:pPr>
-            <a:r>
-              <a:rPr lang="en-US" sz="2000" dirty="0" smtClean="0">
-                <a:latin typeface="Calibri" pitchFamily="34" charset="0"/>
-                <a:cs typeface="Calibri" pitchFamily="34" charset="0"/>
-              </a:rPr>
-              <a:t>Large amount of internal memory</a:t>
-            </a:r>
-          </a:p>
-          <a:p>
-            <a:pPr marL="742950" lvl="1" indent="-285750">
-              <a:lnSpc>
-                <a:spcPct val="80000"/>
-              </a:lnSpc>
-              <a:spcBef>
-                <a:spcPts val="600"/>
-              </a:spcBef>
-              <a:buFont typeface="Calibri" pitchFamily="34" charset="0"/>
-              <a:buChar char="–"/>
-              <a:defRPr/>
-            </a:pPr>
-            <a:r>
-              <a:rPr lang="en-US" sz="2000" dirty="0" smtClean="0">
-                <a:latin typeface="Calibri" pitchFamily="34" charset="0"/>
-                <a:cs typeface="Calibri" pitchFamily="34" charset="0"/>
-              </a:rPr>
-              <a:t>Efficient ARM </a:t>
-            </a:r>
-            <a:r>
-              <a:rPr lang="en-US" sz="2000" dirty="0" smtClean="0">
-                <a:latin typeface="Calibri" pitchFamily="34" charset="0"/>
-                <a:cs typeface="Calibri" pitchFamily="34" charset="0"/>
-              </a:rPr>
-              <a:t>instructions</a:t>
-            </a:r>
-          </a:p>
-          <a:p>
-            <a:pPr marL="285750" indent="-285750">
-              <a:lnSpc>
-                <a:spcPct val="80000"/>
-              </a:lnSpc>
-              <a:spcBef>
-                <a:spcPts val="600"/>
-              </a:spcBef>
-              <a:buFont typeface="Arial" panose="020B0604020202020204" pitchFamily="34" charset="0"/>
-              <a:buChar char="•"/>
-              <a:defRPr/>
-            </a:pPr>
-            <a:r>
-              <a:rPr lang="en-US" sz="2400" dirty="0" smtClean="0">
-                <a:latin typeface="Calibri" pitchFamily="34" charset="0"/>
-                <a:cs typeface="Calibri" pitchFamily="34" charset="0"/>
-              </a:rPr>
-              <a:t>Flight Control Panel</a:t>
-            </a:r>
-          </a:p>
-          <a:p>
-            <a:pPr marL="742950" lvl="1" indent="-285750">
-              <a:lnSpc>
-                <a:spcPct val="80000"/>
-              </a:lnSpc>
-              <a:spcBef>
-                <a:spcPts val="600"/>
-              </a:spcBef>
-              <a:buFont typeface="Calibri" pitchFamily="34" charset="0"/>
-              <a:buChar char="–"/>
-              <a:defRPr/>
-            </a:pPr>
-            <a:r>
-              <a:rPr lang="en-US" sz="2000" dirty="0" smtClean="0">
-                <a:latin typeface="Calibri" pitchFamily="34" charset="0"/>
-                <a:cs typeface="Calibri" pitchFamily="34" charset="0"/>
-              </a:rPr>
-              <a:t>High-performance, Linux-based </a:t>
-            </a:r>
-            <a:r>
-              <a:rPr lang="en-US" sz="2000" dirty="0" smtClean="0">
-                <a:latin typeface="Calibri" pitchFamily="34" charset="0"/>
-                <a:cs typeface="Calibri" pitchFamily="34" charset="0"/>
-              </a:rPr>
-              <a:t>processor</a:t>
-            </a:r>
-          </a:p>
-          <a:p>
-            <a:pPr marL="742950" lvl="1" indent="-285750">
-              <a:lnSpc>
-                <a:spcPct val="80000"/>
-              </a:lnSpc>
-              <a:spcBef>
-                <a:spcPts val="600"/>
-              </a:spcBef>
-              <a:buFont typeface="Calibri" pitchFamily="34" charset="0"/>
-              <a:buChar char="–"/>
-              <a:defRPr/>
-            </a:pPr>
-            <a:r>
-              <a:rPr lang="en-US" sz="2000" dirty="0" smtClean="0">
-                <a:latin typeface="Calibri" pitchFamily="34" charset="0"/>
-                <a:cs typeface="Calibri" pitchFamily="34" charset="0"/>
-              </a:rPr>
-              <a:t>Efficient memory and internal bus utilization (MSMC, </a:t>
-            </a:r>
-            <a:r>
-              <a:rPr lang="en-US" sz="2000" dirty="0" smtClean="0">
-                <a:latin typeface="Calibri" pitchFamily="34" charset="0"/>
-                <a:cs typeface="Calibri" pitchFamily="34" charset="0"/>
-              </a:rPr>
-              <a:t>TeraNet</a:t>
-            </a:r>
-            <a:r>
-              <a:rPr lang="en-US" sz="2000" dirty="0" smtClean="0">
-                <a:latin typeface="Calibri" pitchFamily="34" charset="0"/>
-                <a:cs typeface="Calibri" pitchFamily="34" charset="0"/>
-              </a:rPr>
-              <a:t>)  </a:t>
-            </a:r>
-          </a:p>
-          <a:p>
-            <a:pPr marL="742950" lvl="1" indent="-285750">
-              <a:lnSpc>
-                <a:spcPct val="80000"/>
-              </a:lnSpc>
-              <a:spcBef>
-                <a:spcPts val="600"/>
-              </a:spcBef>
-              <a:buFont typeface="Calibri" pitchFamily="34" charset="0"/>
-              <a:buChar char="–"/>
-              <a:defRPr/>
-            </a:pPr>
-            <a:r>
-              <a:rPr lang="en-US" sz="2000" dirty="0" smtClean="0">
-                <a:latin typeface="Calibri" pitchFamily="34" charset="0"/>
-                <a:cs typeface="Calibri" pitchFamily="34" charset="0"/>
-              </a:rPr>
-              <a:t>Open-source </a:t>
-            </a:r>
-            <a:r>
-              <a:rPr lang="en-US" sz="2000" dirty="0" smtClean="0">
-                <a:latin typeface="Calibri" pitchFamily="34" charset="0"/>
-                <a:cs typeface="Calibri" pitchFamily="34" charset="0"/>
-              </a:rPr>
-              <a:t>applications available</a:t>
-            </a:r>
-          </a:p>
-          <a:p>
-            <a:pPr marL="742950" lvl="1" indent="-285750">
-              <a:lnSpc>
-                <a:spcPct val="80000"/>
-              </a:lnSpc>
-              <a:spcBef>
-                <a:spcPts val="600"/>
-              </a:spcBef>
-              <a:buFont typeface="Calibri" pitchFamily="34" charset="0"/>
-              <a:buChar char="–"/>
-              <a:defRPr/>
-            </a:pPr>
-            <a:r>
-              <a:rPr lang="en-US" sz="2000" dirty="0" smtClean="0">
-                <a:latin typeface="Calibri" pitchFamily="34" charset="0"/>
-                <a:cs typeface="Calibri" pitchFamily="34" charset="0"/>
-              </a:rPr>
-              <a:t>Support for </a:t>
-            </a:r>
-            <a:r>
-              <a:rPr lang="en-US" sz="2000" dirty="0" smtClean="0">
-                <a:latin typeface="Calibri" pitchFamily="34" charset="0"/>
-                <a:cs typeface="Calibri" pitchFamily="34" charset="0"/>
-              </a:rPr>
-              <a:t>big </a:t>
-            </a:r>
-            <a:r>
-              <a:rPr lang="en-US" sz="2000" dirty="0" err="1" smtClean="0">
-                <a:latin typeface="Calibri" pitchFamily="34" charset="0"/>
-                <a:cs typeface="Calibri" pitchFamily="34" charset="0"/>
-              </a:rPr>
-              <a:t>endian</a:t>
-            </a:r>
-            <a:endParaRPr lang="en-US" sz="2000" dirty="0" smtClean="0">
-              <a:latin typeface="Calibri" pitchFamily="34" charset="0"/>
-              <a:cs typeface="Calibri" pitchFamily="34" charset="0"/>
-            </a:endParaRPr>
-          </a:p>
-        </p:txBody>
-      </p:sp>
-      <p:sp>
-        <p:nvSpPr>
-          <p:cNvPr id="5" name="Slide Number Placeholder 4"/>
-          <p:cNvSpPr>
-            <a:spLocks noGrp="1"/>
-          </p:cNvSpPr>
-          <p:nvPr>
-            <p:ph type="sldNum" sz="quarter" idx="4294967295"/>
-          </p:nvPr>
-        </p:nvSpPr>
-        <p:spPr>
-          <a:xfrm>
-            <a:off x="6642100" y="6049963"/>
-            <a:ext cx="2133600" cy="206375"/>
-          </a:xfrm>
-          <a:prstGeom prst="rect">
-            <a:avLst/>
-          </a:prstGeom>
-        </p:spPr>
-        <p:txBody>
-          <a:bodyPr/>
-          <a:lstStyle/>
-          <a:p>
-            <a:fld id="{3144B24B-BAB1-431A-82C6-36E096187F50}" type="slidenum">
-              <a:rPr lang="en-US" smtClean="0"/>
-              <a:pPr/>
-              <a:t>18</a:t>
-            </a:fld>
-            <a:endParaRPr lang="en-US" dirty="0"/>
-          </a:p>
-        </p:txBody>
-      </p:sp>
-      <p:pic>
-        <p:nvPicPr>
-          <p:cNvPr id="6" name="Picture 5" descr="Functional Block Diagram AM5K2E04.bmp"/>
-          <p:cNvPicPr>
-            <a:picLocks noChangeAspect="1"/>
-          </p:cNvPicPr>
-          <p:nvPr/>
-        </p:nvPicPr>
-        <p:blipFill>
-          <a:blip r:embed="rId4" cstate="print"/>
-          <a:stretch>
-            <a:fillRect/>
-          </a:stretch>
-        </p:blipFill>
-        <p:spPr>
-          <a:xfrm>
-            <a:off x="0" y="859536"/>
-            <a:ext cx="5343155" cy="5443739"/>
-          </a:xfrm>
-          <a:prstGeom prst="rect">
-            <a:avLst/>
-          </a:prstGeom>
-        </p:spPr>
-      </p:pic>
-    </p:spTree>
-    <p:custDataLst>
-      <p:tags r:id="rId1"/>
-    </p:custDataLst>
-    <p:extLst>
-      <p:ext uri="{BB962C8B-B14F-4D97-AF65-F5344CB8AC3E}">
-        <p14:creationId xmlns="" xmlns:p14="http://schemas.microsoft.com/office/powerpoint/2010/main" val="3461455567"/>
-      </p:ext>
-    </p:extLst>
-  </p:cSld>
-  <p:clrMapOvr>
-    <a:masterClrMapping/>
-  </p:clrMapOvr>
-  <p:timing>
-    <p:tnLst>
-      <p:par>
-        <p:cTn id="1" dur="indefinite" restart="never" nodeType="tmRoot"/>
-      </p:par>
-    </p:tnLst>
-  </p:timing>
-</p:sld>
-</file>
-
-<file path=ppt/slides/slide19.xml><?xml version="1.0" encoding="utf-8"?>
-<p:sld xmlns:a="http://schemas.openxmlformats.org/drawingml/2006/main" xmlns:r="http://schemas.openxmlformats.org/officeDocument/2006/relationships" xmlns:p="http://schemas.openxmlformats.org/presentationml/2006/main">
-  <p:cSld>
-    <p:spTree>
-      <p:nvGrpSpPr>
-        <p:cNvPr id="1" name=""/>
-        <p:cNvGrpSpPr/>
-        <p:nvPr/>
-      </p:nvGrpSpPr>
-      <p:grpSpPr>
-        <a:xfrm>
-          <a:off x="0" y="0"/>
-          <a:ext cx="0" cy="0"/>
-          <a:chOff x="0" y="0"/>
-          <a:chExt cx="0" cy="0"/>
-        </a:xfrm>
-      </p:grpSpPr>
-      <p:sp>
-        <p:nvSpPr>
-          <p:cNvPr id="2" name="Title 1"/>
-          <p:cNvSpPr>
-            <a:spLocks noGrp="1"/>
-          </p:cNvSpPr>
-          <p:nvPr>
-            <p:ph type="title"/>
-          </p:nvPr>
-        </p:nvSpPr>
-        <p:spPr>
-          <a:xfrm>
-            <a:off x="621792" y="82296"/>
-            <a:ext cx="8229600" cy="868362"/>
-          </a:xfrm>
-        </p:spPr>
-        <p:txBody>
-          <a:bodyPr>
-            <a:normAutofit/>
-          </a:bodyPr>
-          <a:lstStyle/>
-          <a:p>
-            <a:r>
-              <a:rPr lang="en-US" dirty="0" smtClean="0"/>
-              <a:t>TI Embedded Processing Devices</a:t>
-            </a:r>
-            <a:endParaRPr lang="en-US" dirty="0"/>
-          </a:p>
-        </p:txBody>
-      </p:sp>
-      <p:sp>
-        <p:nvSpPr>
-          <p:cNvPr id="5" name="Rectangle 1"/>
-          <p:cNvSpPr>
-            <a:spLocks noChangeArrowheads="1"/>
-          </p:cNvSpPr>
-          <p:nvPr/>
-        </p:nvSpPr>
-        <p:spPr bwMode="auto">
-          <a:xfrm>
-            <a:off x="1531938" y="1778000"/>
-            <a:ext cx="9144000" cy="457200"/>
-          </a:xfrm>
-          <a:prstGeom prst="rect">
-            <a:avLst/>
-          </a:prstGeom>
-          <a:noFill/>
-          <a:ln>
-            <a:noFill/>
-          </a:ln>
-          <a:effectLst/>
-          <a:extLst>
-            <a:ext uri="{909E8E84-426E-40DD-AFC4-6F175D3DCCD1}">
-              <a14:hiddenFill xmlns="" xmlns:a14="http://schemas.microsoft.com/office/drawing/2010/main">
-                <a:solidFill>
-                  <a:schemeClr val="accent1"/>
-                </a:solidFill>
-              </a14:hiddenFill>
-            </a:ext>
-            <a:ext uri="{91240B29-F687-4F45-9708-019B960494DF}">
-              <a14:hiddenLine xmlns="" xmlns:a14="http://schemas.microsoft.com/office/drawing/2010/main" w="9525">
-                <a:solidFill>
-                  <a:schemeClr val="tx1"/>
-                </a:solidFill>
-                <a:miter lim="800000"/>
-                <a:headEnd/>
-                <a:tailEnd/>
-              </a14:hiddenLine>
-            </a:ext>
-            <a:ext uri="{AF507438-7753-43E0-B8FC-AC1667EBCBE1}">
-              <a14:hiddenEffects xmlns="" xmlns:a14="http://schemas.microsoft.com/office/drawing/2010/main">
-                <a:effectLst>
-                  <a:outerShdw dist="35921" dir="2700000" algn="ctr" rotWithShape="0">
-                    <a:schemeClr val="bg2"/>
-                  </a:outerShdw>
-                </a:effectLst>
-              </a14:hiddenEffects>
-            </a:ext>
-          </a:extLst>
-        </p:spPr>
-        <p:txBody>
-          <a:bodyPr vert="horz" wrap="none" lIns="91440" tIns="45720" rIns="91440" bIns="45720" numCol="1" anchor="ctr" anchorCtr="0" compatLnSpc="1">
-            <a:prstTxWarp prst="textNoShape">
-              <a:avLst/>
-            </a:prstTxWarp>
-            <a:spAutoFit/>
-          </a:bodyPr>
-          <a:lstStyle/>
-          <a:p>
-            <a:pPr marL="0" marR="0" lvl="0" indent="0" algn="l" defTabSz="914400" rtl="0" eaLnBrk="1" fontAlgn="base" latinLnBrk="0" hangingPunct="1">
-              <a:lnSpc>
-                <a:spcPct val="100000"/>
-              </a:lnSpc>
-              <a:spcBef>
-                <a:spcPct val="0"/>
-              </a:spcBef>
-              <a:spcAft>
-                <a:spcPct val="0"/>
-              </a:spcAft>
-              <a:buClrTx/>
-              <a:buSzTx/>
-              <a:buFontTx/>
-              <a:buNone/>
-              <a:tabLst/>
-            </a:pPr>
-            <a:endParaRPr kumimoji="0" lang="en-US" sz="1800" b="0" i="0" u="none" strike="noStrike" cap="none" normalizeH="0" baseline="0" dirty="0" smtClean="0">
-              <a:ln>
-                <a:noFill/>
-              </a:ln>
-              <a:solidFill>
-                <a:schemeClr val="tx1"/>
-              </a:solidFill>
-              <a:effectLst/>
-              <a:latin typeface="Arial" pitchFamily="34" charset="0"/>
-              <a:cs typeface="Arial" pitchFamily="34" charset="0"/>
-            </a:endParaRPr>
-          </a:p>
-        </p:txBody>
-      </p:sp>
-      <p:graphicFrame>
-        <p:nvGraphicFramePr>
-          <p:cNvPr id="4" name="Object 3"/>
-          <p:cNvGraphicFramePr>
-            <a:graphicFrameLocks noChangeAspect="1"/>
-          </p:cNvGraphicFramePr>
-          <p:nvPr>
-            <p:extLst>
-              <p:ext uri="{D42A27DB-BD31-4B8C-83A1-F6EECF244321}">
-                <p14:modId xmlns="" xmlns:p14="http://schemas.microsoft.com/office/powerpoint/2010/main" val="1983457263"/>
-              </p:ext>
-            </p:extLst>
-          </p:nvPr>
-        </p:nvGraphicFramePr>
-        <p:xfrm>
-          <a:off x="1143000" y="885825"/>
-          <a:ext cx="6591300" cy="5384800"/>
-        </p:xfrm>
-        <a:graphic>
-          <a:graphicData uri="http://schemas.openxmlformats.org/presentationml/2006/ole">
-            <p:oleObj spid="_x0000_s87042" name="Visio" r:id="rId3" imgW="8321715" imgH="6803957" progId="Visio.Drawing.11">
-              <p:embed/>
-            </p:oleObj>
-          </a:graphicData>
-        </a:graphic>
-      </p:graphicFrame>
-    </p:spTree>
-    <p:extLst>
-      <p:ext uri="{BB962C8B-B14F-4D97-AF65-F5344CB8AC3E}">
-        <p14:creationId xmlns="" xmlns:p14="http://schemas.microsoft.com/office/powerpoint/2010/main" val="3802289127"/>
-      </p:ext>
-    </p:extLst>
-  </p:cSld>
-  <p:clrMapOvr>
-    <a:masterClrMapping/>
-  </p:clrMapOvr>
-</p:sld>
-</file>
-
-<file path=ppt/slides/slide2.xml><?xml version="1.0" encoding="utf-8"?>
-<p:sld xmlns:a="http://schemas.openxmlformats.org/drawingml/2006/main" xmlns:r="http://schemas.openxmlformats.org/officeDocument/2006/relationships" xmlns:p="http://schemas.openxmlformats.org/presentationml/2006/main">
-  <p:cSld>
-    <p:spTree>
-      <p:nvGrpSpPr>
-        <p:cNvPr id="1" name=""/>
-        <p:cNvGrpSpPr/>
-        <p:nvPr/>
-      </p:nvGrpSpPr>
-      <p:grpSpPr>
-        <a:xfrm>
-          <a:off x="0" y="0"/>
-          <a:ext cx="0" cy="0"/>
-          <a:chOff x="0" y="0"/>
-          <a:chExt cx="0" cy="0"/>
-        </a:xfrm>
-      </p:grpSpPr>
-      <p:sp>
-        <p:nvSpPr>
-          <p:cNvPr id="2" name="Title 1"/>
-          <p:cNvSpPr>
-            <a:spLocks noGrp="1"/>
-          </p:cNvSpPr>
-          <p:nvPr>
-            <p:ph type="title"/>
-          </p:nvPr>
-        </p:nvSpPr>
-        <p:spPr>
-          <a:xfrm>
-            <a:off x="457200" y="274638"/>
-            <a:ext cx="8229600" cy="715962"/>
-          </a:xfrm>
-        </p:spPr>
-        <p:txBody>
-          <a:bodyPr>
-            <a:normAutofit/>
-          </a:bodyPr>
-          <a:lstStyle/>
-          <a:p>
-            <a:r>
-              <a:rPr lang="en-US" sz="3600" dirty="0" smtClean="0"/>
-              <a:t>Agenda</a:t>
-            </a:r>
-            <a:endParaRPr lang="en-US" sz="3600" dirty="0"/>
-          </a:p>
-        </p:txBody>
-      </p:sp>
-      <p:sp>
-        <p:nvSpPr>
-          <p:cNvPr id="3" name="Content Placeholder 2"/>
-          <p:cNvSpPr>
-            <a:spLocks noGrp="1"/>
-          </p:cNvSpPr>
-          <p:nvPr>
-            <p:ph idx="1"/>
-          </p:nvPr>
-        </p:nvSpPr>
-        <p:spPr/>
-        <p:txBody>
-          <a:bodyPr>
-            <a:normAutofit/>
-          </a:bodyPr>
-          <a:lstStyle/>
-          <a:p>
-            <a:r>
-              <a:rPr lang="en-US" sz="2800" dirty="0" smtClean="0"/>
-              <a:t>KeyStone Device Overview</a:t>
-            </a:r>
-            <a:endParaRPr lang="en-US" sz="2800" dirty="0"/>
-          </a:p>
-          <a:p>
-            <a:r>
-              <a:rPr lang="en-US" sz="2800" dirty="0" smtClean="0"/>
-              <a:t>Introducing K2E (Edison)</a:t>
-            </a:r>
-            <a:endParaRPr lang="en-US" sz="2800" dirty="0" smtClean="0"/>
-          </a:p>
-          <a:p>
-            <a:r>
-              <a:rPr lang="en-US" sz="2800" dirty="0" smtClean="0"/>
-              <a:t>K2E Device </a:t>
-            </a:r>
-            <a:r>
-              <a:rPr lang="en-US" sz="2800" dirty="0" smtClean="0"/>
-              <a:t>Summary</a:t>
-            </a:r>
-          </a:p>
-          <a:p>
-            <a:r>
-              <a:rPr lang="en-US" sz="2800" dirty="0" smtClean="0"/>
-              <a:t>For More Information</a:t>
-            </a:r>
-            <a:endParaRPr lang="en-US" sz="2800" dirty="0" smtClean="0"/>
-          </a:p>
-        </p:txBody>
-      </p:sp>
-      <p:sp>
-        <p:nvSpPr>
-          <p:cNvPr id="4" name="Slide Number Placeholder 3"/>
-          <p:cNvSpPr>
-            <a:spLocks noGrp="1"/>
-          </p:cNvSpPr>
-          <p:nvPr>
-            <p:ph type="sldNum" sz="quarter" idx="10"/>
-          </p:nvPr>
-        </p:nvSpPr>
-        <p:spPr/>
-        <p:txBody>
-          <a:bodyPr/>
-          <a:lstStyle/>
-          <a:p>
-            <a:fld id="{3B20521C-F793-4067-BB07-C7AF74E21EF3}" type="slidenum">
-              <a:rPr lang="en-US" smtClean="0"/>
-              <a:pPr/>
-              <a:t>2</a:t>
-            </a:fld>
-            <a:endParaRPr lang="en-US" dirty="0"/>
-          </a:p>
-        </p:txBody>
-      </p:sp>
-    </p:spTree>
-  </p:cSld>
-  <p:clrMapOvr>
-    <a:masterClrMapping/>
-  </p:clrMapOvr>
-  <p:timing>
-    <p:tnLst>
-      <p:par>
-        <p:cTn id="1" dur="indefinite" restart="never" nodeType="tmRoot"/>
-      </p:par>
-    </p:tnLst>
-  </p:timing>
-</p:sld>
-</file>
-
-<file path=ppt/slides/slide20.xml><?xml version="1.0" encoding="utf-8"?>
-<p:sld xmlns:a="http://schemas.openxmlformats.org/drawingml/2006/main" xmlns:r="http://schemas.openxmlformats.org/officeDocument/2006/relationships" xmlns:p="http://schemas.openxmlformats.org/presentationml/2006/main">
-  <p:cSld>
-    <p:spTree>
-      <p:nvGrpSpPr>
-        <p:cNvPr id="1" name=""/>
-        <p:cNvGrpSpPr/>
-        <p:nvPr/>
-      </p:nvGrpSpPr>
-      <p:grpSpPr>
-        <a:xfrm>
-          <a:off x="0" y="0"/>
-          <a:ext cx="0" cy="0"/>
-          <a:chOff x="0" y="0"/>
-          <a:chExt cx="0" cy="0"/>
-        </a:xfrm>
-      </p:grpSpPr>
-      <p:sp>
-        <p:nvSpPr>
-          <p:cNvPr id="104450" name="Rectangle 3"/>
-          <p:cNvSpPr>
-            <a:spLocks noGrp="1" noChangeArrowheads="1"/>
-          </p:cNvSpPr>
-          <p:nvPr>
-            <p:ph type="title" idx="4294967295"/>
-          </p:nvPr>
-        </p:nvSpPr>
-        <p:spPr>
-          <a:xfrm>
-            <a:off x="437305" y="76200"/>
-            <a:ext cx="8229600" cy="762000"/>
-          </a:xfrm>
-        </p:spPr>
-        <p:txBody>
-          <a:bodyPr/>
-          <a:lstStyle/>
-          <a:p>
-            <a:pPr eaLnBrk="1" hangingPunct="1"/>
-            <a:r>
-              <a:rPr lang="en-US" sz="4000" dirty="0" smtClean="0"/>
-              <a:t>AM5K2E02 Key Features/Applications</a:t>
-            </a:r>
-            <a:endParaRPr lang="en-US" sz="4000" dirty="0" smtClean="0"/>
-          </a:p>
-        </p:txBody>
-      </p:sp>
-      <p:sp>
-        <p:nvSpPr>
-          <p:cNvPr id="859" name="Rectangle 5"/>
-          <p:cNvSpPr txBox="1">
-            <a:spLocks noChangeArrowheads="1"/>
-          </p:cNvSpPr>
-          <p:nvPr/>
-        </p:nvSpPr>
-        <p:spPr bwMode="auto">
-          <a:xfrm>
-            <a:off x="5364960" y="855925"/>
-            <a:ext cx="3721893" cy="3269848"/>
-          </a:xfrm>
-          <a:prstGeom prst="rect">
-            <a:avLst/>
-          </a:prstGeom>
-          <a:noFill/>
-          <a:ln w="9525">
-            <a:noFill/>
-            <a:miter lim="800000"/>
-            <a:headEnd/>
-            <a:tailEnd/>
-          </a:ln>
-        </p:spPr>
-        <p:txBody>
-          <a:bodyPr/>
-          <a:lstStyle/>
-          <a:p>
-            <a:pPr marL="285750" lvl="1" indent="-285750">
-              <a:lnSpc>
-                <a:spcPct val="80000"/>
-              </a:lnSpc>
-              <a:spcBef>
-                <a:spcPts val="600"/>
-              </a:spcBef>
-              <a:buFont typeface="Arial" panose="020B0604020202020204" pitchFamily="34" charset="0"/>
-              <a:buChar char="•"/>
-              <a:defRPr/>
-            </a:pPr>
-            <a:r>
-              <a:rPr lang="en-US" sz="2400" dirty="0" smtClean="0">
-                <a:latin typeface="Calibri" pitchFamily="34" charset="0"/>
-                <a:cs typeface="Calibri" pitchFamily="34" charset="0"/>
-              </a:rPr>
-              <a:t>Scaled-down version of AM5K2E04</a:t>
-            </a:r>
-          </a:p>
-          <a:p>
-            <a:pPr marL="285750" lvl="1" indent="-285750">
-              <a:lnSpc>
-                <a:spcPct val="80000"/>
-              </a:lnSpc>
-              <a:spcBef>
-                <a:spcPts val="600"/>
-              </a:spcBef>
-              <a:buFont typeface="Arial" panose="020B0604020202020204" pitchFamily="34" charset="0"/>
-              <a:buChar char="•"/>
-              <a:defRPr/>
-            </a:pPr>
-            <a:r>
-              <a:rPr lang="en-US" sz="2400" dirty="0" smtClean="0">
-                <a:latin typeface="Calibri" pitchFamily="34" charset="0"/>
-                <a:cs typeface="Calibri" pitchFamily="34" charset="0"/>
-              </a:rPr>
-              <a:t>Dual-ARM A15 CorePac</a:t>
-            </a:r>
-          </a:p>
-          <a:p>
-            <a:pPr marL="285750" lvl="1" indent="-285750">
-              <a:lnSpc>
-                <a:spcPct val="80000"/>
-              </a:lnSpc>
-              <a:spcBef>
-                <a:spcPts val="600"/>
-              </a:spcBef>
-              <a:buFont typeface="Arial" panose="020B0604020202020204" pitchFamily="34" charset="0"/>
-              <a:buChar char="•"/>
-              <a:defRPr/>
-            </a:pPr>
-            <a:r>
-              <a:rPr lang="en-US" sz="2400" dirty="0" smtClean="0">
-                <a:latin typeface="Calibri" pitchFamily="34" charset="0"/>
-                <a:cs typeface="Calibri" pitchFamily="34" charset="0"/>
-              </a:rPr>
-              <a:t>1x </a:t>
-            </a:r>
-            <a:r>
-              <a:rPr lang="en-US" sz="2400" dirty="0" smtClean="0">
-                <a:latin typeface="Calibri" pitchFamily="34" charset="0"/>
-                <a:cs typeface="Calibri" pitchFamily="34" charset="0"/>
-              </a:rPr>
-              <a:t>NETCP</a:t>
-            </a:r>
-            <a:endParaRPr lang="en-US" sz="2400" dirty="0" smtClean="0">
-              <a:latin typeface="Calibri" pitchFamily="34" charset="0"/>
-              <a:cs typeface="Calibri" pitchFamily="34" charset="0"/>
-            </a:endParaRPr>
-          </a:p>
-          <a:p>
-            <a:pPr marL="285750" lvl="1" indent="-285750">
-              <a:lnSpc>
-                <a:spcPct val="80000"/>
-              </a:lnSpc>
-              <a:spcBef>
-                <a:spcPts val="600"/>
-              </a:spcBef>
-              <a:buFont typeface="Arial" panose="020B0604020202020204" pitchFamily="34" charset="0"/>
-              <a:buChar char="•"/>
-              <a:defRPr/>
-            </a:pPr>
-            <a:r>
-              <a:rPr lang="en-US" sz="2400" dirty="0" smtClean="0">
-                <a:latin typeface="Calibri" pitchFamily="34" charset="0"/>
-                <a:cs typeface="Calibri" pitchFamily="34" charset="0"/>
-              </a:rPr>
-              <a:t>10GBE not </a:t>
-            </a:r>
-            <a:r>
-              <a:rPr lang="en-US" sz="2400" dirty="0" smtClean="0">
-                <a:latin typeface="Calibri" pitchFamily="34" charset="0"/>
-                <a:cs typeface="Calibri" pitchFamily="34" charset="0"/>
-              </a:rPr>
-              <a:t>included</a:t>
-            </a:r>
-            <a:br>
-              <a:rPr lang="en-US" sz="2400" dirty="0" smtClean="0">
-                <a:latin typeface="Calibri" pitchFamily="34" charset="0"/>
-                <a:cs typeface="Calibri" pitchFamily="34" charset="0"/>
-              </a:rPr>
-            </a:br>
-            <a:r>
-              <a:rPr lang="en-US" sz="2400" dirty="0" smtClean="0">
-                <a:latin typeface="Calibri" pitchFamily="34" charset="0"/>
-                <a:cs typeface="Calibri" pitchFamily="34" charset="0"/>
-              </a:rPr>
-              <a:t/>
-            </a:r>
-            <a:br>
-              <a:rPr lang="en-US" sz="2400" dirty="0" smtClean="0">
-                <a:latin typeface="Calibri" pitchFamily="34" charset="0"/>
-                <a:cs typeface="Calibri" pitchFamily="34" charset="0"/>
-              </a:rPr>
-            </a:br>
-            <a:endParaRPr lang="en-US" sz="2400" dirty="0" smtClean="0">
-              <a:latin typeface="Calibri" pitchFamily="34" charset="0"/>
-              <a:cs typeface="Calibri" pitchFamily="34" charset="0"/>
-            </a:endParaRPr>
-          </a:p>
-          <a:p>
-            <a:pPr marL="285750" lvl="1" indent="-285750">
-              <a:lnSpc>
-                <a:spcPct val="80000"/>
-              </a:lnSpc>
-              <a:spcBef>
-                <a:spcPts val="600"/>
-              </a:spcBef>
-              <a:buFont typeface="Arial" panose="020B0604020202020204" pitchFamily="34" charset="0"/>
-              <a:buChar char="•"/>
-              <a:defRPr/>
-            </a:pPr>
-            <a:r>
-              <a:rPr lang="en-US" sz="2400" dirty="0" smtClean="0">
-                <a:latin typeface="Calibri" pitchFamily="34" charset="0"/>
-                <a:cs typeface="Calibri" pitchFamily="34" charset="0"/>
-              </a:rPr>
-              <a:t>Supports low-end </a:t>
-            </a:r>
-            <a:r>
-              <a:rPr lang="en-US" sz="2400" dirty="0" smtClean="0">
-                <a:latin typeface="Calibri" pitchFamily="34" charset="0"/>
-                <a:cs typeface="Calibri" pitchFamily="34" charset="0"/>
-              </a:rPr>
-              <a:t>applications of </a:t>
-            </a:r>
-            <a:r>
-              <a:rPr lang="en-US" sz="2400" dirty="0" smtClean="0">
-                <a:latin typeface="Calibri" pitchFamily="34" charset="0"/>
-                <a:cs typeface="Calibri" pitchFamily="34" charset="0"/>
-              </a:rPr>
-              <a:t>AM5K2E04</a:t>
-            </a:r>
-            <a:endParaRPr lang="en-US" sz="2400" dirty="0" smtClean="0">
-              <a:latin typeface="Calibri" pitchFamily="34" charset="0"/>
-              <a:cs typeface="Calibri" pitchFamily="34" charset="0"/>
-            </a:endParaRPr>
-          </a:p>
-        </p:txBody>
-      </p:sp>
-      <p:pic>
-        <p:nvPicPr>
-          <p:cNvPr id="11" name="Picture 10" descr="Functional Block Diagram 66AK2E02.bmp"/>
-          <p:cNvPicPr>
-            <a:picLocks noChangeAspect="1"/>
-          </p:cNvPicPr>
-          <p:nvPr/>
-        </p:nvPicPr>
-        <p:blipFill>
-          <a:blip r:embed="rId4" cstate="print"/>
-          <a:stretch>
-            <a:fillRect/>
-          </a:stretch>
-        </p:blipFill>
-        <p:spPr>
-          <a:xfrm>
-            <a:off x="0" y="859536"/>
-            <a:ext cx="5343155" cy="5443739"/>
-          </a:xfrm>
-          <a:prstGeom prst="rect">
-            <a:avLst/>
-          </a:prstGeom>
-        </p:spPr>
-      </p:pic>
-      <p:sp>
-        <p:nvSpPr>
-          <p:cNvPr id="7" name="Rectangle 5"/>
-          <p:cNvSpPr txBox="1">
-            <a:spLocks noChangeArrowheads="1"/>
-          </p:cNvSpPr>
-          <p:nvPr/>
-        </p:nvSpPr>
-        <p:spPr bwMode="auto">
-          <a:xfrm>
-            <a:off x="5517359" y="3581405"/>
-            <a:ext cx="3474241" cy="2268275"/>
-          </a:xfrm>
-          <a:prstGeom prst="rect">
-            <a:avLst/>
-          </a:prstGeom>
-          <a:noFill/>
-          <a:ln w="9525">
-            <a:noFill/>
-            <a:miter lim="800000"/>
-            <a:headEnd/>
-            <a:tailEnd/>
-          </a:ln>
-        </p:spPr>
-        <p:txBody>
-          <a:bodyPr/>
-          <a:lstStyle/>
-          <a:p>
-            <a:pPr marL="285750" lvl="1" indent="-285750">
-              <a:lnSpc>
-                <a:spcPct val="80000"/>
-              </a:lnSpc>
-              <a:spcBef>
-                <a:spcPts val="600"/>
-              </a:spcBef>
-              <a:buFont typeface="Arial" panose="020B0604020202020204" pitchFamily="34" charset="0"/>
-              <a:buChar char="•"/>
-              <a:defRPr/>
-            </a:pPr>
-            <a:endParaRPr lang="en-US" sz="2400" dirty="0" smtClean="0">
-              <a:latin typeface="Calibri" pitchFamily="34" charset="0"/>
-              <a:cs typeface="Calibri" pitchFamily="34" charset="0"/>
-            </a:endParaRPr>
-          </a:p>
-        </p:txBody>
-      </p:sp>
-    </p:spTree>
-    <p:custDataLst>
-      <p:tags r:id="rId1"/>
-    </p:custDataLst>
-    <p:extLst>
-      <p:ext uri="{BB962C8B-B14F-4D97-AF65-F5344CB8AC3E}">
-        <p14:creationId xmlns="" xmlns:p14="http://schemas.microsoft.com/office/powerpoint/2010/main" val="2835436665"/>
-      </p:ext>
-    </p:extLst>
-  </p:cSld>
-  <p:clrMapOvr>
-    <a:masterClrMapping/>
-  </p:clrMapOvr>
-  <p:timing>
-    <p:tnLst>
-      <p:par>
-        <p:cTn id="1" dur="indefinite" restart="never" nodeType="tmRoot"/>
-      </p:par>
-    </p:tnLst>
-  </p:timing>
-</p:sld>
-</file>
-
-<file path=ppt/slides/slide21.xml><?xml version="1.0" encoding="utf-8"?>
-<p:sld xmlns:a="http://schemas.openxmlformats.org/drawingml/2006/main" xmlns:r="http://schemas.openxmlformats.org/officeDocument/2006/relationships" xmlns:p="http://schemas.openxmlformats.org/presentationml/2006/main">
-  <p:cSld>
-    <p:spTree>
-      <p:nvGrpSpPr>
-        <p:cNvPr id="1" name=""/>
-        <p:cNvGrpSpPr/>
-        <p:nvPr/>
-      </p:nvGrpSpPr>
-      <p:grpSpPr>
-        <a:xfrm>
-          <a:off x="0" y="0"/>
-          <a:ext cx="0" cy="0"/>
-          <a:chOff x="0" y="0"/>
-          <a:chExt cx="0" cy="0"/>
-        </a:xfrm>
-      </p:grpSpPr>
-      <p:sp>
-        <p:nvSpPr>
-          <p:cNvPr id="2" name="Title 1"/>
-          <p:cNvSpPr>
-            <a:spLocks noGrp="1"/>
-          </p:cNvSpPr>
-          <p:nvPr>
-            <p:ph type="title"/>
-          </p:nvPr>
-        </p:nvSpPr>
-        <p:spPr>
-          <a:xfrm>
-            <a:off x="457200" y="82296"/>
-            <a:ext cx="8229600" cy="868362"/>
-          </a:xfrm>
-        </p:spPr>
-        <p:txBody>
-          <a:bodyPr>
-            <a:normAutofit/>
-          </a:bodyPr>
-          <a:lstStyle/>
-          <a:p>
-            <a:r>
-              <a:rPr lang="en-US" dirty="0" smtClean="0"/>
-              <a:t>TI Embedded Processing Devices</a:t>
-            </a:r>
-            <a:endParaRPr lang="en-US" dirty="0"/>
-          </a:p>
-        </p:txBody>
-      </p:sp>
-      <p:sp>
-        <p:nvSpPr>
-          <p:cNvPr id="5" name="Rectangle 1"/>
-          <p:cNvSpPr>
-            <a:spLocks noChangeArrowheads="1"/>
-          </p:cNvSpPr>
-          <p:nvPr/>
-        </p:nvSpPr>
-        <p:spPr bwMode="auto">
-          <a:xfrm>
-            <a:off x="1531938" y="1778000"/>
-            <a:ext cx="9144000" cy="457200"/>
-          </a:xfrm>
-          <a:prstGeom prst="rect">
-            <a:avLst/>
-          </a:prstGeom>
-          <a:noFill/>
-          <a:ln>
-            <a:noFill/>
-          </a:ln>
-          <a:effectLst/>
-          <a:extLst>
-            <a:ext uri="{909E8E84-426E-40DD-AFC4-6F175D3DCCD1}">
-              <a14:hiddenFill xmlns="" xmlns:a14="http://schemas.microsoft.com/office/drawing/2010/main">
-                <a:solidFill>
-                  <a:schemeClr val="accent1"/>
-                </a:solidFill>
-              </a14:hiddenFill>
-            </a:ext>
-            <a:ext uri="{91240B29-F687-4F45-9708-019B960494DF}">
-              <a14:hiddenLine xmlns="" xmlns:a14="http://schemas.microsoft.com/office/drawing/2010/main" w="9525">
-                <a:solidFill>
-                  <a:schemeClr val="tx1"/>
-                </a:solidFill>
-                <a:miter lim="800000"/>
-                <a:headEnd/>
-                <a:tailEnd/>
-              </a14:hiddenLine>
-            </a:ext>
-            <a:ext uri="{AF507438-7753-43E0-B8FC-AC1667EBCBE1}">
-              <a14:hiddenEffects xmlns="" xmlns:a14="http://schemas.microsoft.com/office/drawing/2010/main">
-                <a:effectLst>
-                  <a:outerShdw dist="35921" dir="2700000" algn="ctr" rotWithShape="0">
-                    <a:schemeClr val="bg2"/>
-                  </a:outerShdw>
-                </a:effectLst>
-              </a14:hiddenEffects>
-            </a:ext>
-          </a:extLst>
-        </p:spPr>
-        <p:txBody>
-          <a:bodyPr vert="horz" wrap="none" lIns="91440" tIns="45720" rIns="91440" bIns="45720" numCol="1" anchor="ctr" anchorCtr="0" compatLnSpc="1">
-            <a:prstTxWarp prst="textNoShape">
-              <a:avLst/>
-            </a:prstTxWarp>
-            <a:spAutoFit/>
-          </a:bodyPr>
-          <a:lstStyle/>
-          <a:p>
-            <a:pPr marL="0" marR="0" lvl="0" indent="0" algn="l" defTabSz="914400" rtl="0" eaLnBrk="1" fontAlgn="base" latinLnBrk="0" hangingPunct="1">
-              <a:lnSpc>
-                <a:spcPct val="100000"/>
-              </a:lnSpc>
-              <a:spcBef>
-                <a:spcPct val="0"/>
-              </a:spcBef>
-              <a:spcAft>
-                <a:spcPct val="0"/>
-              </a:spcAft>
-              <a:buClrTx/>
-              <a:buSzTx/>
-              <a:buFontTx/>
-              <a:buNone/>
-              <a:tabLst/>
-            </a:pPr>
-            <a:endParaRPr kumimoji="0" lang="en-US" sz="1800" b="0" i="0" u="none" strike="noStrike" cap="none" normalizeH="0" baseline="0" dirty="0" smtClean="0">
-              <a:ln>
-                <a:noFill/>
-              </a:ln>
-              <a:solidFill>
-                <a:schemeClr val="tx1"/>
-              </a:solidFill>
-              <a:effectLst/>
-              <a:latin typeface="Arial" pitchFamily="34" charset="0"/>
-              <a:cs typeface="Arial" pitchFamily="34" charset="0"/>
-            </a:endParaRPr>
-          </a:p>
-        </p:txBody>
-      </p:sp>
-      <p:graphicFrame>
-        <p:nvGraphicFramePr>
-          <p:cNvPr id="6" name="Object 5"/>
-          <p:cNvGraphicFramePr>
-            <a:graphicFrameLocks noChangeAspect="1"/>
-          </p:cNvGraphicFramePr>
-          <p:nvPr>
-            <p:extLst>
-              <p:ext uri="{D42A27DB-BD31-4B8C-83A1-F6EECF244321}">
-                <p14:modId xmlns="" xmlns:p14="http://schemas.microsoft.com/office/powerpoint/2010/main" val="2083442245"/>
-              </p:ext>
-            </p:extLst>
-          </p:nvPr>
-        </p:nvGraphicFramePr>
-        <p:xfrm>
-          <a:off x="1143000" y="885825"/>
-          <a:ext cx="6591300" cy="5387975"/>
-        </p:xfrm>
-        <a:graphic>
-          <a:graphicData uri="http://schemas.openxmlformats.org/presentationml/2006/ole">
-            <p:oleObj spid="_x0000_s88066" name="Visio" r:id="rId3" imgW="8321715" imgH="6803957" progId="Visio.Drawing.11">
-              <p:embed/>
-            </p:oleObj>
-          </a:graphicData>
-        </a:graphic>
-      </p:graphicFrame>
-    </p:spTree>
-    <p:extLst>
-      <p:ext uri="{BB962C8B-B14F-4D97-AF65-F5344CB8AC3E}">
-        <p14:creationId xmlns="" xmlns:p14="http://schemas.microsoft.com/office/powerpoint/2010/main" val="3874421043"/>
-      </p:ext>
-    </p:extLst>
-  </p:cSld>
-  <p:clrMapOvr>
-    <a:masterClrMapping/>
-  </p:clrMapOvr>
-</p:sld>
-</file>
-
-<file path=ppt/slides/slide22.xml><?xml version="1.0" encoding="utf-8"?>
-<p:sld xmlns:a="http://schemas.openxmlformats.org/drawingml/2006/main" xmlns:r="http://schemas.openxmlformats.org/officeDocument/2006/relationships" xmlns:p="http://schemas.openxmlformats.org/presentationml/2006/main">
-  <p:cSld>
-    <p:spTree>
-      <p:nvGrpSpPr>
-        <p:cNvPr id="1" name=""/>
-        <p:cNvGrpSpPr/>
-        <p:nvPr/>
-      </p:nvGrpSpPr>
-      <p:grpSpPr>
-        <a:xfrm>
-          <a:off x="0" y="0"/>
-          <a:ext cx="0" cy="0"/>
-          <a:chOff x="0" y="0"/>
-          <a:chExt cx="0" cy="0"/>
-        </a:xfrm>
-      </p:grpSpPr>
-      <p:sp>
-        <p:nvSpPr>
-          <p:cNvPr id="2" name="Title 1"/>
-          <p:cNvSpPr>
-            <a:spLocks noGrp="1"/>
-          </p:cNvSpPr>
-          <p:nvPr>
-            <p:ph type="ctrTitle"/>
-          </p:nvPr>
-        </p:nvSpPr>
-        <p:spPr/>
-        <p:txBody>
-          <a:bodyPr/>
-          <a:lstStyle/>
-          <a:p>
-            <a:pPr algn="l"/>
-            <a:r>
-              <a:rPr lang="en-US" dirty="0" smtClean="0"/>
-              <a:t>K2E </a:t>
-            </a:r>
-            <a:r>
-              <a:rPr lang="en-US" dirty="0" smtClean="0"/>
-              <a:t>Device </a:t>
-            </a:r>
-            <a:r>
-              <a:rPr lang="en-US" dirty="0" smtClean="0"/>
-              <a:t>Summary</a:t>
-            </a:r>
-            <a:endParaRPr lang="en-US" dirty="0"/>
-          </a:p>
-        </p:txBody>
-      </p:sp>
-      <p:sp>
-        <p:nvSpPr>
-          <p:cNvPr id="3" name="Subtitle 2"/>
-          <p:cNvSpPr>
-            <a:spLocks noGrp="1"/>
-          </p:cNvSpPr>
-          <p:nvPr>
-            <p:ph type="subTitle" idx="1"/>
-          </p:nvPr>
-        </p:nvSpPr>
-        <p:spPr/>
-        <p:txBody>
-          <a:bodyPr/>
-          <a:lstStyle/>
-          <a:p>
-            <a:endParaRPr lang="en-US" dirty="0"/>
-          </a:p>
-        </p:txBody>
-      </p:sp>
-      <p:sp>
-        <p:nvSpPr>
-          <p:cNvPr id="4" name="Slide Number Placeholder 3"/>
-          <p:cNvSpPr>
-            <a:spLocks noGrp="1"/>
-          </p:cNvSpPr>
-          <p:nvPr>
-            <p:ph type="sldNum" sz="quarter" idx="10"/>
-          </p:nvPr>
-        </p:nvSpPr>
-        <p:spPr/>
-        <p:txBody>
-          <a:bodyPr/>
-          <a:lstStyle/>
-          <a:p>
-            <a:fld id="{91A5AC0A-F4BD-4464-80DC-A88E0D9F781D}" type="slidenum">
-              <a:rPr lang="en-US" smtClean="0"/>
-              <a:pPr/>
-              <a:t>22</a:t>
-            </a:fld>
-            <a:endParaRPr lang="en-US" dirty="0"/>
-          </a:p>
-        </p:txBody>
-      </p:sp>
-    </p:spTree>
-  </p:cSld>
-  <p:clrMapOvr>
-    <a:masterClrMapping/>
-  </p:clrMapOvr>
-  <p:timing>
-    <p:tnLst>
-      <p:par>
-        <p:cTn id="1" dur="indefinite" restart="never" nodeType="tmRoot"/>
-      </p:par>
-    </p:tnLst>
-  </p:timing>
-</p:sld>
-</file>
-
-<file path=ppt/slides/slide23.xml><?xml version="1.0" encoding="utf-8"?>
-<p:sld xmlns:a="http://schemas.openxmlformats.org/drawingml/2006/main" xmlns:r="http://schemas.openxmlformats.org/officeDocument/2006/relationships" xmlns:p="http://schemas.openxmlformats.org/presentationml/2006/main">
-  <p:cSld>
-    <p:spTree>
-      <p:nvGrpSpPr>
-        <p:cNvPr id="1" name=""/>
-        <p:cNvGrpSpPr/>
-        <p:nvPr/>
-      </p:nvGrpSpPr>
-      <p:grpSpPr>
-        <a:xfrm>
-          <a:off x="0" y="0"/>
-          <a:ext cx="0" cy="0"/>
-          <a:chOff x="0" y="0"/>
-          <a:chExt cx="0" cy="0"/>
-        </a:xfrm>
-      </p:grpSpPr>
-      <p:sp>
-        <p:nvSpPr>
           <p:cNvPr id="2" name="Title 1"/>
           <p:cNvSpPr>
             <a:spLocks noGrp="1"/>
@@ -10265,15 +6080,7 @@
           <a:p>
             <a:r>
               <a:rPr lang="en-US" dirty="0" smtClean="0"/>
-              <a:t>Comparing K2H </a:t>
-            </a:r>
-            <a:r>
-              <a:rPr lang="en-US" dirty="0" smtClean="0"/>
-              <a:t>and K2E </a:t>
-            </a:r>
-            <a:r>
-              <a:rPr lang="en-US" dirty="0" smtClean="0"/>
-              <a:t>Architecture</a:t>
+              <a:t>Comparing K2H and K2E Architecture</a:t>
             </a:r>
             <a:endParaRPr lang="en-US" dirty="0"/>
           </a:p>
@@ -10288,7 +6095,7 @@
           <p:nvPr>
             <p:extLst>
               <p:ext uri="{D42A27DB-BD31-4B8C-83A1-F6EECF244321}">
-                <p14:modId xmlns="" xmlns:p14="http://schemas.microsoft.com/office/powerpoint/2010/main" val="297698992"/>
+                <p14:modId xmlns:p14="http://schemas.microsoft.com/office/powerpoint/2010/main" val="2536914482"/>
               </p:ext>
             </p:extLst>
           </p:nvPr>
@@ -11054,15 +6861,7 @@
                           <a:latin typeface="Calibri" pitchFamily="34" charset="0"/>
                           <a:cs typeface="Calibri" pitchFamily="34" charset="0"/>
                         </a:rPr>
-                        <a:t>(</a:t>
-                      </a:r>
-                      <a:r>
-                        <a:rPr lang="en-US" sz="1400" dirty="0" smtClean="0">
-                          <a:effectLst/>
-                          <a:latin typeface="Calibri" pitchFamily="34" charset="0"/>
-                          <a:cs typeface="Calibri" pitchFamily="34" charset="0"/>
-                        </a:rPr>
-                        <a:t>20 </a:t>
+                        <a:t>(20 </a:t>
                       </a:r>
                       <a:r>
                         <a:rPr lang="en-US" sz="1400" dirty="0" err="1" smtClean="0">
@@ -11922,14 +7721,14 @@
           <a:effectLst/>
           <a:extLst>
             <a:ext uri="{909E8E84-426E-40DD-AFC4-6F175D3DCCD1}">
-              <a14:hiddenFill xmlns="" xmlns:a14="http://schemas.microsoft.com/office/drawing/2010/main">
+              <a14:hiddenFill xmlns:a14="http://schemas.microsoft.com/office/drawing/2010/main">
                 <a:solidFill>
                   <a:schemeClr val="accent1"/>
                 </a:solidFill>
               </a14:hiddenFill>
             </a:ext>
             <a:ext uri="{91240B29-F687-4F45-9708-019B960494DF}">
-              <a14:hiddenLine xmlns="" xmlns:a14="http://schemas.microsoft.com/office/drawing/2010/main" w="9525">
+              <a14:hiddenLine xmlns:a14="http://schemas.microsoft.com/office/drawing/2010/main" w="9525">
                 <a:solidFill>
                   <a:schemeClr val="tx1"/>
                 </a:solidFill>
@@ -11939,7 +7738,7 @@
               </a14:hiddenLine>
             </a:ext>
             <a:ext uri="{AF507438-7753-43E0-B8FC-AC1667EBCBE1}">
-              <a14:hiddenEffects xmlns="" xmlns:a14="http://schemas.microsoft.com/office/drawing/2010/main">
+              <a14:hiddenEffects xmlns:a14="http://schemas.microsoft.com/office/drawing/2010/main">
                 <a:effectLst>
                   <a:outerShdw dist="35921" dir="2700000" algn="ctr" rotWithShape="0">
                     <a:schemeClr val="bg2"/>
@@ -11991,7 +7790,7 @@
     </p:spTree>
     <p:extLst>
       <p:ext uri="{BB962C8B-B14F-4D97-AF65-F5344CB8AC3E}">
-        <p14:creationId xmlns="" xmlns:p14="http://schemas.microsoft.com/office/powerpoint/2010/main" val="3926550766"/>
+        <p14:creationId xmlns:p14="http://schemas.microsoft.com/office/powerpoint/2010/main" val="3416953927"/>
       </p:ext>
     </p:extLst>
   </p:cSld>
@@ -12001,7 +7800,7 @@
 </p:sld>
 </file>
 
-<file path=ppt/slides/slide24.xml><?xml version="1.0" encoding="utf-8"?>
+<file path=ppt/slides/slide11.xml><?xml version="1.0" encoding="utf-8"?>
 <p:sld xmlns:a="http://schemas.openxmlformats.org/drawingml/2006/main" xmlns:r="http://schemas.openxmlformats.org/officeDocument/2006/relationships" xmlns:p="http://schemas.openxmlformats.org/presentationml/2006/main">
   <p:cSld>
     <p:spTree>
@@ -12042,11 +7841,7 @@
           <a:p>
             <a:r>
               <a:rPr lang="en-US" sz="4000" dirty="0" smtClean="0"/>
-              <a:t>K2E </a:t>
-            </a:r>
-            <a:r>
-              <a:rPr lang="en-US" sz="4000" dirty="0" smtClean="0"/>
-              <a:t>Features Summary</a:t>
+              <a:t>K2E Features Summary</a:t>
             </a:r>
             <a:endParaRPr lang="en-US" sz="4000" dirty="0"/>
           </a:p>
@@ -12089,19 +7884,7 @@
               <a:rPr lang="en-US" sz="2400" kern="1200" dirty="0" smtClean="0">
                 <a:ea typeface="+mn-ea"/>
               </a:rPr>
-              <a:t>Powerful </a:t>
-            </a:r>
-            <a:r>
-              <a:rPr lang="en-US" sz="2400" kern="1200" dirty="0" smtClean="0">
-                <a:ea typeface="+mn-ea"/>
-              </a:rPr>
-              <a:t>Quad-ARM A15CorePac with DSP CorePac support, as </a:t>
-            </a:r>
-            <a:r>
-              <a:rPr lang="en-US" sz="2400" kern="1200" dirty="0" smtClean="0">
-                <a:ea typeface="+mn-ea"/>
-              </a:rPr>
-              <a:t>needed</a:t>
+              <a:t>Powerful Quad-ARM A15CorePac with DSP CorePac support, as needed</a:t>
             </a:r>
           </a:p>
           <a:p>
@@ -12158,19 +7941,7 @@
               <a:rPr lang="en-US" sz="2000" kern="1200" dirty="0" smtClean="0">
                 <a:ea typeface="+mn-ea"/>
               </a:rPr>
-              <a:t>Multiple </a:t>
-            </a:r>
-            <a:r>
-              <a:rPr lang="en-US" sz="2000" kern="1200" dirty="0" smtClean="0">
-                <a:ea typeface="+mn-ea"/>
-              </a:rPr>
-              <a:t>MDIOs support </a:t>
-            </a:r>
-            <a:r>
-              <a:rPr lang="en-US" sz="2000" kern="1200" dirty="0" smtClean="0">
-                <a:ea typeface="+mn-ea"/>
-              </a:rPr>
-              <a:t>multiple physical Ethernet interfaces</a:t>
+              <a:t>Multiple MDIOs support multiple physical Ethernet interfaces</a:t>
             </a:r>
           </a:p>
           <a:p>
@@ -12189,17 +7960,8 @@
               <a:rPr lang="en-US" sz="2400" kern="1200" dirty="0" smtClean="0">
                 <a:ea typeface="+mn-ea"/>
               </a:rPr>
-              <a:t>Optimized external data </a:t>
+              <a:t>Optimized external data movement:</a:t>
             </a:r>
-            <a:r>
-              <a:rPr lang="en-US" sz="2400" kern="1200" dirty="0" smtClean="0">
-                <a:ea typeface="+mn-ea"/>
-              </a:rPr>
-              <a:t>movement:</a:t>
-            </a:r>
-            <a:endParaRPr lang="en-US" sz="2400" kern="1200" dirty="0" smtClean="0">
-              <a:ea typeface="+mn-ea"/>
-            </a:endParaRPr>
           </a:p>
           <a:p>
             <a:pPr marL="742950" lvl="1" indent="-285750">
@@ -12312,31 +8074,7 @@
               <a:rPr lang="en-US" sz="2400" kern="1200" dirty="0" smtClean="0">
                 <a:ea typeface="+mn-ea"/>
               </a:rPr>
-              <a:t>Fast (</a:t>
-            </a:r>
-            <a:r>
-              <a:rPr lang="en-US" sz="2400" kern="1200" dirty="0" smtClean="0">
-                <a:ea typeface="+mn-ea"/>
-              </a:rPr>
-              <a:t>1600 MHz), </a:t>
-            </a:r>
-            <a:r>
-              <a:rPr lang="en-US" sz="2400" kern="1200" dirty="0" smtClean="0">
-                <a:ea typeface="+mn-ea"/>
-              </a:rPr>
-              <a:t>wide (72 bits</a:t>
-            </a:r>
-            <a:r>
-              <a:rPr lang="en-US" sz="2400" kern="1200" dirty="0" smtClean="0">
-                <a:ea typeface="+mn-ea"/>
-              </a:rPr>
-              <a:t>), </a:t>
-            </a:r>
-            <a:r>
-              <a:rPr lang="en-US" sz="2400" kern="1200" dirty="0" smtClean="0">
-                <a:ea typeface="+mn-ea"/>
-              </a:rPr>
-              <a:t>and large (8G) external memory   </a:t>
+              <a:t>Fast (1600 MHz), wide (72 bits), and large (8G) external memory   </a:t>
             </a:r>
           </a:p>
           <a:p>
@@ -12350,7 +8088,7 @@
     </p:spTree>
     <p:extLst>
       <p:ext uri="{BB962C8B-B14F-4D97-AF65-F5344CB8AC3E}">
-        <p14:creationId xmlns="" xmlns:p14="http://schemas.microsoft.com/office/powerpoint/2010/main" val="517285922"/>
+        <p14:creationId xmlns:p14="http://schemas.microsoft.com/office/powerpoint/2010/main" val="300334443"/>
       </p:ext>
     </p:extLst>
   </p:cSld>
@@ -12360,7 +8098,7 @@
 </p:sld>
 </file>
 
-<file path=ppt/slides/slide25.xml><?xml version="1.0" encoding="utf-8"?>
+<file path=ppt/slides/slide12.xml><?xml version="1.0" encoding="utf-8"?>
 <p:sld xmlns:a="http://schemas.openxmlformats.org/drawingml/2006/main" xmlns:r="http://schemas.openxmlformats.org/officeDocument/2006/relationships" xmlns:p="http://schemas.openxmlformats.org/presentationml/2006/main">
   <p:cSld>
     <p:spTree>
@@ -12444,25 +8182,7 @@
               <a:rPr lang="en-US" sz="2400" kern="1200" dirty="0" smtClean="0">
                 <a:ea typeface="+mn-ea"/>
               </a:rPr>
-              <a:t>Small</a:t>
-            </a:r>
-            <a:r>
-              <a:rPr lang="en-US" sz="2400" kern="1200" dirty="0" smtClean="0">
-                <a:ea typeface="+mn-ea"/>
-              </a:rPr>
-              <a:t>, </a:t>
-            </a:r>
-            <a:r>
-              <a:rPr lang="en-US" sz="2400" kern="1200" dirty="0" smtClean="0">
-                <a:ea typeface="+mn-ea"/>
-              </a:rPr>
-              <a:t>medium, </a:t>
-            </a:r>
-            <a:r>
-              <a:rPr lang="en-US" sz="2400" kern="1200" dirty="0" smtClean="0">
-                <a:ea typeface="+mn-ea"/>
-              </a:rPr>
-              <a:t>or large I/O bandwidth</a:t>
+              <a:t>Small, medium, or large I/O bandwidth</a:t>
             </a:r>
           </a:p>
           <a:p>
@@ -12481,21 +8201,109 @@
               <a:rPr lang="en-US" sz="2400" kern="1200" dirty="0" smtClean="0">
                 <a:ea typeface="+mn-ea"/>
               </a:rPr>
-              <a:t>Efficient </a:t>
+              <a:t>Efficient signal processing calculations, fixed point or floating point or both</a:t>
             </a:r>
+          </a:p>
+          <a:p>
+            <a:pPr marL="285750" lvl="1" indent="-285750">
+              <a:lnSpc>
+                <a:spcPct val="90000"/>
+              </a:lnSpc>
+              <a:spcBef>
+                <a:spcPts val="600"/>
+              </a:spcBef>
+              <a:buFont typeface="Arial" panose="020B0604020202020204" pitchFamily="34" charset="0"/>
+              <a:buChar char="•"/>
+              <a:defRPr/>
+            </a:pPr>
             <a:r>
               <a:rPr lang="en-US" sz="2400" kern="1200" dirty="0" smtClean="0">
                 <a:ea typeface="+mn-ea"/>
               </a:rPr>
-              <a:t>signal processing calculations, fixed point or floating point or </a:t>
+              <a:t>Efficient micro-controller applications</a:t>
+            </a:r>
+          </a:p>
+          <a:p>
+            <a:pPr marL="742950" lvl="1" indent="-285750">
+              <a:lnSpc>
+                <a:spcPct val="90000"/>
+              </a:lnSpc>
+              <a:spcBef>
+                <a:spcPts val="600"/>
+              </a:spcBef>
+              <a:buFont typeface="Calibri" pitchFamily="34" charset="0"/>
+              <a:buChar char="–"/>
+              <a:defRPr/>
+            </a:pPr>
+            <a:r>
+              <a:rPr lang="en-US" sz="2000" kern="1200" dirty="0" smtClean="0">
+                <a:ea typeface="+mn-ea"/>
+              </a:rPr>
+              <a:t>Within the processor(s</a:t>
             </a:r>
             <a:r>
-              <a:rPr lang="en-US" sz="2400" kern="1200" dirty="0" smtClean="0">
+              <a:rPr lang="en-US" sz="2000" kern="1200" dirty="0" smtClean="0">
                 <a:ea typeface="+mn-ea"/>
               </a:rPr>
-              <a:t>both</a:t>
+              <a:t>) (A15)</a:t>
             </a:r>
-            <a:endParaRPr lang="en-US" sz="2400" kern="1200" dirty="0" smtClean="0">
+            <a:endParaRPr lang="en-US" sz="2000" kern="1200" dirty="0" smtClean="0">
+              <a:ea typeface="+mn-ea"/>
+            </a:endParaRPr>
+          </a:p>
+          <a:p>
+            <a:pPr marL="742950" lvl="1" indent="-285750">
+              <a:lnSpc>
+                <a:spcPct val="90000"/>
+              </a:lnSpc>
+              <a:spcBef>
+                <a:spcPts val="600"/>
+              </a:spcBef>
+              <a:buFont typeface="Calibri" pitchFamily="34" charset="0"/>
+              <a:buChar char="–"/>
+              <a:defRPr/>
+            </a:pPr>
+            <a:r>
+              <a:rPr lang="en-US" sz="2000" kern="1200" dirty="0" smtClean="0">
+                <a:ea typeface="+mn-ea"/>
+              </a:rPr>
+              <a:t>Within the </a:t>
+            </a:r>
+            <a:r>
+              <a:rPr lang="en-US" sz="2000" kern="1200" dirty="0" smtClean="0">
+                <a:ea typeface="+mn-ea"/>
+              </a:rPr>
+              <a:t>device (NetCP)</a:t>
+            </a:r>
+            <a:endParaRPr lang="en-US" sz="2000" kern="1200" dirty="0" smtClean="0">
+              <a:ea typeface="+mn-ea"/>
+            </a:endParaRPr>
+          </a:p>
+          <a:p>
+            <a:pPr marL="742950" lvl="1" indent="-285750">
+              <a:lnSpc>
+                <a:spcPct val="90000"/>
+              </a:lnSpc>
+              <a:spcBef>
+                <a:spcPts val="600"/>
+              </a:spcBef>
+              <a:buFont typeface="Calibri" pitchFamily="34" charset="0"/>
+              <a:buChar char="–"/>
+              <a:defRPr/>
+            </a:pPr>
+            <a:r>
+              <a:rPr lang="en-US" sz="2000" kern="1200" dirty="0" smtClean="0">
+                <a:ea typeface="+mn-ea"/>
+              </a:rPr>
+              <a:t>External to the </a:t>
+            </a:r>
+            <a:r>
+              <a:rPr lang="en-US" sz="2000" kern="1200" dirty="0" smtClean="0">
+                <a:ea typeface="+mn-ea"/>
+              </a:rPr>
+              <a:t>device (10G)</a:t>
+            </a:r>
+            <a:endParaRPr lang="en-US" sz="2000" kern="1200" dirty="0" smtClean="0">
               <a:ea typeface="+mn-ea"/>
             </a:endParaRPr>
           </a:p>
@@ -12515,99 +8323,8 @@
               <a:rPr lang="en-US" sz="2400" kern="1200" dirty="0" smtClean="0">
                 <a:ea typeface="+mn-ea"/>
               </a:rPr>
-              <a:t>Efficient </a:t>
-            </a:r>
-            <a:r>
-              <a:rPr lang="en-US" sz="2400" kern="1200" dirty="0" smtClean="0">
-                <a:ea typeface="+mn-ea"/>
-              </a:rPr>
-              <a:t>micro-controller </a:t>
-            </a:r>
-            <a:r>
-              <a:rPr lang="en-US" sz="2400" kern="1200" dirty="0" smtClean="0">
-                <a:ea typeface="+mn-ea"/>
-              </a:rPr>
-              <a:t>applications</a:t>
-            </a:r>
-          </a:p>
-          <a:p>
-            <a:pPr marL="742950" lvl="1" indent="-285750">
-              <a:lnSpc>
-                <a:spcPct val="90000"/>
-              </a:lnSpc>
-              <a:spcBef>
-                <a:spcPts val="600"/>
-              </a:spcBef>
-              <a:buFont typeface="Calibri" pitchFamily="34" charset="0"/>
-              <a:buChar char="–"/>
-              <a:defRPr/>
-            </a:pPr>
-            <a:r>
-              <a:rPr lang="en-US" sz="2000" kern="1200" dirty="0" smtClean="0">
-                <a:ea typeface="+mn-ea"/>
-              </a:rPr>
-              <a:t>Within the processor(s)</a:t>
-            </a:r>
-          </a:p>
-          <a:p>
-            <a:pPr marL="742950" lvl="1" indent="-285750">
-              <a:lnSpc>
-                <a:spcPct val="90000"/>
-              </a:lnSpc>
-              <a:spcBef>
-                <a:spcPts val="600"/>
-              </a:spcBef>
-              <a:buFont typeface="Calibri" pitchFamily="34" charset="0"/>
-              <a:buChar char="–"/>
-              <a:defRPr/>
-            </a:pPr>
-            <a:r>
-              <a:rPr lang="en-US" sz="2000" kern="1200" dirty="0" smtClean="0">
-                <a:ea typeface="+mn-ea"/>
-              </a:rPr>
-              <a:t>Within the device</a:t>
-            </a:r>
-          </a:p>
-          <a:p>
-            <a:pPr marL="742950" lvl="1" indent="-285750">
-              <a:lnSpc>
-                <a:spcPct val="90000"/>
-              </a:lnSpc>
-              <a:spcBef>
-                <a:spcPts val="600"/>
-              </a:spcBef>
-              <a:buFont typeface="Calibri" pitchFamily="34" charset="0"/>
-              <a:buChar char="–"/>
-              <a:defRPr/>
-            </a:pPr>
-            <a:r>
-              <a:rPr lang="en-US" sz="2000" kern="1200" dirty="0" smtClean="0">
-                <a:ea typeface="+mn-ea"/>
-              </a:rPr>
-              <a:t>External to the device</a:t>
-            </a:r>
-          </a:p>
-          <a:p>
-            <a:pPr marL="285750" lvl="1" indent="-285750">
-              <a:lnSpc>
-                <a:spcPct val="90000"/>
-              </a:lnSpc>
-              <a:spcBef>
-                <a:spcPts val="600"/>
-              </a:spcBef>
-              <a:buFont typeface="Arial" panose="020B0604020202020204" pitchFamily="34" charset="0"/>
-              <a:buChar char="•"/>
-              <a:defRPr/>
-            </a:pPr>
-            <a:r>
-              <a:rPr lang="en-US" sz="2400" kern="1200" dirty="0" smtClean="0">
-                <a:ea typeface="+mn-ea"/>
-              </a:rPr>
               <a:t>Power to performance ratio is important</a:t>
             </a:r>
-            <a:endParaRPr lang="en-US" sz="2400" kern="1200" dirty="0" smtClean="0">
-              <a:ea typeface="+mn-ea"/>
-            </a:endParaRPr>
           </a:p>
           <a:p>
             <a:endParaRPr lang="en-US" dirty="0" smtClean="0"/>
@@ -12623,13 +8340,3997 @@
     </p:spTree>
     <p:extLst>
       <p:ext uri="{BB962C8B-B14F-4D97-AF65-F5344CB8AC3E}">
-        <p14:creationId xmlns="" xmlns:p14="http://schemas.microsoft.com/office/powerpoint/2010/main" val="1414259500"/>
+        <p14:creationId xmlns:p14="http://schemas.microsoft.com/office/powerpoint/2010/main" val="821418795"/>
       </p:ext>
     </p:extLst>
   </p:cSld>
   <p:clrMapOvr>
     <a:masterClrMapping/>
   </p:clrMapOvr>
+</p:sld>
+</file>
+
+<file path=ppt/slides/slide13.xml><?xml version="1.0" encoding="utf-8"?>
+<p:sld xmlns:a="http://schemas.openxmlformats.org/drawingml/2006/main" xmlns:r="http://schemas.openxmlformats.org/officeDocument/2006/relationships" xmlns:p="http://schemas.openxmlformats.org/presentationml/2006/main">
+  <p:cSld>
+    <p:spTree>
+      <p:nvGrpSpPr>
+        <p:cNvPr id="1" name=""/>
+        <p:cNvGrpSpPr/>
+        <p:nvPr/>
+      </p:nvGrpSpPr>
+      <p:grpSpPr>
+        <a:xfrm>
+          <a:off x="0" y="0"/>
+          <a:ext cx="0" cy="0"/>
+          <a:chOff x="0" y="0"/>
+          <a:chExt cx="0" cy="0"/>
+        </a:xfrm>
+      </p:grpSpPr>
+      <p:sp>
+        <p:nvSpPr>
+          <p:cNvPr id="104450" name="Rectangle 3"/>
+          <p:cNvSpPr>
+            <a:spLocks noGrp="1" noChangeArrowheads="1"/>
+          </p:cNvSpPr>
+          <p:nvPr>
+            <p:ph type="title" idx="4294967295"/>
+          </p:nvPr>
+        </p:nvSpPr>
+        <p:spPr>
+          <a:xfrm>
+            <a:off x="437305" y="76200"/>
+            <a:ext cx="8229600" cy="762000"/>
+          </a:xfrm>
+        </p:spPr>
+        <p:txBody>
+          <a:bodyPr/>
+          <a:lstStyle/>
+          <a:p>
+            <a:pPr eaLnBrk="1" hangingPunct="1"/>
+            <a:r>
+              <a:rPr lang="en-US" dirty="0" smtClean="0"/>
+              <a:t>66AK2E05 Key Features</a:t>
+            </a:r>
+            <a:endParaRPr lang="en-US" sz="4000" dirty="0" smtClean="0"/>
+          </a:p>
+        </p:txBody>
+      </p:sp>
+      <p:sp>
+        <p:nvSpPr>
+          <p:cNvPr id="859" name="Rectangle 5"/>
+          <p:cNvSpPr txBox="1">
+            <a:spLocks noChangeArrowheads="1"/>
+          </p:cNvSpPr>
+          <p:nvPr/>
+        </p:nvSpPr>
+        <p:spPr bwMode="auto">
+          <a:xfrm>
+            <a:off x="5364960" y="812035"/>
+            <a:ext cx="3721893" cy="5464408"/>
+          </a:xfrm>
+          <a:prstGeom prst="rect">
+            <a:avLst/>
+          </a:prstGeom>
+          <a:noFill/>
+          <a:ln w="9525">
+            <a:noFill/>
+            <a:miter lim="800000"/>
+            <a:headEnd/>
+            <a:tailEnd/>
+          </a:ln>
+        </p:spPr>
+        <p:txBody>
+          <a:bodyPr/>
+          <a:lstStyle/>
+          <a:p>
+            <a:pPr marL="285750" indent="-285750">
+              <a:lnSpc>
+                <a:spcPct val="80000"/>
+              </a:lnSpc>
+              <a:spcBef>
+                <a:spcPts val="600"/>
+              </a:spcBef>
+              <a:buFont typeface="Arial" panose="020B0604020202020204" pitchFamily="34" charset="0"/>
+              <a:buChar char="•"/>
+              <a:defRPr/>
+            </a:pPr>
+            <a:r>
+              <a:rPr lang="en-US" sz="2400" dirty="0" smtClean="0">
+                <a:latin typeface="Calibri" pitchFamily="34" charset="0"/>
+                <a:cs typeface="Calibri" pitchFamily="34" charset="0"/>
+              </a:rPr>
+              <a:t>Powerful microcomputer with DSP coprocessor</a:t>
+            </a:r>
+          </a:p>
+          <a:p>
+            <a:pPr marL="285750" lvl="1" indent="-285750">
+              <a:lnSpc>
+                <a:spcPct val="80000"/>
+              </a:lnSpc>
+              <a:spcBef>
+                <a:spcPts val="600"/>
+              </a:spcBef>
+              <a:buFont typeface="Arial" panose="020B0604020202020204" pitchFamily="34" charset="0"/>
+              <a:buChar char="•"/>
+              <a:defRPr/>
+            </a:pPr>
+            <a:r>
+              <a:rPr lang="en-US" sz="2400" dirty="0" smtClean="0">
+                <a:latin typeface="Calibri" pitchFamily="34" charset="0"/>
+                <a:cs typeface="Calibri" pitchFamily="34" charset="0"/>
+              </a:rPr>
+              <a:t>Quad-ARM A15 CorePac</a:t>
+            </a:r>
+          </a:p>
+          <a:p>
+            <a:pPr marL="285750" lvl="1" indent="-285750">
+              <a:lnSpc>
+                <a:spcPct val="80000"/>
+              </a:lnSpc>
+              <a:spcBef>
+                <a:spcPts val="600"/>
+              </a:spcBef>
+              <a:buFont typeface="Arial" panose="020B0604020202020204" pitchFamily="34" charset="0"/>
+              <a:buChar char="•"/>
+              <a:defRPr/>
+            </a:pPr>
+            <a:r>
+              <a:rPr lang="en-US" sz="2400" dirty="0" smtClean="0">
+                <a:latin typeface="Calibri" pitchFamily="34" charset="0"/>
+                <a:cs typeface="Calibri" pitchFamily="34" charset="0"/>
+              </a:rPr>
+              <a:t>1x Queue Manager supports up to 8K queues</a:t>
+            </a:r>
+          </a:p>
+          <a:p>
+            <a:pPr marL="285750" lvl="1" indent="-285750">
+              <a:lnSpc>
+                <a:spcPct val="80000"/>
+              </a:lnSpc>
+              <a:spcBef>
+                <a:spcPts val="600"/>
+              </a:spcBef>
+              <a:buFont typeface="Arial" panose="020B0604020202020204" pitchFamily="34" charset="0"/>
+              <a:buChar char="•"/>
+              <a:defRPr/>
+            </a:pPr>
+            <a:r>
+              <a:rPr lang="en-US" sz="2400" dirty="0" smtClean="0">
+                <a:latin typeface="Calibri" pitchFamily="34" charset="0"/>
+                <a:cs typeface="Calibri" pitchFamily="34" charset="0"/>
+              </a:rPr>
+              <a:t>1x Network Coprocessor (NETCP)</a:t>
+            </a:r>
+          </a:p>
+          <a:p>
+            <a:pPr marL="285750" lvl="1" indent="-285750">
+              <a:lnSpc>
+                <a:spcPct val="80000"/>
+              </a:lnSpc>
+              <a:spcBef>
+                <a:spcPts val="600"/>
+              </a:spcBef>
+              <a:buFont typeface="Arial" panose="020B0604020202020204" pitchFamily="34" charset="0"/>
+              <a:buChar char="•"/>
+              <a:defRPr/>
+            </a:pPr>
+            <a:r>
+              <a:rPr lang="en-US" sz="2400" dirty="0" smtClean="0">
+                <a:latin typeface="Calibri" pitchFamily="34" charset="0"/>
+                <a:cs typeface="Calibri" pitchFamily="34" charset="0"/>
+              </a:rPr>
+              <a:t>1x 3-port 10GBE Switch Subsystem</a:t>
+            </a:r>
+          </a:p>
+          <a:p>
+            <a:pPr marL="285750" indent="-285750">
+              <a:lnSpc>
+                <a:spcPct val="80000"/>
+              </a:lnSpc>
+              <a:spcBef>
+                <a:spcPts val="600"/>
+              </a:spcBef>
+              <a:buFont typeface="Arial" panose="020B0604020202020204" pitchFamily="34" charset="0"/>
+              <a:buChar char="•"/>
+              <a:defRPr/>
+            </a:pPr>
+            <a:r>
+              <a:rPr lang="en-US" sz="2400" dirty="0" smtClean="0">
+                <a:latin typeface="Calibri" pitchFamily="34" charset="0"/>
+                <a:cs typeface="Calibri" pitchFamily="34" charset="0"/>
+              </a:rPr>
+              <a:t>10 Ethernet ports: </a:t>
+            </a:r>
+          </a:p>
+          <a:p>
+            <a:pPr marL="742950" lvl="1" indent="-285750">
+              <a:lnSpc>
+                <a:spcPct val="80000"/>
+              </a:lnSpc>
+              <a:spcBef>
+                <a:spcPts val="600"/>
+              </a:spcBef>
+              <a:buFont typeface="Calibri" pitchFamily="34" charset="0"/>
+              <a:buChar char="–"/>
+              <a:defRPr/>
+            </a:pPr>
+            <a:r>
+              <a:rPr lang="en-US" sz="2000" dirty="0" smtClean="0">
+                <a:latin typeface="Calibri" pitchFamily="34" charset="0"/>
+                <a:cs typeface="Calibri" pitchFamily="34" charset="0"/>
+              </a:rPr>
+              <a:t>2x 10G</a:t>
+            </a:r>
+          </a:p>
+          <a:p>
+            <a:pPr marL="742950" lvl="1" indent="-285750">
+              <a:lnSpc>
+                <a:spcPct val="80000"/>
+              </a:lnSpc>
+              <a:spcBef>
+                <a:spcPts val="600"/>
+              </a:spcBef>
+              <a:buFont typeface="Calibri" pitchFamily="34" charset="0"/>
+              <a:buChar char="–"/>
+              <a:defRPr/>
+            </a:pPr>
+            <a:r>
+              <a:rPr lang="en-US" sz="2000" dirty="0" smtClean="0">
+                <a:latin typeface="Calibri" pitchFamily="34" charset="0"/>
+                <a:cs typeface="Calibri" pitchFamily="34" charset="0"/>
+              </a:rPr>
+              <a:t>8x 1G</a:t>
+            </a:r>
+          </a:p>
+          <a:p>
+            <a:pPr marL="285750" lvl="1" indent="-285750">
+              <a:lnSpc>
+                <a:spcPct val="80000"/>
+              </a:lnSpc>
+              <a:spcBef>
+                <a:spcPts val="600"/>
+              </a:spcBef>
+              <a:buFont typeface="Arial" panose="020B0604020202020204" pitchFamily="34" charset="0"/>
+              <a:buChar char="•"/>
+              <a:defRPr/>
+            </a:pPr>
+            <a:r>
+              <a:rPr lang="en-US" sz="2400" dirty="0" smtClean="0">
+                <a:latin typeface="Calibri" pitchFamily="34" charset="0"/>
+                <a:cs typeface="Calibri" pitchFamily="34" charset="0"/>
+              </a:rPr>
+              <a:t>Telecommunications Serial Port (TSIP)</a:t>
+            </a:r>
+          </a:p>
+          <a:p>
+            <a:pPr marL="285750" lvl="1" indent="-285750">
+              <a:lnSpc>
+                <a:spcPct val="80000"/>
+              </a:lnSpc>
+              <a:spcBef>
+                <a:spcPts val="600"/>
+              </a:spcBef>
+              <a:buFont typeface="Arial" panose="020B0604020202020204" pitchFamily="34" charset="0"/>
+              <a:buChar char="•"/>
+              <a:defRPr/>
+            </a:pPr>
+            <a:r>
+              <a:rPr lang="en-US" sz="2400" dirty="0" smtClean="0">
+                <a:latin typeface="Calibri" pitchFamily="34" charset="0"/>
+                <a:cs typeface="Calibri" pitchFamily="34" charset="0"/>
+              </a:rPr>
+              <a:t>2x PCIe and 2x USB 3.0 to support solid-state drive</a:t>
+            </a:r>
+          </a:p>
+        </p:txBody>
+      </p:sp>
+      <p:pic>
+        <p:nvPicPr>
+          <p:cNvPr id="8" name="Picture 7" descr="Functional Block Diagram 66AK2E05.bmp"/>
+          <p:cNvPicPr>
+            <a:picLocks noChangeAspect="1"/>
+          </p:cNvPicPr>
+          <p:nvPr/>
+        </p:nvPicPr>
+        <p:blipFill>
+          <a:blip r:embed="rId4" cstate="print"/>
+          <a:stretch>
+            <a:fillRect/>
+          </a:stretch>
+        </p:blipFill>
+        <p:spPr>
+          <a:xfrm>
+            <a:off x="0" y="859536"/>
+            <a:ext cx="5343155" cy="5443739"/>
+          </a:xfrm>
+          <a:prstGeom prst="rect">
+            <a:avLst/>
+          </a:prstGeom>
+        </p:spPr>
+      </p:pic>
+      <p:sp>
+        <p:nvSpPr>
+          <p:cNvPr id="5" name="Slide Number Placeholder 3"/>
+          <p:cNvSpPr>
+            <a:spLocks noGrp="1"/>
+          </p:cNvSpPr>
+          <p:nvPr>
+            <p:ph type="sldNum" sz="quarter" idx="10"/>
+          </p:nvPr>
+        </p:nvSpPr>
+        <p:spPr>
+          <a:xfrm>
+            <a:off x="6642100" y="6038850"/>
+            <a:ext cx="2133600" cy="206375"/>
+          </a:xfrm>
+        </p:spPr>
+        <p:txBody>
+          <a:bodyPr/>
+          <a:lstStyle/>
+          <a:p>
+            <a:fld id="{91A5AC0A-F4BD-4464-80DC-A88E0D9F781D}" type="slidenum">
+              <a:rPr lang="en-US" smtClean="0"/>
+              <a:pPr/>
+              <a:t>13</a:t>
+            </a:fld>
+            <a:endParaRPr lang="en-US" dirty="0"/>
+          </a:p>
+        </p:txBody>
+      </p:sp>
+    </p:spTree>
+    <p:custDataLst>
+      <p:tags r:id="rId1"/>
+    </p:custDataLst>
+    <p:extLst>
+      <p:ext uri="{BB962C8B-B14F-4D97-AF65-F5344CB8AC3E}">
+        <p14:creationId xmlns:p14="http://schemas.microsoft.com/office/powerpoint/2010/main" val="3691244631"/>
+      </p:ext>
+    </p:extLst>
+  </p:cSld>
+  <p:clrMapOvr>
+    <a:masterClrMapping/>
+  </p:clrMapOvr>
+  <p:timing>
+    <p:tnLst>
+      <p:par>
+        <p:cTn id="1" dur="indefinite" restart="never" nodeType="tmRoot"/>
+      </p:par>
+    </p:tnLst>
+  </p:timing>
+</p:sld>
+</file>
+
+<file path=ppt/slides/slide14.xml><?xml version="1.0" encoding="utf-8"?>
+<p:sld xmlns:a="http://schemas.openxmlformats.org/drawingml/2006/main" xmlns:r="http://schemas.openxmlformats.org/officeDocument/2006/relationships" xmlns:p="http://schemas.openxmlformats.org/presentationml/2006/main">
+  <p:cSld>
+    <p:spTree>
+      <p:nvGrpSpPr>
+        <p:cNvPr id="1" name=""/>
+        <p:cNvGrpSpPr/>
+        <p:nvPr/>
+      </p:nvGrpSpPr>
+      <p:grpSpPr>
+        <a:xfrm>
+          <a:off x="0" y="0"/>
+          <a:ext cx="0" cy="0"/>
+          <a:chOff x="0" y="0"/>
+          <a:chExt cx="0" cy="0"/>
+        </a:xfrm>
+      </p:grpSpPr>
+      <p:sp>
+        <p:nvSpPr>
+          <p:cNvPr id="104450" name="Rectangle 3"/>
+          <p:cNvSpPr>
+            <a:spLocks noGrp="1" noChangeArrowheads="1"/>
+          </p:cNvSpPr>
+          <p:nvPr>
+            <p:ph type="title" idx="4294967295"/>
+          </p:nvPr>
+        </p:nvSpPr>
+        <p:spPr>
+          <a:xfrm>
+            <a:off x="437305" y="76200"/>
+            <a:ext cx="8229600" cy="762000"/>
+          </a:xfrm>
+        </p:spPr>
+        <p:txBody>
+          <a:bodyPr/>
+          <a:lstStyle/>
+          <a:p>
+            <a:pPr eaLnBrk="1" hangingPunct="1"/>
+            <a:r>
+              <a:rPr lang="en-US" sz="4000" dirty="0" smtClean="0"/>
+              <a:t>66AK2E05 Applications</a:t>
+            </a:r>
+          </a:p>
+        </p:txBody>
+      </p:sp>
+      <p:sp>
+        <p:nvSpPr>
+          <p:cNvPr id="859" name="Rectangle 5"/>
+          <p:cNvSpPr txBox="1">
+            <a:spLocks noChangeArrowheads="1"/>
+          </p:cNvSpPr>
+          <p:nvPr/>
+        </p:nvSpPr>
+        <p:spPr bwMode="auto">
+          <a:xfrm>
+            <a:off x="5364960" y="855925"/>
+            <a:ext cx="3721893" cy="1582475"/>
+          </a:xfrm>
+          <a:prstGeom prst="rect">
+            <a:avLst/>
+          </a:prstGeom>
+          <a:noFill/>
+          <a:ln w="9525">
+            <a:noFill/>
+            <a:miter lim="800000"/>
+            <a:headEnd/>
+            <a:tailEnd/>
+          </a:ln>
+        </p:spPr>
+        <p:txBody>
+          <a:bodyPr/>
+          <a:lstStyle/>
+          <a:p>
+            <a:pPr marL="342900" indent="-342900" algn="l">
+              <a:lnSpc>
+                <a:spcPct val="80000"/>
+              </a:lnSpc>
+              <a:spcAft>
+                <a:spcPct val="10000"/>
+              </a:spcAft>
+              <a:buAutoNum type="arabicPeriod"/>
+              <a:defRPr/>
+            </a:pPr>
+            <a:endParaRPr lang="en-US" sz="2000" dirty="0" smtClean="0">
+              <a:solidFill>
+                <a:srgbClr val="000000"/>
+              </a:solidFill>
+              <a:latin typeface="Calibri" pitchFamily="34" charset="0"/>
+            </a:endParaRPr>
+          </a:p>
+        </p:txBody>
+      </p:sp>
+      <p:pic>
+        <p:nvPicPr>
+          <p:cNvPr id="8" name="Picture 7" descr="Functional Block Diagram 66AK2E05.bmp"/>
+          <p:cNvPicPr>
+            <a:picLocks noChangeAspect="1"/>
+          </p:cNvPicPr>
+          <p:nvPr/>
+        </p:nvPicPr>
+        <p:blipFill>
+          <a:blip r:embed="rId4" cstate="print"/>
+          <a:stretch>
+            <a:fillRect/>
+          </a:stretch>
+        </p:blipFill>
+        <p:spPr>
+          <a:xfrm>
+            <a:off x="609600" y="2200274"/>
+            <a:ext cx="3657600" cy="3726453"/>
+          </a:xfrm>
+          <a:prstGeom prst="rect">
+            <a:avLst/>
+          </a:prstGeom>
+        </p:spPr>
+      </p:pic>
+      <p:sp>
+        <p:nvSpPr>
+          <p:cNvPr id="6" name="Rectangle 5"/>
+          <p:cNvSpPr txBox="1">
+            <a:spLocks noChangeArrowheads="1"/>
+          </p:cNvSpPr>
+          <p:nvPr/>
+        </p:nvSpPr>
+        <p:spPr bwMode="auto">
+          <a:xfrm>
+            <a:off x="685800" y="760830"/>
+            <a:ext cx="7848600" cy="1345950"/>
+          </a:xfrm>
+          <a:prstGeom prst="rect">
+            <a:avLst/>
+          </a:prstGeom>
+          <a:noFill/>
+          <a:ln w="9525">
+            <a:noFill/>
+            <a:miter lim="800000"/>
+            <a:headEnd/>
+            <a:tailEnd/>
+          </a:ln>
+        </p:spPr>
+        <p:txBody>
+          <a:bodyPr/>
+          <a:lstStyle/>
+          <a:p>
+            <a:pPr marL="342900" indent="-342900" algn="l">
+              <a:lnSpc>
+                <a:spcPct val="80000"/>
+              </a:lnSpc>
+              <a:spcAft>
+                <a:spcPct val="10000"/>
+              </a:spcAft>
+              <a:buFont typeface="Arial" panose="020B0604020202020204" pitchFamily="34" charset="0"/>
+              <a:buChar char="•"/>
+              <a:defRPr/>
+            </a:pPr>
+            <a:r>
+              <a:rPr lang="en-US" sz="2400" dirty="0" smtClean="0">
+                <a:solidFill>
+                  <a:srgbClr val="000000"/>
+                </a:solidFill>
+                <a:latin typeface="Calibri" pitchFamily="34" charset="0"/>
+              </a:rPr>
+              <a:t>Communication and networking</a:t>
+            </a:r>
+          </a:p>
+          <a:p>
+            <a:pPr marL="342900" indent="-342900" algn="l">
+              <a:lnSpc>
+                <a:spcPct val="80000"/>
+              </a:lnSpc>
+              <a:spcAft>
+                <a:spcPct val="10000"/>
+              </a:spcAft>
+              <a:buFont typeface="Arial" panose="020B0604020202020204" pitchFamily="34" charset="0"/>
+              <a:buChar char="•"/>
+              <a:defRPr/>
+            </a:pPr>
+            <a:r>
+              <a:rPr lang="en-US" sz="2400" dirty="0" smtClean="0">
+                <a:solidFill>
+                  <a:srgbClr val="000000"/>
+                </a:solidFill>
+                <a:latin typeface="Calibri" pitchFamily="34" charset="0"/>
+              </a:rPr>
+              <a:t>Fast hard-disk storage (PCIe, USB)</a:t>
+            </a:r>
+          </a:p>
+          <a:p>
+            <a:pPr marL="342900" indent="-342900" algn="l">
+              <a:lnSpc>
+                <a:spcPct val="80000"/>
+              </a:lnSpc>
+              <a:spcAft>
+                <a:spcPct val="10000"/>
+              </a:spcAft>
+              <a:buFont typeface="Arial" panose="020B0604020202020204" pitchFamily="34" charset="0"/>
+              <a:buChar char="•"/>
+              <a:defRPr/>
+            </a:pPr>
+            <a:r>
+              <a:rPr lang="en-US" sz="2400" dirty="0" smtClean="0">
+                <a:solidFill>
+                  <a:srgbClr val="000000"/>
+                </a:solidFill>
+                <a:latin typeface="Calibri" pitchFamily="34" charset="0"/>
+              </a:rPr>
+              <a:t>Imaging, including analytics</a:t>
+            </a:r>
+          </a:p>
+          <a:p>
+            <a:pPr marL="342900" indent="-342900">
+              <a:lnSpc>
+                <a:spcPct val="80000"/>
+              </a:lnSpc>
+              <a:spcAft>
+                <a:spcPct val="10000"/>
+              </a:spcAft>
+              <a:buFont typeface="Arial" panose="020B0604020202020204" pitchFamily="34" charset="0"/>
+              <a:buChar char="•"/>
+              <a:defRPr/>
+            </a:pPr>
+            <a:r>
+              <a:rPr lang="en-US" sz="2400" dirty="0" smtClean="0">
+                <a:solidFill>
+                  <a:srgbClr val="000000"/>
+                </a:solidFill>
+                <a:latin typeface="Calibri" pitchFamily="34" charset="0"/>
+              </a:rPr>
+              <a:t>Example: Defense communication systems </a:t>
+            </a:r>
+          </a:p>
+          <a:p>
+            <a:pPr marL="342900" indent="-342900" algn="l">
+              <a:lnSpc>
+                <a:spcPct val="80000"/>
+              </a:lnSpc>
+              <a:spcAft>
+                <a:spcPct val="10000"/>
+              </a:spcAft>
+              <a:buAutoNum type="arabicPeriod"/>
+              <a:defRPr/>
+            </a:pPr>
+            <a:endParaRPr lang="en-US" sz="2000" dirty="0" smtClean="0">
+              <a:solidFill>
+                <a:srgbClr val="000000"/>
+              </a:solidFill>
+              <a:latin typeface="Calibri" pitchFamily="34" charset="0"/>
+            </a:endParaRPr>
+          </a:p>
+        </p:txBody>
+      </p:sp>
+      <p:sp>
+        <p:nvSpPr>
+          <p:cNvPr id="7" name="Rectangle 5"/>
+          <p:cNvSpPr txBox="1">
+            <a:spLocks noChangeArrowheads="1"/>
+          </p:cNvSpPr>
+          <p:nvPr/>
+        </p:nvSpPr>
+        <p:spPr bwMode="auto">
+          <a:xfrm>
+            <a:off x="4390339" y="2222602"/>
+            <a:ext cx="4343400" cy="3995318"/>
+          </a:xfrm>
+          <a:prstGeom prst="rect">
+            <a:avLst/>
+          </a:prstGeom>
+          <a:noFill/>
+          <a:ln w="9525">
+            <a:noFill/>
+            <a:miter lim="800000"/>
+            <a:headEnd/>
+            <a:tailEnd/>
+          </a:ln>
+        </p:spPr>
+        <p:txBody>
+          <a:bodyPr/>
+          <a:lstStyle/>
+          <a:p>
+            <a:pPr algn="ctr">
+              <a:lnSpc>
+                <a:spcPct val="80000"/>
+              </a:lnSpc>
+              <a:spcAft>
+                <a:spcPct val="10000"/>
+              </a:spcAft>
+              <a:defRPr/>
+            </a:pPr>
+            <a:r>
+              <a:rPr lang="en-US" sz="2400" b="1" dirty="0" smtClean="0">
+                <a:solidFill>
+                  <a:srgbClr val="000000"/>
+                </a:solidFill>
+                <a:latin typeface="Calibri" pitchFamily="34" charset="0"/>
+                <a:cs typeface="Calibri" pitchFamily="34" charset="0"/>
+              </a:rPr>
+              <a:t>Advantages</a:t>
+            </a:r>
+          </a:p>
+          <a:p>
+            <a:pPr marL="342900" indent="-342900" algn="l">
+              <a:lnSpc>
+                <a:spcPct val="80000"/>
+              </a:lnSpc>
+              <a:spcAft>
+                <a:spcPct val="10000"/>
+              </a:spcAft>
+              <a:buFont typeface="Arial" panose="020B0604020202020204" pitchFamily="34" charset="0"/>
+              <a:buChar char="•"/>
+              <a:defRPr/>
+            </a:pPr>
+            <a:r>
+              <a:rPr lang="en-US" sz="2400" dirty="0" smtClean="0">
+                <a:solidFill>
+                  <a:srgbClr val="000000"/>
+                </a:solidFill>
+                <a:latin typeface="Calibri" pitchFamily="34" charset="0"/>
+                <a:cs typeface="Calibri" pitchFamily="34" charset="0"/>
+              </a:rPr>
+              <a:t>Integrated SOC solution</a:t>
+            </a:r>
+          </a:p>
+          <a:p>
+            <a:pPr marL="342900" indent="-342900">
+              <a:lnSpc>
+                <a:spcPct val="80000"/>
+              </a:lnSpc>
+              <a:spcAft>
+                <a:spcPct val="10000"/>
+              </a:spcAft>
+              <a:buFont typeface="Arial" panose="020B0604020202020204" pitchFamily="34" charset="0"/>
+              <a:buChar char="•"/>
+              <a:defRPr/>
+            </a:pPr>
+            <a:r>
+              <a:rPr lang="en-US" sz="2400" dirty="0" smtClean="0">
+                <a:solidFill>
+                  <a:srgbClr val="000000"/>
+                </a:solidFill>
+                <a:latin typeface="Calibri" pitchFamily="34" charset="0"/>
+                <a:cs typeface="Calibri" pitchFamily="34" charset="0"/>
+              </a:rPr>
+              <a:t>High-speed communication and disk bandwidth for data storage</a:t>
+            </a:r>
+          </a:p>
+          <a:p>
+            <a:pPr marL="342900" indent="-342900">
+              <a:lnSpc>
+                <a:spcPct val="80000"/>
+              </a:lnSpc>
+              <a:spcAft>
+                <a:spcPct val="10000"/>
+              </a:spcAft>
+              <a:buFont typeface="Arial" panose="020B0604020202020204" pitchFamily="34" charset="0"/>
+              <a:buChar char="•"/>
+              <a:defRPr/>
+            </a:pPr>
+            <a:r>
+              <a:rPr lang="en-US" sz="2400" dirty="0" smtClean="0">
+                <a:solidFill>
+                  <a:srgbClr val="000000"/>
+                </a:solidFill>
+                <a:latin typeface="Calibri" pitchFamily="34" charset="0"/>
+                <a:cs typeface="Calibri" pitchFamily="34" charset="0"/>
+              </a:rPr>
+              <a:t>DSP enables on-the-fly data processing</a:t>
+            </a:r>
+          </a:p>
+          <a:p>
+            <a:pPr marL="342900" indent="-342900" algn="l">
+              <a:lnSpc>
+                <a:spcPct val="80000"/>
+              </a:lnSpc>
+              <a:spcAft>
+                <a:spcPct val="10000"/>
+              </a:spcAft>
+              <a:buFont typeface="Arial" panose="020B0604020202020204" pitchFamily="34" charset="0"/>
+              <a:buChar char="•"/>
+              <a:defRPr/>
+            </a:pPr>
+            <a:r>
+              <a:rPr lang="en-US" sz="2400" dirty="0">
+                <a:solidFill>
+                  <a:srgbClr val="000000"/>
+                </a:solidFill>
+                <a:latin typeface="Calibri" pitchFamily="34" charset="0"/>
+                <a:cs typeface="Calibri" pitchFamily="34" charset="0"/>
+              </a:rPr>
+              <a:t>A</a:t>
+            </a:r>
+            <a:r>
+              <a:rPr lang="en-US" sz="2400" dirty="0" smtClean="0">
+                <a:solidFill>
+                  <a:srgbClr val="000000"/>
+                </a:solidFill>
+                <a:latin typeface="Calibri" pitchFamily="34" charset="0"/>
+                <a:cs typeface="Calibri" pitchFamily="34" charset="0"/>
+              </a:rPr>
+              <a:t>bility to scale up using HyperLink, or scale down using 66AK2E02</a:t>
+            </a:r>
+          </a:p>
+          <a:p>
+            <a:pPr marL="342900" indent="-342900" algn="l">
+              <a:lnSpc>
+                <a:spcPct val="80000"/>
+              </a:lnSpc>
+              <a:spcAft>
+                <a:spcPct val="10000"/>
+              </a:spcAft>
+              <a:buFont typeface="Arial" panose="020B0604020202020204" pitchFamily="34" charset="0"/>
+              <a:buChar char="•"/>
+              <a:defRPr/>
+            </a:pPr>
+            <a:r>
+              <a:rPr lang="en-US" sz="2400" dirty="0" smtClean="0">
+                <a:solidFill>
+                  <a:srgbClr val="000000"/>
+                </a:solidFill>
+                <a:latin typeface="Calibri" pitchFamily="34" charset="0"/>
+                <a:cs typeface="Calibri" pitchFamily="34" charset="0"/>
+              </a:rPr>
+              <a:t>Low power (compared to other solutions) </a:t>
+            </a:r>
+          </a:p>
+        </p:txBody>
+      </p:sp>
+      <p:sp>
+        <p:nvSpPr>
+          <p:cNvPr id="10" name="Slide Number Placeholder 3"/>
+          <p:cNvSpPr>
+            <a:spLocks noGrp="1"/>
+          </p:cNvSpPr>
+          <p:nvPr>
+            <p:ph type="sldNum" sz="quarter" idx="10"/>
+          </p:nvPr>
+        </p:nvSpPr>
+        <p:spPr>
+          <a:xfrm>
+            <a:off x="6642100" y="6038850"/>
+            <a:ext cx="2133600" cy="206375"/>
+          </a:xfrm>
+        </p:spPr>
+        <p:txBody>
+          <a:bodyPr/>
+          <a:lstStyle/>
+          <a:p>
+            <a:fld id="{91A5AC0A-F4BD-4464-80DC-A88E0D9F781D}" type="slidenum">
+              <a:rPr lang="en-US" smtClean="0"/>
+              <a:pPr/>
+              <a:t>14</a:t>
+            </a:fld>
+            <a:endParaRPr lang="en-US" dirty="0"/>
+          </a:p>
+        </p:txBody>
+      </p:sp>
+    </p:spTree>
+    <p:custDataLst>
+      <p:tags r:id="rId1"/>
+    </p:custDataLst>
+    <p:extLst>
+      <p:ext uri="{BB962C8B-B14F-4D97-AF65-F5344CB8AC3E}">
+        <p14:creationId xmlns:p14="http://schemas.microsoft.com/office/powerpoint/2010/main" val="856361381"/>
+      </p:ext>
+    </p:extLst>
+  </p:cSld>
+  <p:clrMapOvr>
+    <a:masterClrMapping/>
+  </p:clrMapOvr>
+  <p:timing>
+    <p:tnLst>
+      <p:par>
+        <p:cTn id="1" dur="indefinite" restart="never" nodeType="tmRoot"/>
+      </p:par>
+    </p:tnLst>
+  </p:timing>
+</p:sld>
+</file>
+
+<file path=ppt/slides/slide15.xml><?xml version="1.0" encoding="utf-8"?>
+<p:sld xmlns:a="http://schemas.openxmlformats.org/drawingml/2006/main" xmlns:r="http://schemas.openxmlformats.org/officeDocument/2006/relationships" xmlns:p="http://schemas.openxmlformats.org/presentationml/2006/main">
+  <p:cSld>
+    <p:spTree>
+      <p:nvGrpSpPr>
+        <p:cNvPr id="1" name=""/>
+        <p:cNvGrpSpPr/>
+        <p:nvPr/>
+      </p:nvGrpSpPr>
+      <p:grpSpPr>
+        <a:xfrm>
+          <a:off x="0" y="0"/>
+          <a:ext cx="0" cy="0"/>
+          <a:chOff x="0" y="0"/>
+          <a:chExt cx="0" cy="0"/>
+        </a:xfrm>
+      </p:grpSpPr>
+      <p:sp>
+        <p:nvSpPr>
+          <p:cNvPr id="2" name="Title 1"/>
+          <p:cNvSpPr>
+            <a:spLocks noGrp="1"/>
+          </p:cNvSpPr>
+          <p:nvPr>
+            <p:ph type="title"/>
+          </p:nvPr>
+        </p:nvSpPr>
+        <p:spPr>
+          <a:xfrm>
+            <a:off x="457200" y="82296"/>
+            <a:ext cx="8229600" cy="868362"/>
+          </a:xfrm>
+        </p:spPr>
+        <p:txBody>
+          <a:bodyPr>
+            <a:normAutofit/>
+          </a:bodyPr>
+          <a:lstStyle/>
+          <a:p>
+            <a:r>
+              <a:rPr lang="en-US" dirty="0" smtClean="0"/>
+              <a:t>TI Embedded Processing Devices</a:t>
+            </a:r>
+            <a:endParaRPr lang="en-US" dirty="0"/>
+          </a:p>
+        </p:txBody>
+      </p:sp>
+      <p:sp>
+        <p:nvSpPr>
+          <p:cNvPr id="5" name="Rectangle 1"/>
+          <p:cNvSpPr>
+            <a:spLocks noChangeArrowheads="1"/>
+          </p:cNvSpPr>
+          <p:nvPr/>
+        </p:nvSpPr>
+        <p:spPr bwMode="auto">
+          <a:xfrm>
+            <a:off x="1531938" y="1778000"/>
+            <a:ext cx="9144000" cy="457200"/>
+          </a:xfrm>
+          <a:prstGeom prst="rect">
+            <a:avLst/>
+          </a:prstGeom>
+          <a:noFill/>
+          <a:ln>
+            <a:noFill/>
+          </a:ln>
+          <a:effectLst/>
+          <a:extLst>
+            <a:ext uri="{909E8E84-426E-40DD-AFC4-6F175D3DCCD1}">
+              <a14:hiddenFill xmlns:a14="http://schemas.microsoft.com/office/drawing/2010/main">
+                <a:solidFill>
+                  <a:schemeClr val="accent1"/>
+                </a:solidFill>
+              </a14:hiddenFill>
+            </a:ext>
+            <a:ext uri="{91240B29-F687-4F45-9708-019B960494DF}">
+              <a14:hiddenLine xmlns:a14="http://schemas.microsoft.com/office/drawing/2010/main" w="9525">
+                <a:solidFill>
+                  <a:schemeClr val="tx1"/>
+                </a:solidFill>
+                <a:miter lim="800000"/>
+                <a:headEnd/>
+                <a:tailEnd/>
+              </a14:hiddenLine>
+            </a:ext>
+            <a:ext uri="{AF507438-7753-43E0-B8FC-AC1667EBCBE1}">
+              <a14:hiddenEffects xmlns:a14="http://schemas.microsoft.com/office/drawing/2010/main">
+                <a:effectLst>
+                  <a:outerShdw dist="35921" dir="2700000" algn="ctr" rotWithShape="0">
+                    <a:schemeClr val="bg2"/>
+                  </a:outerShdw>
+                </a:effectLst>
+              </a14:hiddenEffects>
+            </a:ext>
+          </a:extLst>
+        </p:spPr>
+        <p:txBody>
+          <a:bodyPr vert="horz" wrap="none" lIns="91440" tIns="45720" rIns="91440" bIns="45720" numCol="1" anchor="ctr" anchorCtr="0" compatLnSpc="1">
+            <a:prstTxWarp prst="textNoShape">
+              <a:avLst/>
+            </a:prstTxWarp>
+            <a:spAutoFit/>
+          </a:bodyPr>
+          <a:lstStyle/>
+          <a:p>
+            <a:pPr marL="0" marR="0" lvl="0" indent="0" algn="l" defTabSz="914400" rtl="0" eaLnBrk="1" fontAlgn="base" latinLnBrk="0" hangingPunct="1">
+              <a:lnSpc>
+                <a:spcPct val="100000"/>
+              </a:lnSpc>
+              <a:spcBef>
+                <a:spcPct val="0"/>
+              </a:spcBef>
+              <a:spcAft>
+                <a:spcPct val="0"/>
+              </a:spcAft>
+              <a:buClrTx/>
+              <a:buSzTx/>
+              <a:buFontTx/>
+              <a:buNone/>
+              <a:tabLst/>
+            </a:pPr>
+            <a:endParaRPr kumimoji="0" lang="en-US" sz="1800" b="0" i="0" u="none" strike="noStrike" cap="none" normalizeH="0" baseline="0" dirty="0" smtClean="0">
+              <a:ln>
+                <a:noFill/>
+              </a:ln>
+              <a:solidFill>
+                <a:schemeClr val="tx1"/>
+              </a:solidFill>
+              <a:effectLst/>
+              <a:latin typeface="Arial" pitchFamily="34" charset="0"/>
+              <a:cs typeface="Arial" pitchFamily="34" charset="0"/>
+            </a:endParaRPr>
+          </a:p>
+        </p:txBody>
+      </p:sp>
+      <p:graphicFrame>
+        <p:nvGraphicFramePr>
+          <p:cNvPr id="4" name="Object 3"/>
+          <p:cNvGraphicFramePr>
+            <a:graphicFrameLocks noChangeAspect="1"/>
+          </p:cNvGraphicFramePr>
+          <p:nvPr>
+            <p:extLst>
+              <p:ext uri="{D42A27DB-BD31-4B8C-83A1-F6EECF244321}">
+                <p14:modId xmlns:p14="http://schemas.microsoft.com/office/powerpoint/2010/main" val="3829498261"/>
+              </p:ext>
+            </p:extLst>
+          </p:nvPr>
+        </p:nvGraphicFramePr>
+        <p:xfrm>
+          <a:off x="1141413" y="885825"/>
+          <a:ext cx="6591300" cy="5384800"/>
+        </p:xfrm>
+        <a:graphic>
+          <a:graphicData uri="http://schemas.openxmlformats.org/presentationml/2006/ole">
+            <mc:AlternateContent xmlns:mc="http://schemas.openxmlformats.org/markup-compatibility/2006">
+              <mc:Choice xmlns:v="urn:schemas-microsoft-com:vml" Requires="v">
+                <p:oleObj spid="_x0000_s84997" name="Visio" r:id="rId3" imgW="8321715" imgH="6803957" progId="Visio.Drawing.11">
+                  <p:embed/>
+                </p:oleObj>
+              </mc:Choice>
+              <mc:Fallback>
+                <p:oleObj name="Visio" r:id="rId3" imgW="8321715" imgH="6803957" progId="Visio.Drawing.11">
+                  <p:embed/>
+                  <p:pic>
+                    <p:nvPicPr>
+                      <p:cNvPr id="0" name="Picture 2"/>
+                      <p:cNvPicPr>
+                        <a:picLocks noChangeAspect="1" noChangeArrowheads="1"/>
+                      </p:cNvPicPr>
+                      <p:nvPr/>
+                    </p:nvPicPr>
+                    <p:blipFill>
+                      <a:blip r:embed="rId4">
+                        <a:extLst>
+                          <a:ext uri="{28A0092B-C50C-407E-A947-70E740481C1C}">
+                            <a14:useLocalDpi xmlns:a14="http://schemas.microsoft.com/office/drawing/2010/main" val="0"/>
+                          </a:ext>
+                        </a:extLst>
+                      </a:blip>
+                      <a:srcRect/>
+                      <a:stretch>
+                        <a:fillRect/>
+                      </a:stretch>
+                    </p:blipFill>
+                    <p:spPr bwMode="auto">
+                      <a:xfrm>
+                        <a:off x="1141413" y="885825"/>
+                        <a:ext cx="6591300" cy="5384800"/>
+                      </a:xfrm>
+                      <a:prstGeom prst="rect">
+                        <a:avLst/>
+                      </a:prstGeom>
+                      <a:noFill/>
+                      <a:extLst>
+                        <a:ext uri="{909E8E84-426E-40DD-AFC4-6F175D3DCCD1}">
+                          <a14:hiddenFill xmlns:a14="http://schemas.microsoft.com/office/drawing/2010/main">
+                            <a:solidFill>
+                              <a:srgbClr val="FFFFFF"/>
+                            </a:solidFill>
+                          </a14:hiddenFill>
+                        </a:ext>
+                      </a:extLst>
+                    </p:spPr>
+                  </p:pic>
+                </p:oleObj>
+              </mc:Fallback>
+            </mc:AlternateContent>
+          </a:graphicData>
+        </a:graphic>
+      </p:graphicFrame>
+      <p:sp>
+        <p:nvSpPr>
+          <p:cNvPr id="6" name="Slide Number Placeholder 3"/>
+          <p:cNvSpPr>
+            <a:spLocks noGrp="1"/>
+          </p:cNvSpPr>
+          <p:nvPr>
+            <p:ph type="sldNum" sz="quarter" idx="10"/>
+          </p:nvPr>
+        </p:nvSpPr>
+        <p:spPr>
+          <a:xfrm>
+            <a:off x="6642100" y="6038850"/>
+            <a:ext cx="2133600" cy="206375"/>
+          </a:xfrm>
+        </p:spPr>
+        <p:txBody>
+          <a:bodyPr/>
+          <a:lstStyle/>
+          <a:p>
+            <a:fld id="{91A5AC0A-F4BD-4464-80DC-A88E0D9F781D}" type="slidenum">
+              <a:rPr lang="en-US" smtClean="0"/>
+              <a:pPr/>
+              <a:t>15</a:t>
+            </a:fld>
+            <a:endParaRPr lang="en-US" dirty="0"/>
+          </a:p>
+        </p:txBody>
+      </p:sp>
+    </p:spTree>
+    <p:extLst>
+      <p:ext uri="{BB962C8B-B14F-4D97-AF65-F5344CB8AC3E}">
+        <p14:creationId xmlns:p14="http://schemas.microsoft.com/office/powerpoint/2010/main" val="1580231294"/>
+      </p:ext>
+    </p:extLst>
+  </p:cSld>
+  <p:clrMapOvr>
+    <a:masterClrMapping/>
+  </p:clrMapOvr>
+</p:sld>
+</file>
+
+<file path=ppt/slides/slide16.xml><?xml version="1.0" encoding="utf-8"?>
+<p:sld xmlns:a="http://schemas.openxmlformats.org/drawingml/2006/main" xmlns:r="http://schemas.openxmlformats.org/officeDocument/2006/relationships" xmlns:p="http://schemas.openxmlformats.org/presentationml/2006/main">
+  <p:cSld>
+    <p:spTree>
+      <p:nvGrpSpPr>
+        <p:cNvPr id="1" name=""/>
+        <p:cNvGrpSpPr/>
+        <p:nvPr/>
+      </p:nvGrpSpPr>
+      <p:grpSpPr>
+        <a:xfrm>
+          <a:off x="0" y="0"/>
+          <a:ext cx="0" cy="0"/>
+          <a:chOff x="0" y="0"/>
+          <a:chExt cx="0" cy="0"/>
+        </a:xfrm>
+      </p:grpSpPr>
+      <p:sp>
+        <p:nvSpPr>
+          <p:cNvPr id="104450" name="Rectangle 3"/>
+          <p:cNvSpPr>
+            <a:spLocks noGrp="1" noChangeArrowheads="1"/>
+          </p:cNvSpPr>
+          <p:nvPr>
+            <p:ph type="title" idx="4294967295"/>
+          </p:nvPr>
+        </p:nvSpPr>
+        <p:spPr>
+          <a:xfrm>
+            <a:off x="437305" y="76200"/>
+            <a:ext cx="8229600" cy="762000"/>
+          </a:xfrm>
+        </p:spPr>
+        <p:txBody>
+          <a:bodyPr/>
+          <a:lstStyle/>
+          <a:p>
+            <a:r>
+              <a:rPr lang="en-US" sz="4000" dirty="0" smtClean="0"/>
+              <a:t>66AK2E02 </a:t>
+            </a:r>
+            <a:r>
+              <a:rPr lang="en-US" dirty="0" smtClean="0"/>
+              <a:t>Key Features</a:t>
+            </a:r>
+            <a:endParaRPr lang="en-US" sz="4000" dirty="0" smtClean="0"/>
+          </a:p>
+        </p:txBody>
+      </p:sp>
+      <p:sp>
+        <p:nvSpPr>
+          <p:cNvPr id="859" name="Rectangle 5"/>
+          <p:cNvSpPr txBox="1">
+            <a:spLocks noChangeArrowheads="1"/>
+          </p:cNvSpPr>
+          <p:nvPr/>
+        </p:nvSpPr>
+        <p:spPr bwMode="auto">
+          <a:xfrm>
+            <a:off x="5364960" y="855925"/>
+            <a:ext cx="3721893" cy="2896773"/>
+          </a:xfrm>
+          <a:prstGeom prst="rect">
+            <a:avLst/>
+          </a:prstGeom>
+          <a:noFill/>
+          <a:ln w="9525">
+            <a:noFill/>
+            <a:miter lim="800000"/>
+            <a:headEnd/>
+            <a:tailEnd/>
+          </a:ln>
+        </p:spPr>
+        <p:txBody>
+          <a:bodyPr/>
+          <a:lstStyle/>
+          <a:p>
+            <a:pPr marL="285750" indent="-285750">
+              <a:lnSpc>
+                <a:spcPct val="80000"/>
+              </a:lnSpc>
+              <a:spcBef>
+                <a:spcPts val="600"/>
+              </a:spcBef>
+              <a:buFont typeface="Arial" panose="020B0604020202020204" pitchFamily="34" charset="0"/>
+              <a:buChar char="•"/>
+              <a:defRPr/>
+            </a:pPr>
+            <a:r>
+              <a:rPr lang="en-US" sz="2400" dirty="0" smtClean="0">
+                <a:latin typeface="Calibri" pitchFamily="34" charset="0"/>
+                <a:cs typeface="Calibri" pitchFamily="34" charset="0"/>
+              </a:rPr>
+              <a:t>Scaled-down </a:t>
+            </a:r>
+            <a:r>
+              <a:rPr lang="en-US" sz="2400" dirty="0">
+                <a:latin typeface="Calibri" pitchFamily="34" charset="0"/>
+                <a:cs typeface="Calibri" pitchFamily="34" charset="0"/>
+              </a:rPr>
+              <a:t>version </a:t>
+            </a:r>
+            <a:r>
+              <a:rPr lang="en-US" sz="2400" dirty="0" smtClean="0">
+                <a:latin typeface="Calibri" pitchFamily="34" charset="0"/>
+                <a:cs typeface="Calibri" pitchFamily="34" charset="0"/>
+              </a:rPr>
+              <a:t>of 66AK2E05</a:t>
+            </a:r>
+          </a:p>
+          <a:p>
+            <a:pPr marL="285750" indent="-285750">
+              <a:lnSpc>
+                <a:spcPct val="80000"/>
+              </a:lnSpc>
+              <a:spcBef>
+                <a:spcPts val="600"/>
+              </a:spcBef>
+              <a:buFont typeface="Arial" panose="020B0604020202020204" pitchFamily="34" charset="0"/>
+              <a:buChar char="•"/>
+              <a:defRPr/>
+            </a:pPr>
+            <a:r>
+              <a:rPr lang="en-US" sz="2400" dirty="0" smtClean="0">
+                <a:latin typeface="Calibri" pitchFamily="34" charset="0"/>
+                <a:cs typeface="Calibri" pitchFamily="34" charset="0"/>
+              </a:rPr>
+              <a:t>High connectivity, but does not have 10GBE</a:t>
+            </a:r>
+          </a:p>
+          <a:p>
+            <a:pPr marL="285750" indent="-285750">
+              <a:lnSpc>
+                <a:spcPct val="80000"/>
+              </a:lnSpc>
+              <a:spcBef>
+                <a:spcPts val="600"/>
+              </a:spcBef>
+              <a:buFont typeface="Arial" panose="020B0604020202020204" pitchFamily="34" charset="0"/>
+              <a:buChar char="•"/>
+              <a:defRPr/>
+            </a:pPr>
+            <a:r>
+              <a:rPr lang="en-US" sz="2400" dirty="0" smtClean="0">
+                <a:latin typeface="Calibri" pitchFamily="34" charset="0"/>
+                <a:cs typeface="Calibri" pitchFamily="34" charset="0"/>
+              </a:rPr>
+              <a:t>2x PCIe and 2x USB 3.0 enables fast disk storage</a:t>
+            </a:r>
+          </a:p>
+          <a:p>
+            <a:pPr marL="285750" indent="-285750">
+              <a:lnSpc>
+                <a:spcPct val="80000"/>
+              </a:lnSpc>
+              <a:spcBef>
+                <a:spcPts val="600"/>
+              </a:spcBef>
+              <a:buFont typeface="Arial" panose="020B0604020202020204" pitchFamily="34" charset="0"/>
+              <a:buChar char="•"/>
+              <a:defRPr/>
+            </a:pPr>
+            <a:r>
+              <a:rPr lang="en-US" sz="2400" dirty="0" smtClean="0">
+                <a:latin typeface="Calibri" pitchFamily="34" charset="0"/>
+                <a:cs typeface="Calibri" pitchFamily="34" charset="0"/>
+              </a:rPr>
+              <a:t>Communication, storage with some analytics</a:t>
+            </a:r>
+          </a:p>
+          <a:p>
+            <a:pPr algn="l">
+              <a:lnSpc>
+                <a:spcPct val="85000"/>
+              </a:lnSpc>
+              <a:spcBef>
+                <a:spcPct val="20000"/>
+              </a:spcBef>
+              <a:defRPr/>
+            </a:pPr>
+            <a:endParaRPr lang="en-US" sz="2400" dirty="0" smtClean="0">
+              <a:solidFill>
+                <a:srgbClr val="000000"/>
+              </a:solidFill>
+              <a:latin typeface="Calibri" pitchFamily="34" charset="0"/>
+            </a:endParaRPr>
+          </a:p>
+        </p:txBody>
+      </p:sp>
+      <p:pic>
+        <p:nvPicPr>
+          <p:cNvPr id="9" name="Picture 8" descr="Functional Block Diagram 66AK2E02.bmp"/>
+          <p:cNvPicPr>
+            <a:picLocks noChangeAspect="1"/>
+          </p:cNvPicPr>
+          <p:nvPr/>
+        </p:nvPicPr>
+        <p:blipFill>
+          <a:blip r:embed="rId4" cstate="print"/>
+          <a:stretch>
+            <a:fillRect/>
+          </a:stretch>
+        </p:blipFill>
+        <p:spPr>
+          <a:xfrm>
+            <a:off x="0" y="859536"/>
+            <a:ext cx="5343155" cy="5443739"/>
+          </a:xfrm>
+          <a:prstGeom prst="rect">
+            <a:avLst/>
+          </a:prstGeom>
+        </p:spPr>
+      </p:pic>
+      <p:sp>
+        <p:nvSpPr>
+          <p:cNvPr id="5" name="Slide Number Placeholder 3"/>
+          <p:cNvSpPr>
+            <a:spLocks noGrp="1"/>
+          </p:cNvSpPr>
+          <p:nvPr>
+            <p:ph type="sldNum" sz="quarter" idx="10"/>
+          </p:nvPr>
+        </p:nvSpPr>
+        <p:spPr>
+          <a:xfrm>
+            <a:off x="6642100" y="6038850"/>
+            <a:ext cx="2133600" cy="206375"/>
+          </a:xfrm>
+        </p:spPr>
+        <p:txBody>
+          <a:bodyPr/>
+          <a:lstStyle/>
+          <a:p>
+            <a:fld id="{91A5AC0A-F4BD-4464-80DC-A88E0D9F781D}" type="slidenum">
+              <a:rPr lang="en-US" smtClean="0"/>
+              <a:pPr/>
+              <a:t>16</a:t>
+            </a:fld>
+            <a:endParaRPr lang="en-US" dirty="0"/>
+          </a:p>
+        </p:txBody>
+      </p:sp>
+    </p:spTree>
+    <p:custDataLst>
+      <p:tags r:id="rId1"/>
+    </p:custDataLst>
+    <p:extLst>
+      <p:ext uri="{BB962C8B-B14F-4D97-AF65-F5344CB8AC3E}">
+        <p14:creationId xmlns:p14="http://schemas.microsoft.com/office/powerpoint/2010/main" val="2071910042"/>
+      </p:ext>
+    </p:extLst>
+  </p:cSld>
+  <p:clrMapOvr>
+    <a:masterClrMapping/>
+  </p:clrMapOvr>
+  <p:timing>
+    <p:tnLst>
+      <p:par>
+        <p:cTn id="1" dur="indefinite" restart="never" nodeType="tmRoot"/>
+      </p:par>
+    </p:tnLst>
+  </p:timing>
+</p:sld>
+</file>
+
+<file path=ppt/slides/slide17.xml><?xml version="1.0" encoding="utf-8"?>
+<p:sld xmlns:a="http://schemas.openxmlformats.org/drawingml/2006/main" xmlns:r="http://schemas.openxmlformats.org/officeDocument/2006/relationships" xmlns:p="http://schemas.openxmlformats.org/presentationml/2006/main">
+  <p:cSld>
+    <p:spTree>
+      <p:nvGrpSpPr>
+        <p:cNvPr id="1" name=""/>
+        <p:cNvGrpSpPr/>
+        <p:nvPr/>
+      </p:nvGrpSpPr>
+      <p:grpSpPr>
+        <a:xfrm>
+          <a:off x="0" y="0"/>
+          <a:ext cx="0" cy="0"/>
+          <a:chOff x="0" y="0"/>
+          <a:chExt cx="0" cy="0"/>
+        </a:xfrm>
+      </p:grpSpPr>
+      <p:sp>
+        <p:nvSpPr>
+          <p:cNvPr id="104450" name="Rectangle 3"/>
+          <p:cNvSpPr>
+            <a:spLocks noGrp="1" noChangeArrowheads="1"/>
+          </p:cNvSpPr>
+          <p:nvPr>
+            <p:ph type="title" idx="4294967295"/>
+          </p:nvPr>
+        </p:nvSpPr>
+        <p:spPr>
+          <a:xfrm>
+            <a:off x="437305" y="76200"/>
+            <a:ext cx="8229600" cy="762000"/>
+          </a:xfrm>
+        </p:spPr>
+        <p:txBody>
+          <a:bodyPr/>
+          <a:lstStyle/>
+          <a:p>
+            <a:r>
+              <a:rPr lang="en-US" sz="4000" dirty="0" smtClean="0"/>
+              <a:t>66AK2E02 Applications </a:t>
+            </a:r>
+          </a:p>
+        </p:txBody>
+      </p:sp>
+      <p:sp>
+        <p:nvSpPr>
+          <p:cNvPr id="7" name="Rectangle 5"/>
+          <p:cNvSpPr txBox="1">
+            <a:spLocks noChangeArrowheads="1"/>
+          </p:cNvSpPr>
+          <p:nvPr/>
+        </p:nvSpPr>
+        <p:spPr bwMode="auto">
+          <a:xfrm>
+            <a:off x="5376671" y="871728"/>
+            <a:ext cx="3767329" cy="3352800"/>
+          </a:xfrm>
+          <a:prstGeom prst="rect">
+            <a:avLst/>
+          </a:prstGeom>
+          <a:noFill/>
+          <a:ln w="9525">
+            <a:noFill/>
+            <a:miter lim="800000"/>
+            <a:headEnd/>
+            <a:tailEnd/>
+          </a:ln>
+        </p:spPr>
+        <p:txBody>
+          <a:bodyPr/>
+          <a:lstStyle/>
+          <a:p>
+            <a:pPr marL="285750" lvl="0" indent="-285750">
+              <a:lnSpc>
+                <a:spcPct val="80000"/>
+              </a:lnSpc>
+              <a:spcBef>
+                <a:spcPts val="600"/>
+              </a:spcBef>
+              <a:buFont typeface="Arial" panose="020B0604020202020204" pitchFamily="34" charset="0"/>
+              <a:buChar char="•"/>
+              <a:defRPr/>
+            </a:pPr>
+            <a:r>
+              <a:rPr lang="en-US" sz="2400" dirty="0" smtClean="0">
+                <a:latin typeface="Calibri" pitchFamily="34" charset="0"/>
+                <a:cs typeface="Calibri" pitchFamily="34" charset="0"/>
+              </a:rPr>
+              <a:t>Smart </a:t>
+            </a:r>
+            <a:r>
+              <a:rPr lang="en-US" sz="2400" dirty="0">
+                <a:latin typeface="Calibri" pitchFamily="34" charset="0"/>
+                <a:cs typeface="Calibri" pitchFamily="34" charset="0"/>
+              </a:rPr>
+              <a:t>Grid and Smart Metering</a:t>
+            </a:r>
+          </a:p>
+          <a:p>
+            <a:pPr marL="285750" lvl="0" indent="-285750">
+              <a:lnSpc>
+                <a:spcPct val="80000"/>
+              </a:lnSpc>
+              <a:spcBef>
+                <a:spcPts val="600"/>
+              </a:spcBef>
+              <a:buFont typeface="Arial" panose="020B0604020202020204" pitchFamily="34" charset="0"/>
+              <a:buChar char="•"/>
+              <a:defRPr/>
+            </a:pPr>
+            <a:r>
+              <a:rPr lang="en-US" sz="2400" dirty="0">
+                <a:latin typeface="Calibri" pitchFamily="34" charset="0"/>
+                <a:cs typeface="Calibri" pitchFamily="34" charset="0"/>
+              </a:rPr>
+              <a:t>Factory </a:t>
+            </a:r>
+            <a:r>
+              <a:rPr lang="en-US" sz="2400" dirty="0" smtClean="0">
+                <a:latin typeface="Calibri" pitchFamily="34" charset="0"/>
+                <a:cs typeface="Calibri" pitchFamily="34" charset="0"/>
+              </a:rPr>
+              <a:t>automation</a:t>
+            </a:r>
+            <a:endParaRPr lang="en-US" sz="2400" dirty="0">
+              <a:latin typeface="Calibri" pitchFamily="34" charset="0"/>
+              <a:cs typeface="Calibri" pitchFamily="34" charset="0"/>
+            </a:endParaRPr>
+          </a:p>
+          <a:p>
+            <a:pPr marL="285750" lvl="0" indent="-285750">
+              <a:lnSpc>
+                <a:spcPct val="80000"/>
+              </a:lnSpc>
+              <a:spcBef>
+                <a:spcPts val="600"/>
+              </a:spcBef>
+              <a:buFont typeface="Arial" panose="020B0604020202020204" pitchFamily="34" charset="0"/>
+              <a:buChar char="•"/>
+              <a:defRPr/>
+            </a:pPr>
+            <a:r>
+              <a:rPr lang="en-US" sz="2400" dirty="0">
+                <a:latin typeface="Calibri" pitchFamily="34" charset="0"/>
+                <a:cs typeface="Calibri" pitchFamily="34" charset="0"/>
+              </a:rPr>
+              <a:t>Building </a:t>
+            </a:r>
+            <a:r>
+              <a:rPr lang="en-US" sz="2400" dirty="0" smtClean="0">
+                <a:latin typeface="Calibri" pitchFamily="34" charset="0"/>
+                <a:cs typeface="Calibri" pitchFamily="34" charset="0"/>
+              </a:rPr>
+              <a:t>control</a:t>
+            </a:r>
+            <a:endParaRPr lang="en-US" sz="2400" dirty="0">
+              <a:latin typeface="Calibri" pitchFamily="34" charset="0"/>
+              <a:cs typeface="Calibri" pitchFamily="34" charset="0"/>
+            </a:endParaRPr>
+          </a:p>
+          <a:p>
+            <a:pPr marL="285750" lvl="0" indent="-285750">
+              <a:lnSpc>
+                <a:spcPct val="80000"/>
+              </a:lnSpc>
+              <a:spcBef>
+                <a:spcPts val="600"/>
+              </a:spcBef>
+              <a:buFont typeface="Arial" panose="020B0604020202020204" pitchFamily="34" charset="0"/>
+              <a:buChar char="•"/>
+              <a:defRPr/>
+            </a:pPr>
+            <a:r>
+              <a:rPr lang="en-US" sz="2400" dirty="0">
+                <a:latin typeface="Calibri" pitchFamily="34" charset="0"/>
+                <a:cs typeface="Calibri" pitchFamily="34" charset="0"/>
+              </a:rPr>
+              <a:t>Aerospace and </a:t>
+            </a:r>
+            <a:r>
+              <a:rPr lang="en-US" sz="2400" dirty="0" smtClean="0">
+                <a:latin typeface="Calibri" pitchFamily="34" charset="0"/>
+                <a:cs typeface="Calibri" pitchFamily="34" charset="0"/>
+              </a:rPr>
+              <a:t>defense</a:t>
+            </a:r>
+            <a:endParaRPr lang="en-US" sz="2400" dirty="0">
+              <a:latin typeface="Calibri" pitchFamily="34" charset="0"/>
+              <a:cs typeface="Calibri" pitchFamily="34" charset="0"/>
+            </a:endParaRPr>
+          </a:p>
+          <a:p>
+            <a:pPr marL="285750" indent="-285750">
+              <a:lnSpc>
+                <a:spcPct val="80000"/>
+              </a:lnSpc>
+              <a:spcBef>
+                <a:spcPts val="600"/>
+              </a:spcBef>
+              <a:buFont typeface="Arial" panose="020B0604020202020204" pitchFamily="34" charset="0"/>
+              <a:buChar char="•"/>
+              <a:defRPr/>
+            </a:pPr>
+            <a:r>
+              <a:rPr lang="en-US" sz="2400" dirty="0">
+                <a:latin typeface="Calibri" pitchFamily="34" charset="0"/>
+                <a:cs typeface="Calibri" pitchFamily="34" charset="0"/>
+              </a:rPr>
+              <a:t>Industrial </a:t>
+            </a:r>
+            <a:r>
+              <a:rPr lang="en-US" sz="2400" dirty="0" smtClean="0">
+                <a:latin typeface="Calibri" pitchFamily="34" charset="0"/>
+                <a:cs typeface="Calibri" pitchFamily="34" charset="0"/>
+              </a:rPr>
+              <a:t>networking </a:t>
+            </a:r>
+            <a:r>
+              <a:rPr lang="en-US" sz="2400" dirty="0">
+                <a:latin typeface="Calibri" pitchFamily="34" charset="0"/>
+                <a:cs typeface="Calibri" pitchFamily="34" charset="0"/>
+              </a:rPr>
+              <a:t>and </a:t>
+            </a:r>
+            <a:r>
+              <a:rPr lang="en-US" sz="2400" dirty="0">
+                <a:latin typeface="Calibri" pitchFamily="34" charset="0"/>
+                <a:cs typeface="Calibri" pitchFamily="34" charset="0"/>
+              </a:rPr>
+              <a:t>Fieldbus protocols </a:t>
+            </a:r>
+            <a:r>
+              <a:rPr lang="en-US" dirty="0">
+                <a:latin typeface="Calibri" pitchFamily="34" charset="0"/>
+                <a:cs typeface="Calibri" pitchFamily="34" charset="0"/>
+              </a:rPr>
+              <a:t>(</a:t>
+            </a:r>
+            <a:r>
+              <a:rPr lang="en-US" dirty="0"/>
+              <a:t>IEC 61158)</a:t>
+            </a:r>
+            <a:endParaRPr lang="en-US" dirty="0">
+              <a:latin typeface="Calibri" pitchFamily="34" charset="0"/>
+              <a:cs typeface="Calibri" pitchFamily="34" charset="0"/>
+            </a:endParaRPr>
+          </a:p>
+          <a:p>
+            <a:pPr marL="285750" lvl="0" indent="-285750">
+              <a:lnSpc>
+                <a:spcPct val="80000"/>
+              </a:lnSpc>
+              <a:spcBef>
+                <a:spcPts val="600"/>
+              </a:spcBef>
+              <a:buFont typeface="Arial" panose="020B0604020202020204" pitchFamily="34" charset="0"/>
+              <a:buChar char="•"/>
+              <a:defRPr/>
+            </a:pPr>
+            <a:endParaRPr lang="en-US" sz="2400" dirty="0" smtClean="0">
+              <a:latin typeface="Calibri" pitchFamily="34" charset="0"/>
+              <a:cs typeface="Calibri" pitchFamily="34" charset="0"/>
+            </a:endParaRPr>
+          </a:p>
+          <a:p>
+            <a:pPr marL="285750" lvl="0" indent="-285750">
+              <a:lnSpc>
+                <a:spcPct val="80000"/>
+              </a:lnSpc>
+              <a:spcBef>
+                <a:spcPts val="600"/>
+              </a:spcBef>
+              <a:buFont typeface="Arial" panose="020B0604020202020204" pitchFamily="34" charset="0"/>
+              <a:buChar char="•"/>
+              <a:defRPr/>
+            </a:pPr>
+            <a:r>
+              <a:rPr lang="en-US" sz="2400" dirty="0" smtClean="0">
+                <a:latin typeface="Calibri" pitchFamily="34" charset="0"/>
+                <a:cs typeface="Calibri" pitchFamily="34" charset="0"/>
+              </a:rPr>
+              <a:t>Medical imaging</a:t>
+            </a:r>
+            <a:endParaRPr lang="en-US" sz="2400" dirty="0">
+              <a:latin typeface="Calibri" pitchFamily="34" charset="0"/>
+              <a:cs typeface="Calibri" pitchFamily="34" charset="0"/>
+            </a:endParaRPr>
+          </a:p>
+          <a:p>
+            <a:pPr algn="l">
+              <a:lnSpc>
+                <a:spcPct val="85000"/>
+              </a:lnSpc>
+              <a:spcBef>
+                <a:spcPct val="20000"/>
+              </a:spcBef>
+              <a:defRPr/>
+            </a:pPr>
+            <a:endParaRPr lang="en-US" sz="2400" dirty="0" smtClean="0">
+              <a:solidFill>
+                <a:srgbClr val="000000"/>
+              </a:solidFill>
+              <a:latin typeface="Calibri" pitchFamily="34" charset="0"/>
+            </a:endParaRPr>
+          </a:p>
+        </p:txBody>
+      </p:sp>
+      <p:pic>
+        <p:nvPicPr>
+          <p:cNvPr id="5" name="Picture 4" descr="Functional Block Diagram 66AK2E02.bmp"/>
+          <p:cNvPicPr>
+            <a:picLocks noChangeAspect="1"/>
+          </p:cNvPicPr>
+          <p:nvPr/>
+        </p:nvPicPr>
+        <p:blipFill>
+          <a:blip r:embed="rId4" cstate="print"/>
+          <a:stretch>
+            <a:fillRect/>
+          </a:stretch>
+        </p:blipFill>
+        <p:spPr>
+          <a:xfrm>
+            <a:off x="0" y="859536"/>
+            <a:ext cx="5343155" cy="5443739"/>
+          </a:xfrm>
+          <a:prstGeom prst="rect">
+            <a:avLst/>
+          </a:prstGeom>
+        </p:spPr>
+      </p:pic>
+      <p:sp>
+        <p:nvSpPr>
+          <p:cNvPr id="6" name="Slide Number Placeholder 3"/>
+          <p:cNvSpPr>
+            <a:spLocks noGrp="1"/>
+          </p:cNvSpPr>
+          <p:nvPr>
+            <p:ph type="sldNum" sz="quarter" idx="10"/>
+          </p:nvPr>
+        </p:nvSpPr>
+        <p:spPr>
+          <a:xfrm>
+            <a:off x="6642100" y="6038850"/>
+            <a:ext cx="2133600" cy="206375"/>
+          </a:xfrm>
+        </p:spPr>
+        <p:txBody>
+          <a:bodyPr/>
+          <a:lstStyle/>
+          <a:p>
+            <a:fld id="{91A5AC0A-F4BD-4464-80DC-A88E0D9F781D}" type="slidenum">
+              <a:rPr lang="en-US" smtClean="0"/>
+              <a:pPr/>
+              <a:t>17</a:t>
+            </a:fld>
+            <a:endParaRPr lang="en-US" dirty="0"/>
+          </a:p>
+        </p:txBody>
+      </p:sp>
+    </p:spTree>
+    <p:custDataLst>
+      <p:tags r:id="rId1"/>
+    </p:custDataLst>
+    <p:extLst>
+      <p:ext uri="{BB962C8B-B14F-4D97-AF65-F5344CB8AC3E}">
+        <p14:creationId xmlns:p14="http://schemas.microsoft.com/office/powerpoint/2010/main" val="3238446912"/>
+      </p:ext>
+    </p:extLst>
+  </p:cSld>
+  <p:clrMapOvr>
+    <a:masterClrMapping/>
+  </p:clrMapOvr>
+  <p:timing>
+    <p:tnLst>
+      <p:par>
+        <p:cTn id="1" dur="indefinite" restart="never" nodeType="tmRoot"/>
+      </p:par>
+    </p:tnLst>
+  </p:timing>
+</p:sld>
+</file>
+
+<file path=ppt/slides/slide18.xml><?xml version="1.0" encoding="utf-8"?>
+<p:sld xmlns:a="http://schemas.openxmlformats.org/drawingml/2006/main" xmlns:r="http://schemas.openxmlformats.org/officeDocument/2006/relationships" xmlns:p="http://schemas.openxmlformats.org/presentationml/2006/main">
+  <p:cSld>
+    <p:spTree>
+      <p:nvGrpSpPr>
+        <p:cNvPr id="1" name=""/>
+        <p:cNvGrpSpPr/>
+        <p:nvPr/>
+      </p:nvGrpSpPr>
+      <p:grpSpPr>
+        <a:xfrm>
+          <a:off x="0" y="0"/>
+          <a:ext cx="0" cy="0"/>
+          <a:chOff x="0" y="0"/>
+          <a:chExt cx="0" cy="0"/>
+        </a:xfrm>
+      </p:grpSpPr>
+      <p:sp>
+        <p:nvSpPr>
+          <p:cNvPr id="2" name="Title 1"/>
+          <p:cNvSpPr>
+            <a:spLocks noGrp="1"/>
+          </p:cNvSpPr>
+          <p:nvPr>
+            <p:ph type="title"/>
+          </p:nvPr>
+        </p:nvSpPr>
+        <p:spPr>
+          <a:xfrm>
+            <a:off x="457200" y="82296"/>
+            <a:ext cx="8229600" cy="868362"/>
+          </a:xfrm>
+        </p:spPr>
+        <p:txBody>
+          <a:bodyPr>
+            <a:normAutofit/>
+          </a:bodyPr>
+          <a:lstStyle/>
+          <a:p>
+            <a:r>
+              <a:rPr lang="en-US" dirty="0" smtClean="0"/>
+              <a:t>TI Embedded Processing Devices </a:t>
+            </a:r>
+            <a:endParaRPr lang="en-US" dirty="0"/>
+          </a:p>
+        </p:txBody>
+      </p:sp>
+      <p:sp>
+        <p:nvSpPr>
+          <p:cNvPr id="5" name="Rectangle 1"/>
+          <p:cNvSpPr>
+            <a:spLocks noChangeArrowheads="1"/>
+          </p:cNvSpPr>
+          <p:nvPr/>
+        </p:nvSpPr>
+        <p:spPr bwMode="auto">
+          <a:xfrm>
+            <a:off x="1531938" y="1778000"/>
+            <a:ext cx="9144000" cy="457200"/>
+          </a:xfrm>
+          <a:prstGeom prst="rect">
+            <a:avLst/>
+          </a:prstGeom>
+          <a:noFill/>
+          <a:ln>
+            <a:noFill/>
+          </a:ln>
+          <a:effectLst/>
+          <a:extLst>
+            <a:ext uri="{909E8E84-426E-40DD-AFC4-6F175D3DCCD1}">
+              <a14:hiddenFill xmlns:a14="http://schemas.microsoft.com/office/drawing/2010/main">
+                <a:solidFill>
+                  <a:schemeClr val="accent1"/>
+                </a:solidFill>
+              </a14:hiddenFill>
+            </a:ext>
+            <a:ext uri="{91240B29-F687-4F45-9708-019B960494DF}">
+              <a14:hiddenLine xmlns:a14="http://schemas.microsoft.com/office/drawing/2010/main" w="9525">
+                <a:solidFill>
+                  <a:schemeClr val="tx1"/>
+                </a:solidFill>
+                <a:miter lim="800000"/>
+                <a:headEnd/>
+                <a:tailEnd/>
+              </a14:hiddenLine>
+            </a:ext>
+            <a:ext uri="{AF507438-7753-43E0-B8FC-AC1667EBCBE1}">
+              <a14:hiddenEffects xmlns:a14="http://schemas.microsoft.com/office/drawing/2010/main">
+                <a:effectLst>
+                  <a:outerShdw dist="35921" dir="2700000" algn="ctr" rotWithShape="0">
+                    <a:schemeClr val="bg2"/>
+                  </a:outerShdw>
+                </a:effectLst>
+              </a14:hiddenEffects>
+            </a:ext>
+          </a:extLst>
+        </p:spPr>
+        <p:txBody>
+          <a:bodyPr vert="horz" wrap="none" lIns="91440" tIns="45720" rIns="91440" bIns="45720" numCol="1" anchor="ctr" anchorCtr="0" compatLnSpc="1">
+            <a:prstTxWarp prst="textNoShape">
+              <a:avLst/>
+            </a:prstTxWarp>
+            <a:spAutoFit/>
+          </a:bodyPr>
+          <a:lstStyle/>
+          <a:p>
+            <a:pPr marL="0" marR="0" lvl="0" indent="0" algn="l" defTabSz="914400" rtl="0" eaLnBrk="1" fontAlgn="base" latinLnBrk="0" hangingPunct="1">
+              <a:lnSpc>
+                <a:spcPct val="100000"/>
+              </a:lnSpc>
+              <a:spcBef>
+                <a:spcPct val="0"/>
+              </a:spcBef>
+              <a:spcAft>
+                <a:spcPct val="0"/>
+              </a:spcAft>
+              <a:buClrTx/>
+              <a:buSzTx/>
+              <a:buFontTx/>
+              <a:buNone/>
+              <a:tabLst/>
+            </a:pPr>
+            <a:endParaRPr kumimoji="0" lang="en-US" sz="1800" b="0" i="0" u="none" strike="noStrike" cap="none" normalizeH="0" baseline="0" dirty="0" smtClean="0">
+              <a:ln>
+                <a:noFill/>
+              </a:ln>
+              <a:solidFill>
+                <a:schemeClr val="tx1"/>
+              </a:solidFill>
+              <a:effectLst/>
+              <a:latin typeface="Arial" pitchFamily="34" charset="0"/>
+              <a:cs typeface="Arial" pitchFamily="34" charset="0"/>
+            </a:endParaRPr>
+          </a:p>
+        </p:txBody>
+      </p:sp>
+      <p:graphicFrame>
+        <p:nvGraphicFramePr>
+          <p:cNvPr id="4" name="Object 3"/>
+          <p:cNvGraphicFramePr>
+            <a:graphicFrameLocks noChangeAspect="1"/>
+          </p:cNvGraphicFramePr>
+          <p:nvPr>
+            <p:extLst>
+              <p:ext uri="{D42A27DB-BD31-4B8C-83A1-F6EECF244321}">
+                <p14:modId xmlns:p14="http://schemas.microsoft.com/office/powerpoint/2010/main" val="601772777"/>
+              </p:ext>
+            </p:extLst>
+          </p:nvPr>
+        </p:nvGraphicFramePr>
+        <p:xfrm>
+          <a:off x="1141413" y="885825"/>
+          <a:ext cx="6591300" cy="5384800"/>
+        </p:xfrm>
+        <a:graphic>
+          <a:graphicData uri="http://schemas.openxmlformats.org/presentationml/2006/ole">
+            <mc:AlternateContent xmlns:mc="http://schemas.openxmlformats.org/markup-compatibility/2006">
+              <mc:Choice xmlns:v="urn:schemas-microsoft-com:vml" Requires="v">
+                <p:oleObj spid="_x0000_s86021" name="Visio" r:id="rId3" imgW="8321715" imgH="6803957" progId="Visio.Drawing.11">
+                  <p:embed/>
+                </p:oleObj>
+              </mc:Choice>
+              <mc:Fallback>
+                <p:oleObj name="Visio" r:id="rId3" imgW="8321715" imgH="6803957" progId="Visio.Drawing.11">
+                  <p:embed/>
+                  <p:pic>
+                    <p:nvPicPr>
+                      <p:cNvPr id="0" name="Picture 2"/>
+                      <p:cNvPicPr>
+                        <a:picLocks noChangeAspect="1" noChangeArrowheads="1"/>
+                      </p:cNvPicPr>
+                      <p:nvPr/>
+                    </p:nvPicPr>
+                    <p:blipFill>
+                      <a:blip r:embed="rId4">
+                        <a:extLst>
+                          <a:ext uri="{28A0092B-C50C-407E-A947-70E740481C1C}">
+                            <a14:useLocalDpi xmlns:a14="http://schemas.microsoft.com/office/drawing/2010/main" val="0"/>
+                          </a:ext>
+                        </a:extLst>
+                      </a:blip>
+                      <a:srcRect/>
+                      <a:stretch>
+                        <a:fillRect/>
+                      </a:stretch>
+                    </p:blipFill>
+                    <p:spPr bwMode="auto">
+                      <a:xfrm>
+                        <a:off x="1141413" y="885825"/>
+                        <a:ext cx="6591300" cy="5384800"/>
+                      </a:xfrm>
+                      <a:prstGeom prst="rect">
+                        <a:avLst/>
+                      </a:prstGeom>
+                      <a:noFill/>
+                      <a:extLst>
+                        <a:ext uri="{909E8E84-426E-40DD-AFC4-6F175D3DCCD1}">
+                          <a14:hiddenFill xmlns:a14="http://schemas.microsoft.com/office/drawing/2010/main">
+                            <a:solidFill>
+                              <a:srgbClr val="FFFFFF"/>
+                            </a:solidFill>
+                          </a14:hiddenFill>
+                        </a:ext>
+                      </a:extLst>
+                    </p:spPr>
+                  </p:pic>
+                </p:oleObj>
+              </mc:Fallback>
+            </mc:AlternateContent>
+          </a:graphicData>
+        </a:graphic>
+      </p:graphicFrame>
+      <p:sp>
+        <p:nvSpPr>
+          <p:cNvPr id="6" name="Slide Number Placeholder 3"/>
+          <p:cNvSpPr>
+            <a:spLocks noGrp="1"/>
+          </p:cNvSpPr>
+          <p:nvPr>
+            <p:ph type="sldNum" sz="quarter" idx="10"/>
+          </p:nvPr>
+        </p:nvSpPr>
+        <p:spPr>
+          <a:xfrm>
+            <a:off x="6642100" y="6038850"/>
+            <a:ext cx="2133600" cy="206375"/>
+          </a:xfrm>
+        </p:spPr>
+        <p:txBody>
+          <a:bodyPr/>
+          <a:lstStyle/>
+          <a:p>
+            <a:fld id="{91A5AC0A-F4BD-4464-80DC-A88E0D9F781D}" type="slidenum">
+              <a:rPr lang="en-US" smtClean="0"/>
+              <a:pPr/>
+              <a:t>18</a:t>
+            </a:fld>
+            <a:endParaRPr lang="en-US" dirty="0"/>
+          </a:p>
+        </p:txBody>
+      </p:sp>
+    </p:spTree>
+    <p:extLst>
+      <p:ext uri="{BB962C8B-B14F-4D97-AF65-F5344CB8AC3E}">
+        <p14:creationId xmlns:p14="http://schemas.microsoft.com/office/powerpoint/2010/main" val="1958137510"/>
+      </p:ext>
+    </p:extLst>
+  </p:cSld>
+  <p:clrMapOvr>
+    <a:masterClrMapping/>
+  </p:clrMapOvr>
+</p:sld>
+</file>
+
+<file path=ppt/slides/slide19.xml><?xml version="1.0" encoding="utf-8"?>
+<p:sld xmlns:a="http://schemas.openxmlformats.org/drawingml/2006/main" xmlns:r="http://schemas.openxmlformats.org/officeDocument/2006/relationships" xmlns:p="http://schemas.openxmlformats.org/presentationml/2006/main">
+  <p:cSld>
+    <p:spTree>
+      <p:nvGrpSpPr>
+        <p:cNvPr id="1" name=""/>
+        <p:cNvGrpSpPr/>
+        <p:nvPr/>
+      </p:nvGrpSpPr>
+      <p:grpSpPr>
+        <a:xfrm>
+          <a:off x="0" y="0"/>
+          <a:ext cx="0" cy="0"/>
+          <a:chOff x="0" y="0"/>
+          <a:chExt cx="0" cy="0"/>
+        </a:xfrm>
+      </p:grpSpPr>
+      <p:sp>
+        <p:nvSpPr>
+          <p:cNvPr id="104450" name="Rectangle 3"/>
+          <p:cNvSpPr>
+            <a:spLocks noGrp="1" noChangeArrowheads="1"/>
+          </p:cNvSpPr>
+          <p:nvPr>
+            <p:ph type="title" idx="4294967295"/>
+          </p:nvPr>
+        </p:nvSpPr>
+        <p:spPr>
+          <a:xfrm>
+            <a:off x="437305" y="76200"/>
+            <a:ext cx="8229600" cy="762000"/>
+          </a:xfrm>
+        </p:spPr>
+        <p:txBody>
+          <a:bodyPr/>
+          <a:lstStyle/>
+          <a:p>
+            <a:pPr eaLnBrk="1" hangingPunct="1"/>
+            <a:r>
+              <a:rPr lang="en-US" sz="4000" dirty="0" smtClean="0"/>
+              <a:t>AM5K2E04 Key Features</a:t>
+            </a:r>
+          </a:p>
+        </p:txBody>
+      </p:sp>
+      <p:sp>
+        <p:nvSpPr>
+          <p:cNvPr id="859" name="Rectangle 5"/>
+          <p:cNvSpPr txBox="1">
+            <a:spLocks noChangeArrowheads="1"/>
+          </p:cNvSpPr>
+          <p:nvPr/>
+        </p:nvSpPr>
+        <p:spPr bwMode="auto">
+          <a:xfrm>
+            <a:off x="5364960" y="855925"/>
+            <a:ext cx="3721893" cy="4937115"/>
+          </a:xfrm>
+          <a:prstGeom prst="rect">
+            <a:avLst/>
+          </a:prstGeom>
+          <a:noFill/>
+          <a:ln w="9525">
+            <a:noFill/>
+            <a:miter lim="800000"/>
+            <a:headEnd/>
+            <a:tailEnd/>
+          </a:ln>
+        </p:spPr>
+        <p:txBody>
+          <a:bodyPr/>
+          <a:lstStyle/>
+          <a:p>
+            <a:pPr marL="285750" lvl="1" indent="-285750">
+              <a:lnSpc>
+                <a:spcPct val="80000"/>
+              </a:lnSpc>
+              <a:spcBef>
+                <a:spcPts val="600"/>
+              </a:spcBef>
+              <a:buFont typeface="Arial" panose="020B0604020202020204" pitchFamily="34" charset="0"/>
+              <a:buChar char="•"/>
+              <a:defRPr/>
+            </a:pPr>
+            <a:r>
+              <a:rPr lang="en-US" sz="2400" dirty="0" smtClean="0">
+                <a:latin typeface="Calibri" pitchFamily="34" charset="0"/>
+                <a:cs typeface="Calibri" pitchFamily="34" charset="0"/>
+              </a:rPr>
+              <a:t>ARM-only TI multicore device</a:t>
+            </a:r>
+          </a:p>
+          <a:p>
+            <a:pPr marL="285750" lvl="1" indent="-285750">
+              <a:lnSpc>
+                <a:spcPct val="80000"/>
+              </a:lnSpc>
+              <a:spcBef>
+                <a:spcPts val="600"/>
+              </a:spcBef>
+              <a:buFont typeface="Arial" panose="020B0604020202020204" pitchFamily="34" charset="0"/>
+              <a:buChar char="•"/>
+              <a:defRPr/>
+            </a:pPr>
+            <a:r>
+              <a:rPr lang="en-US" sz="2400" dirty="0" smtClean="0">
+                <a:latin typeface="Calibri" pitchFamily="34" charset="0"/>
+                <a:cs typeface="Calibri" pitchFamily="34" charset="0"/>
+              </a:rPr>
+              <a:t>Quad-ARM A15 CorePac</a:t>
+            </a:r>
+          </a:p>
+          <a:p>
+            <a:pPr marL="285750" lvl="1" indent="-285750">
+              <a:lnSpc>
+                <a:spcPct val="80000"/>
+              </a:lnSpc>
+              <a:spcBef>
+                <a:spcPts val="600"/>
+              </a:spcBef>
+              <a:buFont typeface="Arial" panose="020B0604020202020204" pitchFamily="34" charset="0"/>
+              <a:buChar char="•"/>
+              <a:defRPr/>
+            </a:pPr>
+            <a:r>
+              <a:rPr lang="en-US" sz="2400" dirty="0" smtClean="0">
+                <a:latin typeface="Calibri" pitchFamily="34" charset="0"/>
+                <a:cs typeface="Calibri" pitchFamily="34" charset="0"/>
+              </a:rPr>
+              <a:t>1x Queue Manager supports up to 8K queues</a:t>
+            </a:r>
+          </a:p>
+          <a:p>
+            <a:pPr marL="285750" lvl="1" indent="-285750">
+              <a:lnSpc>
+                <a:spcPct val="80000"/>
+              </a:lnSpc>
+              <a:spcBef>
+                <a:spcPts val="600"/>
+              </a:spcBef>
+              <a:buFont typeface="Arial" panose="020B0604020202020204" pitchFamily="34" charset="0"/>
+              <a:buChar char="•"/>
+              <a:defRPr/>
+            </a:pPr>
+            <a:r>
+              <a:rPr lang="en-US" sz="2400" dirty="0" smtClean="0">
+                <a:latin typeface="Calibri" pitchFamily="34" charset="0"/>
+                <a:cs typeface="Calibri" pitchFamily="34" charset="0"/>
+              </a:rPr>
+              <a:t>1x Network Coprocessor (NETCP)</a:t>
+            </a:r>
+          </a:p>
+          <a:p>
+            <a:pPr marL="285750" lvl="1" indent="-285750">
+              <a:lnSpc>
+                <a:spcPct val="80000"/>
+              </a:lnSpc>
+              <a:spcBef>
+                <a:spcPts val="600"/>
+              </a:spcBef>
+              <a:buFont typeface="Arial" panose="020B0604020202020204" pitchFamily="34" charset="0"/>
+              <a:buChar char="•"/>
+              <a:defRPr/>
+            </a:pPr>
+            <a:r>
+              <a:rPr lang="en-US" sz="2400" dirty="0" smtClean="0">
+                <a:latin typeface="Calibri" pitchFamily="34" charset="0"/>
+                <a:cs typeface="Calibri" pitchFamily="34" charset="0"/>
+              </a:rPr>
+              <a:t>1x 3-port 10GBE Switch Subsystem</a:t>
+            </a:r>
+          </a:p>
+          <a:p>
+            <a:pPr marL="285750" lvl="1" indent="-285750">
+              <a:lnSpc>
+                <a:spcPct val="80000"/>
+              </a:lnSpc>
+              <a:spcBef>
+                <a:spcPts val="600"/>
+              </a:spcBef>
+              <a:buFont typeface="Arial" panose="020B0604020202020204" pitchFamily="34" charset="0"/>
+              <a:buChar char="•"/>
+              <a:defRPr/>
+            </a:pPr>
+            <a:r>
+              <a:rPr lang="en-US" sz="2400" dirty="0" smtClean="0">
+                <a:latin typeface="Calibri" pitchFamily="34" charset="0"/>
+                <a:cs typeface="Calibri" pitchFamily="34" charset="0"/>
+              </a:rPr>
+              <a:t>Telecommunications Serial Port (TSIP)</a:t>
+            </a:r>
+          </a:p>
+          <a:p>
+            <a:pPr marL="285750" lvl="1" indent="-285750">
+              <a:lnSpc>
+                <a:spcPct val="80000"/>
+              </a:lnSpc>
+              <a:spcBef>
+                <a:spcPts val="600"/>
+              </a:spcBef>
+              <a:buFont typeface="Arial" panose="020B0604020202020204" pitchFamily="34" charset="0"/>
+              <a:buChar char="•"/>
+              <a:defRPr/>
+            </a:pPr>
+            <a:r>
+              <a:rPr lang="en-US" sz="2400" dirty="0" smtClean="0">
+                <a:latin typeface="Calibri" pitchFamily="34" charset="0"/>
+                <a:cs typeface="Calibri" pitchFamily="34" charset="0"/>
+              </a:rPr>
+              <a:t>2x PCIe and 2x USB 3.0 to support solid-state drive</a:t>
+            </a:r>
+          </a:p>
+          <a:p>
+            <a:pPr algn="l">
+              <a:lnSpc>
+                <a:spcPct val="85000"/>
+              </a:lnSpc>
+              <a:spcBef>
+                <a:spcPct val="20000"/>
+              </a:spcBef>
+              <a:defRPr/>
+            </a:pPr>
+            <a:endParaRPr lang="en-US" sz="1600" dirty="0" smtClean="0">
+              <a:solidFill>
+                <a:srgbClr val="000000"/>
+              </a:solidFill>
+              <a:latin typeface="Calibri" pitchFamily="34" charset="0"/>
+            </a:endParaRPr>
+          </a:p>
+        </p:txBody>
+      </p:sp>
+      <p:sp>
+        <p:nvSpPr>
+          <p:cNvPr id="5" name="Slide Number Placeholder 4"/>
+          <p:cNvSpPr>
+            <a:spLocks noGrp="1"/>
+          </p:cNvSpPr>
+          <p:nvPr>
+            <p:ph type="sldNum" sz="quarter" idx="4294967295"/>
+          </p:nvPr>
+        </p:nvSpPr>
+        <p:spPr>
+          <a:xfrm>
+            <a:off x="6642100" y="6049963"/>
+            <a:ext cx="2133600" cy="206375"/>
+          </a:xfrm>
+          <a:prstGeom prst="rect">
+            <a:avLst/>
+          </a:prstGeom>
+        </p:spPr>
+        <p:txBody>
+          <a:bodyPr/>
+          <a:lstStyle/>
+          <a:p>
+            <a:fld id="{3144B24B-BAB1-431A-82C6-36E096187F50}" type="slidenum">
+              <a:rPr lang="en-US" smtClean="0"/>
+              <a:pPr/>
+              <a:t>19</a:t>
+            </a:fld>
+            <a:endParaRPr lang="en-US" dirty="0"/>
+          </a:p>
+        </p:txBody>
+      </p:sp>
+      <p:pic>
+        <p:nvPicPr>
+          <p:cNvPr id="8" name="Picture 7" descr="Functional Block Diagram AM5K2E04.bmp"/>
+          <p:cNvPicPr>
+            <a:picLocks noChangeAspect="1"/>
+          </p:cNvPicPr>
+          <p:nvPr/>
+        </p:nvPicPr>
+        <p:blipFill>
+          <a:blip r:embed="rId4" cstate="print"/>
+          <a:stretch>
+            <a:fillRect/>
+          </a:stretch>
+        </p:blipFill>
+        <p:spPr>
+          <a:xfrm>
+            <a:off x="0" y="859536"/>
+            <a:ext cx="5343155" cy="5443739"/>
+          </a:xfrm>
+          <a:prstGeom prst="rect">
+            <a:avLst/>
+          </a:prstGeom>
+        </p:spPr>
+      </p:pic>
+    </p:spTree>
+    <p:custDataLst>
+      <p:tags r:id="rId1"/>
+    </p:custDataLst>
+    <p:extLst>
+      <p:ext uri="{BB962C8B-B14F-4D97-AF65-F5344CB8AC3E}">
+        <p14:creationId xmlns:p14="http://schemas.microsoft.com/office/powerpoint/2010/main" val="873099895"/>
+      </p:ext>
+    </p:extLst>
+  </p:cSld>
+  <p:clrMapOvr>
+    <a:masterClrMapping/>
+  </p:clrMapOvr>
+  <p:timing>
+    <p:tnLst>
+      <p:par>
+        <p:cTn id="1" dur="indefinite" restart="never" nodeType="tmRoot"/>
+      </p:par>
+    </p:tnLst>
+  </p:timing>
+</p:sld>
+</file>
+
+<file path=ppt/slides/slide2.xml><?xml version="1.0" encoding="utf-8"?>
+<p:sld xmlns:a="http://schemas.openxmlformats.org/drawingml/2006/main" xmlns:r="http://schemas.openxmlformats.org/officeDocument/2006/relationships" xmlns:p="http://schemas.openxmlformats.org/presentationml/2006/main">
+  <p:cSld>
+    <p:spTree>
+      <p:nvGrpSpPr>
+        <p:cNvPr id="1" name=""/>
+        <p:cNvGrpSpPr/>
+        <p:nvPr/>
+      </p:nvGrpSpPr>
+      <p:grpSpPr>
+        <a:xfrm>
+          <a:off x="0" y="0"/>
+          <a:ext cx="0" cy="0"/>
+          <a:chOff x="0" y="0"/>
+          <a:chExt cx="0" cy="0"/>
+        </a:xfrm>
+      </p:grpSpPr>
+      <p:sp>
+        <p:nvSpPr>
+          <p:cNvPr id="2" name="Title 1"/>
+          <p:cNvSpPr>
+            <a:spLocks noGrp="1"/>
+          </p:cNvSpPr>
+          <p:nvPr>
+            <p:ph type="title"/>
+          </p:nvPr>
+        </p:nvSpPr>
+        <p:spPr>
+          <a:xfrm>
+            <a:off x="457200" y="274638"/>
+            <a:ext cx="8229600" cy="715962"/>
+          </a:xfrm>
+        </p:spPr>
+        <p:txBody>
+          <a:bodyPr>
+            <a:normAutofit/>
+          </a:bodyPr>
+          <a:lstStyle/>
+          <a:p>
+            <a:r>
+              <a:rPr lang="en-US" sz="3600" dirty="0" smtClean="0"/>
+              <a:t>Agenda</a:t>
+            </a:r>
+            <a:endParaRPr lang="en-US" sz="3600" dirty="0"/>
+          </a:p>
+        </p:txBody>
+      </p:sp>
+      <p:sp>
+        <p:nvSpPr>
+          <p:cNvPr id="3" name="Content Placeholder 2"/>
+          <p:cNvSpPr>
+            <a:spLocks noGrp="1"/>
+          </p:cNvSpPr>
+          <p:nvPr>
+            <p:ph idx="1"/>
+          </p:nvPr>
+        </p:nvSpPr>
+        <p:spPr/>
+        <p:txBody>
+          <a:bodyPr>
+            <a:normAutofit/>
+          </a:bodyPr>
+          <a:lstStyle/>
+          <a:p>
+            <a:r>
+              <a:rPr lang="en-US" sz="2800" dirty="0" smtClean="0"/>
+              <a:t>KeyStone Device Overview</a:t>
+            </a:r>
+            <a:endParaRPr lang="en-US" sz="2800" dirty="0"/>
+          </a:p>
+          <a:p>
+            <a:r>
+              <a:rPr lang="en-US" sz="2800" dirty="0" smtClean="0"/>
+              <a:t>Introducing K2E (Edison)</a:t>
+            </a:r>
+          </a:p>
+          <a:p>
+            <a:r>
+              <a:rPr lang="en-US" sz="2800" dirty="0" smtClean="0"/>
+              <a:t>K2E Device Summary</a:t>
+            </a:r>
+          </a:p>
+          <a:p>
+            <a:r>
+              <a:rPr lang="en-US" sz="2800" dirty="0" smtClean="0"/>
+              <a:t>For More Information</a:t>
+            </a:r>
+          </a:p>
+        </p:txBody>
+      </p:sp>
+      <p:sp>
+        <p:nvSpPr>
+          <p:cNvPr id="4" name="Slide Number Placeholder 3"/>
+          <p:cNvSpPr>
+            <a:spLocks noGrp="1"/>
+          </p:cNvSpPr>
+          <p:nvPr>
+            <p:ph type="sldNum" sz="quarter" idx="10"/>
+          </p:nvPr>
+        </p:nvSpPr>
+        <p:spPr/>
+        <p:txBody>
+          <a:bodyPr/>
+          <a:lstStyle/>
+          <a:p>
+            <a:fld id="{3B20521C-F793-4067-BB07-C7AF74E21EF3}" type="slidenum">
+              <a:rPr lang="en-US" smtClean="0"/>
+              <a:pPr/>
+              <a:t>2</a:t>
+            </a:fld>
+            <a:endParaRPr lang="en-US" dirty="0"/>
+          </a:p>
+        </p:txBody>
+      </p:sp>
+    </p:spTree>
+  </p:cSld>
+  <p:clrMapOvr>
+    <a:masterClrMapping/>
+  </p:clrMapOvr>
+  <p:timing>
+    <p:tnLst>
+      <p:par>
+        <p:cTn id="1" dur="indefinite" restart="never" nodeType="tmRoot"/>
+      </p:par>
+    </p:tnLst>
+  </p:timing>
+</p:sld>
+</file>
+
+<file path=ppt/slides/slide20.xml><?xml version="1.0" encoding="utf-8"?>
+<p:sld xmlns:a="http://schemas.openxmlformats.org/drawingml/2006/main" xmlns:r="http://schemas.openxmlformats.org/officeDocument/2006/relationships" xmlns:p="http://schemas.openxmlformats.org/presentationml/2006/main">
+  <p:cSld>
+    <p:spTree>
+      <p:nvGrpSpPr>
+        <p:cNvPr id="1" name=""/>
+        <p:cNvGrpSpPr/>
+        <p:nvPr/>
+      </p:nvGrpSpPr>
+      <p:grpSpPr>
+        <a:xfrm>
+          <a:off x="0" y="0"/>
+          <a:ext cx="0" cy="0"/>
+          <a:chOff x="0" y="0"/>
+          <a:chExt cx="0" cy="0"/>
+        </a:xfrm>
+      </p:grpSpPr>
+      <p:sp>
+        <p:nvSpPr>
+          <p:cNvPr id="104450" name="Rectangle 3"/>
+          <p:cNvSpPr>
+            <a:spLocks noGrp="1" noChangeArrowheads="1"/>
+          </p:cNvSpPr>
+          <p:nvPr>
+            <p:ph type="title" idx="4294967295"/>
+          </p:nvPr>
+        </p:nvSpPr>
+        <p:spPr>
+          <a:xfrm>
+            <a:off x="437305" y="76200"/>
+            <a:ext cx="8229600" cy="762000"/>
+          </a:xfrm>
+        </p:spPr>
+        <p:txBody>
+          <a:bodyPr/>
+          <a:lstStyle/>
+          <a:p>
+            <a:pPr eaLnBrk="1" hangingPunct="1"/>
+            <a:r>
+              <a:rPr lang="en-US" sz="4000" dirty="0" smtClean="0"/>
+              <a:t>AM5K2E04 Applications </a:t>
+            </a:r>
+          </a:p>
+        </p:txBody>
+      </p:sp>
+      <p:sp>
+        <p:nvSpPr>
+          <p:cNvPr id="859" name="Rectangle 5"/>
+          <p:cNvSpPr txBox="1">
+            <a:spLocks noChangeArrowheads="1"/>
+          </p:cNvSpPr>
+          <p:nvPr/>
+        </p:nvSpPr>
+        <p:spPr bwMode="auto">
+          <a:xfrm>
+            <a:off x="5420563" y="870510"/>
+            <a:ext cx="3584448" cy="3708806"/>
+          </a:xfrm>
+          <a:prstGeom prst="rect">
+            <a:avLst/>
+          </a:prstGeom>
+          <a:noFill/>
+          <a:ln w="9525">
+            <a:noFill/>
+            <a:miter lim="800000"/>
+            <a:headEnd/>
+            <a:tailEnd/>
+          </a:ln>
+        </p:spPr>
+        <p:txBody>
+          <a:bodyPr/>
+          <a:lstStyle/>
+          <a:p>
+            <a:pPr marL="285750" indent="-285750">
+              <a:lnSpc>
+                <a:spcPct val="80000"/>
+              </a:lnSpc>
+              <a:spcBef>
+                <a:spcPts val="600"/>
+              </a:spcBef>
+              <a:buFont typeface="Arial" panose="020B0604020202020204" pitchFamily="34" charset="0"/>
+              <a:buChar char="•"/>
+              <a:defRPr/>
+            </a:pPr>
+            <a:r>
+              <a:rPr lang="en-US" sz="2400" dirty="0" smtClean="0">
+                <a:latin typeface="Calibri" pitchFamily="34" charset="0"/>
+                <a:cs typeface="Calibri" pitchFamily="34" charset="0"/>
+              </a:rPr>
+              <a:t>Networking:</a:t>
+            </a:r>
+          </a:p>
+          <a:p>
+            <a:pPr marL="742950" lvl="1" indent="-285750">
+              <a:lnSpc>
+                <a:spcPct val="80000"/>
+              </a:lnSpc>
+              <a:spcBef>
+                <a:spcPts val="600"/>
+              </a:spcBef>
+              <a:buFont typeface="Calibri" pitchFamily="34" charset="0"/>
+              <a:buChar char="–"/>
+              <a:defRPr/>
+            </a:pPr>
+            <a:r>
+              <a:rPr lang="en-US" sz="2400" dirty="0">
+                <a:latin typeface="Calibri" pitchFamily="34" charset="0"/>
+                <a:cs typeface="Calibri" pitchFamily="34" charset="0"/>
+              </a:rPr>
+              <a:t>Enterprise</a:t>
+            </a:r>
+          </a:p>
+          <a:p>
+            <a:pPr marL="742950" lvl="1" indent="-285750">
+              <a:lnSpc>
+                <a:spcPct val="80000"/>
+              </a:lnSpc>
+              <a:spcBef>
+                <a:spcPts val="600"/>
+              </a:spcBef>
+              <a:buFont typeface="Calibri" pitchFamily="34" charset="0"/>
+              <a:buChar char="–"/>
+              <a:defRPr/>
+            </a:pPr>
+            <a:r>
+              <a:rPr lang="en-US" sz="2400" dirty="0">
+                <a:latin typeface="Calibri" pitchFamily="34" charset="0"/>
+                <a:cs typeface="Calibri" pitchFamily="34" charset="0"/>
+              </a:rPr>
+              <a:t>Service Provider</a:t>
+            </a:r>
+          </a:p>
+          <a:p>
+            <a:pPr marL="742950" lvl="1" indent="-285750">
+              <a:lnSpc>
+                <a:spcPct val="80000"/>
+              </a:lnSpc>
+              <a:spcBef>
+                <a:spcPts val="600"/>
+              </a:spcBef>
+              <a:buFont typeface="Calibri" pitchFamily="34" charset="0"/>
+              <a:buChar char="–"/>
+              <a:defRPr/>
+            </a:pPr>
+            <a:r>
+              <a:rPr lang="en-US" sz="2400" dirty="0">
+                <a:latin typeface="Calibri" pitchFamily="34" charset="0"/>
+                <a:cs typeface="Calibri" pitchFamily="34" charset="0"/>
+              </a:rPr>
+              <a:t>Data </a:t>
+            </a:r>
+            <a:r>
+              <a:rPr lang="en-US" sz="2400" dirty="0" smtClean="0">
+                <a:latin typeface="Calibri" pitchFamily="34" charset="0"/>
+                <a:cs typeface="Calibri" pitchFamily="34" charset="0"/>
+              </a:rPr>
+              <a:t>Center/Cloud</a:t>
+            </a:r>
+          </a:p>
+          <a:p>
+            <a:pPr marL="742950" lvl="1" indent="-285750">
+              <a:lnSpc>
+                <a:spcPct val="80000"/>
+              </a:lnSpc>
+              <a:spcBef>
+                <a:spcPts val="600"/>
+              </a:spcBef>
+              <a:buFont typeface="Calibri" pitchFamily="34" charset="0"/>
+              <a:buChar char="–"/>
+              <a:defRPr/>
+            </a:pPr>
+            <a:r>
+              <a:rPr lang="en-US" sz="2400" dirty="0">
+                <a:latin typeface="Calibri" pitchFamily="34" charset="0"/>
+                <a:cs typeface="Calibri" pitchFamily="34" charset="0"/>
+              </a:rPr>
+              <a:t>Industrial </a:t>
+            </a:r>
+            <a:r>
+              <a:rPr lang="en-US" sz="2400" dirty="0" smtClean="0">
+                <a:latin typeface="Calibri" pitchFamily="34" charset="0"/>
+                <a:cs typeface="Calibri" pitchFamily="34" charset="0"/>
+              </a:rPr>
+              <a:t>network </a:t>
+            </a:r>
+            <a:r>
+              <a:rPr lang="en-US" sz="2400" dirty="0">
+                <a:latin typeface="Calibri" pitchFamily="34" charset="0"/>
+                <a:cs typeface="Calibri" pitchFamily="34" charset="0"/>
+              </a:rPr>
+              <a:t>and </a:t>
+            </a:r>
+            <a:r>
+              <a:rPr lang="en-US" sz="2400" dirty="0" smtClean="0">
+                <a:latin typeface="Calibri" pitchFamily="34" charset="0"/>
+                <a:cs typeface="Calibri" pitchFamily="34" charset="0"/>
+              </a:rPr>
+              <a:t>Fieldbus protocols </a:t>
+            </a:r>
+            <a:r>
+              <a:rPr lang="en-US" dirty="0" smtClean="0">
+                <a:latin typeface="Calibri" pitchFamily="34" charset="0"/>
+                <a:cs typeface="Calibri" pitchFamily="34" charset="0"/>
+              </a:rPr>
+              <a:t>(</a:t>
+            </a:r>
+            <a:r>
+              <a:rPr lang="en-US" dirty="0"/>
+              <a:t>IEC </a:t>
+            </a:r>
+            <a:r>
+              <a:rPr lang="en-US" dirty="0" smtClean="0"/>
+              <a:t>61158)</a:t>
+            </a:r>
+            <a:endParaRPr lang="en-US" dirty="0" smtClean="0">
+              <a:latin typeface="Calibri" pitchFamily="34" charset="0"/>
+              <a:cs typeface="Calibri" pitchFamily="34" charset="0"/>
+            </a:endParaRPr>
+          </a:p>
+          <a:p>
+            <a:pPr marL="285750" indent="-285750">
+              <a:lnSpc>
+                <a:spcPct val="80000"/>
+              </a:lnSpc>
+              <a:spcBef>
+                <a:spcPts val="600"/>
+              </a:spcBef>
+              <a:buFont typeface="Arial" panose="020B0604020202020204" pitchFamily="34" charset="0"/>
+              <a:buChar char="•"/>
+              <a:defRPr/>
+            </a:pPr>
+            <a:r>
+              <a:rPr lang="en-US" sz="2400" dirty="0" smtClean="0">
+                <a:latin typeface="Calibri" pitchFamily="34" charset="0"/>
+                <a:cs typeface="Calibri" pitchFamily="34" charset="0"/>
+              </a:rPr>
+              <a:t>Other industrial applications  that do not require DSP</a:t>
+            </a:r>
+            <a:endParaRPr lang="en-US" sz="2400" dirty="0">
+              <a:latin typeface="Calibri" pitchFamily="34" charset="0"/>
+              <a:cs typeface="Calibri" pitchFamily="34" charset="0"/>
+            </a:endParaRPr>
+          </a:p>
+          <a:p>
+            <a:pPr marL="914400" lvl="1" indent="-457200">
+              <a:buFont typeface="Arial" panose="020B0604020202020204" pitchFamily="34" charset="0"/>
+              <a:buChar char="•"/>
+            </a:pPr>
+            <a:endParaRPr lang="en-US" sz="2800" dirty="0"/>
+          </a:p>
+          <a:p>
+            <a:pPr marL="742950" lvl="1" indent="-285750">
+              <a:lnSpc>
+                <a:spcPct val="85000"/>
+              </a:lnSpc>
+              <a:spcBef>
+                <a:spcPct val="20000"/>
+              </a:spcBef>
+              <a:buFont typeface="Arial" panose="020B0604020202020204" pitchFamily="34" charset="0"/>
+              <a:buChar char="•"/>
+              <a:defRPr/>
+            </a:pPr>
+            <a:endParaRPr lang="en-US" sz="1600" dirty="0" smtClean="0">
+              <a:solidFill>
+                <a:srgbClr val="000000"/>
+              </a:solidFill>
+              <a:latin typeface="Calibri" pitchFamily="34" charset="0"/>
+            </a:endParaRPr>
+          </a:p>
+        </p:txBody>
+      </p:sp>
+      <p:sp>
+        <p:nvSpPr>
+          <p:cNvPr id="5" name="Slide Number Placeholder 4"/>
+          <p:cNvSpPr>
+            <a:spLocks noGrp="1"/>
+          </p:cNvSpPr>
+          <p:nvPr>
+            <p:ph type="sldNum" sz="quarter" idx="4294967295"/>
+          </p:nvPr>
+        </p:nvSpPr>
+        <p:spPr>
+          <a:xfrm>
+            <a:off x="6642100" y="6049963"/>
+            <a:ext cx="2133600" cy="206375"/>
+          </a:xfrm>
+          <a:prstGeom prst="rect">
+            <a:avLst/>
+          </a:prstGeom>
+        </p:spPr>
+        <p:txBody>
+          <a:bodyPr/>
+          <a:lstStyle/>
+          <a:p>
+            <a:fld id="{3144B24B-BAB1-431A-82C6-36E096187F50}" type="slidenum">
+              <a:rPr lang="en-US" smtClean="0"/>
+              <a:pPr/>
+              <a:t>20</a:t>
+            </a:fld>
+            <a:endParaRPr lang="en-US" dirty="0"/>
+          </a:p>
+        </p:txBody>
+      </p:sp>
+      <p:pic>
+        <p:nvPicPr>
+          <p:cNvPr id="6" name="Picture 5" descr="Functional Block Diagram AM5K2E04.bmp"/>
+          <p:cNvPicPr>
+            <a:picLocks noChangeAspect="1"/>
+          </p:cNvPicPr>
+          <p:nvPr/>
+        </p:nvPicPr>
+        <p:blipFill>
+          <a:blip r:embed="rId4" cstate="print"/>
+          <a:stretch>
+            <a:fillRect/>
+          </a:stretch>
+        </p:blipFill>
+        <p:spPr>
+          <a:xfrm>
+            <a:off x="0" y="859536"/>
+            <a:ext cx="5343155" cy="5443739"/>
+          </a:xfrm>
+          <a:prstGeom prst="rect">
+            <a:avLst/>
+          </a:prstGeom>
+        </p:spPr>
+      </p:pic>
+    </p:spTree>
+    <p:custDataLst>
+      <p:tags r:id="rId1"/>
+    </p:custDataLst>
+    <p:extLst>
+      <p:ext uri="{BB962C8B-B14F-4D97-AF65-F5344CB8AC3E}">
+        <p14:creationId xmlns:p14="http://schemas.microsoft.com/office/powerpoint/2010/main" val="3461455567"/>
+      </p:ext>
+    </p:extLst>
+  </p:cSld>
+  <p:clrMapOvr>
+    <a:masterClrMapping/>
+  </p:clrMapOvr>
+  <p:timing>
+    <p:tnLst>
+      <p:par>
+        <p:cTn id="1" dur="indefinite" restart="never" nodeType="tmRoot"/>
+      </p:par>
+    </p:tnLst>
+  </p:timing>
+</p:sld>
+</file>
+
+<file path=ppt/slides/slide21.xml><?xml version="1.0" encoding="utf-8"?>
+<p:sld xmlns:a="http://schemas.openxmlformats.org/drawingml/2006/main" xmlns:r="http://schemas.openxmlformats.org/officeDocument/2006/relationships" xmlns:p="http://schemas.openxmlformats.org/presentationml/2006/main">
+  <p:cSld>
+    <p:spTree>
+      <p:nvGrpSpPr>
+        <p:cNvPr id="1" name=""/>
+        <p:cNvGrpSpPr/>
+        <p:nvPr/>
+      </p:nvGrpSpPr>
+      <p:grpSpPr>
+        <a:xfrm>
+          <a:off x="0" y="0"/>
+          <a:ext cx="0" cy="0"/>
+          <a:chOff x="0" y="0"/>
+          <a:chExt cx="0" cy="0"/>
+        </a:xfrm>
+      </p:grpSpPr>
+      <p:sp>
+        <p:nvSpPr>
+          <p:cNvPr id="104450" name="Rectangle 3"/>
+          <p:cNvSpPr>
+            <a:spLocks noGrp="1" noChangeArrowheads="1"/>
+          </p:cNvSpPr>
+          <p:nvPr>
+            <p:ph type="title" idx="4294967295"/>
+          </p:nvPr>
+        </p:nvSpPr>
+        <p:spPr>
+          <a:xfrm>
+            <a:off x="437305" y="76200"/>
+            <a:ext cx="8229600" cy="762000"/>
+          </a:xfrm>
+        </p:spPr>
+        <p:txBody>
+          <a:bodyPr/>
+          <a:lstStyle/>
+          <a:p>
+            <a:pPr eaLnBrk="1" hangingPunct="1"/>
+            <a:r>
+              <a:rPr lang="en-US" sz="4000" dirty="0" smtClean="0"/>
+              <a:t>AM5K2E04 Wins </a:t>
+            </a:r>
+          </a:p>
+        </p:txBody>
+      </p:sp>
+      <p:sp>
+        <p:nvSpPr>
+          <p:cNvPr id="859" name="Rectangle 5"/>
+          <p:cNvSpPr txBox="1">
+            <a:spLocks noChangeArrowheads="1"/>
+          </p:cNvSpPr>
+          <p:nvPr/>
+        </p:nvSpPr>
+        <p:spPr bwMode="auto">
+          <a:xfrm>
+            <a:off x="5420562" y="870510"/>
+            <a:ext cx="3723437" cy="5420562"/>
+          </a:xfrm>
+          <a:prstGeom prst="rect">
+            <a:avLst/>
+          </a:prstGeom>
+          <a:noFill/>
+          <a:ln w="9525">
+            <a:noFill/>
+            <a:miter lim="800000"/>
+            <a:headEnd/>
+            <a:tailEnd/>
+          </a:ln>
+        </p:spPr>
+        <p:txBody>
+          <a:bodyPr/>
+          <a:lstStyle/>
+          <a:p>
+            <a:pPr marL="285750" indent="-285750">
+              <a:lnSpc>
+                <a:spcPct val="80000"/>
+              </a:lnSpc>
+              <a:spcBef>
+                <a:spcPts val="600"/>
+              </a:spcBef>
+              <a:buFont typeface="Arial" panose="020B0604020202020204" pitchFamily="34" charset="0"/>
+              <a:buChar char="•"/>
+              <a:defRPr/>
+            </a:pPr>
+            <a:r>
+              <a:rPr lang="en-US" sz="2400" dirty="0" smtClean="0">
+                <a:latin typeface="Calibri" pitchFamily="34" charset="0"/>
+                <a:cs typeface="Calibri" pitchFamily="34" charset="0"/>
+              </a:rPr>
+              <a:t>Defense Munitions</a:t>
+            </a:r>
+          </a:p>
+          <a:p>
+            <a:pPr marL="742950" lvl="1" indent="-285750">
+              <a:lnSpc>
+                <a:spcPct val="80000"/>
+              </a:lnSpc>
+              <a:spcBef>
+                <a:spcPts val="600"/>
+              </a:spcBef>
+              <a:buFont typeface="Calibri" pitchFamily="34" charset="0"/>
+              <a:buChar char="–"/>
+              <a:defRPr/>
+            </a:pPr>
+            <a:r>
+              <a:rPr lang="en-US" sz="2000" dirty="0" smtClean="0">
+                <a:latin typeface="Calibri" pitchFamily="34" charset="0"/>
+                <a:cs typeface="Calibri" pitchFamily="34" charset="0"/>
+              </a:rPr>
+              <a:t>Power efficiency</a:t>
+            </a:r>
+          </a:p>
+          <a:p>
+            <a:pPr marL="742950" lvl="1" indent="-285750">
+              <a:lnSpc>
+                <a:spcPct val="80000"/>
+              </a:lnSpc>
+              <a:spcBef>
+                <a:spcPts val="600"/>
+              </a:spcBef>
+              <a:buFont typeface="Calibri" pitchFamily="34" charset="0"/>
+              <a:buChar char="–"/>
+              <a:defRPr/>
+            </a:pPr>
+            <a:r>
+              <a:rPr lang="en-US" sz="2000" dirty="0" smtClean="0">
+                <a:latin typeface="Calibri" pitchFamily="34" charset="0"/>
+                <a:cs typeface="Calibri" pitchFamily="34" charset="0"/>
+              </a:rPr>
+              <a:t>High performance processing</a:t>
+            </a:r>
+          </a:p>
+          <a:p>
+            <a:pPr marL="742950" lvl="1" indent="-285750">
+              <a:lnSpc>
+                <a:spcPct val="80000"/>
+              </a:lnSpc>
+              <a:spcBef>
+                <a:spcPts val="600"/>
+              </a:spcBef>
+              <a:buFont typeface="Calibri" pitchFamily="34" charset="0"/>
+              <a:buChar char="–"/>
+              <a:defRPr/>
+            </a:pPr>
+            <a:r>
+              <a:rPr lang="en-US" sz="2000" dirty="0" smtClean="0">
+                <a:latin typeface="Calibri" pitchFamily="34" charset="0"/>
+                <a:cs typeface="Calibri" pitchFamily="34" charset="0"/>
+              </a:rPr>
+              <a:t>Large amount of internal memory</a:t>
+            </a:r>
+          </a:p>
+          <a:p>
+            <a:pPr marL="742950" lvl="1" indent="-285750">
+              <a:lnSpc>
+                <a:spcPct val="80000"/>
+              </a:lnSpc>
+              <a:spcBef>
+                <a:spcPts val="600"/>
+              </a:spcBef>
+              <a:buFont typeface="Calibri" pitchFamily="34" charset="0"/>
+              <a:buChar char="–"/>
+              <a:defRPr/>
+            </a:pPr>
+            <a:r>
+              <a:rPr lang="en-US" sz="2000" dirty="0" smtClean="0">
+                <a:latin typeface="Calibri" pitchFamily="34" charset="0"/>
+                <a:cs typeface="Calibri" pitchFamily="34" charset="0"/>
+              </a:rPr>
+              <a:t>Efficient ARM instructions</a:t>
+            </a:r>
+          </a:p>
+          <a:p>
+            <a:pPr marL="285750" indent="-285750">
+              <a:lnSpc>
+                <a:spcPct val="80000"/>
+              </a:lnSpc>
+              <a:spcBef>
+                <a:spcPts val="600"/>
+              </a:spcBef>
+              <a:buFont typeface="Arial" panose="020B0604020202020204" pitchFamily="34" charset="0"/>
+              <a:buChar char="•"/>
+              <a:defRPr/>
+            </a:pPr>
+            <a:r>
+              <a:rPr lang="en-US" sz="2400" dirty="0" smtClean="0">
+                <a:latin typeface="Calibri" pitchFamily="34" charset="0"/>
+                <a:cs typeface="Calibri" pitchFamily="34" charset="0"/>
+              </a:rPr>
+              <a:t>Flight Control Panel</a:t>
+            </a:r>
+          </a:p>
+          <a:p>
+            <a:pPr marL="742950" lvl="1" indent="-285750">
+              <a:lnSpc>
+                <a:spcPct val="80000"/>
+              </a:lnSpc>
+              <a:spcBef>
+                <a:spcPts val="600"/>
+              </a:spcBef>
+              <a:buFont typeface="Calibri" pitchFamily="34" charset="0"/>
+              <a:buChar char="–"/>
+              <a:defRPr/>
+            </a:pPr>
+            <a:r>
+              <a:rPr lang="en-US" sz="2000" dirty="0" smtClean="0">
+                <a:latin typeface="Calibri" pitchFamily="34" charset="0"/>
+                <a:cs typeface="Calibri" pitchFamily="34" charset="0"/>
+              </a:rPr>
+              <a:t>High-performance, Linux-based processor</a:t>
+            </a:r>
+          </a:p>
+          <a:p>
+            <a:pPr marL="742950" lvl="1" indent="-285750">
+              <a:lnSpc>
+                <a:spcPct val="80000"/>
+              </a:lnSpc>
+              <a:spcBef>
+                <a:spcPts val="600"/>
+              </a:spcBef>
+              <a:buFont typeface="Calibri" pitchFamily="34" charset="0"/>
+              <a:buChar char="–"/>
+              <a:defRPr/>
+            </a:pPr>
+            <a:r>
+              <a:rPr lang="en-US" sz="2000" dirty="0" smtClean="0">
+                <a:latin typeface="Calibri" pitchFamily="34" charset="0"/>
+                <a:cs typeface="Calibri" pitchFamily="34" charset="0"/>
+              </a:rPr>
+              <a:t>Efficient memory and internal bus utilization (MSMC, TeraNet)  </a:t>
+            </a:r>
+          </a:p>
+          <a:p>
+            <a:pPr marL="742950" lvl="1" indent="-285750">
+              <a:lnSpc>
+                <a:spcPct val="80000"/>
+              </a:lnSpc>
+              <a:spcBef>
+                <a:spcPts val="600"/>
+              </a:spcBef>
+              <a:buFont typeface="Calibri" pitchFamily="34" charset="0"/>
+              <a:buChar char="–"/>
+              <a:defRPr/>
+            </a:pPr>
+            <a:r>
+              <a:rPr lang="en-US" sz="2000" dirty="0" smtClean="0">
+                <a:latin typeface="Calibri" pitchFamily="34" charset="0"/>
+                <a:cs typeface="Calibri" pitchFamily="34" charset="0"/>
+              </a:rPr>
+              <a:t>Open-source applications available</a:t>
+            </a:r>
+          </a:p>
+          <a:p>
+            <a:pPr marL="742950" lvl="1" indent="-285750">
+              <a:lnSpc>
+                <a:spcPct val="80000"/>
+              </a:lnSpc>
+              <a:spcBef>
+                <a:spcPts val="600"/>
+              </a:spcBef>
+              <a:buFont typeface="Calibri" pitchFamily="34" charset="0"/>
+              <a:buChar char="–"/>
+              <a:defRPr/>
+            </a:pPr>
+            <a:r>
+              <a:rPr lang="en-US" sz="2000" dirty="0" smtClean="0">
+                <a:latin typeface="Calibri" pitchFamily="34" charset="0"/>
+                <a:cs typeface="Calibri" pitchFamily="34" charset="0"/>
+              </a:rPr>
+              <a:t>Support for big </a:t>
+            </a:r>
+            <a:r>
+              <a:rPr lang="en-US" sz="2000" dirty="0">
+                <a:latin typeface="Calibri" pitchFamily="34" charset="0"/>
+                <a:cs typeface="Calibri" pitchFamily="34" charset="0"/>
+              </a:rPr>
+              <a:t>E</a:t>
+            </a:r>
+            <a:r>
+              <a:rPr lang="en-US" sz="2000" dirty="0" smtClean="0">
+                <a:latin typeface="Calibri" pitchFamily="34" charset="0"/>
+                <a:cs typeface="Calibri" pitchFamily="34" charset="0"/>
+              </a:rPr>
+              <a:t>ndian</a:t>
+            </a:r>
+            <a:endParaRPr lang="en-US" sz="2000" dirty="0" smtClean="0">
+              <a:latin typeface="Calibri" pitchFamily="34" charset="0"/>
+              <a:cs typeface="Calibri" pitchFamily="34" charset="0"/>
+            </a:endParaRPr>
+          </a:p>
+        </p:txBody>
+      </p:sp>
+      <p:sp>
+        <p:nvSpPr>
+          <p:cNvPr id="5" name="Slide Number Placeholder 4"/>
+          <p:cNvSpPr>
+            <a:spLocks noGrp="1"/>
+          </p:cNvSpPr>
+          <p:nvPr>
+            <p:ph type="sldNum" sz="quarter" idx="4294967295"/>
+          </p:nvPr>
+        </p:nvSpPr>
+        <p:spPr>
+          <a:xfrm>
+            <a:off x="6642100" y="6049963"/>
+            <a:ext cx="2133600" cy="206375"/>
+          </a:xfrm>
+          <a:prstGeom prst="rect">
+            <a:avLst/>
+          </a:prstGeom>
+        </p:spPr>
+        <p:txBody>
+          <a:bodyPr/>
+          <a:lstStyle/>
+          <a:p>
+            <a:fld id="{3144B24B-BAB1-431A-82C6-36E096187F50}" type="slidenum">
+              <a:rPr lang="en-US" smtClean="0"/>
+              <a:pPr/>
+              <a:t>21</a:t>
+            </a:fld>
+            <a:endParaRPr lang="en-US" dirty="0"/>
+          </a:p>
+        </p:txBody>
+      </p:sp>
+      <p:pic>
+        <p:nvPicPr>
+          <p:cNvPr id="6" name="Picture 5" descr="Functional Block Diagram AM5K2E04.bmp"/>
+          <p:cNvPicPr>
+            <a:picLocks noChangeAspect="1"/>
+          </p:cNvPicPr>
+          <p:nvPr/>
+        </p:nvPicPr>
+        <p:blipFill>
+          <a:blip r:embed="rId4" cstate="print"/>
+          <a:stretch>
+            <a:fillRect/>
+          </a:stretch>
+        </p:blipFill>
+        <p:spPr>
+          <a:xfrm>
+            <a:off x="0" y="859536"/>
+            <a:ext cx="5343155" cy="5443739"/>
+          </a:xfrm>
+          <a:prstGeom prst="rect">
+            <a:avLst/>
+          </a:prstGeom>
+        </p:spPr>
+      </p:pic>
+    </p:spTree>
+    <p:custDataLst>
+      <p:tags r:id="rId1"/>
+    </p:custDataLst>
+    <p:extLst>
+      <p:ext uri="{BB962C8B-B14F-4D97-AF65-F5344CB8AC3E}">
+        <p14:creationId xmlns:p14="http://schemas.microsoft.com/office/powerpoint/2010/main" val="3461455567"/>
+      </p:ext>
+    </p:extLst>
+  </p:cSld>
+  <p:clrMapOvr>
+    <a:masterClrMapping/>
+  </p:clrMapOvr>
+  <p:timing>
+    <p:tnLst>
+      <p:par>
+        <p:cTn id="1" dur="indefinite" restart="never" nodeType="tmRoot"/>
+      </p:par>
+    </p:tnLst>
+  </p:timing>
+</p:sld>
+</file>
+
+<file path=ppt/slides/slide22.xml><?xml version="1.0" encoding="utf-8"?>
+<p:sld xmlns:a="http://schemas.openxmlformats.org/drawingml/2006/main" xmlns:r="http://schemas.openxmlformats.org/officeDocument/2006/relationships" xmlns:p="http://schemas.openxmlformats.org/presentationml/2006/main">
+  <p:cSld>
+    <p:spTree>
+      <p:nvGrpSpPr>
+        <p:cNvPr id="1" name=""/>
+        <p:cNvGrpSpPr/>
+        <p:nvPr/>
+      </p:nvGrpSpPr>
+      <p:grpSpPr>
+        <a:xfrm>
+          <a:off x="0" y="0"/>
+          <a:ext cx="0" cy="0"/>
+          <a:chOff x="0" y="0"/>
+          <a:chExt cx="0" cy="0"/>
+        </a:xfrm>
+      </p:grpSpPr>
+      <p:sp>
+        <p:nvSpPr>
+          <p:cNvPr id="2" name="Title 1"/>
+          <p:cNvSpPr>
+            <a:spLocks noGrp="1"/>
+          </p:cNvSpPr>
+          <p:nvPr>
+            <p:ph type="title"/>
+          </p:nvPr>
+        </p:nvSpPr>
+        <p:spPr>
+          <a:xfrm>
+            <a:off x="621792" y="82296"/>
+            <a:ext cx="8229600" cy="868362"/>
+          </a:xfrm>
+        </p:spPr>
+        <p:txBody>
+          <a:bodyPr>
+            <a:normAutofit/>
+          </a:bodyPr>
+          <a:lstStyle/>
+          <a:p>
+            <a:r>
+              <a:rPr lang="en-US" dirty="0" smtClean="0"/>
+              <a:t>TI Embedded Processing Devices</a:t>
+            </a:r>
+            <a:endParaRPr lang="en-US" dirty="0"/>
+          </a:p>
+        </p:txBody>
+      </p:sp>
+      <p:sp>
+        <p:nvSpPr>
+          <p:cNvPr id="5" name="Rectangle 1"/>
+          <p:cNvSpPr>
+            <a:spLocks noChangeArrowheads="1"/>
+          </p:cNvSpPr>
+          <p:nvPr/>
+        </p:nvSpPr>
+        <p:spPr bwMode="auto">
+          <a:xfrm>
+            <a:off x="1531938" y="1778000"/>
+            <a:ext cx="9144000" cy="457200"/>
+          </a:xfrm>
+          <a:prstGeom prst="rect">
+            <a:avLst/>
+          </a:prstGeom>
+          <a:noFill/>
+          <a:ln>
+            <a:noFill/>
+          </a:ln>
+          <a:effectLst/>
+          <a:extLst>
+            <a:ext uri="{909E8E84-426E-40DD-AFC4-6F175D3DCCD1}">
+              <a14:hiddenFill xmlns:a14="http://schemas.microsoft.com/office/drawing/2010/main">
+                <a:solidFill>
+                  <a:schemeClr val="accent1"/>
+                </a:solidFill>
+              </a14:hiddenFill>
+            </a:ext>
+            <a:ext uri="{91240B29-F687-4F45-9708-019B960494DF}">
+              <a14:hiddenLine xmlns:a14="http://schemas.microsoft.com/office/drawing/2010/main" w="9525">
+                <a:solidFill>
+                  <a:schemeClr val="tx1"/>
+                </a:solidFill>
+                <a:miter lim="800000"/>
+                <a:headEnd/>
+                <a:tailEnd/>
+              </a14:hiddenLine>
+            </a:ext>
+            <a:ext uri="{AF507438-7753-43E0-B8FC-AC1667EBCBE1}">
+              <a14:hiddenEffects xmlns:a14="http://schemas.microsoft.com/office/drawing/2010/main">
+                <a:effectLst>
+                  <a:outerShdw dist="35921" dir="2700000" algn="ctr" rotWithShape="0">
+                    <a:schemeClr val="bg2"/>
+                  </a:outerShdw>
+                </a:effectLst>
+              </a14:hiddenEffects>
+            </a:ext>
+          </a:extLst>
+        </p:spPr>
+        <p:txBody>
+          <a:bodyPr vert="horz" wrap="none" lIns="91440" tIns="45720" rIns="91440" bIns="45720" numCol="1" anchor="ctr" anchorCtr="0" compatLnSpc="1">
+            <a:prstTxWarp prst="textNoShape">
+              <a:avLst/>
+            </a:prstTxWarp>
+            <a:spAutoFit/>
+          </a:bodyPr>
+          <a:lstStyle/>
+          <a:p>
+            <a:pPr marL="0" marR="0" lvl="0" indent="0" algn="l" defTabSz="914400" rtl="0" eaLnBrk="1" fontAlgn="base" latinLnBrk="0" hangingPunct="1">
+              <a:lnSpc>
+                <a:spcPct val="100000"/>
+              </a:lnSpc>
+              <a:spcBef>
+                <a:spcPct val="0"/>
+              </a:spcBef>
+              <a:spcAft>
+                <a:spcPct val="0"/>
+              </a:spcAft>
+              <a:buClrTx/>
+              <a:buSzTx/>
+              <a:buFontTx/>
+              <a:buNone/>
+              <a:tabLst/>
+            </a:pPr>
+            <a:endParaRPr kumimoji="0" lang="en-US" sz="1800" b="0" i="0" u="none" strike="noStrike" cap="none" normalizeH="0" baseline="0" dirty="0" smtClean="0">
+              <a:ln>
+                <a:noFill/>
+              </a:ln>
+              <a:solidFill>
+                <a:schemeClr val="tx1"/>
+              </a:solidFill>
+              <a:effectLst/>
+              <a:latin typeface="Arial" pitchFamily="34" charset="0"/>
+              <a:cs typeface="Arial" pitchFamily="34" charset="0"/>
+            </a:endParaRPr>
+          </a:p>
+        </p:txBody>
+      </p:sp>
+      <p:graphicFrame>
+        <p:nvGraphicFramePr>
+          <p:cNvPr id="4" name="Object 3"/>
+          <p:cNvGraphicFramePr>
+            <a:graphicFrameLocks noChangeAspect="1"/>
+          </p:cNvGraphicFramePr>
+          <p:nvPr>
+            <p:extLst>
+              <p:ext uri="{D42A27DB-BD31-4B8C-83A1-F6EECF244321}">
+                <p14:modId xmlns:p14="http://schemas.microsoft.com/office/powerpoint/2010/main" val="1983457263"/>
+              </p:ext>
+            </p:extLst>
+          </p:nvPr>
+        </p:nvGraphicFramePr>
+        <p:xfrm>
+          <a:off x="1143000" y="885825"/>
+          <a:ext cx="6591300" cy="5384800"/>
+        </p:xfrm>
+        <a:graphic>
+          <a:graphicData uri="http://schemas.openxmlformats.org/presentationml/2006/ole">
+            <mc:AlternateContent xmlns:mc="http://schemas.openxmlformats.org/markup-compatibility/2006">
+              <mc:Choice xmlns:v="urn:schemas-microsoft-com:vml" Requires="v">
+                <p:oleObj spid="_x0000_s87045" name="Visio" r:id="rId3" imgW="8321715" imgH="6803957" progId="Visio.Drawing.11">
+                  <p:embed/>
+                </p:oleObj>
+              </mc:Choice>
+              <mc:Fallback>
+                <p:oleObj name="Visio" r:id="rId3" imgW="8321715" imgH="6803957" progId="Visio.Drawing.11">
+                  <p:embed/>
+                  <p:pic>
+                    <p:nvPicPr>
+                      <p:cNvPr id="0" name="Picture 2"/>
+                      <p:cNvPicPr>
+                        <a:picLocks noChangeAspect="1" noChangeArrowheads="1"/>
+                      </p:cNvPicPr>
+                      <p:nvPr/>
+                    </p:nvPicPr>
+                    <p:blipFill>
+                      <a:blip r:embed="rId4">
+                        <a:extLst>
+                          <a:ext uri="{28A0092B-C50C-407E-A947-70E740481C1C}">
+                            <a14:useLocalDpi xmlns:a14="http://schemas.microsoft.com/office/drawing/2010/main" val="0"/>
+                          </a:ext>
+                        </a:extLst>
+                      </a:blip>
+                      <a:srcRect/>
+                      <a:stretch>
+                        <a:fillRect/>
+                      </a:stretch>
+                    </p:blipFill>
+                    <p:spPr bwMode="auto">
+                      <a:xfrm>
+                        <a:off x="1143000" y="885825"/>
+                        <a:ext cx="6591300" cy="5384800"/>
+                      </a:xfrm>
+                      <a:prstGeom prst="rect">
+                        <a:avLst/>
+                      </a:prstGeom>
+                      <a:noFill/>
+                      <a:extLst>
+                        <a:ext uri="{909E8E84-426E-40DD-AFC4-6F175D3DCCD1}">
+                          <a14:hiddenFill xmlns:a14="http://schemas.microsoft.com/office/drawing/2010/main">
+                            <a:solidFill>
+                              <a:srgbClr val="FFFFFF"/>
+                            </a:solidFill>
+                          </a14:hiddenFill>
+                        </a:ext>
+                      </a:extLst>
+                    </p:spPr>
+                  </p:pic>
+                </p:oleObj>
+              </mc:Fallback>
+            </mc:AlternateContent>
+          </a:graphicData>
+        </a:graphic>
+      </p:graphicFrame>
+    </p:spTree>
+    <p:extLst>
+      <p:ext uri="{BB962C8B-B14F-4D97-AF65-F5344CB8AC3E}">
+        <p14:creationId xmlns:p14="http://schemas.microsoft.com/office/powerpoint/2010/main" val="3802289127"/>
+      </p:ext>
+    </p:extLst>
+  </p:cSld>
+  <p:clrMapOvr>
+    <a:masterClrMapping/>
+  </p:clrMapOvr>
+</p:sld>
+</file>
+
+<file path=ppt/slides/slide23.xml><?xml version="1.0" encoding="utf-8"?>
+<p:sld xmlns:a="http://schemas.openxmlformats.org/drawingml/2006/main" xmlns:r="http://schemas.openxmlformats.org/officeDocument/2006/relationships" xmlns:p="http://schemas.openxmlformats.org/presentationml/2006/main">
+  <p:cSld>
+    <p:spTree>
+      <p:nvGrpSpPr>
+        <p:cNvPr id="1" name=""/>
+        <p:cNvGrpSpPr/>
+        <p:nvPr/>
+      </p:nvGrpSpPr>
+      <p:grpSpPr>
+        <a:xfrm>
+          <a:off x="0" y="0"/>
+          <a:ext cx="0" cy="0"/>
+          <a:chOff x="0" y="0"/>
+          <a:chExt cx="0" cy="0"/>
+        </a:xfrm>
+      </p:grpSpPr>
+      <p:sp>
+        <p:nvSpPr>
+          <p:cNvPr id="104450" name="Rectangle 3"/>
+          <p:cNvSpPr>
+            <a:spLocks noGrp="1" noChangeArrowheads="1"/>
+          </p:cNvSpPr>
+          <p:nvPr>
+            <p:ph type="title" idx="4294967295"/>
+          </p:nvPr>
+        </p:nvSpPr>
+        <p:spPr>
+          <a:xfrm>
+            <a:off x="437305" y="76200"/>
+            <a:ext cx="8229600" cy="762000"/>
+          </a:xfrm>
+        </p:spPr>
+        <p:txBody>
+          <a:bodyPr/>
+          <a:lstStyle/>
+          <a:p>
+            <a:pPr eaLnBrk="1" hangingPunct="1"/>
+            <a:r>
+              <a:rPr lang="en-US" sz="4000" dirty="0" smtClean="0"/>
+              <a:t>AM5K2E02 Key Features/Applications</a:t>
+            </a:r>
+          </a:p>
+        </p:txBody>
+      </p:sp>
+      <p:sp>
+        <p:nvSpPr>
+          <p:cNvPr id="859" name="Rectangle 5"/>
+          <p:cNvSpPr txBox="1">
+            <a:spLocks noChangeArrowheads="1"/>
+          </p:cNvSpPr>
+          <p:nvPr/>
+        </p:nvSpPr>
+        <p:spPr bwMode="auto">
+          <a:xfrm>
+            <a:off x="5364960" y="855925"/>
+            <a:ext cx="3721893" cy="3269848"/>
+          </a:xfrm>
+          <a:prstGeom prst="rect">
+            <a:avLst/>
+          </a:prstGeom>
+          <a:noFill/>
+          <a:ln w="9525">
+            <a:noFill/>
+            <a:miter lim="800000"/>
+            <a:headEnd/>
+            <a:tailEnd/>
+          </a:ln>
+        </p:spPr>
+        <p:txBody>
+          <a:bodyPr/>
+          <a:lstStyle/>
+          <a:p>
+            <a:pPr marL="285750" lvl="1" indent="-285750">
+              <a:lnSpc>
+                <a:spcPct val="80000"/>
+              </a:lnSpc>
+              <a:spcBef>
+                <a:spcPts val="600"/>
+              </a:spcBef>
+              <a:buFont typeface="Arial" panose="020B0604020202020204" pitchFamily="34" charset="0"/>
+              <a:buChar char="•"/>
+              <a:defRPr/>
+            </a:pPr>
+            <a:r>
+              <a:rPr lang="en-US" sz="2400" dirty="0" smtClean="0">
+                <a:latin typeface="Calibri" pitchFamily="34" charset="0"/>
+                <a:cs typeface="Calibri" pitchFamily="34" charset="0"/>
+              </a:rPr>
+              <a:t>Scaled-down version of AM5K2E04</a:t>
+            </a:r>
+          </a:p>
+          <a:p>
+            <a:pPr marL="285750" lvl="1" indent="-285750">
+              <a:lnSpc>
+                <a:spcPct val="80000"/>
+              </a:lnSpc>
+              <a:spcBef>
+                <a:spcPts val="600"/>
+              </a:spcBef>
+              <a:buFont typeface="Arial" panose="020B0604020202020204" pitchFamily="34" charset="0"/>
+              <a:buChar char="•"/>
+              <a:defRPr/>
+            </a:pPr>
+            <a:r>
+              <a:rPr lang="en-US" sz="2400" dirty="0" smtClean="0">
+                <a:latin typeface="Calibri" pitchFamily="34" charset="0"/>
+                <a:cs typeface="Calibri" pitchFamily="34" charset="0"/>
+              </a:rPr>
+              <a:t>Dual-ARM A15 CorePac</a:t>
+            </a:r>
+          </a:p>
+          <a:p>
+            <a:pPr marL="285750" lvl="1" indent="-285750">
+              <a:lnSpc>
+                <a:spcPct val="80000"/>
+              </a:lnSpc>
+              <a:spcBef>
+                <a:spcPts val="600"/>
+              </a:spcBef>
+              <a:buFont typeface="Arial" panose="020B0604020202020204" pitchFamily="34" charset="0"/>
+              <a:buChar char="•"/>
+              <a:defRPr/>
+            </a:pPr>
+            <a:r>
+              <a:rPr lang="en-US" sz="2400" dirty="0" smtClean="0">
+                <a:latin typeface="Calibri" pitchFamily="34" charset="0"/>
+                <a:cs typeface="Calibri" pitchFamily="34" charset="0"/>
+              </a:rPr>
+              <a:t>1x NETCP</a:t>
+            </a:r>
+          </a:p>
+          <a:p>
+            <a:pPr marL="285750" lvl="1" indent="-285750">
+              <a:lnSpc>
+                <a:spcPct val="80000"/>
+              </a:lnSpc>
+              <a:spcBef>
+                <a:spcPts val="600"/>
+              </a:spcBef>
+              <a:buFont typeface="Arial" panose="020B0604020202020204" pitchFamily="34" charset="0"/>
+              <a:buChar char="•"/>
+              <a:defRPr/>
+            </a:pPr>
+            <a:r>
+              <a:rPr lang="en-US" sz="2400" dirty="0" smtClean="0">
+                <a:latin typeface="Calibri" pitchFamily="34" charset="0"/>
+                <a:cs typeface="Calibri" pitchFamily="34" charset="0"/>
+              </a:rPr>
+              <a:t>10GBE not included</a:t>
+            </a:r>
+            <a:br>
+              <a:rPr lang="en-US" sz="2400" dirty="0" smtClean="0">
+                <a:latin typeface="Calibri" pitchFamily="34" charset="0"/>
+                <a:cs typeface="Calibri" pitchFamily="34" charset="0"/>
+              </a:rPr>
+            </a:br>
+            <a:r>
+              <a:rPr lang="en-US" sz="2400" dirty="0" smtClean="0">
+                <a:latin typeface="Calibri" pitchFamily="34" charset="0"/>
+                <a:cs typeface="Calibri" pitchFamily="34" charset="0"/>
+              </a:rPr>
+              <a:t/>
+            </a:r>
+            <a:br>
+              <a:rPr lang="en-US" sz="2400" dirty="0" smtClean="0">
+                <a:latin typeface="Calibri" pitchFamily="34" charset="0"/>
+                <a:cs typeface="Calibri" pitchFamily="34" charset="0"/>
+              </a:rPr>
+            </a:br>
+            <a:endParaRPr lang="en-US" sz="2400" dirty="0" smtClean="0">
+              <a:latin typeface="Calibri" pitchFamily="34" charset="0"/>
+              <a:cs typeface="Calibri" pitchFamily="34" charset="0"/>
+            </a:endParaRPr>
+          </a:p>
+          <a:p>
+            <a:pPr marL="285750" lvl="1" indent="-285750">
+              <a:lnSpc>
+                <a:spcPct val="80000"/>
+              </a:lnSpc>
+              <a:spcBef>
+                <a:spcPts val="600"/>
+              </a:spcBef>
+              <a:buFont typeface="Arial" panose="020B0604020202020204" pitchFamily="34" charset="0"/>
+              <a:buChar char="•"/>
+              <a:defRPr/>
+            </a:pPr>
+            <a:r>
+              <a:rPr lang="en-US" sz="2400" dirty="0" smtClean="0">
+                <a:latin typeface="Calibri" pitchFamily="34" charset="0"/>
+                <a:cs typeface="Calibri" pitchFamily="34" charset="0"/>
+              </a:rPr>
+              <a:t>Supports low-end applications of AM5K2E04</a:t>
+            </a:r>
+          </a:p>
+        </p:txBody>
+      </p:sp>
+      <p:pic>
+        <p:nvPicPr>
+          <p:cNvPr id="11" name="Picture 10" descr="Functional Block Diagram 66AK2E02.bmp"/>
+          <p:cNvPicPr>
+            <a:picLocks noChangeAspect="1"/>
+          </p:cNvPicPr>
+          <p:nvPr/>
+        </p:nvPicPr>
+        <p:blipFill>
+          <a:blip r:embed="rId4" cstate="print"/>
+          <a:stretch>
+            <a:fillRect/>
+          </a:stretch>
+        </p:blipFill>
+        <p:spPr>
+          <a:xfrm>
+            <a:off x="0" y="859536"/>
+            <a:ext cx="5343155" cy="5443739"/>
+          </a:xfrm>
+          <a:prstGeom prst="rect">
+            <a:avLst/>
+          </a:prstGeom>
+        </p:spPr>
+      </p:pic>
+      <p:sp>
+        <p:nvSpPr>
+          <p:cNvPr id="7" name="Rectangle 5"/>
+          <p:cNvSpPr txBox="1">
+            <a:spLocks noChangeArrowheads="1"/>
+          </p:cNvSpPr>
+          <p:nvPr/>
+        </p:nvSpPr>
+        <p:spPr bwMode="auto">
+          <a:xfrm>
+            <a:off x="5517359" y="3581405"/>
+            <a:ext cx="3474241" cy="2268275"/>
+          </a:xfrm>
+          <a:prstGeom prst="rect">
+            <a:avLst/>
+          </a:prstGeom>
+          <a:noFill/>
+          <a:ln w="9525">
+            <a:noFill/>
+            <a:miter lim="800000"/>
+            <a:headEnd/>
+            <a:tailEnd/>
+          </a:ln>
+        </p:spPr>
+        <p:txBody>
+          <a:bodyPr/>
+          <a:lstStyle/>
+          <a:p>
+            <a:pPr marL="285750" lvl="1" indent="-285750">
+              <a:lnSpc>
+                <a:spcPct val="80000"/>
+              </a:lnSpc>
+              <a:spcBef>
+                <a:spcPts val="600"/>
+              </a:spcBef>
+              <a:buFont typeface="Arial" panose="020B0604020202020204" pitchFamily="34" charset="0"/>
+              <a:buChar char="•"/>
+              <a:defRPr/>
+            </a:pPr>
+            <a:endParaRPr lang="en-US" sz="2400" dirty="0" smtClean="0">
+              <a:latin typeface="Calibri" pitchFamily="34" charset="0"/>
+              <a:cs typeface="Calibri" pitchFamily="34" charset="0"/>
+            </a:endParaRPr>
+          </a:p>
+        </p:txBody>
+      </p:sp>
+    </p:spTree>
+    <p:custDataLst>
+      <p:tags r:id="rId1"/>
+    </p:custDataLst>
+    <p:extLst>
+      <p:ext uri="{BB962C8B-B14F-4D97-AF65-F5344CB8AC3E}">
+        <p14:creationId xmlns:p14="http://schemas.microsoft.com/office/powerpoint/2010/main" val="2835436665"/>
+      </p:ext>
+    </p:extLst>
+  </p:cSld>
+  <p:clrMapOvr>
+    <a:masterClrMapping/>
+  </p:clrMapOvr>
+  <p:timing>
+    <p:tnLst>
+      <p:par>
+        <p:cTn id="1" dur="indefinite" restart="never" nodeType="tmRoot"/>
+      </p:par>
+    </p:tnLst>
+  </p:timing>
+</p:sld>
+</file>
+
+<file path=ppt/slides/slide24.xml><?xml version="1.0" encoding="utf-8"?>
+<p:sld xmlns:a="http://schemas.openxmlformats.org/drawingml/2006/main" xmlns:r="http://schemas.openxmlformats.org/officeDocument/2006/relationships" xmlns:p="http://schemas.openxmlformats.org/presentationml/2006/main">
+  <p:cSld>
+    <p:spTree>
+      <p:nvGrpSpPr>
+        <p:cNvPr id="1" name=""/>
+        <p:cNvGrpSpPr/>
+        <p:nvPr/>
+      </p:nvGrpSpPr>
+      <p:grpSpPr>
+        <a:xfrm>
+          <a:off x="0" y="0"/>
+          <a:ext cx="0" cy="0"/>
+          <a:chOff x="0" y="0"/>
+          <a:chExt cx="0" cy="0"/>
+        </a:xfrm>
+      </p:grpSpPr>
+      <p:sp>
+        <p:nvSpPr>
+          <p:cNvPr id="2" name="Title 1"/>
+          <p:cNvSpPr>
+            <a:spLocks noGrp="1"/>
+          </p:cNvSpPr>
+          <p:nvPr>
+            <p:ph type="title"/>
+          </p:nvPr>
+        </p:nvSpPr>
+        <p:spPr>
+          <a:xfrm>
+            <a:off x="457200" y="82296"/>
+            <a:ext cx="8229600" cy="868362"/>
+          </a:xfrm>
+        </p:spPr>
+        <p:txBody>
+          <a:bodyPr>
+            <a:normAutofit/>
+          </a:bodyPr>
+          <a:lstStyle/>
+          <a:p>
+            <a:r>
+              <a:rPr lang="en-US" dirty="0" smtClean="0"/>
+              <a:t>TI Embedded Processing Devices</a:t>
+            </a:r>
+            <a:endParaRPr lang="en-US" dirty="0"/>
+          </a:p>
+        </p:txBody>
+      </p:sp>
+      <p:sp>
+        <p:nvSpPr>
+          <p:cNvPr id="5" name="Rectangle 1"/>
+          <p:cNvSpPr>
+            <a:spLocks noChangeArrowheads="1"/>
+          </p:cNvSpPr>
+          <p:nvPr/>
+        </p:nvSpPr>
+        <p:spPr bwMode="auto">
+          <a:xfrm>
+            <a:off x="1531938" y="1778000"/>
+            <a:ext cx="9144000" cy="457200"/>
+          </a:xfrm>
+          <a:prstGeom prst="rect">
+            <a:avLst/>
+          </a:prstGeom>
+          <a:noFill/>
+          <a:ln>
+            <a:noFill/>
+          </a:ln>
+          <a:effectLst/>
+          <a:extLst>
+            <a:ext uri="{909E8E84-426E-40DD-AFC4-6F175D3DCCD1}">
+              <a14:hiddenFill xmlns:a14="http://schemas.microsoft.com/office/drawing/2010/main">
+                <a:solidFill>
+                  <a:schemeClr val="accent1"/>
+                </a:solidFill>
+              </a14:hiddenFill>
+            </a:ext>
+            <a:ext uri="{91240B29-F687-4F45-9708-019B960494DF}">
+              <a14:hiddenLine xmlns:a14="http://schemas.microsoft.com/office/drawing/2010/main" w="9525">
+                <a:solidFill>
+                  <a:schemeClr val="tx1"/>
+                </a:solidFill>
+                <a:miter lim="800000"/>
+                <a:headEnd/>
+                <a:tailEnd/>
+              </a14:hiddenLine>
+            </a:ext>
+            <a:ext uri="{AF507438-7753-43E0-B8FC-AC1667EBCBE1}">
+              <a14:hiddenEffects xmlns:a14="http://schemas.microsoft.com/office/drawing/2010/main">
+                <a:effectLst>
+                  <a:outerShdw dist="35921" dir="2700000" algn="ctr" rotWithShape="0">
+                    <a:schemeClr val="bg2"/>
+                  </a:outerShdw>
+                </a:effectLst>
+              </a14:hiddenEffects>
+            </a:ext>
+          </a:extLst>
+        </p:spPr>
+        <p:txBody>
+          <a:bodyPr vert="horz" wrap="none" lIns="91440" tIns="45720" rIns="91440" bIns="45720" numCol="1" anchor="ctr" anchorCtr="0" compatLnSpc="1">
+            <a:prstTxWarp prst="textNoShape">
+              <a:avLst/>
+            </a:prstTxWarp>
+            <a:spAutoFit/>
+          </a:bodyPr>
+          <a:lstStyle/>
+          <a:p>
+            <a:pPr marL="0" marR="0" lvl="0" indent="0" algn="l" defTabSz="914400" rtl="0" eaLnBrk="1" fontAlgn="base" latinLnBrk="0" hangingPunct="1">
+              <a:lnSpc>
+                <a:spcPct val="100000"/>
+              </a:lnSpc>
+              <a:spcBef>
+                <a:spcPct val="0"/>
+              </a:spcBef>
+              <a:spcAft>
+                <a:spcPct val="0"/>
+              </a:spcAft>
+              <a:buClrTx/>
+              <a:buSzTx/>
+              <a:buFontTx/>
+              <a:buNone/>
+              <a:tabLst/>
+            </a:pPr>
+            <a:endParaRPr kumimoji="0" lang="en-US" sz="1800" b="0" i="0" u="none" strike="noStrike" cap="none" normalizeH="0" baseline="0" dirty="0" smtClean="0">
+              <a:ln>
+                <a:noFill/>
+              </a:ln>
+              <a:solidFill>
+                <a:schemeClr val="tx1"/>
+              </a:solidFill>
+              <a:effectLst/>
+              <a:latin typeface="Arial" pitchFamily="34" charset="0"/>
+              <a:cs typeface="Arial" pitchFamily="34" charset="0"/>
+            </a:endParaRPr>
+          </a:p>
+        </p:txBody>
+      </p:sp>
+      <p:graphicFrame>
+        <p:nvGraphicFramePr>
+          <p:cNvPr id="6" name="Object 5"/>
+          <p:cNvGraphicFramePr>
+            <a:graphicFrameLocks noChangeAspect="1"/>
+          </p:cNvGraphicFramePr>
+          <p:nvPr>
+            <p:extLst>
+              <p:ext uri="{D42A27DB-BD31-4B8C-83A1-F6EECF244321}">
+                <p14:modId xmlns:p14="http://schemas.microsoft.com/office/powerpoint/2010/main" val="2083442245"/>
+              </p:ext>
+            </p:extLst>
+          </p:nvPr>
+        </p:nvGraphicFramePr>
+        <p:xfrm>
+          <a:off x="1143000" y="885825"/>
+          <a:ext cx="6591300" cy="5387975"/>
+        </p:xfrm>
+        <a:graphic>
+          <a:graphicData uri="http://schemas.openxmlformats.org/presentationml/2006/ole">
+            <mc:AlternateContent xmlns:mc="http://schemas.openxmlformats.org/markup-compatibility/2006">
+              <mc:Choice xmlns:v="urn:schemas-microsoft-com:vml" Requires="v">
+                <p:oleObj spid="_x0000_s88069" name="Visio" r:id="rId3" imgW="8321715" imgH="6803957" progId="Visio.Drawing.11">
+                  <p:embed/>
+                </p:oleObj>
+              </mc:Choice>
+              <mc:Fallback>
+                <p:oleObj name="Visio" r:id="rId3" imgW="8321715" imgH="6803957" progId="Visio.Drawing.11">
+                  <p:embed/>
+                  <p:pic>
+                    <p:nvPicPr>
+                      <p:cNvPr id="0" name="Picture 2"/>
+                      <p:cNvPicPr>
+                        <a:picLocks noChangeAspect="1" noChangeArrowheads="1"/>
+                      </p:cNvPicPr>
+                      <p:nvPr/>
+                    </p:nvPicPr>
+                    <p:blipFill>
+                      <a:blip r:embed="rId4">
+                        <a:extLst>
+                          <a:ext uri="{28A0092B-C50C-407E-A947-70E740481C1C}">
+                            <a14:useLocalDpi xmlns:a14="http://schemas.microsoft.com/office/drawing/2010/main" val="0"/>
+                          </a:ext>
+                        </a:extLst>
+                      </a:blip>
+                      <a:srcRect/>
+                      <a:stretch>
+                        <a:fillRect/>
+                      </a:stretch>
+                    </p:blipFill>
+                    <p:spPr bwMode="auto">
+                      <a:xfrm>
+                        <a:off x="1143000" y="885825"/>
+                        <a:ext cx="6591300" cy="5387975"/>
+                      </a:xfrm>
+                      <a:prstGeom prst="rect">
+                        <a:avLst/>
+                      </a:prstGeom>
+                      <a:noFill/>
+                      <a:extLst>
+                        <a:ext uri="{909E8E84-426E-40DD-AFC4-6F175D3DCCD1}">
+                          <a14:hiddenFill xmlns:a14="http://schemas.microsoft.com/office/drawing/2010/main">
+                            <a:solidFill>
+                              <a:srgbClr val="FFFFFF"/>
+                            </a:solidFill>
+                          </a14:hiddenFill>
+                        </a:ext>
+                      </a:extLst>
+                    </p:spPr>
+                  </p:pic>
+                </p:oleObj>
+              </mc:Fallback>
+            </mc:AlternateContent>
+          </a:graphicData>
+        </a:graphic>
+      </p:graphicFrame>
+    </p:spTree>
+    <p:extLst>
+      <p:ext uri="{BB962C8B-B14F-4D97-AF65-F5344CB8AC3E}">
+        <p14:creationId xmlns:p14="http://schemas.microsoft.com/office/powerpoint/2010/main" val="3874421043"/>
+      </p:ext>
+    </p:extLst>
+  </p:cSld>
+  <p:clrMapOvr>
+    <a:masterClrMapping/>
+  </p:clrMapOvr>
+</p:sld>
+</file>
+
+<file path=ppt/slides/slide25.xml><?xml version="1.0" encoding="utf-8"?>
+<p:sld xmlns:a="http://schemas.openxmlformats.org/drawingml/2006/main" xmlns:r="http://schemas.openxmlformats.org/officeDocument/2006/relationships" xmlns:p="http://schemas.openxmlformats.org/presentationml/2006/main">
+  <p:cSld>
+    <p:spTree>
+      <p:nvGrpSpPr>
+        <p:cNvPr id="1" name=""/>
+        <p:cNvGrpSpPr/>
+        <p:nvPr/>
+      </p:nvGrpSpPr>
+      <p:grpSpPr>
+        <a:xfrm>
+          <a:off x="0" y="0"/>
+          <a:ext cx="0" cy="0"/>
+          <a:chOff x="0" y="0"/>
+          <a:chExt cx="0" cy="0"/>
+        </a:xfrm>
+      </p:grpSpPr>
+      <p:sp>
+        <p:nvSpPr>
+          <p:cNvPr id="2" name="Title 1"/>
+          <p:cNvSpPr>
+            <a:spLocks noGrp="1"/>
+          </p:cNvSpPr>
+          <p:nvPr>
+            <p:ph type="ctrTitle"/>
+          </p:nvPr>
+        </p:nvSpPr>
+        <p:spPr/>
+        <p:txBody>
+          <a:bodyPr/>
+          <a:lstStyle/>
+          <a:p>
+            <a:pPr algn="l"/>
+            <a:r>
+              <a:rPr lang="en-US" dirty="0" smtClean="0"/>
+              <a:t>K2E Device Summary</a:t>
+            </a:r>
+            <a:endParaRPr lang="en-US" dirty="0"/>
+          </a:p>
+        </p:txBody>
+      </p:sp>
+      <p:sp>
+        <p:nvSpPr>
+          <p:cNvPr id="3" name="Subtitle 2"/>
+          <p:cNvSpPr>
+            <a:spLocks noGrp="1"/>
+          </p:cNvSpPr>
+          <p:nvPr>
+            <p:ph type="subTitle" idx="1"/>
+          </p:nvPr>
+        </p:nvSpPr>
+        <p:spPr/>
+        <p:txBody>
+          <a:bodyPr/>
+          <a:lstStyle/>
+          <a:p>
+            <a:endParaRPr lang="en-US" dirty="0"/>
+          </a:p>
+        </p:txBody>
+      </p:sp>
+      <p:sp>
+        <p:nvSpPr>
+          <p:cNvPr id="4" name="Slide Number Placeholder 3"/>
+          <p:cNvSpPr>
+            <a:spLocks noGrp="1"/>
+          </p:cNvSpPr>
+          <p:nvPr>
+            <p:ph type="sldNum" sz="quarter" idx="10"/>
+          </p:nvPr>
+        </p:nvSpPr>
+        <p:spPr/>
+        <p:txBody>
+          <a:bodyPr/>
+          <a:lstStyle/>
+          <a:p>
+            <a:fld id="{91A5AC0A-F4BD-4464-80DC-A88E0D9F781D}" type="slidenum">
+              <a:rPr lang="en-US" smtClean="0"/>
+              <a:pPr/>
+              <a:t>25</a:t>
+            </a:fld>
+            <a:endParaRPr lang="en-US" dirty="0"/>
+          </a:p>
+        </p:txBody>
+      </p:sp>
+    </p:spTree>
+  </p:cSld>
+  <p:clrMapOvr>
+    <a:masterClrMapping/>
+  </p:clrMapOvr>
+  <p:timing>
+    <p:tnLst>
+      <p:par>
+        <p:cTn id="1" dur="indefinite" restart="never" nodeType="tmRoot"/>
+      </p:par>
+    </p:tnLst>
+  </p:timing>
 </p:sld>
 </file>
 
@@ -12674,11 +12375,7 @@
           <a:p>
             <a:r>
               <a:rPr lang="en-US" sz="4000" dirty="0" smtClean="0"/>
-              <a:t>K2E Software </a:t>
-            </a:r>
-            <a:r>
-              <a:rPr lang="en-US" sz="4000" dirty="0" smtClean="0"/>
-              <a:t>Support</a:t>
+              <a:t>K2E Software Support</a:t>
             </a:r>
             <a:endParaRPr lang="en-US" sz="4000" dirty="0"/>
           </a:p>
@@ -12711,151 +12408,7 @@
             </a:pPr>
             <a:r>
               <a:rPr lang="en-US" sz="2400" dirty="0" smtClean="0"/>
-              <a:t>MCSDK _03_01_XX supports K2E and K2L </a:t>
-            </a:r>
-            <a:r>
-              <a:rPr lang="en-US" sz="2400" dirty="0" smtClean="0"/>
-              <a:t>(also, K2K </a:t>
-            </a:r>
-            <a:r>
-              <a:rPr lang="en-US" sz="2400" dirty="0" smtClean="0"/>
-              <a:t>and K2H</a:t>
-            </a:r>
-            <a:r>
-              <a:rPr lang="en-US" sz="2400" dirty="0" smtClean="0"/>
-              <a:t>):</a:t>
-            </a:r>
-            <a:endParaRPr lang="en-US" sz="2400" dirty="0" smtClean="0"/>
-          </a:p>
-          <a:p>
-            <a:pPr marL="285750" lvl="1" indent="-285750">
-              <a:lnSpc>
-                <a:spcPct val="90000"/>
-              </a:lnSpc>
-              <a:spcBef>
-                <a:spcPts val="600"/>
-              </a:spcBef>
-              <a:buFont typeface="Arial" panose="020B0604020202020204" pitchFamily="34" charset="0"/>
-              <a:buChar char="•"/>
-              <a:defRPr/>
-            </a:pPr>
-            <a:r>
-              <a:rPr lang="en-US" sz="2400" kern="1200" dirty="0" smtClean="0">
-                <a:ea typeface="+mn-ea"/>
-              </a:rPr>
-              <a:t>Contiguous memory </a:t>
-            </a:r>
-            <a:r>
-              <a:rPr lang="en-US" sz="2400" kern="1200" dirty="0" smtClean="0">
-                <a:ea typeface="+mn-ea"/>
-              </a:rPr>
-              <a:t>(</a:t>
-            </a:r>
-            <a:r>
-              <a:rPr lang="en-US" sz="2400" kern="1200" dirty="0" err="1" smtClean="0">
-                <a:ea typeface="+mn-ea"/>
-              </a:rPr>
-              <a:t>cmem</a:t>
-            </a:r>
-            <a:r>
-              <a:rPr lang="en-US" sz="2400" kern="1200" dirty="0" smtClean="0">
-                <a:ea typeface="+mn-ea"/>
-              </a:rPr>
-              <a:t>) allocation for </a:t>
-            </a:r>
-            <a:r>
-              <a:rPr lang="en-US" sz="2400" kern="1200" dirty="0" smtClean="0">
-                <a:ea typeface="+mn-ea"/>
-              </a:rPr>
-              <a:t>ARM User </a:t>
-            </a:r>
-            <a:r>
-              <a:rPr lang="en-US" sz="2400" kern="1200" dirty="0" smtClean="0">
-                <a:ea typeface="+mn-ea"/>
-              </a:rPr>
-              <a:t>Space enables </a:t>
-            </a:r>
-            <a:r>
-              <a:rPr lang="en-US" sz="2400" kern="1200" dirty="0" smtClean="0">
-                <a:ea typeface="+mn-ea"/>
-              </a:rPr>
-              <a:t>internal and external </a:t>
-            </a:r>
-            <a:r>
-              <a:rPr lang="en-US" sz="2400" kern="1200" dirty="0" smtClean="0">
-                <a:ea typeface="+mn-ea"/>
-              </a:rPr>
-              <a:t>DMA-based communication.</a:t>
-            </a:r>
-            <a:endParaRPr lang="en-US" sz="2400" kern="1200" dirty="0" smtClean="0">
-              <a:ea typeface="+mn-ea"/>
-            </a:endParaRPr>
-          </a:p>
-          <a:p>
-            <a:pPr marL="285750" lvl="1" indent="-285750">
-              <a:lnSpc>
-                <a:spcPct val="90000"/>
-              </a:lnSpc>
-              <a:spcBef>
-                <a:spcPts val="600"/>
-              </a:spcBef>
-              <a:buFont typeface="Arial" panose="020B0604020202020204" pitchFamily="34" charset="0"/>
-              <a:buChar char="•"/>
-              <a:defRPr/>
-            </a:pPr>
-            <a:r>
-              <a:rPr lang="en-US" sz="2400" kern="1200" dirty="0" smtClean="0">
-                <a:ea typeface="+mn-ea"/>
-              </a:rPr>
-              <a:t>User </a:t>
-            </a:r>
-            <a:r>
-              <a:rPr lang="en-US" sz="2400" kern="1200" dirty="0" smtClean="0">
-                <a:ea typeface="+mn-ea"/>
-              </a:rPr>
-              <a:t>Space </a:t>
-            </a:r>
-            <a:r>
-              <a:rPr lang="en-US" sz="2400" kern="1200" dirty="0" smtClean="0">
-                <a:ea typeface="+mn-ea"/>
-              </a:rPr>
-              <a:t>IO </a:t>
-            </a:r>
-            <a:r>
-              <a:rPr lang="en-US" sz="2400" kern="1200" dirty="0" smtClean="0">
-                <a:ea typeface="+mn-ea"/>
-              </a:rPr>
-              <a:t>(UIO) driver support </a:t>
-            </a:r>
-            <a:r>
-              <a:rPr lang="en-US" sz="2400" kern="1200" dirty="0" smtClean="0">
-                <a:ea typeface="+mn-ea"/>
-              </a:rPr>
-              <a:t>for </a:t>
-            </a:r>
-            <a:r>
-              <a:rPr lang="en-US" sz="2400" kern="1200" dirty="0" smtClean="0">
-                <a:ea typeface="+mn-ea"/>
-              </a:rPr>
-              <a:t>mmap</a:t>
-            </a:r>
-            <a:r>
-              <a:rPr lang="en-US" sz="2400" kern="1200" dirty="0" smtClean="0">
-                <a:ea typeface="+mn-ea"/>
-              </a:rPr>
-              <a:t> interface, interrupt </a:t>
-            </a:r>
-            <a:r>
-              <a:rPr lang="en-US" sz="2400" kern="1200" dirty="0" smtClean="0">
-                <a:ea typeface="+mn-ea"/>
-              </a:rPr>
-              <a:t>handling, </a:t>
-            </a:r>
-            <a:r>
-              <a:rPr lang="en-US" sz="2400" kern="1200" dirty="0" smtClean="0">
-                <a:ea typeface="+mn-ea"/>
-              </a:rPr>
-              <a:t>and chip power control</a:t>
+              <a:t>MCSDK _03_01_XX supports K2E and K2L (also, K2K and K2H):</a:t>
             </a:r>
           </a:p>
           <a:p>
@@ -12874,13 +12427,57 @@
               <a:rPr lang="en-US" sz="2400" kern="1200" dirty="0" smtClean="0">
                 <a:ea typeface="+mn-ea"/>
               </a:rPr>
-              <a:t>TSIP </a:t>
+              <a:t>Contiguous memory (</a:t>
+            </a:r>
+            <a:r>
+              <a:rPr lang="en-US" sz="2400" kern="1200" dirty="0" err="1" smtClean="0">
+                <a:ea typeface="+mn-ea"/>
+              </a:rPr>
+              <a:t>cmem</a:t>
             </a:r>
             <a:r>
               <a:rPr lang="en-US" sz="2400" kern="1200" dirty="0" smtClean="0">
                 <a:ea typeface="+mn-ea"/>
               </a:rPr>
-              <a:t>LLD: </a:t>
+              <a:t>) allocation for ARM User Space enables internal and external DMA-based communication.</a:t>
+            </a:r>
+          </a:p>
+          <a:p>
+            <a:pPr marL="285750" lvl="1" indent="-285750">
+              <a:lnSpc>
+                <a:spcPct val="90000"/>
+              </a:lnSpc>
+              <a:spcBef>
+                <a:spcPts val="600"/>
+              </a:spcBef>
+              <a:buFont typeface="Arial" panose="020B0604020202020204" pitchFamily="34" charset="0"/>
+              <a:buChar char="•"/>
+              <a:defRPr/>
+            </a:pPr>
+            <a:r>
+              <a:rPr lang="en-US" sz="2400" kern="1200" dirty="0" smtClean="0">
+                <a:ea typeface="+mn-ea"/>
+              </a:rPr>
+              <a:t>User Space IO (UIO) driver support for mmap interface, interrupt handling, and chip power control</a:t>
+            </a:r>
+          </a:p>
+          <a:p>
+            <a:pPr marL="285750" lvl="1" indent="-285750">
+              <a:lnSpc>
+                <a:spcPct val="90000"/>
+              </a:lnSpc>
+              <a:spcBef>
+                <a:spcPts val="600"/>
+              </a:spcBef>
+              <a:buFont typeface="Arial" panose="020B0604020202020204" pitchFamily="34" charset="0"/>
+              <a:buChar char="•"/>
+              <a:defRPr/>
+            </a:pPr>
+            <a:r>
+              <a:rPr lang="en-US" sz="2400" kern="1200" dirty="0" smtClean="0">
+                <a:ea typeface="+mn-ea"/>
+              </a:rPr>
+              <a:t>TSIP LLD: </a:t>
             </a:r>
             <a:br>
               <a:rPr lang="en-US" sz="2400" kern="1200" dirty="0" smtClean="0">
@@ -13041,7 +12638,7 @@
     </p:spTree>
     <p:extLst>
       <p:ext uri="{BB962C8B-B14F-4D97-AF65-F5344CB8AC3E}">
-        <p14:creationId xmlns="" xmlns:p14="http://schemas.microsoft.com/office/powerpoint/2010/main" val="2660321590"/>
+        <p14:creationId xmlns:p14="http://schemas.microsoft.com/office/powerpoint/2010/main" val="2660321590"/>
       </p:ext>
     </p:extLst>
   </p:cSld>
@@ -13199,17 +12796,8 @@
               <a:rPr lang="en-US" sz="2400" kern="1200" dirty="0" smtClean="0">
                 <a:ea typeface="+mn-ea"/>
               </a:rPr>
-              <a:t>Product </a:t>
+              <a:t>Product Folders:</a:t>
             </a:r>
-            <a:r>
-              <a:rPr lang="en-US" sz="2400" kern="1200" dirty="0" smtClean="0">
-                <a:ea typeface="+mn-ea"/>
-              </a:rPr>
-              <a:t>Folders:</a:t>
-            </a:r>
-            <a:endParaRPr lang="en-US" sz="2400" kern="1200" dirty="0" smtClean="0">
-              <a:ea typeface="+mn-ea"/>
-            </a:endParaRPr>
           </a:p>
           <a:p>
             <a:pPr marL="742950" lvl="1" indent="-285750">
@@ -13251,13 +12839,7 @@
               <a:rPr lang="en-US" sz="2000" kern="1200" dirty="0" smtClean="0">
                 <a:ea typeface="+mn-ea"/>
               </a:rPr>
-              <a:t>66AK2E02</a:t>
-            </a:r>
-            <a:r>
-              <a:rPr lang="en-US" sz="2000" kern="1200" dirty="0" smtClean="0">
-                <a:ea typeface="+mn-ea"/>
-              </a:rPr>
-              <a:t>: </a:t>
+              <a:t>66AK2E02: </a:t>
             </a:r>
             <a:r>
               <a:rPr lang="en-US" sz="2000" dirty="0" smtClean="0">
@@ -13287,13 +12869,7 @@
               <a:rPr lang="en-US" sz="2000" dirty="0" smtClean="0">
                 <a:hlinkClick r:id="rId7"/>
               </a:rPr>
-              <a:t>http://</a:t>
-            </a:r>
-            <a:r>
-              <a:rPr lang="en-US" sz="2000" dirty="0" smtClean="0">
-                <a:hlinkClick r:id="rId7"/>
-              </a:rPr>
-              <a:t>www.ti.com/product/am5k2e04</a:t>
+              <a:t>http://www.ti.com/product/am5k2e04</a:t>
             </a:r>
             <a:r>
               <a:rPr lang="en-US" sz="2000" dirty="0" smtClean="0"/>
@@ -13320,13 +12896,7 @@
               <a:rPr lang="en-US" sz="2000" dirty="0" smtClean="0">
                 <a:hlinkClick r:id="rId8"/>
               </a:rPr>
-              <a:t>http://</a:t>
-            </a:r>
-            <a:r>
-              <a:rPr lang="en-US" sz="2000" dirty="0" smtClean="0">
-                <a:hlinkClick r:id="rId8"/>
-              </a:rPr>
-              <a:t>www.ti.com/product/am5k2e02</a:t>
+              <a:t>http://www.ti.com/product/am5k2e02</a:t>
             </a:r>
             <a:endParaRPr lang="en-US" sz="2400" dirty="0" smtClean="0">
               <a:hlinkClick r:id="rId6"/>
@@ -13514,11 +13084,7 @@
           <a:p>
             <a:r>
               <a:rPr lang="en-US" sz="4000" dirty="0" smtClean="0"/>
-              <a:t>Keystone </a:t>
-            </a:r>
-            <a:r>
-              <a:rPr lang="en-US" sz="4000" dirty="0" smtClean="0"/>
-              <a:t>II: K2H/K2K Devices</a:t>
+              <a:t>Keystone II: K2H/K2K Devices</a:t>
             </a:r>
             <a:endParaRPr lang="en-US" sz="4000" dirty="0"/>
           </a:p>
@@ -13802,7 +13368,7 @@
     </p:spTree>
     <p:extLst>
       <p:ext uri="{BB962C8B-B14F-4D97-AF65-F5344CB8AC3E}">
-        <p14:creationId xmlns="" xmlns:p14="http://schemas.microsoft.com/office/powerpoint/2010/main" val="2205743471"/>
+        <p14:creationId xmlns:p14="http://schemas.microsoft.com/office/powerpoint/2010/main" val="2205743471"/>
       </p:ext>
     </p:extLst>
   </p:cSld>
@@ -33698,39 +33264,8 @@
                 <a:ea typeface="+mj-ea"/>
                 <a:cs typeface="Calibri" pitchFamily="34" charset="0"/>
               </a:rPr>
-              <a:t>Keystone </a:t>
+              <a:t>Keystone I: C667x Devices</a:t>
             </a:r>
-            <a:r>
-              <a:rPr kumimoji="0" lang="en-US" sz="4000" b="1" i="0" u="none" strike="noStrike" kern="0" cap="none" spc="0" normalizeH="0" baseline="0" noProof="0" dirty="0" smtClean="0">
-                <a:ln>
-                  <a:noFill/>
-                </a:ln>
-                <a:solidFill>
-                  <a:schemeClr val="tx2"/>
-                </a:solidFill>
-                <a:effectLst/>
-                <a:uLnTx/>
-                <a:uFillTx/>
-                <a:latin typeface="Calibri" pitchFamily="34" charset="0"/>
-                <a:ea typeface="+mj-ea"/>
-                <a:cs typeface="Calibri" pitchFamily="34" charset="0"/>
-              </a:rPr>
-              <a:t>I: C667x Devices</a:t>
-            </a:r>
-            <a:endParaRPr kumimoji="0" lang="en-US" sz="4000" b="1" i="0" u="none" strike="noStrike" kern="0" cap="none" spc="0" normalizeH="0" baseline="0" noProof="0" dirty="0" smtClean="0">
-              <a:ln>
-                <a:noFill/>
-              </a:ln>
-              <a:solidFill>
-                <a:schemeClr val="tx2"/>
-              </a:solidFill>
-              <a:effectLst/>
-              <a:uLnTx/>
-              <a:uFillTx/>
-              <a:latin typeface="Calibri" pitchFamily="34" charset="0"/>
-              <a:ea typeface="+mj-ea"/>
-              <a:cs typeface="Calibri" pitchFamily="34" charset="0"/>
-            </a:endParaRPr>
           </a:p>
         </p:txBody>
       </p:sp>
@@ -33918,16 +33453,7 @@
                 </a:solidFill>
                 <a:latin typeface="Calibri" pitchFamily="34" charset="0"/>
               </a:rPr>
-              <a:t>Keystone I: C665x </a:t>
-            </a:r>
-            <a:r>
-              <a:rPr lang="en-US" sz="4000" b="1" kern="0" dirty="0" smtClean="0">
-                <a:solidFill>
-                  <a:srgbClr val="DE0000"/>
-                </a:solidFill>
-                <a:latin typeface="Calibri" pitchFamily="34" charset="0"/>
-              </a:rPr>
-              <a:t>Devices (Gauss)</a:t>
+              <a:t>Keystone I: C665x Devices (Gauss)</a:t>
             </a:r>
             <a:endParaRPr lang="en-US" sz="4000" b="1" kern="0" dirty="0">
               <a:solidFill>
@@ -34038,34 +33564,7 @@
                   </a:solidFill>
                   <a:cs typeface="Arial" pitchFamily="34" charset="0"/>
                 </a:rPr>
-                <a:t>1 Cores </a:t>
-              </a:r>
-              <a:r>
-                <a:rPr lang="en-US" sz="1000" b="1" dirty="0" smtClean="0">
-                  <a:solidFill>
-                    <a:srgbClr val="000000"/>
-                  </a:solidFill>
-                  <a:cs typeface="Arial" pitchFamily="34" charset="0"/>
-                </a:rPr>
-                <a:t>@ </a:t>
-              </a:r>
-              <a:r>
-                <a:rPr lang="en-US" sz="1000" b="1" dirty="0" smtClean="0">
-                  <a:solidFill>
-                    <a:srgbClr val="000000"/>
-                  </a:solidFill>
-                  <a:cs typeface="Arial" pitchFamily="34" charset="0"/>
-                </a:rPr>
-                <a:t>850 </a:t>
-              </a:r>
-              <a:r>
-                <a:rPr lang="en-US" sz="1000" b="1" dirty="0" smtClean="0">
-                  <a:solidFill>
-                    <a:srgbClr val="000000"/>
-                  </a:solidFill>
-                  <a:cs typeface="Arial" pitchFamily="34" charset="0"/>
-                </a:rPr>
-                <a:t>MHz</a:t>
+                <a:t>1 Cores @ 850 MHz</a:t>
               </a:r>
               <a:endParaRPr lang="en-US" sz="1000" dirty="0" smtClean="0">
                 <a:solidFill>
@@ -48714,26 +48213,8 @@
                 <a:latin typeface="Calibri" pitchFamily="34" charset="0"/>
                 <a:cs typeface="Calibri" pitchFamily="34" charset="0"/>
               </a:rPr>
-              <a:t>No </a:t>
+              <a:t>No NETCP</a:t>
             </a:r>
-            <a:r>
-              <a:rPr lang="en-US" dirty="0" smtClean="0">
-                <a:latin typeface="Calibri" pitchFamily="34" charset="0"/>
-                <a:cs typeface="Calibri" pitchFamily="34" charset="0"/>
-              </a:rPr>
-              <a:t>NET</a:t>
-            </a:r>
-            <a:r>
-              <a:rPr lang="en-US" dirty="0" smtClean="0">
-                <a:latin typeface="Calibri" pitchFamily="34" charset="0"/>
-                <a:cs typeface="Calibri" pitchFamily="34" charset="0"/>
-              </a:rPr>
-              <a:t>CP</a:t>
-            </a:r>
-            <a:endParaRPr lang="en-US" dirty="0" smtClean="0">
-              <a:latin typeface="Calibri" pitchFamily="34" charset="0"/>
-              <a:cs typeface="Calibri" pitchFamily="34" charset="0"/>
-            </a:endParaRPr>
           </a:p>
           <a:p>
             <a:pPr marL="285750" indent="-285750">
@@ -48745,21 +48226,7 @@
                 <a:latin typeface="Calibri" pitchFamily="34" charset="0"/>
                 <a:cs typeface="Calibri" pitchFamily="34" charset="0"/>
               </a:rPr>
-              <a:t>No </a:t>
-            </a:r>
-            <a:r>
-              <a:rPr lang="en-US" dirty="0" smtClean="0">
-                <a:latin typeface="Calibri" pitchFamily="34" charset="0"/>
-                <a:cs typeface="Calibri" pitchFamily="34" charset="0"/>
-              </a:rPr>
-              <a:t>TSIP, </a:t>
-            </a:r>
-            <a:r>
-              <a:rPr lang="en-US" dirty="0" smtClean="0">
-                <a:latin typeface="Calibri" pitchFamily="34" charset="0"/>
-                <a:cs typeface="Calibri" pitchFamily="34" charset="0"/>
-              </a:rPr>
-              <a:t>but McBSP</a:t>
+              <a:t>No TSIP, but McBSP</a:t>
             </a:r>
           </a:p>
           <a:p>
@@ -48788,35 +48255,8 @@
                 <a:latin typeface="Calibri" pitchFamily="34" charset="0"/>
                 <a:cs typeface="Calibri" pitchFamily="34" charset="0"/>
               </a:rPr>
-              <a:t>Maintains </a:t>
+              <a:t>Maintains most advantages of KeyStone </a:t>
             </a:r>
-            <a:r>
-              <a:rPr lang="en-US" sz="2000" b="1" dirty="0" smtClean="0">
-                <a:solidFill>
-                  <a:srgbClr val="DE0000"/>
-                </a:solidFill>
-                <a:latin typeface="Calibri" pitchFamily="34" charset="0"/>
-                <a:cs typeface="Calibri" pitchFamily="34" charset="0"/>
-              </a:rPr>
-              <a:t>most </a:t>
-            </a:r>
-            <a:r>
-              <a:rPr lang="en-US" sz="2000" b="1" dirty="0" smtClean="0">
-                <a:solidFill>
-                  <a:srgbClr val="DE0000"/>
-                </a:solidFill>
-                <a:latin typeface="Calibri" pitchFamily="34" charset="0"/>
-                <a:cs typeface="Calibri" pitchFamily="34" charset="0"/>
-              </a:rPr>
-              <a:t>advantages of KeyStone </a:t>
-            </a:r>
-            <a:endParaRPr lang="en-US" sz="2000" b="1" dirty="0" smtClean="0">
-              <a:solidFill>
-                <a:srgbClr val="DE0000"/>
-              </a:solidFill>
-              <a:latin typeface="Calibri" pitchFamily="34" charset="0"/>
-              <a:cs typeface="Calibri" pitchFamily="34" charset="0"/>
-            </a:endParaRPr>
           </a:p>
           <a:p>
             <a:pPr marL="285750" indent="-285750">
@@ -48892,10 +48332,6 @@
               </a:rPr>
               <a:t>Typical applications:</a:t>
             </a:r>
-            <a:endParaRPr lang="en-US" dirty="0" smtClean="0">
-              <a:latin typeface="Calibri" pitchFamily="34" charset="0"/>
-              <a:cs typeface="Calibri" pitchFamily="34" charset="0"/>
-            </a:endParaRPr>
           </a:p>
           <a:p>
             <a:pPr marL="285750" indent="-285750">
@@ -48907,14 +48343,7 @@
                 <a:latin typeface="Calibri" pitchFamily="34" charset="0"/>
                 <a:cs typeface="Calibri" pitchFamily="34" charset="0"/>
               </a:rPr>
-              <a:t>Sealed </a:t>
-            </a:r>
-            <a:r>
-              <a:rPr lang="en-US" dirty="0" smtClean="0">
-                <a:latin typeface="Calibri" pitchFamily="34" charset="0"/>
-                <a:cs typeface="Calibri" pitchFamily="34" charset="0"/>
-              </a:rPr>
-              <a:t>box, power limitations</a:t>
+              <a:t>Sealed box, power limitations</a:t>
             </a:r>
           </a:p>
           <a:p>
@@ -48929,10 +48358,6 @@
               </a:rPr>
               <a:t>Performance requirements that can be achieved with 1-2 DSP cores </a:t>
             </a:r>
-            <a:endParaRPr lang="en-US" dirty="0" smtClean="0">
-              <a:latin typeface="Calibri" pitchFamily="34" charset="0"/>
-              <a:cs typeface="Calibri" pitchFamily="34" charset="0"/>
-            </a:endParaRPr>
           </a:p>
           <a:p>
             <a:pPr marL="285750" indent="-285750">
@@ -48944,26 +48369,8 @@
                 <a:latin typeface="Calibri" pitchFamily="34" charset="0"/>
                 <a:cs typeface="Calibri" pitchFamily="34" charset="0"/>
               </a:rPr>
-              <a:t>No requirement for accelerators </a:t>
+              <a:t>No requirement for accelerators or TSIP</a:t>
             </a:r>
-            <a:r>
-              <a:rPr lang="en-US" dirty="0" smtClean="0">
-                <a:latin typeface="Calibri" pitchFamily="34" charset="0"/>
-                <a:cs typeface="Calibri" pitchFamily="34" charset="0"/>
-              </a:rPr>
-              <a:t>or </a:t>
-            </a:r>
-            <a:r>
-              <a:rPr lang="en-US" dirty="0" smtClean="0">
-                <a:latin typeface="Calibri" pitchFamily="34" charset="0"/>
-                <a:cs typeface="Calibri" pitchFamily="34" charset="0"/>
-              </a:rPr>
-              <a:t>TSIP</a:t>
-            </a:r>
-            <a:endParaRPr lang="en-US" dirty="0" smtClean="0">
-              <a:latin typeface="Calibri" pitchFamily="34" charset="0"/>
-              <a:cs typeface="Calibri" pitchFamily="34" charset="0"/>
-            </a:endParaRPr>
           </a:p>
           <a:p>
             <a:pPr marL="285750" indent="-285750">
@@ -48977,10 +48384,6 @@
               </a:rPr>
               <a:t>Smaller DDR requirements</a:t>
             </a:r>
-            <a:endParaRPr lang="en-US" dirty="0" smtClean="0">
-              <a:latin typeface="Calibri" pitchFamily="34" charset="0"/>
-              <a:cs typeface="Calibri" pitchFamily="34" charset="0"/>
-            </a:endParaRPr>
           </a:p>
           <a:p>
             <a:pPr marL="285750" indent="-285750">
@@ -49079,7 +48482,7 @@
           <p:nvPr>
             <p:extLst>
               <p:ext uri="{D42A27DB-BD31-4B8C-83A1-F6EECF244321}">
-                <p14:modId xmlns="" xmlns:p14="http://schemas.microsoft.com/office/powerpoint/2010/main" val="4119681246"/>
+                <p14:modId xmlns:p14="http://schemas.microsoft.com/office/powerpoint/2010/main" val="4119681246"/>
               </p:ext>
             </p:extLst>
           </p:nvPr>
@@ -49090,9 +48493,59 @@
         </p:xfrm>
         <a:graphic>
           <a:graphicData uri="http://schemas.openxmlformats.org/presentationml/2006/ole">
-            <p:oleObj spid="_x0000_s82946" name="Visio" r:id="rId3" imgW="8321715" imgH="6803957" progId="Visio.Drawing.11">
-              <p:embed/>
-            </p:oleObj>
+            <mc:AlternateContent xmlns:mc="http://schemas.openxmlformats.org/markup-compatibility/2006">
+              <mc:Choice xmlns:v="urn:schemas-microsoft-com:vml" Requires="v">
+                <p:oleObj spid="_x0000_s82949" name="Visio" r:id="rId3" imgW="8321715" imgH="6803957" progId="Visio.Drawing.11">
+                  <p:embed/>
+                </p:oleObj>
+              </mc:Choice>
+              <mc:Fallback>
+                <p:oleObj name="Visio" r:id="rId3" imgW="8321715" imgH="6803957" progId="Visio.Drawing.11">
+                  <p:embed/>
+                  <p:pic>
+                    <p:nvPicPr>
+                      <p:cNvPr id="0" name="Picture 2"/>
+                      <p:cNvPicPr>
+                        <a:picLocks noChangeAspect="1" noChangeArrowheads="1"/>
+                      </p:cNvPicPr>
+                      <p:nvPr/>
+                    </p:nvPicPr>
+                    <p:blipFill>
+                      <a:blip r:embed="rId4">
+                        <a:extLst>
+                          <a:ext uri="{28A0092B-C50C-407E-A947-70E740481C1C}">
+                            <a14:useLocalDpi xmlns:a14="http://schemas.microsoft.com/office/drawing/2010/main" val="0"/>
+                          </a:ext>
+                        </a:extLst>
+                      </a:blip>
+                      <a:srcRect/>
+                      <a:stretch>
+                        <a:fillRect/>
+                      </a:stretch>
+                    </p:blipFill>
+                    <p:spPr bwMode="auto">
+                      <a:xfrm>
+                        <a:off x="1141413" y="885825"/>
+                        <a:ext cx="6591300" cy="5391150"/>
+                      </a:xfrm>
+                      <a:prstGeom prst="rect">
+                        <a:avLst/>
+                      </a:prstGeom>
+                      <a:noFill/>
+                      <a:extLst>
+                        <a:ext uri="{909E8E84-426E-40DD-AFC4-6F175D3DCCD1}">
+                          <a14:hiddenFill xmlns:a14="http://schemas.microsoft.com/office/drawing/2010/main">
+                            <a:solidFill>
+                              <a:srgbClr val="FFFFFF"/>
+                            </a:solidFill>
+                          </a14:hiddenFill>
+                        </a:ext>
+                      </a:extLst>
+                    </p:spPr>
+                  </p:pic>
+                </p:oleObj>
+              </mc:Fallback>
+            </mc:AlternateContent>
           </a:graphicData>
         </a:graphic>
       </p:graphicFrame>
@@ -49202,7 +48655,7 @@
     </p:spTree>
     <p:extLst>
       <p:ext uri="{BB962C8B-B14F-4D97-AF65-F5344CB8AC3E}">
-        <p14:creationId xmlns="" xmlns:p14="http://schemas.microsoft.com/office/powerpoint/2010/main" val="2385042335"/>
+        <p14:creationId xmlns:p14="http://schemas.microsoft.com/office/powerpoint/2010/main" val="2385042335"/>
       </p:ext>
     </p:extLst>
   </p:cSld>
@@ -49282,14 +48735,14 @@
           <a:effectLst/>
           <a:extLst>
             <a:ext uri="{909E8E84-426E-40DD-AFC4-6F175D3DCCD1}">
-              <a14:hiddenFill xmlns="" xmlns:a14="http://schemas.microsoft.com/office/drawing/2010/main">
+              <a14:hiddenFill xmlns:a14="http://schemas.microsoft.com/office/drawing/2010/main">
                 <a:solidFill>
                   <a:schemeClr val="accent1"/>
                 </a:solidFill>
               </a14:hiddenFill>
             </a:ext>
             <a:ext uri="{91240B29-F687-4F45-9708-019B960494DF}">
-              <a14:hiddenLine xmlns="" xmlns:a14="http://schemas.microsoft.com/office/drawing/2010/main" w="9525">
+              <a14:hiddenLine xmlns:a14="http://schemas.microsoft.com/office/drawing/2010/main" w="9525">
                 <a:solidFill>
                   <a:schemeClr val="tx1"/>
                 </a:solidFill>
@@ -49299,7 +48752,7 @@
               </a14:hiddenLine>
             </a:ext>
             <a:ext uri="{AF507438-7753-43E0-B8FC-AC1667EBCBE1}">
-              <a14:hiddenEffects xmlns="" xmlns:a14="http://schemas.microsoft.com/office/drawing/2010/main">
+              <a14:hiddenEffects xmlns:a14="http://schemas.microsoft.com/office/drawing/2010/main">
                 <a:effectLst>
                   <a:outerShdw dist="35921" dir="2700000" algn="ctr" rotWithShape="0">
                     <a:schemeClr val="bg2"/>
@@ -49357,7 +48810,7 @@
           <p:nvPr>
             <p:extLst>
               <p:ext uri="{D42A27DB-BD31-4B8C-83A1-F6EECF244321}">
-                <p14:modId xmlns="" xmlns:p14="http://schemas.microsoft.com/office/powerpoint/2010/main" val="717525081"/>
+                <p14:modId xmlns:p14="http://schemas.microsoft.com/office/powerpoint/2010/main" val="717525081"/>
               </p:ext>
             </p:extLst>
           </p:nvPr>
@@ -49368,9 +48821,59 @@
         </p:xfrm>
         <a:graphic>
           <a:graphicData uri="http://schemas.openxmlformats.org/presentationml/2006/ole">
-            <p:oleObj spid="_x0000_s83970" name="Visio" r:id="rId3" imgW="8321715" imgH="6803957" progId="Visio.Drawing.11">
-              <p:embed/>
-            </p:oleObj>
+            <mc:AlternateContent xmlns:mc="http://schemas.openxmlformats.org/markup-compatibility/2006">
+              <mc:Choice xmlns:v="urn:schemas-microsoft-com:vml" Requires="v">
+                <p:oleObj spid="_x0000_s83973" name="Visio" r:id="rId3" imgW="8321715" imgH="6803957" progId="Visio.Drawing.11">
+                  <p:embed/>
+                </p:oleObj>
+              </mc:Choice>
+              <mc:Fallback>
+                <p:oleObj name="Visio" r:id="rId3" imgW="8321715" imgH="6803957" progId="Visio.Drawing.11">
+                  <p:embed/>
+                  <p:pic>
+                    <p:nvPicPr>
+                      <p:cNvPr id="0" name="Picture 2"/>
+                      <p:cNvPicPr>
+                        <a:picLocks noChangeAspect="1" noChangeArrowheads="1"/>
+                      </p:cNvPicPr>
+                      <p:nvPr/>
+                    </p:nvPicPr>
+                    <p:blipFill>
+                      <a:blip r:embed="rId4">
+                        <a:extLst>
+                          <a:ext uri="{28A0092B-C50C-407E-A947-70E740481C1C}">
+                            <a14:useLocalDpi xmlns:a14="http://schemas.microsoft.com/office/drawing/2010/main" val="0"/>
+                          </a:ext>
+                        </a:extLst>
+                      </a:blip>
+                      <a:srcRect/>
+                      <a:stretch>
+                        <a:fillRect/>
+                      </a:stretch>
+                    </p:blipFill>
+                    <p:spPr bwMode="auto">
+                      <a:xfrm>
+                        <a:off x="1143000" y="890025"/>
+                        <a:ext cx="6599238" cy="5395714"/>
+                      </a:xfrm>
+                      <a:prstGeom prst="rect">
+                        <a:avLst/>
+                      </a:prstGeom>
+                      <a:noFill/>
+                      <a:extLst>
+                        <a:ext uri="{909E8E84-426E-40DD-AFC4-6F175D3DCCD1}">
+                          <a14:hiddenFill xmlns:a14="http://schemas.microsoft.com/office/drawing/2010/main">
+                            <a:solidFill>
+                              <a:srgbClr val="FFFFFF"/>
+                            </a:solidFill>
+                          </a14:hiddenFill>
+                        </a:ext>
+                      </a:extLst>
+                    </p:spPr>
+                  </p:pic>
+                </p:oleObj>
+              </mc:Fallback>
+            </mc:AlternateContent>
           </a:graphicData>
         </a:graphic>
       </p:graphicFrame>
@@ -49406,7 +48909,7 @@
     </p:spTree>
     <p:extLst>
       <p:ext uri="{BB962C8B-B14F-4D97-AF65-F5344CB8AC3E}">
-        <p14:creationId xmlns="" xmlns:p14="http://schemas.microsoft.com/office/powerpoint/2010/main" val="799163121"/>
+        <p14:creationId xmlns:p14="http://schemas.microsoft.com/office/powerpoint/2010/main" val="799163121"/>
       </p:ext>
     </p:extLst>
   </p:cSld>

--- a/slides/KeyStone_Edison.pptx
+++ b/slides/KeyStone_Edison.pptx
@@ -20,8 +20,8 @@
     <p:sldId id="352" r:id="rId8"/>
     <p:sldId id="353" r:id="rId9"/>
     <p:sldId id="374" r:id="rId10"/>
-    <p:sldId id="381" r:id="rId11"/>
-    <p:sldId id="382" r:id="rId12"/>
+    <p:sldId id="382" r:id="rId11"/>
+    <p:sldId id="381" r:id="rId12"/>
     <p:sldId id="383" r:id="rId13"/>
     <p:sldId id="355" r:id="rId14"/>
     <p:sldId id="356" r:id="rId15"/>
@@ -377,7 +377,7 @@
     </p:spTree>
     <p:extLst>
       <p:ext uri="{BB962C8B-B14F-4D97-AF65-F5344CB8AC3E}">
-        <p14:creationId xmlns:p14="http://schemas.microsoft.com/office/powerpoint/2010/main" val="4170102886"/>
+        <p14:creationId xmlns:p14="http://schemas.microsoft.com/office/powerpoint/2010/main" xmlns="" val="4170102886"/>
       </p:ext>
     </p:extLst>
   </p:cSld>
@@ -690,7 +690,7 @@
     </p:spTree>
     <p:extLst>
       <p:ext uri="{BB962C8B-B14F-4D97-AF65-F5344CB8AC3E}">
-        <p14:creationId xmlns:p14="http://schemas.microsoft.com/office/powerpoint/2010/main" val="419590164"/>
+        <p14:creationId xmlns:p14="http://schemas.microsoft.com/office/powerpoint/2010/main" xmlns="" val="419590164"/>
       </p:ext>
     </p:extLst>
   </p:cSld>
@@ -5992,7 +5992,11 @@
           <a:p>
             <a:r>
               <a:rPr lang="en-US" dirty="0" smtClean="0"/>
-              <a:t>Ran Katzur</a:t>
+              <a:t>Ran </a:t>
+            </a:r>
+            <a:r>
+              <a:rPr lang="en-US" dirty="0" smtClean="0"/>
+              <a:t>Katzur, Senior Applications Engineer, Training Lead</a:t>
             </a:r>
             <a:endParaRPr lang="en-US" dirty="0"/>
           </a:p>
@@ -6058,6 +6062,371 @@
       </p:grpSpPr>
       <p:sp>
         <p:nvSpPr>
+          <p:cNvPr id="4" name="Title 3"/>
+          <p:cNvSpPr>
+            <a:spLocks noGrp="1"/>
+          </p:cNvSpPr>
+          <p:nvPr>
+            <p:ph type="title"/>
+          </p:nvPr>
+        </p:nvSpPr>
+        <p:spPr>
+          <a:xfrm>
+            <a:off x="457200" y="274638"/>
+            <a:ext cx="8229600" cy="715962"/>
+          </a:xfrm>
+        </p:spPr>
+        <p:txBody>
+          <a:bodyPr>
+            <a:normAutofit/>
+          </a:bodyPr>
+          <a:lstStyle/>
+          <a:p>
+            <a:r>
+              <a:rPr lang="en-US" sz="4000" dirty="0" smtClean="0"/>
+              <a:t>K2E Features Summary</a:t>
+            </a:r>
+            <a:endParaRPr lang="en-US" sz="4000" dirty="0"/>
+          </a:p>
+        </p:txBody>
+      </p:sp>
+      <p:sp>
+        <p:nvSpPr>
+          <p:cNvPr id="5" name="Content Placeholder 4"/>
+          <p:cNvSpPr>
+            <a:spLocks noGrp="1"/>
+          </p:cNvSpPr>
+          <p:nvPr>
+            <p:ph idx="1"/>
+          </p:nvPr>
+        </p:nvSpPr>
+        <p:spPr>
+          <a:xfrm>
+            <a:off x="457200" y="990600"/>
+            <a:ext cx="8229600" cy="5638800"/>
+          </a:xfrm>
+        </p:spPr>
+        <p:txBody>
+          <a:bodyPr>
+            <a:normAutofit/>
+          </a:bodyPr>
+          <a:lstStyle/>
+          <a:p>
+            <a:pPr marL="285750" lvl="1" indent="-285750">
+              <a:lnSpc>
+                <a:spcPct val="90000"/>
+              </a:lnSpc>
+              <a:spcBef>
+                <a:spcPts val="600"/>
+              </a:spcBef>
+              <a:buFont typeface="Arial" panose="020B0604020202020204" pitchFamily="34" charset="0"/>
+              <a:buChar char="•"/>
+              <a:defRPr/>
+            </a:pPr>
+            <a:r>
+              <a:rPr lang="en-US" sz="2400" kern="1200" dirty="0" smtClean="0">
+                <a:ea typeface="+mn-ea"/>
+              </a:rPr>
+              <a:t>Powerful Quad-ARM </a:t>
+            </a:r>
+            <a:r>
+              <a:rPr lang="en-US" sz="2400" kern="1200" dirty="0" smtClean="0">
+                <a:ea typeface="+mn-ea"/>
+              </a:rPr>
+              <a:t>A15 </a:t>
+            </a:r>
+            <a:r>
+              <a:rPr lang="en-US" sz="2400" kern="1200" dirty="0" err="1" smtClean="0">
+                <a:ea typeface="+mn-ea"/>
+              </a:rPr>
+              <a:t>CorePac</a:t>
+            </a:r>
+            <a:r>
+              <a:rPr lang="en-US" sz="2400" kern="1200" dirty="0" smtClean="0">
+                <a:ea typeface="+mn-ea"/>
+              </a:rPr>
+              <a:t> </a:t>
+            </a:r>
+            <a:r>
+              <a:rPr lang="en-US" sz="2400" kern="1200" dirty="0" smtClean="0">
+                <a:ea typeface="+mn-ea"/>
+              </a:rPr>
+              <a:t>with </a:t>
+            </a:r>
+            <a:r>
+              <a:rPr lang="en-US" sz="2400" kern="1200" dirty="0" smtClean="0">
+                <a:ea typeface="+mn-ea"/>
+              </a:rPr>
+              <a:t>0-1 DSP </a:t>
+            </a:r>
+            <a:r>
+              <a:rPr lang="en-US" sz="2400" kern="1200" dirty="0" smtClean="0">
+                <a:ea typeface="+mn-ea"/>
+              </a:rPr>
+              <a:t>CorePac support, as needed</a:t>
+            </a:r>
+          </a:p>
+          <a:p>
+            <a:pPr marL="285750" lvl="1" indent="-285750">
+              <a:lnSpc>
+                <a:spcPct val="90000"/>
+              </a:lnSpc>
+              <a:spcBef>
+                <a:spcPts val="600"/>
+              </a:spcBef>
+              <a:buFont typeface="Arial" panose="020B0604020202020204" pitchFamily="34" charset="0"/>
+              <a:buChar char="•"/>
+              <a:defRPr/>
+            </a:pPr>
+            <a:r>
+              <a:rPr lang="en-US" sz="2400" kern="1200" dirty="0" smtClean="0">
+                <a:ea typeface="+mn-ea"/>
+              </a:rPr>
+              <a:t>Robust Ethernet options:</a:t>
+            </a:r>
+          </a:p>
+          <a:p>
+            <a:pPr marL="742950" lvl="1" indent="-285750">
+              <a:lnSpc>
+                <a:spcPct val="90000"/>
+              </a:lnSpc>
+              <a:spcBef>
+                <a:spcPts val="600"/>
+              </a:spcBef>
+              <a:buFont typeface="Calibri" pitchFamily="34" charset="0"/>
+              <a:buChar char="–"/>
+              <a:defRPr/>
+            </a:pPr>
+            <a:r>
+              <a:rPr lang="en-US" sz="2000" kern="1200" dirty="0" smtClean="0">
+                <a:ea typeface="+mn-ea"/>
+              </a:rPr>
+              <a:t>Up to 2 ports 10G and 8 ports 1G</a:t>
+            </a:r>
+          </a:p>
+          <a:p>
+            <a:pPr marL="742950" lvl="1" indent="-285750">
+              <a:lnSpc>
+                <a:spcPct val="90000"/>
+              </a:lnSpc>
+              <a:spcBef>
+                <a:spcPts val="600"/>
+              </a:spcBef>
+              <a:buFont typeface="Calibri" pitchFamily="34" charset="0"/>
+              <a:buChar char="–"/>
+              <a:defRPr/>
+            </a:pPr>
+            <a:r>
+              <a:rPr lang="en-US" sz="2000" kern="1200" dirty="0" smtClean="0">
+                <a:ea typeface="+mn-ea"/>
+              </a:rPr>
+              <a:t>Multiple MDIOs support multiple physical Ethernet interfaces</a:t>
+            </a:r>
+          </a:p>
+          <a:p>
+            <a:pPr marL="285750" lvl="1" indent="-285750">
+              <a:lnSpc>
+                <a:spcPct val="90000"/>
+              </a:lnSpc>
+              <a:spcBef>
+                <a:spcPts val="600"/>
+              </a:spcBef>
+              <a:buFont typeface="Arial" panose="020B0604020202020204" pitchFamily="34" charset="0"/>
+              <a:buChar char="•"/>
+              <a:defRPr/>
+            </a:pPr>
+            <a:r>
+              <a:rPr lang="en-US" sz="2400" kern="1200" dirty="0" smtClean="0">
+                <a:ea typeface="+mn-ea"/>
+              </a:rPr>
+              <a:t>Optimized external data movement:</a:t>
+            </a:r>
+          </a:p>
+          <a:p>
+            <a:pPr marL="742950" lvl="1" indent="-285750">
+              <a:lnSpc>
+                <a:spcPct val="90000"/>
+              </a:lnSpc>
+              <a:spcBef>
+                <a:spcPts val="600"/>
+              </a:spcBef>
+              <a:buFont typeface="Calibri" pitchFamily="34" charset="0"/>
+              <a:buChar char="–"/>
+              <a:defRPr/>
+            </a:pPr>
+            <a:r>
+              <a:rPr lang="en-US" sz="2000" kern="1200" dirty="0" smtClean="0">
+                <a:ea typeface="+mn-ea"/>
+              </a:rPr>
+              <a:t>Standard high-bit rate interfaces: Ethernet and </a:t>
+            </a:r>
+            <a:r>
+              <a:rPr lang="en-US" sz="2000" kern="1200" dirty="0" err="1" smtClean="0">
+                <a:ea typeface="+mn-ea"/>
+              </a:rPr>
+              <a:t>PCIe</a:t>
+            </a:r>
+            <a:r>
+              <a:rPr lang="en-US" sz="2000" kern="1200" dirty="0" smtClean="0">
+                <a:ea typeface="+mn-ea"/>
+              </a:rPr>
+              <a:t> (No SRIO)</a:t>
+            </a:r>
+            <a:endParaRPr lang="en-US" sz="2000" kern="1200" dirty="0" smtClean="0">
+              <a:ea typeface="+mn-ea"/>
+            </a:endParaRPr>
+          </a:p>
+          <a:p>
+            <a:pPr marL="742950" lvl="1" indent="-285750">
+              <a:lnSpc>
+                <a:spcPct val="90000"/>
+              </a:lnSpc>
+              <a:spcBef>
+                <a:spcPts val="600"/>
+              </a:spcBef>
+              <a:buFont typeface="Calibri" pitchFamily="34" charset="0"/>
+              <a:buChar char="–"/>
+              <a:defRPr/>
+            </a:pPr>
+            <a:r>
+              <a:rPr lang="en-US" sz="2000" kern="1200" dirty="0" smtClean="0">
+                <a:ea typeface="+mn-ea"/>
+              </a:rPr>
+              <a:t>EDMA and Multicore Navigator</a:t>
+            </a:r>
+          </a:p>
+          <a:p>
+            <a:pPr marL="285750" lvl="1" indent="-285750">
+              <a:lnSpc>
+                <a:spcPct val="90000"/>
+              </a:lnSpc>
+              <a:spcBef>
+                <a:spcPts val="600"/>
+              </a:spcBef>
+              <a:buFont typeface="Arial" panose="020B0604020202020204" pitchFamily="34" charset="0"/>
+              <a:buChar char="•"/>
+              <a:defRPr/>
+            </a:pPr>
+            <a:r>
+              <a:rPr lang="en-US" sz="2400" kern="1200" dirty="0" smtClean="0">
+                <a:ea typeface="+mn-ea"/>
+              </a:rPr>
+              <a:t>Optimized internal traffic, priorities, arbitrations</a:t>
+            </a:r>
+          </a:p>
+          <a:p>
+            <a:pPr marL="742950" lvl="1" indent="-285750">
+              <a:lnSpc>
+                <a:spcPct val="90000"/>
+              </a:lnSpc>
+              <a:spcBef>
+                <a:spcPts val="600"/>
+              </a:spcBef>
+              <a:buFont typeface="Calibri" pitchFamily="34" charset="0"/>
+              <a:buChar char="–"/>
+              <a:defRPr/>
+            </a:pPr>
+            <a:r>
+              <a:rPr lang="en-US" sz="2000" kern="1200" dirty="0" smtClean="0">
+                <a:ea typeface="+mn-ea"/>
+              </a:rPr>
+              <a:t>TeraNet bus</a:t>
+            </a:r>
+          </a:p>
+          <a:p>
+            <a:pPr marL="742950" lvl="1" indent="-285750">
+              <a:lnSpc>
+                <a:spcPct val="90000"/>
+              </a:lnSpc>
+              <a:spcBef>
+                <a:spcPts val="600"/>
+              </a:spcBef>
+              <a:buFont typeface="Calibri" pitchFamily="34" charset="0"/>
+              <a:buChar char="–"/>
+              <a:defRPr/>
+            </a:pPr>
+            <a:r>
+              <a:rPr lang="en-US" sz="2000" kern="1200" dirty="0" smtClean="0">
+                <a:ea typeface="+mn-ea"/>
+              </a:rPr>
+              <a:t>MSMC</a:t>
+            </a:r>
+          </a:p>
+          <a:p>
+            <a:pPr marL="285750" lvl="1" indent="-285750">
+              <a:lnSpc>
+                <a:spcPct val="90000"/>
+              </a:lnSpc>
+              <a:spcBef>
+                <a:spcPts val="600"/>
+              </a:spcBef>
+              <a:buFont typeface="Arial" panose="020B0604020202020204" pitchFamily="34" charset="0"/>
+              <a:buChar char="•"/>
+              <a:defRPr/>
+            </a:pPr>
+            <a:r>
+              <a:rPr lang="en-US" sz="2400" kern="1200" dirty="0" smtClean="0">
+                <a:ea typeface="+mn-ea"/>
+              </a:rPr>
+              <a:t>Fast (1600 MHz), wide (72 bits), and large (8G) external </a:t>
+            </a:r>
+            <a:r>
+              <a:rPr lang="en-US" sz="2400" kern="1200" dirty="0" smtClean="0">
+                <a:ea typeface="+mn-ea"/>
+              </a:rPr>
+              <a:t>memory; DDRA only</a:t>
+            </a:r>
+            <a:endParaRPr lang="en-US" sz="2400" kern="1200" dirty="0" smtClean="0">
+              <a:ea typeface="+mn-ea"/>
+            </a:endParaRPr>
+          </a:p>
+          <a:p>
+            <a:endParaRPr lang="en-US" dirty="0" smtClean="0"/>
+          </a:p>
+          <a:p>
+            <a:endParaRPr lang="en-US" dirty="0" smtClean="0"/>
+          </a:p>
+        </p:txBody>
+      </p:sp>
+    </p:spTree>
+    <p:extLst>
+      <p:ext uri="{BB962C8B-B14F-4D97-AF65-F5344CB8AC3E}">
+        <p14:creationId xmlns:p14="http://schemas.microsoft.com/office/powerpoint/2010/main" xmlns="" val="300334443"/>
+      </p:ext>
+    </p:extLst>
+  </p:cSld>
+  <p:clrMapOvr>
+    <a:masterClrMapping/>
+  </p:clrMapOvr>
+  <p:timing>
+    <p:tnLst>
+      <p:par>
+        <p:cTn id="1" dur="indefinite" restart="never" nodeType="tmRoot"/>
+      </p:par>
+    </p:tnLst>
+  </p:timing>
+</p:sld>
+</file>
+
+<file path=ppt/slides/slide11.xml><?xml version="1.0" encoding="utf-8"?>
+<p:sld xmlns:a="http://schemas.openxmlformats.org/drawingml/2006/main" xmlns:r="http://schemas.openxmlformats.org/officeDocument/2006/relationships" xmlns:p="http://schemas.openxmlformats.org/presentationml/2006/main">
+  <p:cSld>
+    <p:spTree>
+      <p:nvGrpSpPr>
+        <p:cNvPr id="1" name=""/>
+        <p:cNvGrpSpPr/>
+        <p:nvPr/>
+      </p:nvGrpSpPr>
+      <p:grpSpPr>
+        <a:xfrm>
+          <a:off x="0" y="0"/>
+          <a:ext cx="0" cy="0"/>
+          <a:chOff x="0" y="0"/>
+          <a:chExt cx="0" cy="0"/>
+        </a:xfrm>
+      </p:grpSpPr>
+      <p:sp>
+        <p:nvSpPr>
           <p:cNvPr id="2" name="Title 1"/>
           <p:cNvSpPr>
             <a:spLocks noGrp="1"/>
@@ -6095,7 +6464,7 @@
           <p:nvPr>
             <p:extLst>
               <p:ext uri="{D42A27DB-BD31-4B8C-83A1-F6EECF244321}">
-                <p14:modId xmlns:p14="http://schemas.microsoft.com/office/powerpoint/2010/main" val="2536914482"/>
+                <p14:modId xmlns:p14="http://schemas.microsoft.com/office/powerpoint/2010/main" xmlns="" val="2536914482"/>
               </p:ext>
             </p:extLst>
           </p:nvPr>
@@ -6906,12 +7275,13 @@
                         </a:spcAft>
                       </a:pPr>
                       <a:r>
-                        <a:rPr lang="en-US" sz="1400" dirty="0">
+                        <a:rPr lang="en-US" sz="1400" dirty="0" smtClean="0">
                           <a:effectLst/>
                           <a:latin typeface="Calibri" pitchFamily="34" charset="0"/>
+                          <a:ea typeface="+mn-ea"/>
                           <a:cs typeface="Calibri" pitchFamily="34" charset="0"/>
                         </a:rPr>
-                        <a:t>-</a:t>
+                        <a:t>NA</a:t>
                       </a:r>
                       <a:endParaRPr lang="en-US" sz="1100" dirty="0">
                         <a:effectLst/>
@@ -7721,14 +8091,14 @@
           <a:effectLst/>
           <a:extLst>
             <a:ext uri="{909E8E84-426E-40DD-AFC4-6F175D3DCCD1}">
-              <a14:hiddenFill xmlns:a14="http://schemas.microsoft.com/office/drawing/2010/main">
+              <a14:hiddenFill xmlns:a14="http://schemas.microsoft.com/office/drawing/2010/main" xmlns="">
                 <a:solidFill>
                   <a:schemeClr val="accent1"/>
                 </a:solidFill>
               </a14:hiddenFill>
             </a:ext>
             <a:ext uri="{91240B29-F687-4F45-9708-019B960494DF}">
-              <a14:hiddenLine xmlns:a14="http://schemas.microsoft.com/office/drawing/2010/main" w="9525">
+              <a14:hiddenLine xmlns:a14="http://schemas.microsoft.com/office/drawing/2010/main" xmlns="" w="9525">
                 <a:solidFill>
                   <a:schemeClr val="tx1"/>
                 </a:solidFill>
@@ -7738,7 +8108,7 @@
               </a14:hiddenLine>
             </a:ext>
             <a:ext uri="{AF507438-7753-43E0-B8FC-AC1667EBCBE1}">
-              <a14:hiddenEffects xmlns:a14="http://schemas.microsoft.com/office/drawing/2010/main">
+              <a14:hiddenEffects xmlns:a14="http://schemas.microsoft.com/office/drawing/2010/main" xmlns="">
                 <a:effectLst>
                   <a:outerShdw dist="35921" dir="2700000" algn="ctr" rotWithShape="0">
                     <a:schemeClr val="bg2"/>
@@ -7790,311 +8160,20 @@
     </p:spTree>
     <p:extLst>
       <p:ext uri="{BB962C8B-B14F-4D97-AF65-F5344CB8AC3E}">
-        <p14:creationId xmlns:p14="http://schemas.microsoft.com/office/powerpoint/2010/main" val="3416953927"/>
+        <p14:creationId xmlns:p14="http://schemas.microsoft.com/office/powerpoint/2010/main" xmlns="" val="3416953927"/>
       </p:ext>
     </p:extLst>
   </p:cSld>
   <p:clrMapOvr>
     <a:masterClrMapping/>
   </p:clrMapOvr>
-</p:sld>
-</file>
-
-<file path=ppt/slides/slide11.xml><?xml version="1.0" encoding="utf-8"?>
-<p:sld xmlns:a="http://schemas.openxmlformats.org/drawingml/2006/main" xmlns:r="http://schemas.openxmlformats.org/officeDocument/2006/relationships" xmlns:p="http://schemas.openxmlformats.org/presentationml/2006/main">
-  <p:cSld>
-    <p:spTree>
-      <p:nvGrpSpPr>
-        <p:cNvPr id="1" name=""/>
-        <p:cNvGrpSpPr/>
-        <p:nvPr/>
-      </p:nvGrpSpPr>
-      <p:grpSpPr>
-        <a:xfrm>
-          <a:off x="0" y="0"/>
-          <a:ext cx="0" cy="0"/>
-          <a:chOff x="0" y="0"/>
-          <a:chExt cx="0" cy="0"/>
-        </a:xfrm>
-      </p:grpSpPr>
-      <p:sp>
-        <p:nvSpPr>
-          <p:cNvPr id="4" name="Title 3"/>
-          <p:cNvSpPr>
-            <a:spLocks noGrp="1"/>
-          </p:cNvSpPr>
-          <p:nvPr>
-            <p:ph type="title"/>
-          </p:nvPr>
-        </p:nvSpPr>
-        <p:spPr>
-          <a:xfrm>
-            <a:off x="457200" y="274638"/>
-            <a:ext cx="8229600" cy="715962"/>
-          </a:xfrm>
-        </p:spPr>
-        <p:txBody>
-          <a:bodyPr>
-            <a:normAutofit/>
-          </a:bodyPr>
-          <a:lstStyle/>
-          <a:p>
-            <a:r>
-              <a:rPr lang="en-US" sz="4000" dirty="0" smtClean="0"/>
-              <a:t>K2E Features Summary</a:t>
-            </a:r>
-            <a:endParaRPr lang="en-US" sz="4000" dirty="0"/>
-          </a:p>
-        </p:txBody>
-      </p:sp>
-      <p:sp>
-        <p:nvSpPr>
-          <p:cNvPr id="5" name="Content Placeholder 4"/>
-          <p:cNvSpPr>
-            <a:spLocks noGrp="1"/>
-          </p:cNvSpPr>
-          <p:nvPr>
-            <p:ph idx="1"/>
-          </p:nvPr>
-        </p:nvSpPr>
-        <p:spPr>
-          <a:xfrm>
-            <a:off x="457200" y="990600"/>
-            <a:ext cx="8229600" cy="5638800"/>
-          </a:xfrm>
-        </p:spPr>
-        <p:txBody>
-          <a:bodyPr>
-            <a:normAutofit/>
-          </a:bodyPr>
-          <a:lstStyle/>
-          <a:p>
-            <a:pPr marL="285750" lvl="1" indent="-285750">
-              <a:lnSpc>
-                <a:spcPct val="90000"/>
-              </a:lnSpc>
-              <a:spcBef>
-                <a:spcPts val="600"/>
-              </a:spcBef>
-              <a:buFont typeface="Arial" panose="020B0604020202020204" pitchFamily="34" charset="0"/>
-              <a:buChar char="•"/>
-              <a:defRPr/>
-            </a:pPr>
-            <a:r>
-              <a:rPr lang="en-US" sz="2400" kern="1200" dirty="0" smtClean="0">
-                <a:ea typeface="+mn-ea"/>
-              </a:rPr>
-              <a:t>Powerful Quad-ARM A15CorePac with DSP CorePac support, as needed</a:t>
-            </a:r>
-          </a:p>
-          <a:p>
-            <a:pPr marL="285750" lvl="1" indent="-285750">
-              <a:lnSpc>
-                <a:spcPct val="90000"/>
-              </a:lnSpc>
-              <a:spcBef>
-                <a:spcPts val="600"/>
-              </a:spcBef>
-              <a:buFont typeface="Arial" panose="020B0604020202020204" pitchFamily="34" charset="0"/>
-              <a:buChar char="•"/>
-              <a:defRPr/>
-            </a:pPr>
-            <a:r>
-              <a:rPr lang="en-US" sz="2400" kern="1200" dirty="0" smtClean="0">
-                <a:ea typeface="+mn-ea"/>
-              </a:rPr>
-              <a:t>Robust Ethernet options:</a:t>
-            </a:r>
-          </a:p>
-          <a:p>
-            <a:pPr marL="742950" lvl="1" indent="-285750">
-              <a:lnSpc>
-                <a:spcPct val="90000"/>
-              </a:lnSpc>
-              <a:spcBef>
-                <a:spcPts val="600"/>
-              </a:spcBef>
-              <a:buFont typeface="Calibri" pitchFamily="34" charset="0"/>
-              <a:buChar char="–"/>
-              <a:defRPr/>
-            </a:pPr>
-            <a:r>
-              <a:rPr lang="en-US" sz="2000" kern="1200" dirty="0" smtClean="0">
-                <a:ea typeface="+mn-ea"/>
-              </a:rPr>
-              <a:t>Up to 2 ports 10G and 8 ports 1G</a:t>
-            </a:r>
-          </a:p>
-          <a:p>
-            <a:pPr marL="742950" lvl="1" indent="-285750">
-              <a:lnSpc>
-                <a:spcPct val="90000"/>
-              </a:lnSpc>
-              <a:spcBef>
-                <a:spcPts val="600"/>
-              </a:spcBef>
-              <a:buFont typeface="Calibri" pitchFamily="34" charset="0"/>
-              <a:buChar char="–"/>
-              <a:defRPr/>
-            </a:pPr>
-            <a:r>
-              <a:rPr lang="en-US" sz="2000" kern="1200" dirty="0" smtClean="0">
-                <a:ea typeface="+mn-ea"/>
-              </a:rPr>
-              <a:t>Multiple MDIOs support multiple physical Ethernet interfaces</a:t>
-            </a:r>
-          </a:p>
-          <a:p>
-            <a:pPr marL="285750" lvl="1" indent="-285750">
-              <a:lnSpc>
-                <a:spcPct val="90000"/>
-              </a:lnSpc>
-              <a:spcBef>
-                <a:spcPts val="600"/>
-              </a:spcBef>
-              <a:buFont typeface="Arial" panose="020B0604020202020204" pitchFamily="34" charset="0"/>
-              <a:buChar char="•"/>
-              <a:defRPr/>
-            </a:pPr>
-            <a:r>
-              <a:rPr lang="en-US" sz="2400" kern="1200" dirty="0" smtClean="0">
-                <a:ea typeface="+mn-ea"/>
-              </a:rPr>
-              <a:t>Optimized external data movement:</a:t>
-            </a:r>
-          </a:p>
-          <a:p>
-            <a:pPr marL="742950" lvl="1" indent="-285750">
-              <a:lnSpc>
-                <a:spcPct val="90000"/>
-              </a:lnSpc>
-              <a:spcBef>
-                <a:spcPts val="600"/>
-              </a:spcBef>
-              <a:buFont typeface="Calibri" pitchFamily="34" charset="0"/>
-              <a:buChar char="–"/>
-              <a:defRPr/>
-            </a:pPr>
-            <a:r>
-              <a:rPr lang="en-US" sz="2000" kern="1200" dirty="0" smtClean="0">
-                <a:ea typeface="+mn-ea"/>
-              </a:rPr>
-              <a:t>Standard high-bit rate interfaces: Ethernet and PCIe</a:t>
-            </a:r>
-          </a:p>
-          <a:p>
-            <a:pPr marL="742950" lvl="1" indent="-285750">
-              <a:lnSpc>
-                <a:spcPct val="90000"/>
-              </a:lnSpc>
-              <a:spcBef>
-                <a:spcPts val="600"/>
-              </a:spcBef>
-              <a:buFont typeface="Calibri" pitchFamily="34" charset="0"/>
-              <a:buChar char="–"/>
-              <a:defRPr/>
-            </a:pPr>
-            <a:r>
-              <a:rPr lang="en-US" sz="2000" kern="1200" dirty="0" smtClean="0">
-                <a:ea typeface="+mn-ea"/>
-              </a:rPr>
-              <a:t>EDMA and Multicore Navigator</a:t>
-            </a:r>
-          </a:p>
-          <a:p>
-            <a:pPr marL="285750" lvl="1" indent="-285750">
-              <a:lnSpc>
-                <a:spcPct val="90000"/>
-              </a:lnSpc>
-              <a:spcBef>
-                <a:spcPts val="600"/>
-              </a:spcBef>
-              <a:buFont typeface="Arial" panose="020B0604020202020204" pitchFamily="34" charset="0"/>
-              <a:buChar char="•"/>
-              <a:defRPr/>
-            </a:pPr>
-            <a:r>
-              <a:rPr lang="en-US" sz="2400" kern="1200" dirty="0" smtClean="0">
-                <a:ea typeface="+mn-ea"/>
-              </a:rPr>
-              <a:t>Optimized internal traffic, priorities, arbitrations</a:t>
-            </a:r>
-          </a:p>
-          <a:p>
-            <a:pPr marL="742950" lvl="1" indent="-285750">
-              <a:lnSpc>
-                <a:spcPct val="90000"/>
-              </a:lnSpc>
-              <a:spcBef>
-                <a:spcPts val="600"/>
-              </a:spcBef>
-              <a:buFont typeface="Calibri" pitchFamily="34" charset="0"/>
-              <a:buChar char="–"/>
-              <a:defRPr/>
-            </a:pPr>
-            <a:r>
-              <a:rPr lang="en-US" sz="2000" kern="1200" dirty="0" smtClean="0">
-                <a:ea typeface="+mn-ea"/>
-              </a:rPr>
-              <a:t>TeraNet bus</a:t>
-            </a:r>
-          </a:p>
-          <a:p>
-            <a:pPr marL="742950" lvl="1" indent="-285750">
-              <a:lnSpc>
-                <a:spcPct val="90000"/>
-              </a:lnSpc>
-              <a:spcBef>
-                <a:spcPts val="600"/>
-              </a:spcBef>
-              <a:buFont typeface="Calibri" pitchFamily="34" charset="0"/>
-              <a:buChar char="–"/>
-              <a:defRPr/>
-            </a:pPr>
-            <a:r>
-              <a:rPr lang="en-US" sz="2000" kern="1200" dirty="0" smtClean="0">
-                <a:ea typeface="+mn-ea"/>
-              </a:rPr>
-              <a:t>MSMC</a:t>
-            </a:r>
-          </a:p>
-          <a:p>
-            <a:pPr marL="285750" lvl="1" indent="-285750">
-              <a:lnSpc>
-                <a:spcPct val="90000"/>
-              </a:lnSpc>
-              <a:spcBef>
-                <a:spcPts val="600"/>
-              </a:spcBef>
-              <a:buFont typeface="Arial" panose="020B0604020202020204" pitchFamily="34" charset="0"/>
-              <a:buChar char="•"/>
-              <a:defRPr/>
-            </a:pPr>
-            <a:r>
-              <a:rPr lang="en-US" sz="2400" kern="1200" dirty="0" smtClean="0">
-                <a:ea typeface="+mn-ea"/>
-              </a:rPr>
-              <a:t>Fast (1600 MHz), wide (72 bits), and large (8G) external memory   </a:t>
-            </a:r>
-          </a:p>
-          <a:p>
-            <a:endParaRPr lang="en-US" dirty="0" smtClean="0"/>
-          </a:p>
-          <a:p>
-            <a:endParaRPr lang="en-US" dirty="0" smtClean="0"/>
-          </a:p>
-        </p:txBody>
-      </p:sp>
-    </p:spTree>
-    <p:extLst>
-      <p:ext uri="{BB962C8B-B14F-4D97-AF65-F5344CB8AC3E}">
-        <p14:creationId xmlns:p14="http://schemas.microsoft.com/office/powerpoint/2010/main" val="300334443"/>
-      </p:ext>
-    </p:extLst>
-  </p:cSld>
-  <p:clrMapOvr>
-    <a:masterClrMapping/>
-  </p:clrMapOvr>
+  <p:timing>
+    <p:tnLst>
+      <p:par>
+        <p:cTn id="1" dur="indefinite" restart="never" nodeType="tmRoot"/>
+      </p:par>
+    </p:tnLst>
+  </p:timing>
 </p:sld>
 </file>
 
@@ -8201,7 +8280,31 @@
               <a:rPr lang="en-US" sz="2400" kern="1200" dirty="0" smtClean="0">
                 <a:ea typeface="+mn-ea"/>
               </a:rPr>
-              <a:t>Efficient signal processing calculations, fixed point or floating point or both</a:t>
+              <a:t>Efficient </a:t>
+            </a:r>
+            <a:r>
+              <a:rPr lang="en-US" sz="2400" kern="1200" dirty="0" smtClean="0">
+                <a:ea typeface="+mn-ea"/>
+              </a:rPr>
+              <a:t>signal-processing calculations; Fixed-point </a:t>
+            </a:r>
+            <a:r>
+              <a:rPr lang="en-US" sz="2400" kern="1200" dirty="0" smtClean="0">
+                <a:ea typeface="+mn-ea"/>
+              </a:rPr>
+              <a:t>or </a:t>
+            </a:r>
+            <a:r>
+              <a:rPr lang="en-US" sz="2400" kern="1200" dirty="0" smtClean="0">
+                <a:ea typeface="+mn-ea"/>
+              </a:rPr>
+              <a:t>floating-point </a:t>
+            </a:r>
+            <a:r>
+              <a:rPr lang="en-US" sz="2400" kern="1200" dirty="0" smtClean="0">
+                <a:ea typeface="+mn-ea"/>
+              </a:rPr>
+              <a:t>or both</a:t>
             </a:r>
           </a:p>
           <a:p>
@@ -8220,8 +8323,11 @@
               <a:rPr lang="en-US" sz="2400" kern="1200" dirty="0" smtClean="0">
                 <a:ea typeface="+mn-ea"/>
               </a:rPr>
-              <a:t>Efficient micro-controller applications</a:t>
+              <a:t>Efficient power and performance:</a:t>
             </a:r>
+            <a:endParaRPr lang="en-US" sz="2400" kern="1200" dirty="0" smtClean="0">
+              <a:ea typeface="+mn-ea"/>
+            </a:endParaRPr>
           </a:p>
           <a:p>
             <a:pPr marL="742950" lvl="1" indent="-285750">
@@ -8239,13 +8345,7 @@
               <a:rPr lang="en-US" sz="2000" kern="1200" dirty="0" smtClean="0">
                 <a:ea typeface="+mn-ea"/>
               </a:rPr>
-              <a:t>Within the processor(s</a:t>
-            </a:r>
-            <a:r>
-              <a:rPr lang="en-US" sz="2000" kern="1200" dirty="0" smtClean="0">
-                <a:ea typeface="+mn-ea"/>
-              </a:rPr>
-              <a:t>) (A15)</a:t>
+              <a:t>ARM A15 has high processing-to-power ratio</a:t>
             </a:r>
             <a:endParaRPr lang="en-US" sz="2000" kern="1200" dirty="0" smtClean="0">
               <a:ea typeface="+mn-ea"/>
@@ -8267,17 +8367,38 @@
               <a:rPr lang="en-US" sz="2000" kern="1200" dirty="0" smtClean="0">
                 <a:ea typeface="+mn-ea"/>
               </a:rPr>
-              <a:t>Within the </a:t>
+              <a:t>NET</a:t>
             </a:r>
             <a:r>
               <a:rPr lang="en-US" sz="2000" kern="1200" dirty="0" smtClean="0">
                 <a:ea typeface="+mn-ea"/>
               </a:rPr>
-              <a:t>device (NetCP)</a:t>
+              <a:t>CP</a:t>
             </a:r>
-            <a:endParaRPr lang="en-US" sz="2000" kern="1200" dirty="0" smtClean="0">
-              <a:ea typeface="+mn-ea"/>
-            </a:endParaRPr>
+            <a:r>
+              <a:rPr lang="en-US" sz="2000" kern="1200" dirty="0" smtClean="0">
+                <a:ea typeface="+mn-ea"/>
+              </a:rPr>
+              <a:t> offloads network processing</a:t>
+            </a:r>
+            <a:endParaRPr lang="en-US" sz="2400" kern="1200" dirty="0" smtClean="0"/>
+          </a:p>
+          <a:p>
+            <a:pPr marL="285750" lvl="1" indent="-285750">
+              <a:lnSpc>
+                <a:spcPct val="90000"/>
+              </a:lnSpc>
+              <a:spcBef>
+                <a:spcPts val="600"/>
+              </a:spcBef>
+              <a:buFont typeface="Arial" panose="020B0604020202020204" pitchFamily="34" charset="0"/>
+              <a:buChar char="•"/>
+              <a:defRPr/>
+            </a:pPr>
+            <a:r>
+              <a:rPr lang="en-US" sz="2400" kern="1200" dirty="0" smtClean="0"/>
+              <a:t>Communication and networking interfaces</a:t>
+            </a:r>
           </a:p>
           <a:p>
             <a:pPr marL="742950" lvl="1" indent="-285750">
@@ -8295,17 +8416,39 @@
               <a:rPr lang="en-US" sz="2000" kern="1200" dirty="0" smtClean="0">
                 <a:ea typeface="+mn-ea"/>
               </a:rPr>
-              <a:t>External to the </a:t>
+              <a:t>2x 10G and 8x 1G</a:t>
+            </a:r>
+          </a:p>
+          <a:p>
+            <a:pPr marL="742950" lvl="1" indent="-285750">
+              <a:lnSpc>
+                <a:spcPct val="90000"/>
+              </a:lnSpc>
+              <a:spcBef>
+                <a:spcPts val="600"/>
+              </a:spcBef>
+              <a:buFont typeface="Calibri" pitchFamily="34" charset="0"/>
+              <a:buChar char="–"/>
+              <a:defRPr/>
+            </a:pPr>
+            <a:r>
+              <a:rPr lang="en-US" sz="2000" kern="1200" dirty="0" smtClean="0">
+                <a:ea typeface="+mn-ea"/>
+              </a:rPr>
+              <a:t>2x </a:t>
+            </a:r>
+            <a:r>
+              <a:rPr lang="en-US" sz="2000" kern="1200" dirty="0" err="1" smtClean="0">
+                <a:ea typeface="+mn-ea"/>
+              </a:rPr>
+              <a:t>PCIe</a:t>
             </a:r>
             <a:r>
               <a:rPr lang="en-US" sz="2000" kern="1200" dirty="0" smtClean="0">
                 <a:ea typeface="+mn-ea"/>
               </a:rPr>
-              <a:t>device (10G)</a:t>
+              <a:t> and 3x USB</a:t>
             </a:r>
-            <a:endParaRPr lang="en-US" sz="2000" kern="1200" dirty="0" smtClean="0">
-              <a:ea typeface="+mn-ea"/>
-            </a:endParaRPr>
           </a:p>
           <a:p>
             <a:pPr marL="285750" lvl="1" indent="-285750">
@@ -8315,16 +8458,12 @@
               <a:spcBef>
                 <a:spcPts val="600"/>
               </a:spcBef>
-              <a:buFont typeface="Arial" panose="020B0604020202020204" pitchFamily="34" charset="0"/>
-              <a:buChar char="•"/>
+              <a:buNone/>
               <a:defRPr/>
             </a:pPr>
-            <a:r>
-              <a:rPr lang="en-US" sz="2400" kern="1200" dirty="0" smtClean="0">
-                <a:ea typeface="+mn-ea"/>
-              </a:rPr>
-              <a:t>Power to performance ratio is important</a:t>
-            </a:r>
+            <a:endParaRPr lang="en-US" sz="2400" kern="1200" dirty="0" smtClean="0">
+              <a:ea typeface="+mn-ea"/>
+            </a:endParaRPr>
           </a:p>
           <a:p>
             <a:endParaRPr lang="en-US" dirty="0" smtClean="0"/>
@@ -8340,13 +8479,20 @@
     </p:spTree>
     <p:extLst>
       <p:ext uri="{BB962C8B-B14F-4D97-AF65-F5344CB8AC3E}">
-        <p14:creationId xmlns:p14="http://schemas.microsoft.com/office/powerpoint/2010/main" val="821418795"/>
+        <p14:creationId xmlns:p14="http://schemas.microsoft.com/office/powerpoint/2010/main" xmlns="" val="821418795"/>
       </p:ext>
     </p:extLst>
   </p:cSld>
   <p:clrMapOvr>
     <a:masterClrMapping/>
   </p:clrMapOvr>
+  <p:timing>
+    <p:tnLst>
+      <p:par>
+        <p:cTn id="1" dur="indefinite" restart="never" nodeType="tmRoot"/>
+      </p:par>
+    </p:tnLst>
+  </p:timing>
 </p:sld>
 </file>
 
@@ -8684,7 +8830,7 @@
     </p:custDataLst>
     <p:extLst>
       <p:ext uri="{BB962C8B-B14F-4D97-AF65-F5344CB8AC3E}">
-        <p14:creationId xmlns:p14="http://schemas.microsoft.com/office/powerpoint/2010/main" val="3691244631"/>
+        <p14:creationId xmlns:p14="http://schemas.microsoft.com/office/powerpoint/2010/main" xmlns="" val="3691244631"/>
       </p:ext>
     </p:extLst>
   </p:cSld>
@@ -9162,7 +9308,7 @@
     </p:custDataLst>
     <p:extLst>
       <p:ext uri="{BB962C8B-B14F-4D97-AF65-F5344CB8AC3E}">
-        <p14:creationId xmlns:p14="http://schemas.microsoft.com/office/powerpoint/2010/main" val="856361381"/>
+        <p14:creationId xmlns:p14="http://schemas.microsoft.com/office/powerpoint/2010/main" xmlns="" val="856361381"/>
       </p:ext>
     </p:extLst>
   </p:cSld>
@@ -9249,14 +9395,14 @@
           <a:effectLst/>
           <a:extLst>
             <a:ext uri="{909E8E84-426E-40DD-AFC4-6F175D3DCCD1}">
-              <a14:hiddenFill xmlns:a14="http://schemas.microsoft.com/office/drawing/2010/main">
+              <a14:hiddenFill xmlns:a14="http://schemas.microsoft.com/office/drawing/2010/main" xmlns="">
                 <a:solidFill>
                   <a:schemeClr val="accent1"/>
                 </a:solidFill>
               </a14:hiddenFill>
             </a:ext>
             <a:ext uri="{91240B29-F687-4F45-9708-019B960494DF}">
-              <a14:hiddenLine xmlns:a14="http://schemas.microsoft.com/office/drawing/2010/main" w="9525">
+              <a14:hiddenLine xmlns:a14="http://schemas.microsoft.com/office/drawing/2010/main" xmlns="" w="9525">
                 <a:solidFill>
                   <a:schemeClr val="tx1"/>
                 </a:solidFill>
@@ -9266,7 +9412,7 @@
               </a14:hiddenLine>
             </a:ext>
             <a:ext uri="{AF507438-7753-43E0-B8FC-AC1667EBCBE1}">
-              <a14:hiddenEffects xmlns:a14="http://schemas.microsoft.com/office/drawing/2010/main">
+              <a14:hiddenEffects xmlns:a14="http://schemas.microsoft.com/office/drawing/2010/main" xmlns="">
                 <a:effectLst>
                   <a:outerShdw dist="35921" dir="2700000" algn="ctr" rotWithShape="0">
                     <a:schemeClr val="bg2"/>
@@ -9324,7 +9470,7 @@
           <p:nvPr>
             <p:extLst>
               <p:ext uri="{D42A27DB-BD31-4B8C-83A1-F6EECF244321}">
-                <p14:modId xmlns:p14="http://schemas.microsoft.com/office/powerpoint/2010/main" val="3829498261"/>
+                <p14:modId xmlns:p14="http://schemas.microsoft.com/office/powerpoint/2010/main" xmlns="" val="3829498261"/>
               </p:ext>
             </p:extLst>
           </p:nvPr>
@@ -9335,59 +9481,9 @@
         </p:xfrm>
         <a:graphic>
           <a:graphicData uri="http://schemas.openxmlformats.org/presentationml/2006/ole">
-            <mc:AlternateContent xmlns:mc="http://schemas.openxmlformats.org/markup-compatibility/2006">
-              <mc:Choice xmlns:v="urn:schemas-microsoft-com:vml" Requires="v">
-                <p:oleObj spid="_x0000_s84997" name="Visio" r:id="rId3" imgW="8321715" imgH="6803957" progId="Visio.Drawing.11">
-                  <p:embed/>
-                </p:oleObj>
-              </mc:Choice>
-              <mc:Fallback>
-                <p:oleObj name="Visio" r:id="rId3" imgW="8321715" imgH="6803957" progId="Visio.Drawing.11">
-                  <p:embed/>
-                  <p:pic>
-                    <p:nvPicPr>
-                      <p:cNvPr id="0" name="Picture 2"/>
-                      <p:cNvPicPr>
-                        <a:picLocks noChangeAspect="1" noChangeArrowheads="1"/>
-                      </p:cNvPicPr>
-                      <p:nvPr/>
-                    </p:nvPicPr>
-                    <p:blipFill>
-                      <a:blip r:embed="rId4">
-                        <a:extLst>
-                          <a:ext uri="{28A0092B-C50C-407E-A947-70E740481C1C}">
-                            <a14:useLocalDpi xmlns:a14="http://schemas.microsoft.com/office/drawing/2010/main" val="0"/>
-                          </a:ext>
-                        </a:extLst>
-                      </a:blip>
-                      <a:srcRect/>
-                      <a:stretch>
-                        <a:fillRect/>
-                      </a:stretch>
-                    </p:blipFill>
-                    <p:spPr bwMode="auto">
-                      <a:xfrm>
-                        <a:off x="1141413" y="885825"/>
-                        <a:ext cx="6591300" cy="5384800"/>
-                      </a:xfrm>
-                      <a:prstGeom prst="rect">
-                        <a:avLst/>
-                      </a:prstGeom>
-                      <a:noFill/>
-                      <a:extLst>
-                        <a:ext uri="{909E8E84-426E-40DD-AFC4-6F175D3DCCD1}">
-                          <a14:hiddenFill xmlns:a14="http://schemas.microsoft.com/office/drawing/2010/main">
-                            <a:solidFill>
-                              <a:srgbClr val="FFFFFF"/>
-                            </a:solidFill>
-                          </a14:hiddenFill>
-                        </a:ext>
-                      </a:extLst>
-                    </p:spPr>
-                  </p:pic>
-                </p:oleObj>
-              </mc:Fallback>
-            </mc:AlternateContent>
+            <p:oleObj spid="_x0000_s84997" name="Visio" r:id="rId3" imgW="8321715" imgH="6803957" progId="">
+              <p:embed/>
+            </p:oleObj>
           </a:graphicData>
         </a:graphic>
       </p:graphicFrame>
@@ -9423,13 +9519,20 @@
     </p:spTree>
     <p:extLst>
       <p:ext uri="{BB962C8B-B14F-4D97-AF65-F5344CB8AC3E}">
-        <p14:creationId xmlns:p14="http://schemas.microsoft.com/office/powerpoint/2010/main" val="1580231294"/>
+        <p14:creationId xmlns:p14="http://schemas.microsoft.com/office/powerpoint/2010/main" xmlns="" val="1580231294"/>
       </p:ext>
     </p:extLst>
   </p:cSld>
   <p:clrMapOvr>
     <a:masterClrMapping/>
   </p:clrMapOvr>
+  <p:timing>
+    <p:tnLst>
+      <p:par>
+        <p:cTn id="1" dur="indefinite" restart="never" nodeType="tmRoot"/>
+      </p:par>
+    </p:tnLst>
+  </p:timing>
 </p:sld>
 </file>
 
@@ -9681,7 +9784,7 @@
     </p:custDataLst>
     <p:extLst>
       <p:ext uri="{BB962C8B-B14F-4D97-AF65-F5344CB8AC3E}">
-        <p14:creationId xmlns:p14="http://schemas.microsoft.com/office/powerpoint/2010/main" val="2071910042"/>
+        <p14:creationId xmlns:p14="http://schemas.microsoft.com/office/powerpoint/2010/main" xmlns="" val="2071910042"/>
       </p:ext>
     </p:extLst>
   </p:cSld>
@@ -9920,43 +10023,15 @@
                 <a:latin typeface="Calibri" pitchFamily="34" charset="0"/>
                 <a:cs typeface="Calibri" pitchFamily="34" charset="0"/>
               </a:rPr>
-              <a:t>and </a:t>
+              <a:t>and Fieldbus protocols (IEC 61158</a:t>
             </a:r>
             <a:r>
-              <a:rPr lang="en-US" sz="2400" dirty="0">
+              <a:rPr lang="en-US" sz="2400" dirty="0" smtClean="0">
                 <a:latin typeface="Calibri" pitchFamily="34" charset="0"/>
                 <a:cs typeface="Calibri" pitchFamily="34" charset="0"/>
               </a:rPr>
-              <a:t>Fieldbus protocols </a:t>
+              <a:t>)</a:t>
             </a:r>
-            <a:r>
-              <a:rPr lang="en-US" dirty="0">
-                <a:latin typeface="Calibri" pitchFamily="34" charset="0"/>
-                <a:cs typeface="Calibri" pitchFamily="34" charset="0"/>
-              </a:rPr>
-              <a:t>(</a:t>
-            </a:r>
-            <a:r>
-              <a:rPr lang="en-US" dirty="0"/>
-              <a:t>IEC 61158)</a:t>
-            </a:r>
-            <a:endParaRPr lang="en-US" dirty="0">
-              <a:latin typeface="Calibri" pitchFamily="34" charset="0"/>
-              <a:cs typeface="Calibri" pitchFamily="34" charset="0"/>
-            </a:endParaRPr>
-          </a:p>
-          <a:p>
-            <a:pPr marL="285750" lvl="0" indent="-285750">
-              <a:lnSpc>
-                <a:spcPct val="80000"/>
-              </a:lnSpc>
-              <a:spcBef>
-                <a:spcPts val="600"/>
-              </a:spcBef>
-              <a:buFont typeface="Arial" panose="020B0604020202020204" pitchFamily="34" charset="0"/>
-              <a:buChar char="•"/>
-              <a:defRPr/>
-            </a:pPr>
             <a:endParaRPr lang="en-US" sz="2400" dirty="0" smtClean="0">
               <a:latin typeface="Calibri" pitchFamily="34" charset="0"/>
               <a:cs typeface="Calibri" pitchFamily="34" charset="0"/>
@@ -10064,7 +10139,7 @@
     </p:custDataLst>
     <p:extLst>
       <p:ext uri="{BB962C8B-B14F-4D97-AF65-F5344CB8AC3E}">
-        <p14:creationId xmlns:p14="http://schemas.microsoft.com/office/powerpoint/2010/main" val="3238446912"/>
+        <p14:creationId xmlns:p14="http://schemas.microsoft.com/office/powerpoint/2010/main" xmlns="" val="3238446912"/>
       </p:ext>
     </p:extLst>
   </p:cSld>
@@ -10151,14 +10226,14 @@
           <a:effectLst/>
           <a:extLst>
             <a:ext uri="{909E8E84-426E-40DD-AFC4-6F175D3DCCD1}">
-              <a14:hiddenFill xmlns:a14="http://schemas.microsoft.com/office/drawing/2010/main">
+              <a14:hiddenFill xmlns:a14="http://schemas.microsoft.com/office/drawing/2010/main" xmlns="">
                 <a:solidFill>
                   <a:schemeClr val="accent1"/>
                 </a:solidFill>
               </a14:hiddenFill>
             </a:ext>
             <a:ext uri="{91240B29-F687-4F45-9708-019B960494DF}">
-              <a14:hiddenLine xmlns:a14="http://schemas.microsoft.com/office/drawing/2010/main" w="9525">
+              <a14:hiddenLine xmlns:a14="http://schemas.microsoft.com/office/drawing/2010/main" xmlns="" w="9525">
                 <a:solidFill>
                   <a:schemeClr val="tx1"/>
                 </a:solidFill>
@@ -10168,7 +10243,7 @@
               </a14:hiddenLine>
             </a:ext>
             <a:ext uri="{AF507438-7753-43E0-B8FC-AC1667EBCBE1}">
-              <a14:hiddenEffects xmlns:a14="http://schemas.microsoft.com/office/drawing/2010/main">
+              <a14:hiddenEffects xmlns:a14="http://schemas.microsoft.com/office/drawing/2010/main" xmlns="">
                 <a:effectLst>
                   <a:outerShdw dist="35921" dir="2700000" algn="ctr" rotWithShape="0">
                     <a:schemeClr val="bg2"/>
@@ -10226,7 +10301,7 @@
           <p:nvPr>
             <p:extLst>
               <p:ext uri="{D42A27DB-BD31-4B8C-83A1-F6EECF244321}">
-                <p14:modId xmlns:p14="http://schemas.microsoft.com/office/powerpoint/2010/main" val="601772777"/>
+                <p14:modId xmlns:p14="http://schemas.microsoft.com/office/powerpoint/2010/main" xmlns="" val="601772777"/>
               </p:ext>
             </p:extLst>
           </p:nvPr>
@@ -10237,59 +10312,9 @@
         </p:xfrm>
         <a:graphic>
           <a:graphicData uri="http://schemas.openxmlformats.org/presentationml/2006/ole">
-            <mc:AlternateContent xmlns:mc="http://schemas.openxmlformats.org/markup-compatibility/2006">
-              <mc:Choice xmlns:v="urn:schemas-microsoft-com:vml" Requires="v">
-                <p:oleObj spid="_x0000_s86021" name="Visio" r:id="rId3" imgW="8321715" imgH="6803957" progId="Visio.Drawing.11">
-                  <p:embed/>
-                </p:oleObj>
-              </mc:Choice>
-              <mc:Fallback>
-                <p:oleObj name="Visio" r:id="rId3" imgW="8321715" imgH="6803957" progId="Visio.Drawing.11">
-                  <p:embed/>
-                  <p:pic>
-                    <p:nvPicPr>
-                      <p:cNvPr id="0" name="Picture 2"/>
-                      <p:cNvPicPr>
-                        <a:picLocks noChangeAspect="1" noChangeArrowheads="1"/>
-                      </p:cNvPicPr>
-                      <p:nvPr/>
-                    </p:nvPicPr>
-                    <p:blipFill>
-                      <a:blip r:embed="rId4">
-                        <a:extLst>
-                          <a:ext uri="{28A0092B-C50C-407E-A947-70E740481C1C}">
-                            <a14:useLocalDpi xmlns:a14="http://schemas.microsoft.com/office/drawing/2010/main" val="0"/>
-                          </a:ext>
-                        </a:extLst>
-                      </a:blip>
-                      <a:srcRect/>
-                      <a:stretch>
-                        <a:fillRect/>
-                      </a:stretch>
-                    </p:blipFill>
-                    <p:spPr bwMode="auto">
-                      <a:xfrm>
-                        <a:off x="1141413" y="885825"/>
-                        <a:ext cx="6591300" cy="5384800"/>
-                      </a:xfrm>
-                      <a:prstGeom prst="rect">
-                        <a:avLst/>
-                      </a:prstGeom>
-                      <a:noFill/>
-                      <a:extLst>
-                        <a:ext uri="{909E8E84-426E-40DD-AFC4-6F175D3DCCD1}">
-                          <a14:hiddenFill xmlns:a14="http://schemas.microsoft.com/office/drawing/2010/main">
-                            <a:solidFill>
-                              <a:srgbClr val="FFFFFF"/>
-                            </a:solidFill>
-                          </a14:hiddenFill>
-                        </a:ext>
-                      </a:extLst>
-                    </p:spPr>
-                  </p:pic>
-                </p:oleObj>
-              </mc:Fallback>
-            </mc:AlternateContent>
+            <p:oleObj spid="_x0000_s86021" name="Visio" r:id="rId3" imgW="8321715" imgH="6803957" progId="">
+              <p:embed/>
+            </p:oleObj>
           </a:graphicData>
         </a:graphic>
       </p:graphicFrame>
@@ -10325,13 +10350,20 @@
     </p:spTree>
     <p:extLst>
       <p:ext uri="{BB962C8B-B14F-4D97-AF65-F5344CB8AC3E}">
-        <p14:creationId xmlns:p14="http://schemas.microsoft.com/office/powerpoint/2010/main" val="1958137510"/>
+        <p14:creationId xmlns:p14="http://schemas.microsoft.com/office/powerpoint/2010/main" xmlns="" val="1958137510"/>
       </p:ext>
     </p:extLst>
   </p:cSld>
   <p:clrMapOvr>
     <a:masterClrMapping/>
   </p:clrMapOvr>
+  <p:timing>
+    <p:tnLst>
+      <p:par>
+        <p:cTn id="1" dur="indefinite" restart="never" nodeType="tmRoot"/>
+      </p:par>
+    </p:tnLst>
+  </p:timing>
 </p:sld>
 </file>
 
@@ -10424,8 +10456,47 @@
                 <a:latin typeface="Calibri" pitchFamily="34" charset="0"/>
                 <a:cs typeface="Calibri" pitchFamily="34" charset="0"/>
               </a:rPr>
-              <a:t>ARM-only TI multicore device</a:t>
+              <a:t>ARM-only TI </a:t>
             </a:r>
+            <a:r>
+              <a:rPr lang="en-US" sz="2400" dirty="0" err="1" smtClean="0">
+                <a:latin typeface="Calibri" pitchFamily="34" charset="0"/>
+                <a:cs typeface="Calibri" pitchFamily="34" charset="0"/>
+              </a:rPr>
+              <a:t>multicore</a:t>
+            </a:r>
+            <a:r>
+              <a:rPr lang="en-US" sz="2400" dirty="0" smtClean="0">
+                <a:latin typeface="Calibri" pitchFamily="34" charset="0"/>
+                <a:cs typeface="Calibri" pitchFamily="34" charset="0"/>
+              </a:rPr>
+              <a:t> </a:t>
+            </a:r>
+            <a:r>
+              <a:rPr lang="en-US" sz="2400" dirty="0" smtClean="0">
+                <a:latin typeface="Calibri" pitchFamily="34" charset="0"/>
+                <a:cs typeface="Calibri" pitchFamily="34" charset="0"/>
+              </a:rPr>
+              <a:t>device (First in the </a:t>
+            </a:r>
+            <a:r>
+              <a:rPr lang="en-US" sz="2400" dirty="0" err="1" smtClean="0">
+                <a:latin typeface="Calibri" pitchFamily="34" charset="0"/>
+                <a:cs typeface="Calibri" pitchFamily="34" charset="0"/>
+              </a:rPr>
+              <a:t>KeyStone</a:t>
+            </a:r>
+            <a:r>
+              <a:rPr lang="en-US" sz="2400" dirty="0" smtClean="0">
+                <a:latin typeface="Calibri" pitchFamily="34" charset="0"/>
+                <a:cs typeface="Calibri" pitchFamily="34" charset="0"/>
+              </a:rPr>
+              <a:t> architecture)</a:t>
+            </a:r>
+            <a:endParaRPr lang="en-US" sz="2400" dirty="0" smtClean="0">
+              <a:latin typeface="Calibri" pitchFamily="34" charset="0"/>
+              <a:cs typeface="Calibri" pitchFamily="34" charset="0"/>
+            </a:endParaRPr>
           </a:p>
           <a:p>
             <a:pPr marL="285750" lvl="1" indent="-285750">
@@ -10628,7 +10699,7 @@
     </p:custDataLst>
     <p:extLst>
       <p:ext uri="{BB962C8B-B14F-4D97-AF65-F5344CB8AC3E}">
-        <p14:creationId xmlns:p14="http://schemas.microsoft.com/office/powerpoint/2010/main" val="873099895"/>
+        <p14:creationId xmlns:p14="http://schemas.microsoft.com/office/powerpoint/2010/main" xmlns="" val="873099895"/>
       </p:ext>
     </p:extLst>
   </p:cSld>
@@ -10724,8 +10795,13 @@
           <a:p>
             <a:r>
               <a:rPr lang="en-US" sz="2800" dirty="0" smtClean="0"/>
-              <a:t>K2E Device Summary</a:t>
+              <a:t>K2E </a:t>
             </a:r>
+            <a:r>
+              <a:rPr lang="en-US" sz="2800" dirty="0" smtClean="0"/>
+              <a:t>Software</a:t>
+            </a:r>
+            <a:endParaRPr lang="en-US" sz="2800" dirty="0" smtClean="0"/>
           </a:p>
           <a:p>
             <a:r>
@@ -10971,27 +11047,22 @@
                 <a:latin typeface="Calibri" pitchFamily="34" charset="0"/>
                 <a:cs typeface="Calibri" pitchFamily="34" charset="0"/>
               </a:rPr>
-              <a:t>Fieldbus protocols </a:t>
+              <a:t>Fieldbus protocols (</a:t>
             </a:r>
             <a:r>
-              <a:rPr lang="en-US" dirty="0" smtClean="0">
+              <a:rPr lang="en-US" sz="2400" dirty="0">
                 <a:latin typeface="Calibri" pitchFamily="34" charset="0"/>
                 <a:cs typeface="Calibri" pitchFamily="34" charset="0"/>
               </a:rPr>
-              <a:t>(</a:t>
-            </a:r>
-            <a:r>
-              <a:rPr lang="en-US" dirty="0"/>
               <a:t>IEC </a:t>
             </a:r>
             <a:r>
-              <a:rPr lang="en-US" dirty="0" smtClean="0"/>
+              <a:rPr lang="en-US" sz="2400" dirty="0" smtClean="0">
+                <a:latin typeface="Calibri" pitchFamily="34" charset="0"/>
+                <a:cs typeface="Calibri" pitchFamily="34" charset="0"/>
+              </a:rPr>
               <a:t>61158)</a:t>
             </a:r>
-            <a:endParaRPr lang="en-US" dirty="0" smtClean="0">
-              <a:latin typeface="Calibri" pitchFamily="34" charset="0"/>
-              <a:cs typeface="Calibri" pitchFamily="34" charset="0"/>
-            </a:endParaRPr>
           </a:p>
           <a:p>
             <a:pPr marL="285750" indent="-285750">
@@ -11107,7 +11178,7 @@
     </p:custDataLst>
     <p:extLst>
       <p:ext uri="{BB962C8B-B14F-4D97-AF65-F5344CB8AC3E}">
-        <p14:creationId xmlns:p14="http://schemas.microsoft.com/office/powerpoint/2010/main" val="3461455567"/>
+        <p14:creationId xmlns:p14="http://schemas.microsoft.com/office/powerpoint/2010/main" xmlns="" val="3461455567"/>
       </p:ext>
     </p:extLst>
   </p:cSld>
@@ -11253,7 +11324,14 @@
                 <a:latin typeface="Calibri" pitchFamily="34" charset="0"/>
                 <a:cs typeface="Calibri" pitchFamily="34" charset="0"/>
               </a:rPr>
-              <a:t>High performance processing</a:t>
+              <a:t>High-performance </a:t>
+            </a:r>
+            <a:r>
+              <a:rPr lang="en-US" sz="2000" dirty="0" smtClean="0">
+                <a:latin typeface="Calibri" pitchFamily="34" charset="0"/>
+                <a:cs typeface="Calibri" pitchFamily="34" charset="0"/>
+              </a:rPr>
+              <a:t>processing</a:t>
             </a:r>
           </a:p>
           <a:p>
@@ -11353,26 +11431,6 @@
                 <a:latin typeface="Calibri" pitchFamily="34" charset="0"/>
                 <a:cs typeface="Calibri" pitchFamily="34" charset="0"/>
               </a:rPr>
-              <a:t>Efficient memory and internal bus utilization (MSMC, TeraNet)  </a:t>
-            </a:r>
-          </a:p>
-          <a:p>
-            <a:pPr marL="742950" lvl="1" indent="-285750">
-              <a:lnSpc>
-                <a:spcPct val="80000"/>
-              </a:lnSpc>
-              <a:spcBef>
-                <a:spcPts val="600"/>
-              </a:spcBef>
-              <a:buFont typeface="Calibri" pitchFamily="34" charset="0"/>
-              <a:buChar char="–"/>
-              <a:defRPr/>
-            </a:pPr>
-            <a:r>
-              <a:rPr lang="en-US" sz="2000" dirty="0" smtClean="0">
-                <a:latin typeface="Calibri" pitchFamily="34" charset="0"/>
-                <a:cs typeface="Calibri" pitchFamily="34" charset="0"/>
-              </a:rPr>
               <a:t>Open-source applications available</a:t>
             </a:r>
           </a:p>
@@ -11393,7 +11451,41 @@
                 <a:latin typeface="Calibri" pitchFamily="34" charset="0"/>
                 <a:cs typeface="Calibri" pitchFamily="34" charset="0"/>
               </a:rPr>
-              <a:t>Support for big </a:t>
+              <a:t>Efficient </a:t>
+            </a:r>
+            <a:r>
+              <a:rPr lang="en-US" sz="2000" dirty="0" smtClean="0">
+                <a:latin typeface="Calibri" pitchFamily="34" charset="0"/>
+                <a:cs typeface="Calibri" pitchFamily="34" charset="0"/>
+              </a:rPr>
+              <a:t>memory and internal bus utilization (MSMC, TeraNet)  </a:t>
+            </a:r>
+          </a:p>
+          <a:p>
+            <a:pPr marL="742950" lvl="1" indent="-285750">
+              <a:lnSpc>
+                <a:spcPct val="80000"/>
+              </a:lnSpc>
+              <a:spcBef>
+                <a:spcPts val="600"/>
+              </a:spcBef>
+              <a:buFont typeface="Calibri" pitchFamily="34" charset="0"/>
+              <a:buChar char="–"/>
+              <a:defRPr/>
+            </a:pPr>
+            <a:r>
+              <a:rPr lang="en-US" sz="2000" dirty="0" smtClean="0">
+                <a:latin typeface="Calibri" pitchFamily="34" charset="0"/>
+                <a:cs typeface="Calibri" pitchFamily="34" charset="0"/>
+              </a:rPr>
+              <a:t>Support </a:t>
+            </a:r>
+            <a:r>
+              <a:rPr lang="en-US" sz="2000" dirty="0" smtClean="0">
+                <a:latin typeface="Calibri" pitchFamily="34" charset="0"/>
+                <a:cs typeface="Calibri" pitchFamily="34" charset="0"/>
+              </a:rPr>
+              <a:t>for big </a:t>
             </a:r>
             <a:r>
               <a:rPr lang="en-US" sz="2000" dirty="0">
@@ -11409,10 +11501,6 @@
               </a:rPr>
               <a:t>ndian</a:t>
             </a:r>
-            <a:endParaRPr lang="en-US" sz="2000" dirty="0" smtClean="0">
-              <a:latin typeface="Calibri" pitchFamily="34" charset="0"/>
-              <a:cs typeface="Calibri" pitchFamily="34" charset="0"/>
-            </a:endParaRPr>
           </a:p>
         </p:txBody>
       </p:sp>
@@ -11478,7 +11566,7 @@
     </p:custDataLst>
     <p:extLst>
       <p:ext uri="{BB962C8B-B14F-4D97-AF65-F5344CB8AC3E}">
-        <p14:creationId xmlns:p14="http://schemas.microsoft.com/office/powerpoint/2010/main" val="3461455567"/>
+        <p14:creationId xmlns:p14="http://schemas.microsoft.com/office/powerpoint/2010/main" xmlns="" val="3461455567"/>
       </p:ext>
     </p:extLst>
   </p:cSld>
@@ -11565,14 +11653,14 @@
           <a:effectLst/>
           <a:extLst>
             <a:ext uri="{909E8E84-426E-40DD-AFC4-6F175D3DCCD1}">
-              <a14:hiddenFill xmlns:a14="http://schemas.microsoft.com/office/drawing/2010/main">
+              <a14:hiddenFill xmlns:a14="http://schemas.microsoft.com/office/drawing/2010/main" xmlns="">
                 <a:solidFill>
                   <a:schemeClr val="accent1"/>
                 </a:solidFill>
               </a14:hiddenFill>
             </a:ext>
             <a:ext uri="{91240B29-F687-4F45-9708-019B960494DF}">
-              <a14:hiddenLine xmlns:a14="http://schemas.microsoft.com/office/drawing/2010/main" w="9525">
+              <a14:hiddenLine xmlns:a14="http://schemas.microsoft.com/office/drawing/2010/main" xmlns="" w="9525">
                 <a:solidFill>
                   <a:schemeClr val="tx1"/>
                 </a:solidFill>
@@ -11582,7 +11670,7 @@
               </a14:hiddenLine>
             </a:ext>
             <a:ext uri="{AF507438-7753-43E0-B8FC-AC1667EBCBE1}">
-              <a14:hiddenEffects xmlns:a14="http://schemas.microsoft.com/office/drawing/2010/main">
+              <a14:hiddenEffects xmlns:a14="http://schemas.microsoft.com/office/drawing/2010/main" xmlns="">
                 <a:effectLst>
                   <a:outerShdw dist="35921" dir="2700000" algn="ctr" rotWithShape="0">
                     <a:schemeClr val="bg2"/>
@@ -11640,7 +11728,7 @@
           <p:nvPr>
             <p:extLst>
               <p:ext uri="{D42A27DB-BD31-4B8C-83A1-F6EECF244321}">
-                <p14:modId xmlns:p14="http://schemas.microsoft.com/office/powerpoint/2010/main" val="1983457263"/>
+                <p14:modId xmlns:p14="http://schemas.microsoft.com/office/powerpoint/2010/main" xmlns="" val="1983457263"/>
               </p:ext>
             </p:extLst>
           </p:nvPr>
@@ -11651,72 +11739,29 @@
         </p:xfrm>
         <a:graphic>
           <a:graphicData uri="http://schemas.openxmlformats.org/presentationml/2006/ole">
-            <mc:AlternateContent xmlns:mc="http://schemas.openxmlformats.org/markup-compatibility/2006">
-              <mc:Choice xmlns:v="urn:schemas-microsoft-com:vml" Requires="v">
-                <p:oleObj spid="_x0000_s87045" name="Visio" r:id="rId3" imgW="8321715" imgH="6803957" progId="Visio.Drawing.11">
-                  <p:embed/>
-                </p:oleObj>
-              </mc:Choice>
-              <mc:Fallback>
-                <p:oleObj name="Visio" r:id="rId3" imgW="8321715" imgH="6803957" progId="Visio.Drawing.11">
-                  <p:embed/>
-                  <p:pic>
-                    <p:nvPicPr>
-                      <p:cNvPr id="0" name="Picture 2"/>
-                      <p:cNvPicPr>
-                        <a:picLocks noChangeAspect="1" noChangeArrowheads="1"/>
-                      </p:cNvPicPr>
-                      <p:nvPr/>
-                    </p:nvPicPr>
-                    <p:blipFill>
-                      <a:blip r:embed="rId4">
-                        <a:extLst>
-                          <a:ext uri="{28A0092B-C50C-407E-A947-70E740481C1C}">
-                            <a14:useLocalDpi xmlns:a14="http://schemas.microsoft.com/office/drawing/2010/main" val="0"/>
-                          </a:ext>
-                        </a:extLst>
-                      </a:blip>
-                      <a:srcRect/>
-                      <a:stretch>
-                        <a:fillRect/>
-                      </a:stretch>
-                    </p:blipFill>
-                    <p:spPr bwMode="auto">
-                      <a:xfrm>
-                        <a:off x="1143000" y="885825"/>
-                        <a:ext cx="6591300" cy="5384800"/>
-                      </a:xfrm>
-                      <a:prstGeom prst="rect">
-                        <a:avLst/>
-                      </a:prstGeom>
-                      <a:noFill/>
-                      <a:extLst>
-                        <a:ext uri="{909E8E84-426E-40DD-AFC4-6F175D3DCCD1}">
-                          <a14:hiddenFill xmlns:a14="http://schemas.microsoft.com/office/drawing/2010/main">
-                            <a:solidFill>
-                              <a:srgbClr val="FFFFFF"/>
-                            </a:solidFill>
-                          </a14:hiddenFill>
-                        </a:ext>
-                      </a:extLst>
-                    </p:spPr>
-                  </p:pic>
-                </p:oleObj>
-              </mc:Fallback>
-            </mc:AlternateContent>
+            <p:oleObj spid="_x0000_s87045" name="Visio" r:id="rId3" imgW="8321715" imgH="6803957" progId="">
+              <p:embed/>
+            </p:oleObj>
           </a:graphicData>
         </a:graphic>
       </p:graphicFrame>
     </p:spTree>
     <p:extLst>
       <p:ext uri="{BB962C8B-B14F-4D97-AF65-F5344CB8AC3E}">
-        <p14:creationId xmlns:p14="http://schemas.microsoft.com/office/powerpoint/2010/main" val="3802289127"/>
+        <p14:creationId xmlns:p14="http://schemas.microsoft.com/office/powerpoint/2010/main" xmlns="" val="3802289127"/>
       </p:ext>
     </p:extLst>
   </p:cSld>
   <p:clrMapOvr>
     <a:masterClrMapping/>
   </p:clrMapOvr>
+  <p:timing>
+    <p:tnLst>
+      <p:par>
+        <p:cTn id="1" dur="indefinite" restart="never" nodeType="tmRoot"/>
+      </p:par>
+    </p:tnLst>
+  </p:timing>
 </p:sld>
 </file>
 
@@ -11993,7 +12038,7 @@
     </p:custDataLst>
     <p:extLst>
       <p:ext uri="{BB962C8B-B14F-4D97-AF65-F5344CB8AC3E}">
-        <p14:creationId xmlns:p14="http://schemas.microsoft.com/office/powerpoint/2010/main" val="2835436665"/>
+        <p14:creationId xmlns:p14="http://schemas.microsoft.com/office/powerpoint/2010/main" xmlns="" val="2835436665"/>
       </p:ext>
     </p:extLst>
   </p:cSld>
@@ -12080,14 +12125,14 @@
           <a:effectLst/>
           <a:extLst>
             <a:ext uri="{909E8E84-426E-40DD-AFC4-6F175D3DCCD1}">
-              <a14:hiddenFill xmlns:a14="http://schemas.microsoft.com/office/drawing/2010/main">
+              <a14:hiddenFill xmlns:a14="http://schemas.microsoft.com/office/drawing/2010/main" xmlns="">
                 <a:solidFill>
                   <a:schemeClr val="accent1"/>
                 </a:solidFill>
               </a14:hiddenFill>
             </a:ext>
             <a:ext uri="{91240B29-F687-4F45-9708-019B960494DF}">
-              <a14:hiddenLine xmlns:a14="http://schemas.microsoft.com/office/drawing/2010/main" w="9525">
+              <a14:hiddenLine xmlns:a14="http://schemas.microsoft.com/office/drawing/2010/main" xmlns="" w="9525">
                 <a:solidFill>
                   <a:schemeClr val="tx1"/>
                 </a:solidFill>
@@ -12097,7 +12142,7 @@
               </a14:hiddenLine>
             </a:ext>
             <a:ext uri="{AF507438-7753-43E0-B8FC-AC1667EBCBE1}">
-              <a14:hiddenEffects xmlns:a14="http://schemas.microsoft.com/office/drawing/2010/main">
+              <a14:hiddenEffects xmlns:a14="http://schemas.microsoft.com/office/drawing/2010/main" xmlns="">
                 <a:effectLst>
                   <a:outerShdw dist="35921" dir="2700000" algn="ctr" rotWithShape="0">
                     <a:schemeClr val="bg2"/>
@@ -12155,7 +12200,7 @@
           <p:nvPr>
             <p:extLst>
               <p:ext uri="{D42A27DB-BD31-4B8C-83A1-F6EECF244321}">
-                <p14:modId xmlns:p14="http://schemas.microsoft.com/office/powerpoint/2010/main" val="2083442245"/>
+                <p14:modId xmlns:p14="http://schemas.microsoft.com/office/powerpoint/2010/main" xmlns="" val="2083442245"/>
               </p:ext>
             </p:extLst>
           </p:nvPr>
@@ -12166,72 +12211,29 @@
         </p:xfrm>
         <a:graphic>
           <a:graphicData uri="http://schemas.openxmlformats.org/presentationml/2006/ole">
-            <mc:AlternateContent xmlns:mc="http://schemas.openxmlformats.org/markup-compatibility/2006">
-              <mc:Choice xmlns:v="urn:schemas-microsoft-com:vml" Requires="v">
-                <p:oleObj spid="_x0000_s88069" name="Visio" r:id="rId3" imgW="8321715" imgH="6803957" progId="Visio.Drawing.11">
-                  <p:embed/>
-                </p:oleObj>
-              </mc:Choice>
-              <mc:Fallback>
-                <p:oleObj name="Visio" r:id="rId3" imgW="8321715" imgH="6803957" progId="Visio.Drawing.11">
-                  <p:embed/>
-                  <p:pic>
-                    <p:nvPicPr>
-                      <p:cNvPr id="0" name="Picture 2"/>
-                      <p:cNvPicPr>
-                        <a:picLocks noChangeAspect="1" noChangeArrowheads="1"/>
-                      </p:cNvPicPr>
-                      <p:nvPr/>
-                    </p:nvPicPr>
-                    <p:blipFill>
-                      <a:blip r:embed="rId4">
-                        <a:extLst>
-                          <a:ext uri="{28A0092B-C50C-407E-A947-70E740481C1C}">
-                            <a14:useLocalDpi xmlns:a14="http://schemas.microsoft.com/office/drawing/2010/main" val="0"/>
-                          </a:ext>
-                        </a:extLst>
-                      </a:blip>
-                      <a:srcRect/>
-                      <a:stretch>
-                        <a:fillRect/>
-                      </a:stretch>
-                    </p:blipFill>
-                    <p:spPr bwMode="auto">
-                      <a:xfrm>
-                        <a:off x="1143000" y="885825"/>
-                        <a:ext cx="6591300" cy="5387975"/>
-                      </a:xfrm>
-                      <a:prstGeom prst="rect">
-                        <a:avLst/>
-                      </a:prstGeom>
-                      <a:noFill/>
-                      <a:extLst>
-                        <a:ext uri="{909E8E84-426E-40DD-AFC4-6F175D3DCCD1}">
-                          <a14:hiddenFill xmlns:a14="http://schemas.microsoft.com/office/drawing/2010/main">
-                            <a:solidFill>
-                              <a:srgbClr val="FFFFFF"/>
-                            </a:solidFill>
-                          </a14:hiddenFill>
-                        </a:ext>
-                      </a:extLst>
-                    </p:spPr>
-                  </p:pic>
-                </p:oleObj>
-              </mc:Fallback>
-            </mc:AlternateContent>
+            <p:oleObj spid="_x0000_s88069" name="Visio" r:id="rId3" imgW="8321715" imgH="6803957" progId="">
+              <p:embed/>
+            </p:oleObj>
           </a:graphicData>
         </a:graphic>
       </p:graphicFrame>
     </p:spTree>
     <p:extLst>
       <p:ext uri="{BB962C8B-B14F-4D97-AF65-F5344CB8AC3E}">
-        <p14:creationId xmlns:p14="http://schemas.microsoft.com/office/powerpoint/2010/main" val="3874421043"/>
+        <p14:creationId xmlns:p14="http://schemas.microsoft.com/office/powerpoint/2010/main" xmlns="" val="3874421043"/>
       </p:ext>
     </p:extLst>
   </p:cSld>
   <p:clrMapOvr>
     <a:masterClrMapping/>
   </p:clrMapOvr>
+  <p:timing>
+    <p:tnLst>
+      <p:par>
+        <p:cTn id="1" dur="indefinite" restart="never" nodeType="tmRoot"/>
+      </p:par>
+    </p:tnLst>
+  </p:timing>
 </p:sld>
 </file>
 
@@ -12270,7 +12272,11 @@
             <a:pPr algn="l"/>
             <a:r>
               <a:rPr lang="en-US" dirty="0" smtClean="0"/>
-              <a:t>K2E Device Summary</a:t>
+              <a:t>K2E </a:t>
+            </a:r>
+            <a:r>
+              <a:rPr lang="en-US" dirty="0" smtClean="0"/>
+              <a:t>Software</a:t>
             </a:r>
             <a:endParaRPr lang="en-US" dirty="0"/>
           </a:p>
@@ -12621,7 +12627,19 @@
               <a:rPr lang="en-US" sz="2400" kern="1200" dirty="0" smtClean="0">
                 <a:ea typeface="+mn-ea"/>
               </a:rPr>
-              <a:t>Automatic setting of DEVM frequency based on the chip EFUSE value instead of environment variable in </a:t>
+              <a:t>Automatic setting of </a:t>
+            </a:r>
+            <a:r>
+              <a:rPr lang="en-US" sz="2400" kern="1200" dirty="0" smtClean="0">
+                <a:ea typeface="+mn-ea"/>
+              </a:rPr>
+              <a:t>EVM </a:t>
+            </a:r>
+            <a:r>
+              <a:rPr lang="en-US" sz="2400" kern="1200" dirty="0" smtClean="0">
+                <a:ea typeface="+mn-ea"/>
+              </a:rPr>
+              <a:t>frequency based on the chip EFUSE value instead of environment variable in </a:t>
             </a:r>
             <a:r>
               <a:rPr lang="en-US" sz="2400" kern="1200" dirty="0" err="1" smtClean="0">
@@ -12638,13 +12656,20 @@
     </p:spTree>
     <p:extLst>
       <p:ext uri="{BB962C8B-B14F-4D97-AF65-F5344CB8AC3E}">
-        <p14:creationId xmlns:p14="http://schemas.microsoft.com/office/powerpoint/2010/main" val="2660321590"/>
+        <p14:creationId xmlns:p14="http://schemas.microsoft.com/office/powerpoint/2010/main" xmlns="" val="2660321590"/>
       </p:ext>
     </p:extLst>
   </p:cSld>
   <p:clrMapOvr>
     <a:masterClrMapping/>
   </p:clrMapOvr>
+  <p:timing>
+    <p:tnLst>
+      <p:par>
+        <p:cTn id="1" dur="indefinite" restart="never" nodeType="tmRoot"/>
+      </p:par>
+    </p:tnLst>
+  </p:timing>
 </p:sld>
 </file>
 
@@ -12941,6 +12966,13 @@
   <p:clrMapOvr>
     <a:masterClrMapping/>
   </p:clrMapOvr>
+  <p:timing>
+    <p:tnLst>
+      <p:par>
+        <p:cTn id="1" dur="indefinite" restart="never" nodeType="tmRoot"/>
+      </p:par>
+    </p:tnLst>
+  </p:timing>
 </p:sld>
 </file>
 
@@ -13121,7 +13153,14 @@
                 <a:latin typeface="Calibri" pitchFamily="34" charset="0"/>
                 <a:cs typeface="Calibri" pitchFamily="34" charset="0"/>
               </a:rPr>
-              <a:t>High performance ARM + DSP</a:t>
+              <a:t>High-performance </a:t>
+            </a:r>
+            <a:r>
+              <a:rPr lang="en-US" dirty="0" smtClean="0">
+                <a:latin typeface="Calibri" pitchFamily="34" charset="0"/>
+                <a:cs typeface="Calibri" pitchFamily="34" charset="0"/>
+              </a:rPr>
+              <a:t>ARM + DSP</a:t>
             </a:r>
           </a:p>
           <a:p>
@@ -13134,8 +13173,19 @@
                 <a:latin typeface="Calibri" pitchFamily="34" charset="0"/>
                 <a:cs typeface="Calibri" pitchFamily="34" charset="0"/>
               </a:rPr>
-              <a:t>Memory Subsystem</a:t>
+              <a:t>Memory </a:t>
             </a:r>
+            <a:r>
+              <a:rPr lang="en-US" dirty="0" smtClean="0">
+                <a:latin typeface="Calibri" pitchFamily="34" charset="0"/>
+                <a:cs typeface="Calibri" pitchFamily="34" charset="0"/>
+              </a:rPr>
+              <a:t>Subsystem:</a:t>
+            </a:r>
+            <a:endParaRPr lang="en-US" dirty="0" smtClean="0">
+              <a:latin typeface="Calibri" pitchFamily="34" charset="0"/>
+              <a:cs typeface="Calibri" pitchFamily="34" charset="0"/>
+            </a:endParaRPr>
           </a:p>
           <a:p>
             <a:pPr marL="742950" lvl="1" indent="-285750">
@@ -13225,7 +13275,82 @@
                 <a:latin typeface="Calibri" pitchFamily="34" charset="0"/>
                 <a:cs typeface="Calibri" pitchFamily="34" charset="0"/>
               </a:rPr>
-              <a:t>High bit-rate peripherals: SRIO, PCIe, Ethernet, TSIP  </a:t>
+              <a:t>Lots of </a:t>
+            </a:r>
+            <a:r>
+              <a:rPr lang="en-US" dirty="0" smtClean="0">
+                <a:latin typeface="Calibri" pitchFamily="34" charset="0"/>
+                <a:cs typeface="Calibri" pitchFamily="34" charset="0"/>
+              </a:rPr>
+              <a:t>connectivity:</a:t>
+            </a:r>
+            <a:endParaRPr lang="en-US" dirty="0" smtClean="0">
+              <a:latin typeface="Calibri" pitchFamily="34" charset="0"/>
+              <a:cs typeface="Calibri" pitchFamily="34" charset="0"/>
+            </a:endParaRPr>
+          </a:p>
+          <a:p>
+            <a:pPr marL="742950" lvl="1" indent="-285750">
+              <a:buFont typeface="Calibri" pitchFamily="34" charset="0"/>
+              <a:buChar char="–"/>
+            </a:pPr>
+            <a:r>
+              <a:rPr lang="en-US" dirty="0" smtClean="0">
+                <a:latin typeface="Calibri" pitchFamily="34" charset="0"/>
+                <a:cs typeface="Calibri" pitchFamily="34" charset="0"/>
+              </a:rPr>
+              <a:t>High bit-rate peripherals: SRIO, PCIe</a:t>
+            </a:r>
+            <a:r>
+              <a:rPr lang="en-US" dirty="0" smtClean="0">
+                <a:latin typeface="Calibri" pitchFamily="34" charset="0"/>
+                <a:cs typeface="Calibri" pitchFamily="34" charset="0"/>
+              </a:rPr>
+              <a:t>, </a:t>
+            </a:r>
+            <a:r>
+              <a:rPr lang="en-US" dirty="0" smtClean="0">
+                <a:latin typeface="Calibri" pitchFamily="34" charset="0"/>
+                <a:cs typeface="Calibri" pitchFamily="34" charset="0"/>
+              </a:rPr>
+              <a:t>Ethernet</a:t>
+            </a:r>
+          </a:p>
+          <a:p>
+            <a:pPr marL="742950" lvl="1" indent="-285750">
+              <a:buFont typeface="Calibri" pitchFamily="34" charset="0"/>
+              <a:buChar char="–"/>
+            </a:pPr>
+            <a:r>
+              <a:rPr lang="en-US" dirty="0" smtClean="0">
+                <a:latin typeface="Calibri" pitchFamily="34" charset="0"/>
+                <a:cs typeface="Calibri" pitchFamily="34" charset="0"/>
+              </a:rPr>
+              <a:t>Device-specific: TSIP  </a:t>
+            </a:r>
+            <a:endParaRPr lang="en-US" dirty="0" smtClean="0">
+              <a:latin typeface="Calibri" pitchFamily="34" charset="0"/>
+              <a:cs typeface="Calibri" pitchFamily="34" charset="0"/>
+            </a:endParaRPr>
+          </a:p>
+          <a:p>
+            <a:pPr marL="742950" lvl="1" indent="-285750">
+              <a:buFont typeface="Calibri" pitchFamily="34" charset="0"/>
+              <a:buChar char="–"/>
+            </a:pPr>
+            <a:r>
+              <a:rPr lang="en-US" dirty="0" err="1" smtClean="0">
+                <a:latin typeface="Calibri" pitchFamily="34" charset="0"/>
+                <a:cs typeface="Calibri" pitchFamily="34" charset="0"/>
+              </a:rPr>
+              <a:t>HyperLink</a:t>
+            </a:r>
+            <a:r>
+              <a:rPr lang="en-US" dirty="0" smtClean="0">
+                <a:latin typeface="Calibri" pitchFamily="34" charset="0"/>
+                <a:cs typeface="Calibri" pitchFamily="34" charset="0"/>
+              </a:rPr>
+              <a:t>: Seamless interface</a:t>
             </a:r>
           </a:p>
           <a:p>
@@ -13238,7 +13363,14 @@
                 <a:latin typeface="Calibri" pitchFamily="34" charset="0"/>
                 <a:cs typeface="Calibri" pitchFamily="34" charset="0"/>
               </a:rPr>
-              <a:t>TeraNet:</a:t>
+              <a:t>TeraNet</a:t>
+            </a:r>
+            <a:r>
+              <a:rPr lang="en-US" dirty="0" smtClean="0">
+                <a:latin typeface="Calibri" pitchFamily="34" charset="0"/>
+                <a:cs typeface="Calibri" pitchFamily="34" charset="0"/>
+              </a:rPr>
+              <a:t>:</a:t>
             </a:r>
           </a:p>
           <a:p>
@@ -13279,36 +13411,6 @@
               </a:rPr>
               <a:t>Fast and wide </a:t>
             </a:r>
-          </a:p>
-          <a:p>
-            <a:pPr marL="285750" indent="-285750">
-              <a:buFont typeface="Arial" panose="020B0604020202020204" pitchFamily="34" charset="0"/>
-              <a:buChar char="•"/>
-            </a:pPr>
-            <a:r>
-              <a:rPr lang="en-US" dirty="0" smtClean="0">
-                <a:latin typeface="Calibri" pitchFamily="34" charset="0"/>
-                <a:cs typeface="Calibri" pitchFamily="34" charset="0"/>
-              </a:rPr>
-              <a:t>HyperLink: Seamless interface</a:t>
-            </a:r>
-          </a:p>
-          <a:p>
-            <a:pPr marL="285750" indent="-285750">
-              <a:buFont typeface="Arial" panose="020B0604020202020204" pitchFamily="34" charset="0"/>
-              <a:buChar char="•"/>
-            </a:pPr>
-            <a:r>
-              <a:rPr lang="en-US" dirty="0" smtClean="0">
-                <a:latin typeface="Calibri" pitchFamily="34" charset="0"/>
-                <a:cs typeface="Calibri" pitchFamily="34" charset="0"/>
-              </a:rPr>
-              <a:t>Lots of connectivity</a:t>
-            </a:r>
-            <a:endParaRPr lang="en-US" dirty="0">
-              <a:latin typeface="Calibri" pitchFamily="34" charset="0"/>
-              <a:cs typeface="Calibri" pitchFamily="34" charset="0"/>
-            </a:endParaRPr>
           </a:p>
         </p:txBody>
       </p:sp>
@@ -13368,13 +13470,20 @@
     </p:spTree>
     <p:extLst>
       <p:ext uri="{BB962C8B-B14F-4D97-AF65-F5344CB8AC3E}">
-        <p14:creationId xmlns:p14="http://schemas.microsoft.com/office/powerpoint/2010/main" val="2205743471"/>
+        <p14:creationId xmlns:p14="http://schemas.microsoft.com/office/powerpoint/2010/main" xmlns="" val="2205743471"/>
       </p:ext>
     </p:extLst>
   </p:cSld>
   <p:clrMapOvr>
     <a:masterClrMapping/>
   </p:clrMapOvr>
+  <p:timing>
+    <p:tnLst>
+      <p:par>
+        <p:cTn id="1" dur="indefinite" restart="never" nodeType="tmRoot"/>
+      </p:par>
+    </p:tnLst>
+  </p:timing>
 </p:sld>
 </file>
 
@@ -48174,7 +48283,7 @@
         </p:spPr>
         <p:txBody>
           <a:bodyPr wrap="square" rtlCol="0">
-            <a:normAutofit/>
+            <a:normAutofit lnSpcReduction="10000"/>
           </a:bodyPr>
           <a:lstStyle/>
           <a:p>
@@ -48196,15 +48305,65 @@
               <a:buChar char="•"/>
             </a:pPr>
             <a:r>
+              <a:rPr lang="en-US" b="1" dirty="0" smtClean="0">
+                <a:solidFill>
+                  <a:srgbClr val="DE0000"/>
+                </a:solidFill>
+                <a:latin typeface="Calibri" pitchFamily="34" charset="0"/>
+                <a:cs typeface="Calibri" pitchFamily="34" charset="0"/>
+              </a:rPr>
+              <a:t>Maintains most advantages of </a:t>
+            </a:r>
+            <a:r>
+              <a:rPr lang="en-US" b="1" dirty="0" err="1" smtClean="0">
+                <a:solidFill>
+                  <a:srgbClr val="DE0000"/>
+                </a:solidFill>
+                <a:latin typeface="Calibri" pitchFamily="34" charset="0"/>
+                <a:cs typeface="Calibri" pitchFamily="34" charset="0"/>
+              </a:rPr>
+              <a:t>KeyStone</a:t>
+            </a:r>
+            <a:r>
+              <a:rPr lang="en-US" b="1" dirty="0" smtClean="0">
+                <a:solidFill>
+                  <a:srgbClr val="DE0000"/>
+                </a:solidFill>
+                <a:latin typeface="Calibri" pitchFamily="34" charset="0"/>
+                <a:cs typeface="Calibri" pitchFamily="34" charset="0"/>
+              </a:rPr>
+              <a:t>, except:</a:t>
+            </a:r>
+            <a:endParaRPr lang="en-US" b="1" dirty="0" smtClean="0">
+              <a:solidFill>
+                <a:srgbClr val="DE0000"/>
+              </a:solidFill>
+              <a:latin typeface="Calibri" pitchFamily="34" charset="0"/>
+              <a:cs typeface="Calibri" pitchFamily="34" charset="0"/>
+            </a:endParaRPr>
+          </a:p>
+          <a:p>
+            <a:pPr marL="742950" lvl="1" indent="-285750">
+              <a:buFont typeface="Arial" panose="020B0604020202020204" pitchFamily="34" charset="0"/>
+              <a:buChar char="•"/>
+            </a:pPr>
+            <a:r>
               <a:rPr lang="en-US" dirty="0" smtClean="0">
                 <a:latin typeface="Calibri" pitchFamily="34" charset="0"/>
                 <a:cs typeface="Calibri" pitchFamily="34" charset="0"/>
               </a:rPr>
-              <a:t>Few, more generic, accelerators</a:t>
+              <a:t>Few</a:t>
+            </a:r>
+            <a:r>
+              <a:rPr lang="en-US" dirty="0" smtClean="0">
+                <a:latin typeface="Calibri" pitchFamily="34" charset="0"/>
+                <a:cs typeface="Calibri" pitchFamily="34" charset="0"/>
+              </a:rPr>
+              <a:t>, more generic, accelerators</a:t>
             </a:r>
           </a:p>
           <a:p>
-            <a:pPr marL="285750" indent="-285750">
+            <a:pPr marL="742950" lvl="1" indent="-285750">
               <a:buFont typeface="Arial" panose="020B0604020202020204" pitchFamily="34" charset="0"/>
               <a:buChar char="•"/>
             </a:pPr>
@@ -48217,7 +48376,7 @@
             </a:r>
           </a:p>
           <a:p>
-            <a:pPr marL="285750" indent="-285750">
+            <a:pPr marL="742950" lvl="1" indent="-285750">
               <a:buFont typeface="Arial" panose="020B0604020202020204" pitchFamily="34" charset="0"/>
               <a:buChar char="•"/>
             </a:pPr>
@@ -48230,7 +48389,7 @@
             </a:r>
           </a:p>
           <a:p>
-            <a:pPr marL="285750" indent="-285750">
+            <a:pPr marL="742950" lvl="1" indent="-285750">
               <a:buFont typeface="Arial" panose="020B0604020202020204" pitchFamily="34" charset="0"/>
               <a:buChar char="•"/>
             </a:pPr>
@@ -48240,22 +48399,6 @@
                 <a:cs typeface="Calibri" pitchFamily="34" charset="0"/>
               </a:rPr>
               <a:t>Smaller, slower DDR, less pins</a:t>
-            </a:r>
-          </a:p>
-          <a:p>
-            <a:pPr marL="285750" indent="-285750">
-              <a:buFont typeface="Arial" panose="020B0604020202020204" pitchFamily="34" charset="0"/>
-              <a:buChar char="•"/>
-            </a:pPr>
-            <a:r>
-              <a:rPr lang="en-US" sz="2000" b="1" dirty="0" smtClean="0">
-                <a:solidFill>
-                  <a:srgbClr val="DE0000"/>
-                </a:solidFill>
-                <a:latin typeface="Calibri" pitchFamily="34" charset="0"/>
-                <a:cs typeface="Calibri" pitchFamily="34" charset="0"/>
-              </a:rPr>
-              <a:t>Maintains most advantages of KeyStone </a:t>
             </a:r>
           </a:p>
           <a:p>
@@ -48343,8 +48486,12 @@
                 <a:latin typeface="Calibri" pitchFamily="34" charset="0"/>
                 <a:cs typeface="Calibri" pitchFamily="34" charset="0"/>
               </a:rPr>
-              <a:t>Sealed box, power limitations</a:t>
+              <a:t>Power limitations (sealed box)</a:t>
             </a:r>
+            <a:endParaRPr lang="en-US" dirty="0" smtClean="0">
+              <a:latin typeface="Calibri" pitchFamily="34" charset="0"/>
+              <a:cs typeface="Calibri" pitchFamily="34" charset="0"/>
+            </a:endParaRPr>
           </a:p>
           <a:p>
             <a:pPr marL="285750" indent="-285750">
@@ -48482,7 +48629,7 @@
           <p:nvPr>
             <p:extLst>
               <p:ext uri="{D42A27DB-BD31-4B8C-83A1-F6EECF244321}">
-                <p14:modId xmlns:p14="http://schemas.microsoft.com/office/powerpoint/2010/main" val="4119681246"/>
+                <p14:modId xmlns:p14="http://schemas.microsoft.com/office/powerpoint/2010/main" xmlns="" val="4119681246"/>
               </p:ext>
             </p:extLst>
           </p:nvPr>
@@ -48493,59 +48640,9 @@
         </p:xfrm>
         <a:graphic>
           <a:graphicData uri="http://schemas.openxmlformats.org/presentationml/2006/ole">
-            <mc:AlternateContent xmlns:mc="http://schemas.openxmlformats.org/markup-compatibility/2006">
-              <mc:Choice xmlns:v="urn:schemas-microsoft-com:vml" Requires="v">
-                <p:oleObj spid="_x0000_s82949" name="Visio" r:id="rId3" imgW="8321715" imgH="6803957" progId="Visio.Drawing.11">
-                  <p:embed/>
-                </p:oleObj>
-              </mc:Choice>
-              <mc:Fallback>
-                <p:oleObj name="Visio" r:id="rId3" imgW="8321715" imgH="6803957" progId="Visio.Drawing.11">
-                  <p:embed/>
-                  <p:pic>
-                    <p:nvPicPr>
-                      <p:cNvPr id="0" name="Picture 2"/>
-                      <p:cNvPicPr>
-                        <a:picLocks noChangeAspect="1" noChangeArrowheads="1"/>
-                      </p:cNvPicPr>
-                      <p:nvPr/>
-                    </p:nvPicPr>
-                    <p:blipFill>
-                      <a:blip r:embed="rId4">
-                        <a:extLst>
-                          <a:ext uri="{28A0092B-C50C-407E-A947-70E740481C1C}">
-                            <a14:useLocalDpi xmlns:a14="http://schemas.microsoft.com/office/drawing/2010/main" val="0"/>
-                          </a:ext>
-                        </a:extLst>
-                      </a:blip>
-                      <a:srcRect/>
-                      <a:stretch>
-                        <a:fillRect/>
-                      </a:stretch>
-                    </p:blipFill>
-                    <p:spPr bwMode="auto">
-                      <a:xfrm>
-                        <a:off x="1141413" y="885825"/>
-                        <a:ext cx="6591300" cy="5391150"/>
-                      </a:xfrm>
-                      <a:prstGeom prst="rect">
-                        <a:avLst/>
-                      </a:prstGeom>
-                      <a:noFill/>
-                      <a:extLst>
-                        <a:ext uri="{909E8E84-426E-40DD-AFC4-6F175D3DCCD1}">
-                          <a14:hiddenFill xmlns:a14="http://schemas.microsoft.com/office/drawing/2010/main">
-                            <a:solidFill>
-                              <a:srgbClr val="FFFFFF"/>
-                            </a:solidFill>
-                          </a14:hiddenFill>
-                        </a:ext>
-                      </a:extLst>
-                    </p:spPr>
-                  </p:pic>
-                </p:oleObj>
-              </mc:Fallback>
-            </mc:AlternateContent>
+            <p:oleObj spid="_x0000_s82949" name="Visio" r:id="rId3" imgW="8321715" imgH="6803957" progId="">
+              <p:embed/>
+            </p:oleObj>
           </a:graphicData>
         </a:graphic>
       </p:graphicFrame>
@@ -48655,13 +48752,20 @@
     </p:spTree>
     <p:extLst>
       <p:ext uri="{BB962C8B-B14F-4D97-AF65-F5344CB8AC3E}">
-        <p14:creationId xmlns:p14="http://schemas.microsoft.com/office/powerpoint/2010/main" val="2385042335"/>
+        <p14:creationId xmlns:p14="http://schemas.microsoft.com/office/powerpoint/2010/main" xmlns="" val="2385042335"/>
       </p:ext>
     </p:extLst>
   </p:cSld>
   <p:clrMapOvr>
     <a:masterClrMapping/>
   </p:clrMapOvr>
+  <p:timing>
+    <p:tnLst>
+      <p:par>
+        <p:cTn id="1" dur="indefinite" restart="never" nodeType="tmRoot"/>
+      </p:par>
+    </p:tnLst>
+  </p:timing>
 </p:sld>
 </file>
 
@@ -48735,14 +48839,14 @@
           <a:effectLst/>
           <a:extLst>
             <a:ext uri="{909E8E84-426E-40DD-AFC4-6F175D3DCCD1}">
-              <a14:hiddenFill xmlns:a14="http://schemas.microsoft.com/office/drawing/2010/main">
+              <a14:hiddenFill xmlns:a14="http://schemas.microsoft.com/office/drawing/2010/main" xmlns="">
                 <a:solidFill>
                   <a:schemeClr val="accent1"/>
                 </a:solidFill>
               </a14:hiddenFill>
             </a:ext>
             <a:ext uri="{91240B29-F687-4F45-9708-019B960494DF}">
-              <a14:hiddenLine xmlns:a14="http://schemas.microsoft.com/office/drawing/2010/main" w="9525">
+              <a14:hiddenLine xmlns:a14="http://schemas.microsoft.com/office/drawing/2010/main" xmlns="" w="9525">
                 <a:solidFill>
                   <a:schemeClr val="tx1"/>
                 </a:solidFill>
@@ -48752,7 +48856,7 @@
               </a14:hiddenLine>
             </a:ext>
             <a:ext uri="{AF507438-7753-43E0-B8FC-AC1667EBCBE1}">
-              <a14:hiddenEffects xmlns:a14="http://schemas.microsoft.com/office/drawing/2010/main">
+              <a14:hiddenEffects xmlns:a14="http://schemas.microsoft.com/office/drawing/2010/main" xmlns="">
                 <a:effectLst>
                   <a:outerShdw dist="35921" dir="2700000" algn="ctr" rotWithShape="0">
                     <a:schemeClr val="bg2"/>
@@ -48810,7 +48914,7 @@
           <p:nvPr>
             <p:extLst>
               <p:ext uri="{D42A27DB-BD31-4B8C-83A1-F6EECF244321}">
-                <p14:modId xmlns:p14="http://schemas.microsoft.com/office/powerpoint/2010/main" val="717525081"/>
+                <p14:modId xmlns:p14="http://schemas.microsoft.com/office/powerpoint/2010/main" xmlns="" val="717525081"/>
               </p:ext>
             </p:extLst>
           </p:nvPr>
@@ -48821,59 +48925,9 @@
         </p:xfrm>
         <a:graphic>
           <a:graphicData uri="http://schemas.openxmlformats.org/presentationml/2006/ole">
-            <mc:AlternateContent xmlns:mc="http://schemas.openxmlformats.org/markup-compatibility/2006">
-              <mc:Choice xmlns:v="urn:schemas-microsoft-com:vml" Requires="v">
-                <p:oleObj spid="_x0000_s83973" name="Visio" r:id="rId3" imgW="8321715" imgH="6803957" progId="Visio.Drawing.11">
-                  <p:embed/>
-                </p:oleObj>
-              </mc:Choice>
-              <mc:Fallback>
-                <p:oleObj name="Visio" r:id="rId3" imgW="8321715" imgH="6803957" progId="Visio.Drawing.11">
-                  <p:embed/>
-                  <p:pic>
-                    <p:nvPicPr>
-                      <p:cNvPr id="0" name="Picture 2"/>
-                      <p:cNvPicPr>
-                        <a:picLocks noChangeAspect="1" noChangeArrowheads="1"/>
-                      </p:cNvPicPr>
-                      <p:nvPr/>
-                    </p:nvPicPr>
-                    <p:blipFill>
-                      <a:blip r:embed="rId4">
-                        <a:extLst>
-                          <a:ext uri="{28A0092B-C50C-407E-A947-70E740481C1C}">
-                            <a14:useLocalDpi xmlns:a14="http://schemas.microsoft.com/office/drawing/2010/main" val="0"/>
-                          </a:ext>
-                        </a:extLst>
-                      </a:blip>
-                      <a:srcRect/>
-                      <a:stretch>
-                        <a:fillRect/>
-                      </a:stretch>
-                    </p:blipFill>
-                    <p:spPr bwMode="auto">
-                      <a:xfrm>
-                        <a:off x="1143000" y="890025"/>
-                        <a:ext cx="6599238" cy="5395714"/>
-                      </a:xfrm>
-                      <a:prstGeom prst="rect">
-                        <a:avLst/>
-                      </a:prstGeom>
-                      <a:noFill/>
-                      <a:extLst>
-                        <a:ext uri="{909E8E84-426E-40DD-AFC4-6F175D3DCCD1}">
-                          <a14:hiddenFill xmlns:a14="http://schemas.microsoft.com/office/drawing/2010/main">
-                            <a:solidFill>
-                              <a:srgbClr val="FFFFFF"/>
-                            </a:solidFill>
-                          </a14:hiddenFill>
-                        </a:ext>
-                      </a:extLst>
-                    </p:spPr>
-                  </p:pic>
-                </p:oleObj>
-              </mc:Fallback>
-            </mc:AlternateContent>
+            <p:oleObj spid="_x0000_s83973" name="Visio" r:id="rId3" imgW="8321715" imgH="6803957" progId="">
+              <p:embed/>
+            </p:oleObj>
           </a:graphicData>
         </a:graphic>
       </p:graphicFrame>
@@ -48909,13 +48963,20 @@
     </p:spTree>
     <p:extLst>
       <p:ext uri="{BB962C8B-B14F-4D97-AF65-F5344CB8AC3E}">
-        <p14:creationId xmlns:p14="http://schemas.microsoft.com/office/powerpoint/2010/main" val="799163121"/>
+        <p14:creationId xmlns:p14="http://schemas.microsoft.com/office/powerpoint/2010/main" xmlns="" val="799163121"/>
       </p:ext>
     </p:extLst>
   </p:cSld>
   <p:clrMapOvr>
     <a:masterClrMapping/>
   </p:clrMapOvr>
+  <p:timing>
+    <p:tnLst>
+      <p:par>
+        <p:cTn id="1" dur="indefinite" restart="never" nodeType="tmRoot"/>
+      </p:par>
+    </p:tnLst>
+  </p:timing>
 </p:sld>
 </file>
 

--- a/slides/KeyStone_Edison.pptx
+++ b/slides/KeyStone_Edison.pptx
@@ -377,7 +377,7 @@
     </p:spTree>
     <p:extLst>
       <p:ext uri="{BB962C8B-B14F-4D97-AF65-F5344CB8AC3E}">
-        <p14:creationId xmlns:p14="http://schemas.microsoft.com/office/powerpoint/2010/main" xmlns="" val="4170102886"/>
+        <p14:creationId xmlns="" xmlns:p14="http://schemas.microsoft.com/office/powerpoint/2010/main" val="4170102886"/>
       </p:ext>
     </p:extLst>
   </p:cSld>
@@ -690,7 +690,7 @@
     </p:spTree>
     <p:extLst>
       <p:ext uri="{BB962C8B-B14F-4D97-AF65-F5344CB8AC3E}">
-        <p14:creationId xmlns:p14="http://schemas.microsoft.com/office/powerpoint/2010/main" xmlns="" val="419590164"/>
+        <p14:creationId xmlns="" xmlns:p14="http://schemas.microsoft.com/office/powerpoint/2010/main" val="419590164"/>
       </p:ext>
     </p:extLst>
   </p:cSld>
@@ -5992,11 +5992,7 @@
           <a:p>
             <a:r>
               <a:rPr lang="en-US" dirty="0" smtClean="0"/>
-              <a:t>Ran </a:t>
-            </a:r>
-            <a:r>
-              <a:rPr lang="en-US" dirty="0" smtClean="0"/>
-              <a:t>Katzur, Senior Applications Engineer, Training Lead</a:t>
+              <a:t>Ran Katzur, Senior Applications Engineer, Training Lead</a:t>
             </a:r>
             <a:endParaRPr lang="en-US" dirty="0"/>
           </a:p>
@@ -6127,13 +6123,7 @@
               <a:rPr lang="en-US" sz="2400" kern="1200" dirty="0" smtClean="0">
                 <a:ea typeface="+mn-ea"/>
               </a:rPr>
-              <a:t>Powerful Quad-ARM </a:t>
-            </a:r>
-            <a:r>
-              <a:rPr lang="en-US" sz="2400" kern="1200" dirty="0" smtClean="0">
-                <a:ea typeface="+mn-ea"/>
-              </a:rPr>
-              <a:t>A15 </a:t>
+              <a:t>Powerful Quad-ARM A15 </a:t>
             </a:r>
             <a:r>
               <a:rPr lang="en-US" sz="2400" kern="1200" dirty="0" err="1" smtClean="0">
@@ -6145,25 +6135,7 @@
               <a:rPr lang="en-US" sz="2400" kern="1200" dirty="0" smtClean="0">
                 <a:ea typeface="+mn-ea"/>
               </a:rPr>
-              <a:t> </a:t>
-            </a:r>
-            <a:r>
-              <a:rPr lang="en-US" sz="2400" kern="1200" dirty="0" smtClean="0">
-                <a:ea typeface="+mn-ea"/>
-              </a:rPr>
-              <a:t>with </a:t>
-            </a:r>
-            <a:r>
-              <a:rPr lang="en-US" sz="2400" kern="1200" dirty="0" smtClean="0">
-                <a:ea typeface="+mn-ea"/>
-              </a:rPr>
-              <a:t>0-1 DSP </a:t>
-            </a:r>
-            <a:r>
-              <a:rPr lang="en-US" sz="2400" kern="1200" dirty="0" smtClean="0">
-                <a:ea typeface="+mn-ea"/>
-              </a:rPr>
-              <a:t>CorePac support, as needed</a:t>
+              <a:t> with 0-1 DSP CorePac support, as needed</a:t>
             </a:r>
           </a:p>
           <a:p>
@@ -6272,9 +6244,6 @@
               </a:rPr>
               <a:t> (No SRIO)</a:t>
             </a:r>
-            <a:endParaRPr lang="en-US" sz="2000" kern="1200" dirty="0" smtClean="0">
-              <a:ea typeface="+mn-ea"/>
-            </a:endParaRPr>
           </a:p>
           <a:p>
             <a:pPr marL="742950" lvl="1" indent="-285750">
@@ -6368,17 +6337,8 @@
               <a:rPr lang="en-US" sz="2400" kern="1200" dirty="0" smtClean="0">
                 <a:ea typeface="+mn-ea"/>
               </a:rPr>
-              <a:t>Fast (1600 MHz), wide (72 bits), and large (8G) external </a:t>
+              <a:t>Fast (1600 MHz), wide (72 bits), and large (8G) external memory; DDRA only</a:t>
             </a:r>
-            <a:r>
-              <a:rPr lang="en-US" sz="2400" kern="1200" dirty="0" smtClean="0">
-                <a:ea typeface="+mn-ea"/>
-              </a:rPr>
-              <a:t>memory; DDRA only</a:t>
-            </a:r>
-            <a:endParaRPr lang="en-US" sz="2400" kern="1200" dirty="0" smtClean="0">
-              <a:ea typeface="+mn-ea"/>
-            </a:endParaRPr>
           </a:p>
           <a:p>
             <a:endParaRPr lang="en-US" dirty="0" smtClean="0"/>
@@ -6391,7 +6351,7 @@
     </p:spTree>
     <p:extLst>
       <p:ext uri="{BB962C8B-B14F-4D97-AF65-F5344CB8AC3E}">
-        <p14:creationId xmlns:p14="http://schemas.microsoft.com/office/powerpoint/2010/main" xmlns="" val="300334443"/>
+        <p14:creationId xmlns="" xmlns:p14="http://schemas.microsoft.com/office/powerpoint/2010/main" val="300334443"/>
       </p:ext>
     </p:extLst>
   </p:cSld>
@@ -6464,14 +6424,14 @@
           <p:nvPr>
             <p:extLst>
               <p:ext uri="{D42A27DB-BD31-4B8C-83A1-F6EECF244321}">
-                <p14:modId xmlns:p14="http://schemas.microsoft.com/office/powerpoint/2010/main" xmlns="" val="2536914482"/>
+                <p14:modId xmlns="" xmlns:p14="http://schemas.microsoft.com/office/powerpoint/2010/main" val="2536914482"/>
               </p:ext>
             </p:extLst>
           </p:nvPr>
         </p:nvGraphicFramePr>
         <p:xfrm>
-          <a:off x="1199693" y="1777586"/>
-          <a:ext cx="6620256" cy="3723443"/>
+          <a:off x="1206950" y="1276843"/>
+          <a:ext cx="6620256" cy="4496248"/>
         </p:xfrm>
         <a:graphic>
           <a:graphicData uri="http://schemas.openxmlformats.org/drawingml/2006/table">
@@ -6606,6 +6566,129 @@
                         </a:spcAft>
                       </a:pPr>
                       <a:r>
+                        <a:rPr lang="en-US" sz="1400" dirty="0" smtClean="0">
+                          <a:effectLst/>
+                          <a:latin typeface="Calibri" pitchFamily="34" charset="0"/>
+                          <a:cs typeface="Calibri" pitchFamily="34" charset="0"/>
+                        </a:rPr>
+                        <a:t>ARM </a:t>
+                      </a:r>
+                      <a:r>
+                        <a:rPr lang="en-US" sz="1400" dirty="0" err="1" smtClean="0">
+                          <a:effectLst/>
+                          <a:latin typeface="Calibri" pitchFamily="34" charset="0"/>
+                          <a:cs typeface="Calibri" pitchFamily="34" charset="0"/>
+                        </a:rPr>
+                        <a:t>CorePacs</a:t>
+                      </a:r>
+                      <a:endParaRPr lang="en-US" sz="1400" dirty="0">
+                        <a:effectLst/>
+                        <a:latin typeface="Calibri" pitchFamily="34" charset="0"/>
+                        <a:ea typeface="Times New Roman"/>
+                        <a:cs typeface="Calibri" pitchFamily="34" charset="0"/>
+                      </a:endParaRPr>
+                    </a:p>
+                  </a:txBody>
+                  <a:tcPr marL="68580" marR="68580" marT="0" marB="0"/>
+                </a:tc>
+                <a:tc>
+                  <a:txBody>
+                    <a:bodyPr/>
+                    <a:lstStyle/>
+                    <a:p>
+                      <a:pPr marL="0" marR="0">
+                        <a:lnSpc>
+                          <a:spcPct val="115000"/>
+                        </a:lnSpc>
+                        <a:spcBef>
+                          <a:spcPts val="0"/>
+                        </a:spcBef>
+                        <a:spcAft>
+                          <a:spcPts val="0"/>
+                        </a:spcAft>
+                      </a:pPr>
+                      <a:r>
+                        <a:rPr lang="en-US" sz="1400" dirty="0" smtClean="0">
+                          <a:effectLst/>
+                          <a:latin typeface="Calibri" pitchFamily="34" charset="0"/>
+                          <a:ea typeface="Times New Roman"/>
+                          <a:cs typeface="Calibri" pitchFamily="34" charset="0"/>
+                        </a:rPr>
+                        <a:t>2</a:t>
+                      </a:r>
+                      <a:r>
+                        <a:rPr lang="en-US" sz="1400" baseline="0" dirty="0" smtClean="0">
+                          <a:effectLst/>
+                          <a:latin typeface="Calibri" pitchFamily="34" charset="0"/>
+                          <a:ea typeface="Times New Roman"/>
+                          <a:cs typeface="Calibri" pitchFamily="34" charset="0"/>
+                        </a:rPr>
+                        <a:t> or 4</a:t>
+                      </a:r>
+                      <a:endParaRPr lang="en-US" sz="1400" dirty="0">
+                        <a:effectLst/>
+                        <a:latin typeface="Calibri" pitchFamily="34" charset="0"/>
+                        <a:ea typeface="Times New Roman"/>
+                        <a:cs typeface="Calibri" pitchFamily="34" charset="0"/>
+                      </a:endParaRPr>
+                    </a:p>
+                  </a:txBody>
+                  <a:tcPr marL="68580" marR="68580" marT="0" marB="0"/>
+                </a:tc>
+                <a:tc>
+                  <a:txBody>
+                    <a:bodyPr/>
+                    <a:lstStyle/>
+                    <a:p>
+                      <a:pPr marL="0" marR="0">
+                        <a:lnSpc>
+                          <a:spcPct val="115000"/>
+                        </a:lnSpc>
+                        <a:spcBef>
+                          <a:spcPts val="0"/>
+                        </a:spcBef>
+                        <a:spcAft>
+                          <a:spcPts val="0"/>
+                        </a:spcAft>
+                      </a:pPr>
+                      <a:r>
+                        <a:rPr lang="en-US" sz="1400" dirty="0" smtClean="0">
+                          <a:effectLst/>
+                          <a:latin typeface="Calibri" pitchFamily="34" charset="0"/>
+                          <a:ea typeface="Times New Roman"/>
+                          <a:cs typeface="Calibri" pitchFamily="34" charset="0"/>
+                        </a:rPr>
+                        <a:t>1, 2, or 4</a:t>
+                      </a:r>
+                      <a:endParaRPr lang="en-US" sz="1400" dirty="0">
+                        <a:effectLst/>
+                        <a:latin typeface="Calibri" pitchFamily="34" charset="0"/>
+                        <a:ea typeface="Times New Roman"/>
+                        <a:cs typeface="Calibri" pitchFamily="34" charset="0"/>
+                      </a:endParaRPr>
+                    </a:p>
+                  </a:txBody>
+                  <a:tcPr marL="68580" marR="68580" marT="0" marB="0"/>
+                </a:tc>
+              </a:tr>
+              <a:tr h="247201">
+                <a:tc>
+                  <a:txBody>
+                    <a:bodyPr/>
+                    <a:lstStyle/>
+                    <a:p>
+                      <a:pPr marL="0" marR="0">
+                        <a:lnSpc>
+                          <a:spcPct val="115000"/>
+                        </a:lnSpc>
+                        <a:spcBef>
+                          <a:spcPts val="0"/>
+                        </a:spcBef>
+                        <a:spcAft>
+                          <a:spcPts val="0"/>
+                        </a:spcAft>
+                      </a:pPr>
+                      <a:r>
                         <a:rPr lang="en-US" sz="1400" dirty="0">
                           <a:effectLst/>
                           <a:latin typeface="Calibri" pitchFamily="34" charset="0"/>
@@ -6648,12 +6731,12 @@
                         </a:spcAft>
                       </a:pPr>
                       <a:r>
-                        <a:rPr lang="en-US" sz="1400" dirty="0">
+                        <a:rPr lang="en-US" sz="1400" dirty="0" smtClean="0">
                           <a:effectLst/>
                           <a:latin typeface="Calibri" pitchFamily="34" charset="0"/>
                           <a:cs typeface="Calibri" pitchFamily="34" charset="0"/>
                         </a:rPr>
-                        <a:t>Up to 8</a:t>
+                        <a:t>4 or 8</a:t>
                       </a:r>
                       <a:endParaRPr lang="en-US" sz="1100" dirty="0">
                         <a:effectLst/>
@@ -7113,12 +7196,12 @@
                         </a:spcAft>
                       </a:pPr>
                       <a:r>
-                        <a:rPr lang="en-US" sz="1400" dirty="0">
+                        <a:rPr lang="en-US" sz="1400" dirty="0" smtClean="0">
                           <a:effectLst/>
                           <a:latin typeface="Calibri" pitchFamily="34" charset="0"/>
                           <a:cs typeface="Calibri" pitchFamily="34" charset="0"/>
                         </a:rPr>
-                        <a:t>5</a:t>
+                        <a:t>5x</a:t>
                       </a:r>
                       <a:endParaRPr lang="en-US" sz="1100" dirty="0">
                         <a:effectLst/>
@@ -7147,12 +7230,12 @@
                         </a:spcAft>
                       </a:pPr>
                       <a:r>
-                        <a:rPr lang="en-US" sz="1400" dirty="0">
+                        <a:rPr lang="en-US" sz="1400" dirty="0" smtClean="0">
                           <a:effectLst/>
                           <a:latin typeface="Calibri" pitchFamily="34" charset="0"/>
                           <a:cs typeface="Calibri" pitchFamily="34" charset="0"/>
                         </a:rPr>
-                        <a:t>3</a:t>
+                        <a:t>3x</a:t>
                       </a:r>
                       <a:endParaRPr lang="en-US" sz="1100" dirty="0">
                         <a:effectLst/>
@@ -7217,12 +7300,12 @@
                         </a:spcAft>
                       </a:pPr>
                       <a:r>
-                        <a:rPr lang="en-US" sz="1400" dirty="0">
+                        <a:rPr lang="en-US" sz="1400" smtClean="0">
                           <a:effectLst/>
                           <a:latin typeface="Calibri" pitchFamily="34" charset="0"/>
                           <a:cs typeface="Calibri" pitchFamily="34" charset="0"/>
                         </a:rPr>
-                        <a:t>4 lanes </a:t>
+                        <a:t>4x </a:t>
                       </a:r>
                       <a:r>
                         <a:rPr lang="en-US" sz="1400" dirty="0" smtClean="0">
@@ -7482,12 +7565,12 @@
                         </a:spcAft>
                       </a:pPr>
                       <a:r>
-                        <a:rPr lang="en-US" sz="1400" dirty="0">
+                        <a:rPr lang="en-US" sz="1400" dirty="0" smtClean="0">
                           <a:effectLst/>
                           <a:latin typeface="Calibri" pitchFamily="34" charset="0"/>
                           <a:cs typeface="Calibri" pitchFamily="34" charset="0"/>
                         </a:rPr>
-                        <a:t>2 Links</a:t>
+                        <a:t>2x</a:t>
                       </a:r>
                       <a:endParaRPr lang="en-US" sz="1100" dirty="0">
                         <a:effectLst/>
@@ -7516,12 +7599,222 @@
                         </a:spcAft>
                       </a:pPr>
                       <a:r>
-                        <a:rPr lang="en-US" sz="1400" dirty="0">
+                        <a:rPr lang="en-US" sz="1400" dirty="0" smtClean="0">
                           <a:effectLst/>
                           <a:latin typeface="Calibri" pitchFamily="34" charset="0"/>
                           <a:cs typeface="Calibri" pitchFamily="34" charset="0"/>
                         </a:rPr>
-                        <a:t>1 link</a:t>
+                        <a:t>1x</a:t>
+                      </a:r>
+                      <a:endParaRPr lang="en-US" sz="1100" dirty="0">
+                        <a:effectLst/>
+                        <a:latin typeface="Calibri" pitchFamily="34" charset="0"/>
+                        <a:ea typeface="Times New Roman"/>
+                        <a:cs typeface="Calibri" pitchFamily="34" charset="0"/>
+                      </a:endParaRPr>
+                    </a:p>
+                  </a:txBody>
+                  <a:tcPr marL="68580" marR="68580" marT="0" marB="0"/>
+                </a:tc>
+              </a:tr>
+              <a:tr h="264347">
+                <a:tc>
+                  <a:txBody>
+                    <a:bodyPr/>
+                    <a:lstStyle/>
+                    <a:p>
+                      <a:pPr marL="0" marR="0">
+                        <a:lnSpc>
+                          <a:spcPct val="115000"/>
+                        </a:lnSpc>
+                        <a:spcBef>
+                          <a:spcPts val="0"/>
+                        </a:spcBef>
+                        <a:spcAft>
+                          <a:spcPts val="0"/>
+                        </a:spcAft>
+                      </a:pPr>
+                      <a:r>
+                        <a:rPr lang="en-US" sz="1400" dirty="0" smtClean="0">
+                          <a:effectLst/>
+                          <a:latin typeface="Calibri" pitchFamily="34" charset="0"/>
+                          <a:cs typeface="Calibri" pitchFamily="34" charset="0"/>
+                        </a:rPr>
+                        <a:t>5-Port 1GB Switch</a:t>
+                      </a:r>
+                      <a:endParaRPr lang="en-US" sz="1100" dirty="0">
+                        <a:effectLst/>
+                        <a:latin typeface="Calibri" pitchFamily="34" charset="0"/>
+                        <a:ea typeface="Times New Roman"/>
+                        <a:cs typeface="Calibri" pitchFamily="34" charset="0"/>
+                      </a:endParaRPr>
+                    </a:p>
+                  </a:txBody>
+                  <a:tcPr marL="68580" marR="68580" marT="0" marB="0"/>
+                </a:tc>
+                <a:tc>
+                  <a:txBody>
+                    <a:bodyPr/>
+                    <a:lstStyle/>
+                    <a:p>
+                      <a:pPr marL="0" marR="0">
+                        <a:lnSpc>
+                          <a:spcPct val="115000"/>
+                        </a:lnSpc>
+                        <a:spcBef>
+                          <a:spcPts val="0"/>
+                        </a:spcBef>
+                        <a:spcAft>
+                          <a:spcPts val="0"/>
+                        </a:spcAft>
+                      </a:pPr>
+                      <a:r>
+                        <a:rPr lang="en-US" sz="1400" dirty="0" smtClean="0">
+                          <a:effectLst/>
+                          <a:latin typeface="Calibri" pitchFamily="34" charset="0"/>
+                          <a:ea typeface="+mn-ea"/>
+                          <a:cs typeface="Calibri" pitchFamily="34" charset="0"/>
+                        </a:rPr>
+                        <a:t>1x</a:t>
+                      </a:r>
+                      <a:endParaRPr lang="en-US" sz="1100" dirty="0">
+                        <a:effectLst/>
+                        <a:latin typeface="Calibri" pitchFamily="34" charset="0"/>
+                        <a:ea typeface="Times New Roman"/>
+                        <a:cs typeface="Calibri" pitchFamily="34" charset="0"/>
+                      </a:endParaRPr>
+                    </a:p>
+                  </a:txBody>
+                  <a:tcPr marL="68580" marR="68580" marT="0" marB="0"/>
+                </a:tc>
+                <a:tc>
+                  <a:txBody>
+                    <a:bodyPr/>
+                    <a:lstStyle/>
+                    <a:p>
+                      <a:pPr marL="0" marR="0">
+                        <a:lnSpc>
+                          <a:spcPct val="115000"/>
+                        </a:lnSpc>
+                        <a:spcBef>
+                          <a:spcPts val="0"/>
+                        </a:spcBef>
+                        <a:spcAft>
+                          <a:spcPts val="0"/>
+                        </a:spcAft>
+                      </a:pPr>
+                      <a:r>
+                        <a:rPr lang="en-US" sz="1400" dirty="0" smtClean="0">
+                          <a:effectLst/>
+                          <a:latin typeface="Calibri" pitchFamily="34" charset="0"/>
+                          <a:cs typeface="Calibri" pitchFamily="34" charset="0"/>
+                        </a:rPr>
+                        <a:t>1-2x</a:t>
+                      </a:r>
+                      <a:endParaRPr lang="en-US" sz="1100" dirty="0">
+                        <a:effectLst/>
+                        <a:latin typeface="Calibri" pitchFamily="34" charset="0"/>
+                        <a:ea typeface="Times New Roman"/>
+                        <a:cs typeface="Calibri" pitchFamily="34" charset="0"/>
+                      </a:endParaRPr>
+                    </a:p>
+                  </a:txBody>
+                  <a:tcPr marL="68580" marR="68580" marT="0" marB="0"/>
+                </a:tc>
+              </a:tr>
+              <a:tr h="261257">
+                <a:tc>
+                  <a:txBody>
+                    <a:bodyPr/>
+                    <a:lstStyle/>
+                    <a:p>
+                      <a:pPr marL="0" marR="0">
+                        <a:lnSpc>
+                          <a:spcPct val="115000"/>
+                        </a:lnSpc>
+                        <a:spcBef>
+                          <a:spcPts val="0"/>
+                        </a:spcBef>
+                        <a:spcAft>
+                          <a:spcPts val="0"/>
+                        </a:spcAft>
+                      </a:pPr>
+                      <a:r>
+                        <a:rPr lang="en-US" sz="1400" dirty="0" smtClean="0">
+                          <a:effectLst/>
+                          <a:latin typeface="Calibri" pitchFamily="34" charset="0"/>
+                          <a:cs typeface="Calibri" pitchFamily="34" charset="0"/>
+                        </a:rPr>
+                        <a:t>3-Port 10GB Switch</a:t>
+                      </a:r>
+                      <a:endParaRPr lang="en-US" sz="1100" dirty="0">
+                        <a:effectLst/>
+                        <a:latin typeface="Calibri" pitchFamily="34" charset="0"/>
+                        <a:ea typeface="Times New Roman"/>
+                        <a:cs typeface="Calibri" pitchFamily="34" charset="0"/>
+                      </a:endParaRPr>
+                    </a:p>
+                  </a:txBody>
+                  <a:tcPr marL="68580" marR="68580" marT="0" marB="0"/>
+                </a:tc>
+                <a:tc>
+                  <a:txBody>
+                    <a:bodyPr/>
+                    <a:lstStyle/>
+                    <a:p>
+                      <a:pPr marL="0" marR="0">
+                        <a:lnSpc>
+                          <a:spcPct val="115000"/>
+                        </a:lnSpc>
+                        <a:spcBef>
+                          <a:spcPts val="0"/>
+                        </a:spcBef>
+                        <a:spcAft>
+                          <a:spcPts val="0"/>
+                        </a:spcAft>
+                      </a:pPr>
+                      <a:r>
+                        <a:rPr lang="en-US" sz="1400" dirty="0" smtClean="0">
+                          <a:effectLst/>
+                          <a:latin typeface="Calibri" pitchFamily="34" charset="0"/>
+                          <a:ea typeface="+mn-ea"/>
+                          <a:cs typeface="Calibri" pitchFamily="34" charset="0"/>
+                        </a:rPr>
+                        <a:t>NA</a:t>
+                      </a:r>
+                      <a:endParaRPr lang="en-US" sz="1100" dirty="0">
+                        <a:effectLst/>
+                        <a:latin typeface="Calibri" pitchFamily="34" charset="0"/>
+                        <a:ea typeface="Times New Roman"/>
+                        <a:cs typeface="Calibri" pitchFamily="34" charset="0"/>
+                      </a:endParaRPr>
+                    </a:p>
+                  </a:txBody>
+                  <a:tcPr marL="68580" marR="68580" marT="0" marB="0"/>
+                </a:tc>
+                <a:tc>
+                  <a:txBody>
+                    <a:bodyPr/>
+                    <a:lstStyle/>
+                    <a:p>
+                      <a:pPr marL="0" marR="0">
+                        <a:lnSpc>
+                          <a:spcPct val="115000"/>
+                        </a:lnSpc>
+                        <a:spcBef>
+                          <a:spcPts val="0"/>
+                        </a:spcBef>
+                        <a:spcAft>
+                          <a:spcPts val="0"/>
+                        </a:spcAft>
+                      </a:pPr>
+                      <a:r>
+                        <a:rPr lang="en-US" sz="1400" dirty="0" smtClean="0">
+                          <a:effectLst/>
+                          <a:latin typeface="Calibri" pitchFamily="34" charset="0"/>
+                          <a:cs typeface="Calibri" pitchFamily="34" charset="0"/>
+                        </a:rPr>
+                        <a:t>1x</a:t>
                       </a:r>
                       <a:endParaRPr lang="en-US" sz="1100" dirty="0">
                         <a:effectLst/>
@@ -7621,12 +7914,12 @@
                         </a:spcAft>
                       </a:pPr>
                       <a:r>
-                        <a:rPr lang="en-US" sz="1400" dirty="0">
+                        <a:rPr lang="en-US" sz="1400" dirty="0" smtClean="0">
                           <a:effectLst/>
                           <a:latin typeface="Calibri" pitchFamily="34" charset="0"/>
                           <a:cs typeface="Calibri" pitchFamily="34" charset="0"/>
                         </a:rPr>
-                        <a:t>1</a:t>
+                        <a:t>1x</a:t>
                       </a:r>
                       <a:endParaRPr lang="en-US" sz="1100" dirty="0">
                         <a:effectLst/>
@@ -7726,12 +8019,12 @@
                         </a:spcAft>
                       </a:pPr>
                       <a:r>
-                        <a:rPr lang="en-US" sz="1400" dirty="0">
+                        <a:rPr lang="en-US" sz="1400" dirty="0" smtClean="0">
                           <a:effectLst/>
                           <a:latin typeface="Calibri" pitchFamily="34" charset="0"/>
                           <a:cs typeface="Calibri" pitchFamily="34" charset="0"/>
                         </a:rPr>
-                        <a:t>1</a:t>
+                        <a:t>1x</a:t>
                       </a:r>
                       <a:endParaRPr lang="en-US" sz="1100" dirty="0">
                         <a:effectLst/>
@@ -7796,12 +8089,12 @@
                         </a:spcAft>
                       </a:pPr>
                       <a:r>
-                        <a:rPr lang="en-US" sz="1400" dirty="0">
+                        <a:rPr lang="en-US" sz="1400" dirty="0" smtClean="0">
                           <a:effectLst/>
                           <a:latin typeface="Calibri" pitchFamily="34" charset="0"/>
                           <a:cs typeface="Calibri" pitchFamily="34" charset="0"/>
                         </a:rPr>
-                        <a:t>1</a:t>
+                        <a:t>1x</a:t>
                       </a:r>
                       <a:endParaRPr lang="en-US" sz="1100" dirty="0">
                         <a:effectLst/>
@@ -7830,12 +8123,12 @@
                         </a:spcAft>
                       </a:pPr>
                       <a:r>
-                        <a:rPr lang="en-US" sz="1400" dirty="0">
+                        <a:rPr lang="en-US" sz="1400" dirty="0" smtClean="0">
                           <a:effectLst/>
                           <a:latin typeface="Calibri" pitchFamily="34" charset="0"/>
                           <a:cs typeface="Calibri" pitchFamily="34" charset="0"/>
                         </a:rPr>
-                        <a:t>2</a:t>
+                        <a:t>2x</a:t>
                       </a:r>
                       <a:endParaRPr lang="en-US" sz="1100" dirty="0">
                         <a:effectLst/>
@@ -8017,7 +8310,7 @@
                           <a:latin typeface="Calibri" pitchFamily="34" charset="0"/>
                           <a:cs typeface="Calibri" pitchFamily="34" charset="0"/>
                         </a:rPr>
-                        <a:t>1</a:t>
+                        <a:t>1x</a:t>
                       </a:r>
                       <a:endParaRPr lang="en-US" sz="1100" dirty="0">
                         <a:effectLst/>
@@ -8051,7 +8344,7 @@
                           <a:latin typeface="Calibri" pitchFamily="34" charset="0"/>
                           <a:cs typeface="Calibri" pitchFamily="34" charset="0"/>
                         </a:rPr>
-                        <a:t>3</a:t>
+                        <a:t>3x</a:t>
                       </a:r>
                       <a:endParaRPr lang="en-US" sz="1100" dirty="0">
                         <a:effectLst/>
@@ -8091,14 +8384,14 @@
           <a:effectLst/>
           <a:extLst>
             <a:ext uri="{909E8E84-426E-40DD-AFC4-6F175D3DCCD1}">
-              <a14:hiddenFill xmlns:a14="http://schemas.microsoft.com/office/drawing/2010/main" xmlns="">
+              <a14:hiddenFill xmlns="" xmlns:a14="http://schemas.microsoft.com/office/drawing/2010/main">
                 <a:solidFill>
                   <a:schemeClr val="accent1"/>
                 </a:solidFill>
               </a14:hiddenFill>
             </a:ext>
             <a:ext uri="{91240B29-F687-4F45-9708-019B960494DF}">
-              <a14:hiddenLine xmlns:a14="http://schemas.microsoft.com/office/drawing/2010/main" xmlns="" w="9525">
+              <a14:hiddenLine xmlns="" xmlns:a14="http://schemas.microsoft.com/office/drawing/2010/main" w="9525">
                 <a:solidFill>
                   <a:schemeClr val="tx1"/>
                 </a:solidFill>
@@ -8108,7 +8401,7 @@
               </a14:hiddenLine>
             </a:ext>
             <a:ext uri="{AF507438-7753-43E0-B8FC-AC1667EBCBE1}">
-              <a14:hiddenEffects xmlns:a14="http://schemas.microsoft.com/office/drawing/2010/main" xmlns="">
+              <a14:hiddenEffects xmlns="" xmlns:a14="http://schemas.microsoft.com/office/drawing/2010/main">
                 <a:effectLst>
                   <a:outerShdw dist="35921" dir="2700000" algn="ctr" rotWithShape="0">
                     <a:schemeClr val="bg2"/>
@@ -8160,7 +8453,7 @@
     </p:spTree>
     <p:extLst>
       <p:ext uri="{BB962C8B-B14F-4D97-AF65-F5344CB8AC3E}">
-        <p14:creationId xmlns:p14="http://schemas.microsoft.com/office/powerpoint/2010/main" xmlns="" val="3416953927"/>
+        <p14:creationId xmlns="" xmlns:p14="http://schemas.microsoft.com/office/powerpoint/2010/main" val="3416953927"/>
       </p:ext>
     </p:extLst>
   </p:cSld>
@@ -8280,31 +8573,7 @@
               <a:rPr lang="en-US" sz="2400" kern="1200" dirty="0" smtClean="0">
                 <a:ea typeface="+mn-ea"/>
               </a:rPr>
-              <a:t>Efficient </a:t>
-            </a:r>
-            <a:r>
-              <a:rPr lang="en-US" sz="2400" kern="1200" dirty="0" smtClean="0">
-                <a:ea typeface="+mn-ea"/>
-              </a:rPr>
-              <a:t>signal-processing calculations; Fixed-point </a:t>
-            </a:r>
-            <a:r>
-              <a:rPr lang="en-US" sz="2400" kern="1200" dirty="0" smtClean="0">
-                <a:ea typeface="+mn-ea"/>
-              </a:rPr>
-              <a:t>or </a:t>
-            </a:r>
-            <a:r>
-              <a:rPr lang="en-US" sz="2400" kern="1200" dirty="0" smtClean="0">
-                <a:ea typeface="+mn-ea"/>
-              </a:rPr>
-              <a:t>floating-point </a:t>
-            </a:r>
-            <a:r>
-              <a:rPr lang="en-US" sz="2400" kern="1200" dirty="0" smtClean="0">
-                <a:ea typeface="+mn-ea"/>
-              </a:rPr>
-              <a:t>or both</a:t>
+              <a:t>Efficient signal-processing calculations; Fixed-point or floating-point or both</a:t>
             </a:r>
           </a:p>
           <a:p>
@@ -8325,9 +8594,6 @@
               </a:rPr>
               <a:t>Efficient power and performance:</a:t>
             </a:r>
-            <a:endParaRPr lang="en-US" sz="2400" kern="1200" dirty="0" smtClean="0">
-              <a:ea typeface="+mn-ea"/>
-            </a:endParaRPr>
           </a:p>
           <a:p>
             <a:pPr marL="742950" lvl="1" indent="-285750">
@@ -8347,9 +8613,6 @@
               </a:rPr>
               <a:t>ARM A15 has high processing-to-power ratio</a:t>
             </a:r>
-            <a:endParaRPr lang="en-US" sz="2000" kern="1200" dirty="0" smtClean="0">
-              <a:ea typeface="+mn-ea"/>
-            </a:endParaRPr>
           </a:p>
           <a:p>
             <a:pPr marL="742950" lvl="1" indent="-285750">
@@ -8367,19 +8630,7 @@
               <a:rPr lang="en-US" sz="2000" kern="1200" dirty="0" smtClean="0">
                 <a:ea typeface="+mn-ea"/>
               </a:rPr>
-              <a:t>NET</a:t>
-            </a:r>
-            <a:r>
-              <a:rPr lang="en-US" sz="2000" kern="1200" dirty="0" smtClean="0">
-                <a:ea typeface="+mn-ea"/>
-              </a:rPr>
-              <a:t>CP</a:t>
-            </a:r>
-            <a:r>
-              <a:rPr lang="en-US" sz="2000" kern="1200" dirty="0" smtClean="0">
-                <a:ea typeface="+mn-ea"/>
-              </a:rPr>
-              <a:t> offloads network processing</a:t>
+              <a:t>NETCP offloads network processing</a:t>
             </a:r>
             <a:endParaRPr lang="en-US" sz="2400" kern="1200" dirty="0" smtClean="0"/>
           </a:p>
@@ -8479,7 +8730,7 @@
     </p:spTree>
     <p:extLst>
       <p:ext uri="{BB962C8B-B14F-4D97-AF65-F5344CB8AC3E}">
-        <p14:creationId xmlns:p14="http://schemas.microsoft.com/office/powerpoint/2010/main" xmlns="" val="821418795"/>
+        <p14:creationId xmlns="" xmlns:p14="http://schemas.microsoft.com/office/powerpoint/2010/main" val="821418795"/>
       </p:ext>
     </p:extLst>
   </p:cSld>
@@ -8830,7 +9081,7 @@
     </p:custDataLst>
     <p:extLst>
       <p:ext uri="{BB962C8B-B14F-4D97-AF65-F5344CB8AC3E}">
-        <p14:creationId xmlns:p14="http://schemas.microsoft.com/office/powerpoint/2010/main" xmlns="" val="3691244631"/>
+        <p14:creationId xmlns="" xmlns:p14="http://schemas.microsoft.com/office/powerpoint/2010/main" val="3691244631"/>
       </p:ext>
     </p:extLst>
   </p:cSld>
@@ -9308,7 +9559,7 @@
     </p:custDataLst>
     <p:extLst>
       <p:ext uri="{BB962C8B-B14F-4D97-AF65-F5344CB8AC3E}">
-        <p14:creationId xmlns:p14="http://schemas.microsoft.com/office/powerpoint/2010/main" xmlns="" val="856361381"/>
+        <p14:creationId xmlns="" xmlns:p14="http://schemas.microsoft.com/office/powerpoint/2010/main" val="856361381"/>
       </p:ext>
     </p:extLst>
   </p:cSld>
@@ -9395,14 +9646,14 @@
           <a:effectLst/>
           <a:extLst>
             <a:ext uri="{909E8E84-426E-40DD-AFC4-6F175D3DCCD1}">
-              <a14:hiddenFill xmlns:a14="http://schemas.microsoft.com/office/drawing/2010/main" xmlns="">
+              <a14:hiddenFill xmlns="" xmlns:a14="http://schemas.microsoft.com/office/drawing/2010/main">
                 <a:solidFill>
                   <a:schemeClr val="accent1"/>
                 </a:solidFill>
               </a14:hiddenFill>
             </a:ext>
             <a:ext uri="{91240B29-F687-4F45-9708-019B960494DF}">
-              <a14:hiddenLine xmlns:a14="http://schemas.microsoft.com/office/drawing/2010/main" xmlns="" w="9525">
+              <a14:hiddenLine xmlns="" xmlns:a14="http://schemas.microsoft.com/office/drawing/2010/main" w="9525">
                 <a:solidFill>
                   <a:schemeClr val="tx1"/>
                 </a:solidFill>
@@ -9412,7 +9663,7 @@
               </a14:hiddenLine>
             </a:ext>
             <a:ext uri="{AF507438-7753-43E0-B8FC-AC1667EBCBE1}">
-              <a14:hiddenEffects xmlns:a14="http://schemas.microsoft.com/office/drawing/2010/main" xmlns="">
+              <a14:hiddenEffects xmlns="" xmlns:a14="http://schemas.microsoft.com/office/drawing/2010/main">
                 <a:effectLst>
                   <a:outerShdw dist="35921" dir="2700000" algn="ctr" rotWithShape="0">
                     <a:schemeClr val="bg2"/>
@@ -9470,7 +9721,7 @@
           <p:nvPr>
             <p:extLst>
               <p:ext uri="{D42A27DB-BD31-4B8C-83A1-F6EECF244321}">
-                <p14:modId xmlns:p14="http://schemas.microsoft.com/office/powerpoint/2010/main" xmlns="" val="3829498261"/>
+                <p14:modId xmlns="" xmlns:p14="http://schemas.microsoft.com/office/powerpoint/2010/main" val="3829498261"/>
               </p:ext>
             </p:extLst>
           </p:nvPr>
@@ -9481,7 +9732,7 @@
         </p:xfrm>
         <a:graphic>
           <a:graphicData uri="http://schemas.openxmlformats.org/presentationml/2006/ole">
-            <p:oleObj spid="_x0000_s84997" name="Visio" r:id="rId3" imgW="8321715" imgH="6803957" progId="">
+            <p:oleObj spid="_x0000_s84997" name="Visio" r:id="rId3" imgW="8321715" imgH="6803957" progId="Visio.Drawing.11">
               <p:embed/>
             </p:oleObj>
           </a:graphicData>
@@ -9519,7 +9770,7 @@
     </p:spTree>
     <p:extLst>
       <p:ext uri="{BB962C8B-B14F-4D97-AF65-F5344CB8AC3E}">
-        <p14:creationId xmlns:p14="http://schemas.microsoft.com/office/powerpoint/2010/main" xmlns="" val="1580231294"/>
+        <p14:creationId xmlns="" xmlns:p14="http://schemas.microsoft.com/office/powerpoint/2010/main" val="1580231294"/>
       </p:ext>
     </p:extLst>
   </p:cSld>
@@ -9784,7 +10035,7 @@
     </p:custDataLst>
     <p:extLst>
       <p:ext uri="{BB962C8B-B14F-4D97-AF65-F5344CB8AC3E}">
-        <p14:creationId xmlns:p14="http://schemas.microsoft.com/office/powerpoint/2010/main" xmlns="" val="2071910042"/>
+        <p14:creationId xmlns="" xmlns:p14="http://schemas.microsoft.com/office/powerpoint/2010/main" val="2071910042"/>
       </p:ext>
     </p:extLst>
   </p:cSld>
@@ -10032,10 +10283,6 @@
               </a:rPr>
               <a:t>)</a:t>
             </a:r>
-            <a:endParaRPr lang="en-US" sz="2400" dirty="0" smtClean="0">
-              <a:latin typeface="Calibri" pitchFamily="34" charset="0"/>
-              <a:cs typeface="Calibri" pitchFamily="34" charset="0"/>
-            </a:endParaRPr>
           </a:p>
           <a:p>
             <a:pPr marL="285750" lvl="0" indent="-285750">
@@ -10139,7 +10386,7 @@
     </p:custDataLst>
     <p:extLst>
       <p:ext uri="{BB962C8B-B14F-4D97-AF65-F5344CB8AC3E}">
-        <p14:creationId xmlns:p14="http://schemas.microsoft.com/office/powerpoint/2010/main" xmlns="" val="3238446912"/>
+        <p14:creationId xmlns="" xmlns:p14="http://schemas.microsoft.com/office/powerpoint/2010/main" val="3238446912"/>
       </p:ext>
     </p:extLst>
   </p:cSld>
@@ -10226,14 +10473,14 @@
           <a:effectLst/>
           <a:extLst>
             <a:ext uri="{909E8E84-426E-40DD-AFC4-6F175D3DCCD1}">
-              <a14:hiddenFill xmlns:a14="http://schemas.microsoft.com/office/drawing/2010/main" xmlns="">
+              <a14:hiddenFill xmlns="" xmlns:a14="http://schemas.microsoft.com/office/drawing/2010/main">
                 <a:solidFill>
                   <a:schemeClr val="accent1"/>
                 </a:solidFill>
               </a14:hiddenFill>
             </a:ext>
             <a:ext uri="{91240B29-F687-4F45-9708-019B960494DF}">
-              <a14:hiddenLine xmlns:a14="http://schemas.microsoft.com/office/drawing/2010/main" xmlns="" w="9525">
+              <a14:hiddenLine xmlns="" xmlns:a14="http://schemas.microsoft.com/office/drawing/2010/main" w="9525">
                 <a:solidFill>
                   <a:schemeClr val="tx1"/>
                 </a:solidFill>
@@ -10243,7 +10490,7 @@
               </a14:hiddenLine>
             </a:ext>
             <a:ext uri="{AF507438-7753-43E0-B8FC-AC1667EBCBE1}">
-              <a14:hiddenEffects xmlns:a14="http://schemas.microsoft.com/office/drawing/2010/main" xmlns="">
+              <a14:hiddenEffects xmlns="" xmlns:a14="http://schemas.microsoft.com/office/drawing/2010/main">
                 <a:effectLst>
                   <a:outerShdw dist="35921" dir="2700000" algn="ctr" rotWithShape="0">
                     <a:schemeClr val="bg2"/>
@@ -10301,7 +10548,7 @@
           <p:nvPr>
             <p:extLst>
               <p:ext uri="{D42A27DB-BD31-4B8C-83A1-F6EECF244321}">
-                <p14:modId xmlns:p14="http://schemas.microsoft.com/office/powerpoint/2010/main" xmlns="" val="601772777"/>
+                <p14:modId xmlns="" xmlns:p14="http://schemas.microsoft.com/office/powerpoint/2010/main" val="601772777"/>
               </p:ext>
             </p:extLst>
           </p:nvPr>
@@ -10312,7 +10559,7 @@
         </p:xfrm>
         <a:graphic>
           <a:graphicData uri="http://schemas.openxmlformats.org/presentationml/2006/ole">
-            <p:oleObj spid="_x0000_s86021" name="Visio" r:id="rId3" imgW="8321715" imgH="6803957" progId="">
+            <p:oleObj spid="_x0000_s86021" name="Visio" r:id="rId3" imgW="8321715" imgH="6803957" progId="Visio.Drawing.11">
               <p:embed/>
             </p:oleObj>
           </a:graphicData>
@@ -10350,7 +10597,7 @@
     </p:spTree>
     <p:extLst>
       <p:ext uri="{BB962C8B-B14F-4D97-AF65-F5344CB8AC3E}">
-        <p14:creationId xmlns:p14="http://schemas.microsoft.com/office/powerpoint/2010/main" xmlns="" val="1958137510"/>
+        <p14:creationId xmlns="" xmlns:p14="http://schemas.microsoft.com/office/powerpoint/2010/main" val="1958137510"/>
       </p:ext>
     </p:extLst>
   </p:cSld>
@@ -10470,14 +10717,7 @@
                 <a:latin typeface="Calibri" pitchFamily="34" charset="0"/>
                 <a:cs typeface="Calibri" pitchFamily="34" charset="0"/>
               </a:rPr>
-              <a:t> </a:t>
-            </a:r>
-            <a:r>
-              <a:rPr lang="en-US" sz="2400" dirty="0" smtClean="0">
-                <a:latin typeface="Calibri" pitchFamily="34" charset="0"/>
-                <a:cs typeface="Calibri" pitchFamily="34" charset="0"/>
-              </a:rPr>
-              <a:t>device (First in the </a:t>
+              <a:t> device (First in the </a:t>
             </a:r>
             <a:r>
               <a:rPr lang="en-US" sz="2400" dirty="0" err="1" smtClean="0">
@@ -10493,10 +10733,6 @@
               </a:rPr>
               <a:t> architecture)</a:t>
             </a:r>
-            <a:endParaRPr lang="en-US" sz="2400" dirty="0" smtClean="0">
-              <a:latin typeface="Calibri" pitchFamily="34" charset="0"/>
-              <a:cs typeface="Calibri" pitchFamily="34" charset="0"/>
-            </a:endParaRPr>
           </a:p>
           <a:p>
             <a:pPr marL="285750" lvl="1" indent="-285750">
@@ -10699,7 +10935,7 @@
     </p:custDataLst>
     <p:extLst>
       <p:ext uri="{BB962C8B-B14F-4D97-AF65-F5344CB8AC3E}">
-        <p14:creationId xmlns:p14="http://schemas.microsoft.com/office/powerpoint/2010/main" xmlns="" val="873099895"/>
+        <p14:creationId xmlns="" xmlns:p14="http://schemas.microsoft.com/office/powerpoint/2010/main" val="873099895"/>
       </p:ext>
     </p:extLst>
   </p:cSld>
@@ -10795,13 +11031,8 @@
           <a:p>
             <a:r>
               <a:rPr lang="en-US" sz="2800" dirty="0" smtClean="0"/>
-              <a:t>K2E </a:t>
+              <a:t>K2E Software</a:t>
             </a:r>
-            <a:r>
-              <a:rPr lang="en-US" sz="2800" dirty="0" smtClean="0"/>
-              <a:t>Software</a:t>
-            </a:r>
-            <a:endParaRPr lang="en-US" sz="2800" dirty="0" smtClean="0"/>
           </a:p>
           <a:p>
             <a:r>
@@ -11178,7 +11409,7 @@
     </p:custDataLst>
     <p:extLst>
       <p:ext uri="{BB962C8B-B14F-4D97-AF65-F5344CB8AC3E}">
-        <p14:creationId xmlns:p14="http://schemas.microsoft.com/office/powerpoint/2010/main" xmlns="" val="3461455567"/>
+        <p14:creationId xmlns="" xmlns:p14="http://schemas.microsoft.com/office/powerpoint/2010/main" val="3461455567"/>
       </p:ext>
     </p:extLst>
   </p:cSld>
@@ -11324,14 +11555,7 @@
                 <a:latin typeface="Calibri" pitchFamily="34" charset="0"/>
                 <a:cs typeface="Calibri" pitchFamily="34" charset="0"/>
               </a:rPr>
-              <a:t>High-performance </a:t>
-            </a:r>
-            <a:r>
-              <a:rPr lang="en-US" sz="2000" dirty="0" smtClean="0">
-                <a:latin typeface="Calibri" pitchFamily="34" charset="0"/>
-                <a:cs typeface="Calibri" pitchFamily="34" charset="0"/>
-              </a:rPr>
-              <a:t>processing</a:t>
+              <a:t>High-performance processing</a:t>
             </a:r>
           </a:p>
           <a:p>
@@ -11451,14 +11675,7 @@
                 <a:latin typeface="Calibri" pitchFamily="34" charset="0"/>
                 <a:cs typeface="Calibri" pitchFamily="34" charset="0"/>
               </a:rPr>
-              <a:t>Efficient </a:t>
-            </a:r>
-            <a:r>
-              <a:rPr lang="en-US" sz="2000" dirty="0" smtClean="0">
-                <a:latin typeface="Calibri" pitchFamily="34" charset="0"/>
-                <a:cs typeface="Calibri" pitchFamily="34" charset="0"/>
-              </a:rPr>
-              <a:t>memory and internal bus utilization (MSMC, TeraNet)  </a:t>
+              <a:t>Efficient memory and internal bus utilization (MSMC, TeraNet)  </a:t>
             </a:r>
           </a:p>
           <a:p>
@@ -11478,14 +11695,7 @@
                 <a:latin typeface="Calibri" pitchFamily="34" charset="0"/>
                 <a:cs typeface="Calibri" pitchFamily="34" charset="0"/>
               </a:rPr>
-              <a:t>Support </a:t>
-            </a:r>
-            <a:r>
-              <a:rPr lang="en-US" sz="2000" dirty="0" smtClean="0">
-                <a:latin typeface="Calibri" pitchFamily="34" charset="0"/>
-                <a:cs typeface="Calibri" pitchFamily="34" charset="0"/>
-              </a:rPr>
-              <a:t>for big </a:t>
+              <a:t>Support for big </a:t>
             </a:r>
             <a:r>
               <a:rPr lang="en-US" sz="2000" dirty="0">
@@ -11566,7 +11776,7 @@
     </p:custDataLst>
     <p:extLst>
       <p:ext uri="{BB962C8B-B14F-4D97-AF65-F5344CB8AC3E}">
-        <p14:creationId xmlns:p14="http://schemas.microsoft.com/office/powerpoint/2010/main" xmlns="" val="3461455567"/>
+        <p14:creationId xmlns="" xmlns:p14="http://schemas.microsoft.com/office/powerpoint/2010/main" val="3461455567"/>
       </p:ext>
     </p:extLst>
   </p:cSld>
@@ -11653,14 +11863,14 @@
           <a:effectLst/>
           <a:extLst>
             <a:ext uri="{909E8E84-426E-40DD-AFC4-6F175D3DCCD1}">
-              <a14:hiddenFill xmlns:a14="http://schemas.microsoft.com/office/drawing/2010/main" xmlns="">
+              <a14:hiddenFill xmlns="" xmlns:a14="http://schemas.microsoft.com/office/drawing/2010/main">
                 <a:solidFill>
                   <a:schemeClr val="accent1"/>
                 </a:solidFill>
               </a14:hiddenFill>
             </a:ext>
             <a:ext uri="{91240B29-F687-4F45-9708-019B960494DF}">
-              <a14:hiddenLine xmlns:a14="http://schemas.microsoft.com/office/drawing/2010/main" xmlns="" w="9525">
+              <a14:hiddenLine xmlns="" xmlns:a14="http://schemas.microsoft.com/office/drawing/2010/main" w="9525">
                 <a:solidFill>
                   <a:schemeClr val="tx1"/>
                 </a:solidFill>
@@ -11670,7 +11880,7 @@
               </a14:hiddenLine>
             </a:ext>
             <a:ext uri="{AF507438-7753-43E0-B8FC-AC1667EBCBE1}">
-              <a14:hiddenEffects xmlns:a14="http://schemas.microsoft.com/office/drawing/2010/main" xmlns="">
+              <a14:hiddenEffects xmlns="" xmlns:a14="http://schemas.microsoft.com/office/drawing/2010/main">
                 <a:effectLst>
                   <a:outerShdw dist="35921" dir="2700000" algn="ctr" rotWithShape="0">
                     <a:schemeClr val="bg2"/>
@@ -11728,7 +11938,7 @@
           <p:nvPr>
             <p:extLst>
               <p:ext uri="{D42A27DB-BD31-4B8C-83A1-F6EECF244321}">
-                <p14:modId xmlns:p14="http://schemas.microsoft.com/office/powerpoint/2010/main" xmlns="" val="1983457263"/>
+                <p14:modId xmlns="" xmlns:p14="http://schemas.microsoft.com/office/powerpoint/2010/main" val="1983457263"/>
               </p:ext>
             </p:extLst>
           </p:nvPr>
@@ -11739,7 +11949,7 @@
         </p:xfrm>
         <a:graphic>
           <a:graphicData uri="http://schemas.openxmlformats.org/presentationml/2006/ole">
-            <p:oleObj spid="_x0000_s87045" name="Visio" r:id="rId3" imgW="8321715" imgH="6803957" progId="">
+            <p:oleObj spid="_x0000_s87045" name="Visio" r:id="rId3" imgW="8321715" imgH="6803957" progId="Visio.Drawing.11">
               <p:embed/>
             </p:oleObj>
           </a:graphicData>
@@ -11748,7 +11958,7 @@
     </p:spTree>
     <p:extLst>
       <p:ext uri="{BB962C8B-B14F-4D97-AF65-F5344CB8AC3E}">
-        <p14:creationId xmlns:p14="http://schemas.microsoft.com/office/powerpoint/2010/main" xmlns="" val="3802289127"/>
+        <p14:creationId xmlns="" xmlns:p14="http://schemas.microsoft.com/office/powerpoint/2010/main" val="3802289127"/>
       </p:ext>
     </p:extLst>
   </p:cSld>
@@ -12038,7 +12248,7 @@
     </p:custDataLst>
     <p:extLst>
       <p:ext uri="{BB962C8B-B14F-4D97-AF65-F5344CB8AC3E}">
-        <p14:creationId xmlns:p14="http://schemas.microsoft.com/office/powerpoint/2010/main" xmlns="" val="2835436665"/>
+        <p14:creationId xmlns="" xmlns:p14="http://schemas.microsoft.com/office/powerpoint/2010/main" val="2835436665"/>
       </p:ext>
     </p:extLst>
   </p:cSld>
@@ -12125,14 +12335,14 @@
           <a:effectLst/>
           <a:extLst>
             <a:ext uri="{909E8E84-426E-40DD-AFC4-6F175D3DCCD1}">
-              <a14:hiddenFill xmlns:a14="http://schemas.microsoft.com/office/drawing/2010/main" xmlns="">
+              <a14:hiddenFill xmlns="" xmlns:a14="http://schemas.microsoft.com/office/drawing/2010/main">
                 <a:solidFill>
                   <a:schemeClr val="accent1"/>
                 </a:solidFill>
               </a14:hiddenFill>
             </a:ext>
             <a:ext uri="{91240B29-F687-4F45-9708-019B960494DF}">
-              <a14:hiddenLine xmlns:a14="http://schemas.microsoft.com/office/drawing/2010/main" xmlns="" w="9525">
+              <a14:hiddenLine xmlns="" xmlns:a14="http://schemas.microsoft.com/office/drawing/2010/main" w="9525">
                 <a:solidFill>
                   <a:schemeClr val="tx1"/>
                 </a:solidFill>
@@ -12142,7 +12352,7 @@
               </a14:hiddenLine>
             </a:ext>
             <a:ext uri="{AF507438-7753-43E0-B8FC-AC1667EBCBE1}">
-              <a14:hiddenEffects xmlns:a14="http://schemas.microsoft.com/office/drawing/2010/main" xmlns="">
+              <a14:hiddenEffects xmlns="" xmlns:a14="http://schemas.microsoft.com/office/drawing/2010/main">
                 <a:effectLst>
                   <a:outerShdw dist="35921" dir="2700000" algn="ctr" rotWithShape="0">
                     <a:schemeClr val="bg2"/>
@@ -12200,7 +12410,7 @@
           <p:nvPr>
             <p:extLst>
               <p:ext uri="{D42A27DB-BD31-4B8C-83A1-F6EECF244321}">
-                <p14:modId xmlns:p14="http://schemas.microsoft.com/office/powerpoint/2010/main" xmlns="" val="2083442245"/>
+                <p14:modId xmlns="" xmlns:p14="http://schemas.microsoft.com/office/powerpoint/2010/main" val="2083442245"/>
               </p:ext>
             </p:extLst>
           </p:nvPr>
@@ -12211,7 +12421,7 @@
         </p:xfrm>
         <a:graphic>
           <a:graphicData uri="http://schemas.openxmlformats.org/presentationml/2006/ole">
-            <p:oleObj spid="_x0000_s88069" name="Visio" r:id="rId3" imgW="8321715" imgH="6803957" progId="">
+            <p:oleObj spid="_x0000_s88069" name="Visio" r:id="rId3" imgW="8321715" imgH="6803957" progId="Visio.Drawing.11">
               <p:embed/>
             </p:oleObj>
           </a:graphicData>
@@ -12220,7 +12430,7 @@
     </p:spTree>
     <p:extLst>
       <p:ext uri="{BB962C8B-B14F-4D97-AF65-F5344CB8AC3E}">
-        <p14:creationId xmlns:p14="http://schemas.microsoft.com/office/powerpoint/2010/main" xmlns="" val="3874421043"/>
+        <p14:creationId xmlns="" xmlns:p14="http://schemas.microsoft.com/office/powerpoint/2010/main" val="3874421043"/>
       </p:ext>
     </p:extLst>
   </p:cSld>
@@ -12272,11 +12482,7 @@
             <a:pPr algn="l"/>
             <a:r>
               <a:rPr lang="en-US" dirty="0" smtClean="0"/>
-              <a:t>K2E </a:t>
-            </a:r>
-            <a:r>
-              <a:rPr lang="en-US" dirty="0" smtClean="0"/>
-              <a:t>Software</a:t>
+              <a:t>K2E Software</a:t>
             </a:r>
             <a:endParaRPr lang="en-US" dirty="0"/>
           </a:p>
@@ -12627,19 +12833,7 @@
               <a:rPr lang="en-US" sz="2400" kern="1200" dirty="0" smtClean="0">
                 <a:ea typeface="+mn-ea"/>
               </a:rPr>
-              <a:t>Automatic setting of </a:t>
-            </a:r>
-            <a:r>
-              <a:rPr lang="en-US" sz="2400" kern="1200" dirty="0" smtClean="0">
-                <a:ea typeface="+mn-ea"/>
-              </a:rPr>
-              <a:t>EVM </a:t>
-            </a:r>
-            <a:r>
-              <a:rPr lang="en-US" sz="2400" kern="1200" dirty="0" smtClean="0">
-                <a:ea typeface="+mn-ea"/>
-              </a:rPr>
-              <a:t>frequency based on the chip EFUSE value instead of environment variable in </a:t>
+              <a:t>Automatic setting of EVM frequency based on the chip EFUSE value instead of environment variable in </a:t>
             </a:r>
             <a:r>
               <a:rPr lang="en-US" sz="2400" kern="1200" dirty="0" err="1" smtClean="0">
@@ -12656,7 +12850,7 @@
     </p:spTree>
     <p:extLst>
       <p:ext uri="{BB962C8B-B14F-4D97-AF65-F5344CB8AC3E}">
-        <p14:creationId xmlns:p14="http://schemas.microsoft.com/office/powerpoint/2010/main" xmlns="" val="2660321590"/>
+        <p14:creationId xmlns="" xmlns:p14="http://schemas.microsoft.com/office/powerpoint/2010/main" val="2660321590"/>
       </p:ext>
     </p:extLst>
   </p:cSld>
@@ -13153,14 +13347,7 @@
                 <a:latin typeface="Calibri" pitchFamily="34" charset="0"/>
                 <a:cs typeface="Calibri" pitchFamily="34" charset="0"/>
               </a:rPr>
-              <a:t>High-performance </a:t>
-            </a:r>
-            <a:r>
-              <a:rPr lang="en-US" dirty="0" smtClean="0">
-                <a:latin typeface="Calibri" pitchFamily="34" charset="0"/>
-                <a:cs typeface="Calibri" pitchFamily="34" charset="0"/>
-              </a:rPr>
-              <a:t>ARM + DSP</a:t>
+              <a:t>High-performance ARM + DSP</a:t>
             </a:r>
           </a:p>
           <a:p>
@@ -13173,19 +13360,8 @@
                 <a:latin typeface="Calibri" pitchFamily="34" charset="0"/>
                 <a:cs typeface="Calibri" pitchFamily="34" charset="0"/>
               </a:rPr>
-              <a:t>Memory </a:t>
+              <a:t>Memory Subsystem:</a:t>
             </a:r>
-            <a:r>
-              <a:rPr lang="en-US" dirty="0" smtClean="0">
-                <a:latin typeface="Calibri" pitchFamily="34" charset="0"/>
-                <a:cs typeface="Calibri" pitchFamily="34" charset="0"/>
-              </a:rPr>
-              <a:t>Subsystem:</a:t>
-            </a:r>
-            <a:endParaRPr lang="en-US" dirty="0" smtClean="0">
-              <a:latin typeface="Calibri" pitchFamily="34" charset="0"/>
-              <a:cs typeface="Calibri" pitchFamily="34" charset="0"/>
-            </a:endParaRPr>
           </a:p>
           <a:p>
             <a:pPr marL="742950" lvl="1" indent="-285750">
@@ -13275,19 +13451,8 @@
                 <a:latin typeface="Calibri" pitchFamily="34" charset="0"/>
                 <a:cs typeface="Calibri" pitchFamily="34" charset="0"/>
               </a:rPr>
-              <a:t>Lots of </a:t>
+              <a:t>Lots of connectivity:</a:t>
             </a:r>
-            <a:r>
-              <a:rPr lang="en-US" dirty="0" smtClean="0">
-                <a:latin typeface="Calibri" pitchFamily="34" charset="0"/>
-                <a:cs typeface="Calibri" pitchFamily="34" charset="0"/>
-              </a:rPr>
-              <a:t>connectivity:</a:t>
-            </a:r>
-            <a:endParaRPr lang="en-US" dirty="0" smtClean="0">
-              <a:latin typeface="Calibri" pitchFamily="34" charset="0"/>
-              <a:cs typeface="Calibri" pitchFamily="34" charset="0"/>
-            </a:endParaRPr>
           </a:p>
           <a:p>
             <a:pPr marL="742950" lvl="1" indent="-285750">
@@ -13299,21 +13464,7 @@
                 <a:latin typeface="Calibri" pitchFamily="34" charset="0"/>
                 <a:cs typeface="Calibri" pitchFamily="34" charset="0"/>
               </a:rPr>
-              <a:t>High bit-rate peripherals: SRIO, PCIe</a:t>
-            </a:r>
-            <a:r>
-              <a:rPr lang="en-US" dirty="0" smtClean="0">
-                <a:latin typeface="Calibri" pitchFamily="34" charset="0"/>
-                <a:cs typeface="Calibri" pitchFamily="34" charset="0"/>
-              </a:rPr>
-              <a:t>, </a:t>
-            </a:r>
-            <a:r>
-              <a:rPr lang="en-US" dirty="0" smtClean="0">
-                <a:latin typeface="Calibri" pitchFamily="34" charset="0"/>
-                <a:cs typeface="Calibri" pitchFamily="34" charset="0"/>
-              </a:rPr>
-              <a:t>Ethernet</a:t>
+              <a:t>High bit-rate peripherals: SRIO, PCIe, Ethernet</a:t>
             </a:r>
           </a:p>
           <a:p>
@@ -13328,10 +13479,6 @@
               </a:rPr>
               <a:t>Device-specific: TSIP  </a:t>
             </a:r>
-            <a:endParaRPr lang="en-US" dirty="0" smtClean="0">
-              <a:latin typeface="Calibri" pitchFamily="34" charset="0"/>
-              <a:cs typeface="Calibri" pitchFamily="34" charset="0"/>
-            </a:endParaRPr>
           </a:p>
           <a:p>
             <a:pPr marL="742950" lvl="1" indent="-285750">
@@ -13363,14 +13510,7 @@
                 <a:latin typeface="Calibri" pitchFamily="34" charset="0"/>
                 <a:cs typeface="Calibri" pitchFamily="34" charset="0"/>
               </a:rPr>
-              <a:t>TeraNet</a:t>
-            </a:r>
-            <a:r>
-              <a:rPr lang="en-US" dirty="0" smtClean="0">
-                <a:latin typeface="Calibri" pitchFamily="34" charset="0"/>
-                <a:cs typeface="Calibri" pitchFamily="34" charset="0"/>
-              </a:rPr>
-              <a:t>:</a:t>
+              <a:t>TeraNet:</a:t>
             </a:r>
           </a:p>
           <a:p>
@@ -13414,30 +13554,6 @@
           </a:p>
         </p:txBody>
       </p:sp>
-      <p:pic>
-        <p:nvPicPr>
-          <p:cNvPr id="5" name="Picture 4" descr="Func Diagram KII P10.bmp"/>
-          <p:cNvPicPr>
-            <a:picLocks noChangeAspect="1"/>
-          </p:cNvPicPr>
-          <p:nvPr/>
-        </p:nvPicPr>
-        <p:blipFill>
-          <a:blip r:embed="rId2" cstate="print"/>
-          <a:stretch>
-            <a:fillRect/>
-          </a:stretch>
-        </p:blipFill>
-        <p:spPr>
-          <a:xfrm>
-            <a:off x="0" y="870507"/>
-            <a:ext cx="5338440" cy="5449824"/>
-          </a:xfrm>
-          <a:prstGeom prst="rect">
-            <a:avLst/>
-          </a:prstGeom>
-        </p:spPr>
-      </p:pic>
       <p:sp>
         <p:nvSpPr>
           <p:cNvPr id="6" name="Slide Number Placeholder 3"/>
@@ -13467,10 +13583,34 @@
           </a:p>
         </p:txBody>
       </p:sp>
+      <p:pic>
+        <p:nvPicPr>
+          <p:cNvPr id="7" name="Picture 6" descr="Func Diagram KII Hawking Generic.bmp"/>
+          <p:cNvPicPr>
+            <a:picLocks noChangeAspect="1"/>
+          </p:cNvPicPr>
+          <p:nvPr/>
+        </p:nvPicPr>
+        <p:blipFill>
+          <a:blip r:embed="rId2" cstate="print"/>
+          <a:stretch>
+            <a:fillRect/>
+          </a:stretch>
+        </p:blipFill>
+        <p:spPr>
+          <a:xfrm>
+            <a:off x="0" y="863052"/>
+            <a:ext cx="5341039" cy="5449824"/>
+          </a:xfrm>
+          <a:prstGeom prst="rect">
+            <a:avLst/>
+          </a:prstGeom>
+        </p:spPr>
+      </p:pic>
     </p:spTree>
     <p:extLst>
       <p:ext uri="{BB962C8B-B14F-4D97-AF65-F5344CB8AC3E}">
-        <p14:creationId xmlns:p14="http://schemas.microsoft.com/office/powerpoint/2010/main" xmlns="" val="2205743471"/>
+        <p14:creationId xmlns="" xmlns:p14="http://schemas.microsoft.com/office/powerpoint/2010/main" val="2205743471"/>
       </p:ext>
     </p:extLst>
   </p:cSld>
@@ -48334,13 +48474,6 @@
               </a:rPr>
               <a:t>, except:</a:t>
             </a:r>
-            <a:endParaRPr lang="en-US" b="1" dirty="0" smtClean="0">
-              <a:solidFill>
-                <a:srgbClr val="DE0000"/>
-              </a:solidFill>
-              <a:latin typeface="Calibri" pitchFamily="34" charset="0"/>
-              <a:cs typeface="Calibri" pitchFamily="34" charset="0"/>
-            </a:endParaRPr>
           </a:p>
           <a:p>
             <a:pPr marL="742950" lvl="1" indent="-285750">
@@ -48352,14 +48485,7 @@
                 <a:latin typeface="Calibri" pitchFamily="34" charset="0"/>
                 <a:cs typeface="Calibri" pitchFamily="34" charset="0"/>
               </a:rPr>
-              <a:t>Few</a:t>
-            </a:r>
-            <a:r>
-              <a:rPr lang="en-US" dirty="0" smtClean="0">
-                <a:latin typeface="Calibri" pitchFamily="34" charset="0"/>
-                <a:cs typeface="Calibri" pitchFamily="34" charset="0"/>
-              </a:rPr>
-              <a:t>, more generic, accelerators</a:t>
+              <a:t>Few, more generic, accelerators</a:t>
             </a:r>
           </a:p>
           <a:p>
@@ -48488,10 +48614,6 @@
               </a:rPr>
               <a:t>Power limitations (sealed box)</a:t>
             </a:r>
-            <a:endParaRPr lang="en-US" dirty="0" smtClean="0">
-              <a:latin typeface="Calibri" pitchFamily="34" charset="0"/>
-              <a:cs typeface="Calibri" pitchFamily="34" charset="0"/>
-            </a:endParaRPr>
           </a:p>
           <a:p>
             <a:pPr marL="285750" indent="-285750">
@@ -48629,7 +48751,7 @@
           <p:nvPr>
             <p:extLst>
               <p:ext uri="{D42A27DB-BD31-4B8C-83A1-F6EECF244321}">
-                <p14:modId xmlns:p14="http://schemas.microsoft.com/office/powerpoint/2010/main" xmlns="" val="4119681246"/>
+                <p14:modId xmlns="" xmlns:p14="http://schemas.microsoft.com/office/powerpoint/2010/main" val="4119681246"/>
               </p:ext>
             </p:extLst>
           </p:nvPr>
@@ -48640,7 +48762,7 @@
         </p:xfrm>
         <a:graphic>
           <a:graphicData uri="http://schemas.openxmlformats.org/presentationml/2006/ole">
-            <p:oleObj spid="_x0000_s82949" name="Visio" r:id="rId3" imgW="8321715" imgH="6803957" progId="">
+            <p:oleObj spid="_x0000_s82949" name="Visio" r:id="rId3" imgW="8321715" imgH="6803957" progId="Visio.Drawing.11">
               <p:embed/>
             </p:oleObj>
           </a:graphicData>
@@ -48752,7 +48874,7 @@
     </p:spTree>
     <p:extLst>
       <p:ext uri="{BB962C8B-B14F-4D97-AF65-F5344CB8AC3E}">
-        <p14:creationId xmlns:p14="http://schemas.microsoft.com/office/powerpoint/2010/main" xmlns="" val="2385042335"/>
+        <p14:creationId xmlns="" xmlns:p14="http://schemas.microsoft.com/office/powerpoint/2010/main" val="2385042335"/>
       </p:ext>
     </p:extLst>
   </p:cSld>
@@ -48839,14 +48961,14 @@
           <a:effectLst/>
           <a:extLst>
             <a:ext uri="{909E8E84-426E-40DD-AFC4-6F175D3DCCD1}">
-              <a14:hiddenFill xmlns:a14="http://schemas.microsoft.com/office/drawing/2010/main" xmlns="">
+              <a14:hiddenFill xmlns="" xmlns:a14="http://schemas.microsoft.com/office/drawing/2010/main">
                 <a:solidFill>
                   <a:schemeClr val="accent1"/>
                 </a:solidFill>
               </a14:hiddenFill>
             </a:ext>
             <a:ext uri="{91240B29-F687-4F45-9708-019B960494DF}">
-              <a14:hiddenLine xmlns:a14="http://schemas.microsoft.com/office/drawing/2010/main" xmlns="" w="9525">
+              <a14:hiddenLine xmlns="" xmlns:a14="http://schemas.microsoft.com/office/drawing/2010/main" w="9525">
                 <a:solidFill>
                   <a:schemeClr val="tx1"/>
                 </a:solidFill>
@@ -48856,7 +48978,7 @@
               </a14:hiddenLine>
             </a:ext>
             <a:ext uri="{AF507438-7753-43E0-B8FC-AC1667EBCBE1}">
-              <a14:hiddenEffects xmlns:a14="http://schemas.microsoft.com/office/drawing/2010/main" xmlns="">
+              <a14:hiddenEffects xmlns="" xmlns:a14="http://schemas.microsoft.com/office/drawing/2010/main">
                 <a:effectLst>
                   <a:outerShdw dist="35921" dir="2700000" algn="ctr" rotWithShape="0">
                     <a:schemeClr val="bg2"/>
@@ -48914,7 +49036,7 @@
           <p:nvPr>
             <p:extLst>
               <p:ext uri="{D42A27DB-BD31-4B8C-83A1-F6EECF244321}">
-                <p14:modId xmlns:p14="http://schemas.microsoft.com/office/powerpoint/2010/main" xmlns="" val="717525081"/>
+                <p14:modId xmlns="" xmlns:p14="http://schemas.microsoft.com/office/powerpoint/2010/main" val="717525081"/>
               </p:ext>
             </p:extLst>
           </p:nvPr>
@@ -48925,7 +49047,7 @@
         </p:xfrm>
         <a:graphic>
           <a:graphicData uri="http://schemas.openxmlformats.org/presentationml/2006/ole">
-            <p:oleObj spid="_x0000_s83973" name="Visio" r:id="rId3" imgW="8321715" imgH="6803957" progId="">
+            <p:oleObj spid="_x0000_s83973" name="Visio" r:id="rId3" imgW="8321715" imgH="6803957" progId="Visio.Drawing.11">
               <p:embed/>
             </p:oleObj>
           </a:graphicData>
@@ -48963,7 +49085,7 @@
     </p:spTree>
     <p:extLst>
       <p:ext uri="{BB962C8B-B14F-4D97-AF65-F5344CB8AC3E}">
-        <p14:creationId xmlns:p14="http://schemas.microsoft.com/office/powerpoint/2010/main" xmlns="" val="799163121"/>
+        <p14:creationId xmlns="" xmlns:p14="http://schemas.microsoft.com/office/powerpoint/2010/main" val="799163121"/>
       </p:ext>
     </p:extLst>
   </p:cSld>

--- a/slides/KeyStone_Edison.pptx
+++ b/slides/KeyStone_Edison.pptx
@@ -377,7 +377,7 @@
     </p:spTree>
     <p:extLst>
       <p:ext uri="{BB962C8B-B14F-4D97-AF65-F5344CB8AC3E}">
-        <p14:creationId xmlns="" xmlns:p14="http://schemas.microsoft.com/office/powerpoint/2010/main" val="4170102886"/>
+        <p14:creationId xmlns:p14="http://schemas.microsoft.com/office/powerpoint/2010/main" val="4170102886"/>
       </p:ext>
     </p:extLst>
   </p:cSld>
@@ -690,7 +690,7 @@
     </p:spTree>
     <p:extLst>
       <p:ext uri="{BB962C8B-B14F-4D97-AF65-F5344CB8AC3E}">
-        <p14:creationId xmlns="" xmlns:p14="http://schemas.microsoft.com/office/powerpoint/2010/main" val="419590164"/>
+        <p14:creationId xmlns:p14="http://schemas.microsoft.com/office/powerpoint/2010/main" val="419590164"/>
       </p:ext>
     </p:extLst>
   </p:cSld>
@@ -5958,8 +5958,17 @@
             <a:pPr algn="l" eaLnBrk="1" hangingPunct="1"/>
             <a:r>
               <a:rPr lang="en-US" dirty="0" smtClean="0"/>
-              <a:t>Introduction to K2E Devices</a:t>
+              <a:t>Introduction to </a:t>
             </a:r>
+            <a:r>
+              <a:rPr lang="en-US" smtClean="0"/>
+              <a:t>K2E </a:t>
+            </a:r>
+            <a:r>
+              <a:rPr lang="en-US" smtClean="0"/>
+              <a:t>Devices </a:t>
+            </a:r>
+            <a:endParaRPr lang="en-US" dirty="0" smtClean="0"/>
           </a:p>
         </p:txBody>
       </p:sp>
@@ -6351,7 +6360,7 @@
     </p:spTree>
     <p:extLst>
       <p:ext uri="{BB962C8B-B14F-4D97-AF65-F5344CB8AC3E}">
-        <p14:creationId xmlns="" xmlns:p14="http://schemas.microsoft.com/office/powerpoint/2010/main" val="300334443"/>
+        <p14:creationId xmlns:p14="http://schemas.microsoft.com/office/powerpoint/2010/main" val="300334443"/>
       </p:ext>
     </p:extLst>
   </p:cSld>
@@ -6424,7 +6433,7 @@
           <p:nvPr>
             <p:extLst>
               <p:ext uri="{D42A27DB-BD31-4B8C-83A1-F6EECF244321}">
-                <p14:modId xmlns="" xmlns:p14="http://schemas.microsoft.com/office/powerpoint/2010/main" val="2536914482"/>
+                <p14:modId xmlns:p14="http://schemas.microsoft.com/office/powerpoint/2010/main" val="2536914482"/>
               </p:ext>
             </p:extLst>
           </p:nvPr>
@@ -8384,14 +8393,14 @@
           <a:effectLst/>
           <a:extLst>
             <a:ext uri="{909E8E84-426E-40DD-AFC4-6F175D3DCCD1}">
-              <a14:hiddenFill xmlns="" xmlns:a14="http://schemas.microsoft.com/office/drawing/2010/main">
+              <a14:hiddenFill xmlns:a14="http://schemas.microsoft.com/office/drawing/2010/main">
                 <a:solidFill>
                   <a:schemeClr val="accent1"/>
                 </a:solidFill>
               </a14:hiddenFill>
             </a:ext>
             <a:ext uri="{91240B29-F687-4F45-9708-019B960494DF}">
-              <a14:hiddenLine xmlns="" xmlns:a14="http://schemas.microsoft.com/office/drawing/2010/main" w="9525">
+              <a14:hiddenLine xmlns:a14="http://schemas.microsoft.com/office/drawing/2010/main" w="9525">
                 <a:solidFill>
                   <a:schemeClr val="tx1"/>
                 </a:solidFill>
@@ -8401,7 +8410,7 @@
               </a14:hiddenLine>
             </a:ext>
             <a:ext uri="{AF507438-7753-43E0-B8FC-AC1667EBCBE1}">
-              <a14:hiddenEffects xmlns="" xmlns:a14="http://schemas.microsoft.com/office/drawing/2010/main">
+              <a14:hiddenEffects xmlns:a14="http://schemas.microsoft.com/office/drawing/2010/main">
                 <a:effectLst>
                   <a:outerShdw dist="35921" dir="2700000" algn="ctr" rotWithShape="0">
                     <a:schemeClr val="bg2"/>
@@ -8453,7 +8462,7 @@
     </p:spTree>
     <p:extLst>
       <p:ext uri="{BB962C8B-B14F-4D97-AF65-F5344CB8AC3E}">
-        <p14:creationId xmlns="" xmlns:p14="http://schemas.microsoft.com/office/powerpoint/2010/main" val="3416953927"/>
+        <p14:creationId xmlns:p14="http://schemas.microsoft.com/office/powerpoint/2010/main" val="3416953927"/>
       </p:ext>
     </p:extLst>
   </p:cSld>
@@ -8730,7 +8739,7 @@
     </p:spTree>
     <p:extLst>
       <p:ext uri="{BB962C8B-B14F-4D97-AF65-F5344CB8AC3E}">
-        <p14:creationId xmlns="" xmlns:p14="http://schemas.microsoft.com/office/powerpoint/2010/main" val="821418795"/>
+        <p14:creationId xmlns:p14="http://schemas.microsoft.com/office/powerpoint/2010/main" val="821418795"/>
       </p:ext>
     </p:extLst>
   </p:cSld>
@@ -9081,7 +9090,7 @@
     </p:custDataLst>
     <p:extLst>
       <p:ext uri="{BB962C8B-B14F-4D97-AF65-F5344CB8AC3E}">
-        <p14:creationId xmlns="" xmlns:p14="http://schemas.microsoft.com/office/powerpoint/2010/main" val="3691244631"/>
+        <p14:creationId xmlns:p14="http://schemas.microsoft.com/office/powerpoint/2010/main" val="3691244631"/>
       </p:ext>
     </p:extLst>
   </p:cSld>
@@ -9559,7 +9568,7 @@
     </p:custDataLst>
     <p:extLst>
       <p:ext uri="{BB962C8B-B14F-4D97-AF65-F5344CB8AC3E}">
-        <p14:creationId xmlns="" xmlns:p14="http://schemas.microsoft.com/office/powerpoint/2010/main" val="856361381"/>
+        <p14:creationId xmlns:p14="http://schemas.microsoft.com/office/powerpoint/2010/main" val="856361381"/>
       </p:ext>
     </p:extLst>
   </p:cSld>
@@ -9646,14 +9655,14 @@
           <a:effectLst/>
           <a:extLst>
             <a:ext uri="{909E8E84-426E-40DD-AFC4-6F175D3DCCD1}">
-              <a14:hiddenFill xmlns="" xmlns:a14="http://schemas.microsoft.com/office/drawing/2010/main">
+              <a14:hiddenFill xmlns:a14="http://schemas.microsoft.com/office/drawing/2010/main">
                 <a:solidFill>
                   <a:schemeClr val="accent1"/>
                 </a:solidFill>
               </a14:hiddenFill>
             </a:ext>
             <a:ext uri="{91240B29-F687-4F45-9708-019B960494DF}">
-              <a14:hiddenLine xmlns="" xmlns:a14="http://schemas.microsoft.com/office/drawing/2010/main" w="9525">
+              <a14:hiddenLine xmlns:a14="http://schemas.microsoft.com/office/drawing/2010/main" w="9525">
                 <a:solidFill>
                   <a:schemeClr val="tx1"/>
                 </a:solidFill>
@@ -9663,7 +9672,7 @@
               </a14:hiddenLine>
             </a:ext>
             <a:ext uri="{AF507438-7753-43E0-B8FC-AC1667EBCBE1}">
-              <a14:hiddenEffects xmlns="" xmlns:a14="http://schemas.microsoft.com/office/drawing/2010/main">
+              <a14:hiddenEffects xmlns:a14="http://schemas.microsoft.com/office/drawing/2010/main">
                 <a:effectLst>
                   <a:outerShdw dist="35921" dir="2700000" algn="ctr" rotWithShape="0">
                     <a:schemeClr val="bg2"/>
@@ -9721,7 +9730,7 @@
           <p:nvPr>
             <p:extLst>
               <p:ext uri="{D42A27DB-BD31-4B8C-83A1-F6EECF244321}">
-                <p14:modId xmlns="" xmlns:p14="http://schemas.microsoft.com/office/powerpoint/2010/main" val="3829498261"/>
+                <p14:modId xmlns:p14="http://schemas.microsoft.com/office/powerpoint/2010/main" val="3829498261"/>
               </p:ext>
             </p:extLst>
           </p:nvPr>
@@ -9732,9 +9741,59 @@
         </p:xfrm>
         <a:graphic>
           <a:graphicData uri="http://schemas.openxmlformats.org/presentationml/2006/ole">
-            <p:oleObj spid="_x0000_s84997" name="Visio" r:id="rId3" imgW="8321715" imgH="6803957" progId="Visio.Drawing.11">
-              <p:embed/>
-            </p:oleObj>
+            <mc:AlternateContent xmlns:mc="http://schemas.openxmlformats.org/markup-compatibility/2006">
+              <mc:Choice xmlns:v="urn:schemas-microsoft-com:vml" Requires="v">
+                <p:oleObj spid="_x0000_s84998" name="Visio" r:id="rId3" imgW="8321715" imgH="6803957" progId="Visio.Drawing.11">
+                  <p:embed/>
+                </p:oleObj>
+              </mc:Choice>
+              <mc:Fallback>
+                <p:oleObj name="Visio" r:id="rId3" imgW="8321715" imgH="6803957" progId="Visio.Drawing.11">
+                  <p:embed/>
+                  <p:pic>
+                    <p:nvPicPr>
+                      <p:cNvPr id="0" name="Picture 5"/>
+                      <p:cNvPicPr>
+                        <a:picLocks noChangeAspect="1" noChangeArrowheads="1"/>
+                      </p:cNvPicPr>
+                      <p:nvPr/>
+                    </p:nvPicPr>
+                    <p:blipFill>
+                      <a:blip r:embed="rId4">
+                        <a:extLst>
+                          <a:ext uri="{28A0092B-C50C-407E-A947-70E740481C1C}">
+                            <a14:useLocalDpi xmlns:a14="http://schemas.microsoft.com/office/drawing/2010/main" val="0"/>
+                          </a:ext>
+                        </a:extLst>
+                      </a:blip>
+                      <a:srcRect/>
+                      <a:stretch>
+                        <a:fillRect/>
+                      </a:stretch>
+                    </p:blipFill>
+                    <p:spPr bwMode="auto">
+                      <a:xfrm>
+                        <a:off x="1141413" y="885825"/>
+                        <a:ext cx="6591300" cy="5384800"/>
+                      </a:xfrm>
+                      <a:prstGeom prst="rect">
+                        <a:avLst/>
+                      </a:prstGeom>
+                      <a:noFill/>
+                      <a:extLst>
+                        <a:ext uri="{909E8E84-426E-40DD-AFC4-6F175D3DCCD1}">
+                          <a14:hiddenFill xmlns:a14="http://schemas.microsoft.com/office/drawing/2010/main">
+                            <a:solidFill>
+                              <a:srgbClr val="FFFFFF"/>
+                            </a:solidFill>
+                          </a14:hiddenFill>
+                        </a:ext>
+                      </a:extLst>
+                    </p:spPr>
+                  </p:pic>
+                </p:oleObj>
+              </mc:Fallback>
+            </mc:AlternateContent>
           </a:graphicData>
         </a:graphic>
       </p:graphicFrame>
@@ -9770,7 +9829,7 @@
     </p:spTree>
     <p:extLst>
       <p:ext uri="{BB962C8B-B14F-4D97-AF65-F5344CB8AC3E}">
-        <p14:creationId xmlns="" xmlns:p14="http://schemas.microsoft.com/office/powerpoint/2010/main" val="1580231294"/>
+        <p14:creationId xmlns:p14="http://schemas.microsoft.com/office/powerpoint/2010/main" val="1580231294"/>
       </p:ext>
     </p:extLst>
   </p:cSld>
@@ -10035,7 +10094,7 @@
     </p:custDataLst>
     <p:extLst>
       <p:ext uri="{BB962C8B-B14F-4D97-AF65-F5344CB8AC3E}">
-        <p14:creationId xmlns="" xmlns:p14="http://schemas.microsoft.com/office/powerpoint/2010/main" val="2071910042"/>
+        <p14:creationId xmlns:p14="http://schemas.microsoft.com/office/powerpoint/2010/main" val="2071910042"/>
       </p:ext>
     </p:extLst>
   </p:cSld>
@@ -10386,7 +10445,7 @@
     </p:custDataLst>
     <p:extLst>
       <p:ext uri="{BB962C8B-B14F-4D97-AF65-F5344CB8AC3E}">
-        <p14:creationId xmlns="" xmlns:p14="http://schemas.microsoft.com/office/powerpoint/2010/main" val="3238446912"/>
+        <p14:creationId xmlns:p14="http://schemas.microsoft.com/office/powerpoint/2010/main" val="3238446912"/>
       </p:ext>
     </p:extLst>
   </p:cSld>
@@ -10473,14 +10532,14 @@
           <a:effectLst/>
           <a:extLst>
             <a:ext uri="{909E8E84-426E-40DD-AFC4-6F175D3DCCD1}">
-              <a14:hiddenFill xmlns="" xmlns:a14="http://schemas.microsoft.com/office/drawing/2010/main">
+              <a14:hiddenFill xmlns:a14="http://schemas.microsoft.com/office/drawing/2010/main">
                 <a:solidFill>
                   <a:schemeClr val="accent1"/>
                 </a:solidFill>
               </a14:hiddenFill>
             </a:ext>
             <a:ext uri="{91240B29-F687-4F45-9708-019B960494DF}">
-              <a14:hiddenLine xmlns="" xmlns:a14="http://schemas.microsoft.com/office/drawing/2010/main" w="9525">
+              <a14:hiddenLine xmlns:a14="http://schemas.microsoft.com/office/drawing/2010/main" w="9525">
                 <a:solidFill>
                   <a:schemeClr val="tx1"/>
                 </a:solidFill>
@@ -10490,7 +10549,7 @@
               </a14:hiddenLine>
             </a:ext>
             <a:ext uri="{AF507438-7753-43E0-B8FC-AC1667EBCBE1}">
-              <a14:hiddenEffects xmlns="" xmlns:a14="http://schemas.microsoft.com/office/drawing/2010/main">
+              <a14:hiddenEffects xmlns:a14="http://schemas.microsoft.com/office/drawing/2010/main">
                 <a:effectLst>
                   <a:outerShdw dist="35921" dir="2700000" algn="ctr" rotWithShape="0">
                     <a:schemeClr val="bg2"/>
@@ -10548,7 +10607,7 @@
           <p:nvPr>
             <p:extLst>
               <p:ext uri="{D42A27DB-BD31-4B8C-83A1-F6EECF244321}">
-                <p14:modId xmlns="" xmlns:p14="http://schemas.microsoft.com/office/powerpoint/2010/main" val="601772777"/>
+                <p14:modId xmlns:p14="http://schemas.microsoft.com/office/powerpoint/2010/main" val="601772777"/>
               </p:ext>
             </p:extLst>
           </p:nvPr>
@@ -10559,9 +10618,59 @@
         </p:xfrm>
         <a:graphic>
           <a:graphicData uri="http://schemas.openxmlformats.org/presentationml/2006/ole">
-            <p:oleObj spid="_x0000_s86021" name="Visio" r:id="rId3" imgW="8321715" imgH="6803957" progId="Visio.Drawing.11">
-              <p:embed/>
-            </p:oleObj>
+            <mc:AlternateContent xmlns:mc="http://schemas.openxmlformats.org/markup-compatibility/2006">
+              <mc:Choice xmlns:v="urn:schemas-microsoft-com:vml" Requires="v">
+                <p:oleObj spid="_x0000_s86022" name="Visio" r:id="rId3" imgW="8321715" imgH="6803957" progId="Visio.Drawing.11">
+                  <p:embed/>
+                </p:oleObj>
+              </mc:Choice>
+              <mc:Fallback>
+                <p:oleObj name="Visio" r:id="rId3" imgW="8321715" imgH="6803957" progId="Visio.Drawing.11">
+                  <p:embed/>
+                  <p:pic>
+                    <p:nvPicPr>
+                      <p:cNvPr id="0" name="Picture 5"/>
+                      <p:cNvPicPr>
+                        <a:picLocks noChangeAspect="1" noChangeArrowheads="1"/>
+                      </p:cNvPicPr>
+                      <p:nvPr/>
+                    </p:nvPicPr>
+                    <p:blipFill>
+                      <a:blip r:embed="rId4">
+                        <a:extLst>
+                          <a:ext uri="{28A0092B-C50C-407E-A947-70E740481C1C}">
+                            <a14:useLocalDpi xmlns:a14="http://schemas.microsoft.com/office/drawing/2010/main" val="0"/>
+                          </a:ext>
+                        </a:extLst>
+                      </a:blip>
+                      <a:srcRect/>
+                      <a:stretch>
+                        <a:fillRect/>
+                      </a:stretch>
+                    </p:blipFill>
+                    <p:spPr bwMode="auto">
+                      <a:xfrm>
+                        <a:off x="1141413" y="885825"/>
+                        <a:ext cx="6591300" cy="5384800"/>
+                      </a:xfrm>
+                      <a:prstGeom prst="rect">
+                        <a:avLst/>
+                      </a:prstGeom>
+                      <a:noFill/>
+                      <a:extLst>
+                        <a:ext uri="{909E8E84-426E-40DD-AFC4-6F175D3DCCD1}">
+                          <a14:hiddenFill xmlns:a14="http://schemas.microsoft.com/office/drawing/2010/main">
+                            <a:solidFill>
+                              <a:srgbClr val="FFFFFF"/>
+                            </a:solidFill>
+                          </a14:hiddenFill>
+                        </a:ext>
+                      </a:extLst>
+                    </p:spPr>
+                  </p:pic>
+                </p:oleObj>
+              </mc:Fallback>
+            </mc:AlternateContent>
           </a:graphicData>
         </a:graphic>
       </p:graphicFrame>
@@ -10597,7 +10706,7 @@
     </p:spTree>
     <p:extLst>
       <p:ext uri="{BB962C8B-B14F-4D97-AF65-F5344CB8AC3E}">
-        <p14:creationId xmlns="" xmlns:p14="http://schemas.microsoft.com/office/powerpoint/2010/main" val="1958137510"/>
+        <p14:creationId xmlns:p14="http://schemas.microsoft.com/office/powerpoint/2010/main" val="1958137510"/>
       </p:ext>
     </p:extLst>
   </p:cSld>
@@ -10935,7 +11044,7 @@
     </p:custDataLst>
     <p:extLst>
       <p:ext uri="{BB962C8B-B14F-4D97-AF65-F5344CB8AC3E}">
-        <p14:creationId xmlns="" xmlns:p14="http://schemas.microsoft.com/office/powerpoint/2010/main" val="873099895"/>
+        <p14:creationId xmlns:p14="http://schemas.microsoft.com/office/powerpoint/2010/main" val="873099895"/>
       </p:ext>
     </p:extLst>
   </p:cSld>
@@ -11409,7 +11518,7 @@
     </p:custDataLst>
     <p:extLst>
       <p:ext uri="{BB962C8B-B14F-4D97-AF65-F5344CB8AC3E}">
-        <p14:creationId xmlns="" xmlns:p14="http://schemas.microsoft.com/office/powerpoint/2010/main" val="3461455567"/>
+        <p14:creationId xmlns:p14="http://schemas.microsoft.com/office/powerpoint/2010/main" val="3461455567"/>
       </p:ext>
     </p:extLst>
   </p:cSld>
@@ -11776,7 +11885,7 @@
     </p:custDataLst>
     <p:extLst>
       <p:ext uri="{BB962C8B-B14F-4D97-AF65-F5344CB8AC3E}">
-        <p14:creationId xmlns="" xmlns:p14="http://schemas.microsoft.com/office/powerpoint/2010/main" val="3461455567"/>
+        <p14:creationId xmlns:p14="http://schemas.microsoft.com/office/powerpoint/2010/main" val="3461455567"/>
       </p:ext>
     </p:extLst>
   </p:cSld>
@@ -11863,14 +11972,14 @@
           <a:effectLst/>
           <a:extLst>
             <a:ext uri="{909E8E84-426E-40DD-AFC4-6F175D3DCCD1}">
-              <a14:hiddenFill xmlns="" xmlns:a14="http://schemas.microsoft.com/office/drawing/2010/main">
+              <a14:hiddenFill xmlns:a14="http://schemas.microsoft.com/office/drawing/2010/main">
                 <a:solidFill>
                   <a:schemeClr val="accent1"/>
                 </a:solidFill>
               </a14:hiddenFill>
             </a:ext>
             <a:ext uri="{91240B29-F687-4F45-9708-019B960494DF}">
-              <a14:hiddenLine xmlns="" xmlns:a14="http://schemas.microsoft.com/office/drawing/2010/main" w="9525">
+              <a14:hiddenLine xmlns:a14="http://schemas.microsoft.com/office/drawing/2010/main" w="9525">
                 <a:solidFill>
                   <a:schemeClr val="tx1"/>
                 </a:solidFill>
@@ -11880,7 +11989,7 @@
               </a14:hiddenLine>
             </a:ext>
             <a:ext uri="{AF507438-7753-43E0-B8FC-AC1667EBCBE1}">
-              <a14:hiddenEffects xmlns="" xmlns:a14="http://schemas.microsoft.com/office/drawing/2010/main">
+              <a14:hiddenEffects xmlns:a14="http://schemas.microsoft.com/office/drawing/2010/main">
                 <a:effectLst>
                   <a:outerShdw dist="35921" dir="2700000" algn="ctr" rotWithShape="0">
                     <a:schemeClr val="bg2"/>
@@ -11938,7 +12047,7 @@
           <p:nvPr>
             <p:extLst>
               <p:ext uri="{D42A27DB-BD31-4B8C-83A1-F6EECF244321}">
-                <p14:modId xmlns="" xmlns:p14="http://schemas.microsoft.com/office/powerpoint/2010/main" val="1983457263"/>
+                <p14:modId xmlns:p14="http://schemas.microsoft.com/office/powerpoint/2010/main" val="1983457263"/>
               </p:ext>
             </p:extLst>
           </p:nvPr>
@@ -11949,16 +12058,66 @@
         </p:xfrm>
         <a:graphic>
           <a:graphicData uri="http://schemas.openxmlformats.org/presentationml/2006/ole">
-            <p:oleObj spid="_x0000_s87045" name="Visio" r:id="rId3" imgW="8321715" imgH="6803957" progId="Visio.Drawing.11">
-              <p:embed/>
-            </p:oleObj>
+            <mc:AlternateContent xmlns:mc="http://schemas.openxmlformats.org/markup-compatibility/2006">
+              <mc:Choice xmlns:v="urn:schemas-microsoft-com:vml" Requires="v">
+                <p:oleObj spid="_x0000_s87046" name="Visio" r:id="rId3" imgW="8321715" imgH="6803957" progId="Visio.Drawing.11">
+                  <p:embed/>
+                </p:oleObj>
+              </mc:Choice>
+              <mc:Fallback>
+                <p:oleObj name="Visio" r:id="rId3" imgW="8321715" imgH="6803957" progId="Visio.Drawing.11">
+                  <p:embed/>
+                  <p:pic>
+                    <p:nvPicPr>
+                      <p:cNvPr id="0" name="Picture 5"/>
+                      <p:cNvPicPr>
+                        <a:picLocks noChangeAspect="1" noChangeArrowheads="1"/>
+                      </p:cNvPicPr>
+                      <p:nvPr/>
+                    </p:nvPicPr>
+                    <p:blipFill>
+                      <a:blip r:embed="rId4">
+                        <a:extLst>
+                          <a:ext uri="{28A0092B-C50C-407E-A947-70E740481C1C}">
+                            <a14:useLocalDpi xmlns:a14="http://schemas.microsoft.com/office/drawing/2010/main" val="0"/>
+                          </a:ext>
+                        </a:extLst>
+                      </a:blip>
+                      <a:srcRect/>
+                      <a:stretch>
+                        <a:fillRect/>
+                      </a:stretch>
+                    </p:blipFill>
+                    <p:spPr bwMode="auto">
+                      <a:xfrm>
+                        <a:off x="1143000" y="885825"/>
+                        <a:ext cx="6591300" cy="5384800"/>
+                      </a:xfrm>
+                      <a:prstGeom prst="rect">
+                        <a:avLst/>
+                      </a:prstGeom>
+                      <a:noFill/>
+                      <a:extLst>
+                        <a:ext uri="{909E8E84-426E-40DD-AFC4-6F175D3DCCD1}">
+                          <a14:hiddenFill xmlns:a14="http://schemas.microsoft.com/office/drawing/2010/main">
+                            <a:solidFill>
+                              <a:srgbClr val="FFFFFF"/>
+                            </a:solidFill>
+                          </a14:hiddenFill>
+                        </a:ext>
+                      </a:extLst>
+                    </p:spPr>
+                  </p:pic>
+                </p:oleObj>
+              </mc:Fallback>
+            </mc:AlternateContent>
           </a:graphicData>
         </a:graphic>
       </p:graphicFrame>
     </p:spTree>
     <p:extLst>
       <p:ext uri="{BB962C8B-B14F-4D97-AF65-F5344CB8AC3E}">
-        <p14:creationId xmlns="" xmlns:p14="http://schemas.microsoft.com/office/powerpoint/2010/main" val="3802289127"/>
+        <p14:creationId xmlns:p14="http://schemas.microsoft.com/office/powerpoint/2010/main" val="3802289127"/>
       </p:ext>
     </p:extLst>
   </p:cSld>
@@ -12248,7 +12407,7 @@
     </p:custDataLst>
     <p:extLst>
       <p:ext uri="{BB962C8B-B14F-4D97-AF65-F5344CB8AC3E}">
-        <p14:creationId xmlns="" xmlns:p14="http://schemas.microsoft.com/office/powerpoint/2010/main" val="2835436665"/>
+        <p14:creationId xmlns:p14="http://schemas.microsoft.com/office/powerpoint/2010/main" val="2835436665"/>
       </p:ext>
     </p:extLst>
   </p:cSld>
@@ -12335,14 +12494,14 @@
           <a:effectLst/>
           <a:extLst>
             <a:ext uri="{909E8E84-426E-40DD-AFC4-6F175D3DCCD1}">
-              <a14:hiddenFill xmlns="" xmlns:a14="http://schemas.microsoft.com/office/drawing/2010/main">
+              <a14:hiddenFill xmlns:a14="http://schemas.microsoft.com/office/drawing/2010/main">
                 <a:solidFill>
                   <a:schemeClr val="accent1"/>
                 </a:solidFill>
               </a14:hiddenFill>
             </a:ext>
             <a:ext uri="{91240B29-F687-4F45-9708-019B960494DF}">
-              <a14:hiddenLine xmlns="" xmlns:a14="http://schemas.microsoft.com/office/drawing/2010/main" w="9525">
+              <a14:hiddenLine xmlns:a14="http://schemas.microsoft.com/office/drawing/2010/main" w="9525">
                 <a:solidFill>
                   <a:schemeClr val="tx1"/>
                 </a:solidFill>
@@ -12352,7 +12511,7 @@
               </a14:hiddenLine>
             </a:ext>
             <a:ext uri="{AF507438-7753-43E0-B8FC-AC1667EBCBE1}">
-              <a14:hiddenEffects xmlns="" xmlns:a14="http://schemas.microsoft.com/office/drawing/2010/main">
+              <a14:hiddenEffects xmlns:a14="http://schemas.microsoft.com/office/drawing/2010/main">
                 <a:effectLst>
                   <a:outerShdw dist="35921" dir="2700000" algn="ctr" rotWithShape="0">
                     <a:schemeClr val="bg2"/>
@@ -12410,7 +12569,7 @@
           <p:nvPr>
             <p:extLst>
               <p:ext uri="{D42A27DB-BD31-4B8C-83A1-F6EECF244321}">
-                <p14:modId xmlns="" xmlns:p14="http://schemas.microsoft.com/office/powerpoint/2010/main" val="2083442245"/>
+                <p14:modId xmlns:p14="http://schemas.microsoft.com/office/powerpoint/2010/main" val="2083442245"/>
               </p:ext>
             </p:extLst>
           </p:nvPr>
@@ -12421,16 +12580,66 @@
         </p:xfrm>
         <a:graphic>
           <a:graphicData uri="http://schemas.openxmlformats.org/presentationml/2006/ole">
-            <p:oleObj spid="_x0000_s88069" name="Visio" r:id="rId3" imgW="8321715" imgH="6803957" progId="Visio.Drawing.11">
-              <p:embed/>
-            </p:oleObj>
+            <mc:AlternateContent xmlns:mc="http://schemas.openxmlformats.org/markup-compatibility/2006">
+              <mc:Choice xmlns:v="urn:schemas-microsoft-com:vml" Requires="v">
+                <p:oleObj spid="_x0000_s88070" name="Visio" r:id="rId3" imgW="8321715" imgH="6803957" progId="Visio.Drawing.11">
+                  <p:embed/>
+                </p:oleObj>
+              </mc:Choice>
+              <mc:Fallback>
+                <p:oleObj name="Visio" r:id="rId3" imgW="8321715" imgH="6803957" progId="Visio.Drawing.11">
+                  <p:embed/>
+                  <p:pic>
+                    <p:nvPicPr>
+                      <p:cNvPr id="0" name="Picture 5"/>
+                      <p:cNvPicPr>
+                        <a:picLocks noChangeAspect="1" noChangeArrowheads="1"/>
+                      </p:cNvPicPr>
+                      <p:nvPr/>
+                    </p:nvPicPr>
+                    <p:blipFill>
+                      <a:blip r:embed="rId4">
+                        <a:extLst>
+                          <a:ext uri="{28A0092B-C50C-407E-A947-70E740481C1C}">
+                            <a14:useLocalDpi xmlns:a14="http://schemas.microsoft.com/office/drawing/2010/main" val="0"/>
+                          </a:ext>
+                        </a:extLst>
+                      </a:blip>
+                      <a:srcRect/>
+                      <a:stretch>
+                        <a:fillRect/>
+                      </a:stretch>
+                    </p:blipFill>
+                    <p:spPr bwMode="auto">
+                      <a:xfrm>
+                        <a:off x="1143000" y="885825"/>
+                        <a:ext cx="6591300" cy="5387975"/>
+                      </a:xfrm>
+                      <a:prstGeom prst="rect">
+                        <a:avLst/>
+                      </a:prstGeom>
+                      <a:noFill/>
+                      <a:extLst>
+                        <a:ext uri="{909E8E84-426E-40DD-AFC4-6F175D3DCCD1}">
+                          <a14:hiddenFill xmlns:a14="http://schemas.microsoft.com/office/drawing/2010/main">
+                            <a:solidFill>
+                              <a:srgbClr val="FFFFFF"/>
+                            </a:solidFill>
+                          </a14:hiddenFill>
+                        </a:ext>
+                      </a:extLst>
+                    </p:spPr>
+                  </p:pic>
+                </p:oleObj>
+              </mc:Fallback>
+            </mc:AlternateContent>
           </a:graphicData>
         </a:graphic>
       </p:graphicFrame>
     </p:spTree>
     <p:extLst>
       <p:ext uri="{BB962C8B-B14F-4D97-AF65-F5344CB8AC3E}">
-        <p14:creationId xmlns="" xmlns:p14="http://schemas.microsoft.com/office/powerpoint/2010/main" val="3874421043"/>
+        <p14:creationId xmlns:p14="http://schemas.microsoft.com/office/powerpoint/2010/main" val="3874421043"/>
       </p:ext>
     </p:extLst>
   </p:cSld>
@@ -12850,7 +13059,7 @@
     </p:spTree>
     <p:extLst>
       <p:ext uri="{BB962C8B-B14F-4D97-AF65-F5344CB8AC3E}">
-        <p14:creationId xmlns="" xmlns:p14="http://schemas.microsoft.com/office/powerpoint/2010/main" val="2660321590"/>
+        <p14:creationId xmlns:p14="http://schemas.microsoft.com/office/powerpoint/2010/main" val="2660321590"/>
       </p:ext>
     </p:extLst>
   </p:cSld>
@@ -13610,7 +13819,7 @@
     </p:spTree>
     <p:extLst>
       <p:ext uri="{BB962C8B-B14F-4D97-AF65-F5344CB8AC3E}">
-        <p14:creationId xmlns="" xmlns:p14="http://schemas.microsoft.com/office/powerpoint/2010/main" val="2205743471"/>
+        <p14:creationId xmlns:p14="http://schemas.microsoft.com/office/powerpoint/2010/main" val="2205743471"/>
       </p:ext>
     </p:extLst>
   </p:cSld>
@@ -48751,7 +48960,7 @@
           <p:nvPr>
             <p:extLst>
               <p:ext uri="{D42A27DB-BD31-4B8C-83A1-F6EECF244321}">
-                <p14:modId xmlns="" xmlns:p14="http://schemas.microsoft.com/office/powerpoint/2010/main" val="4119681246"/>
+                <p14:modId xmlns:p14="http://schemas.microsoft.com/office/powerpoint/2010/main" val="4119681246"/>
               </p:ext>
             </p:extLst>
           </p:nvPr>
@@ -48762,9 +48971,59 @@
         </p:xfrm>
         <a:graphic>
           <a:graphicData uri="http://schemas.openxmlformats.org/presentationml/2006/ole">
-            <p:oleObj spid="_x0000_s82949" name="Visio" r:id="rId3" imgW="8321715" imgH="6803957" progId="Visio.Drawing.11">
-              <p:embed/>
-            </p:oleObj>
+            <mc:AlternateContent xmlns:mc="http://schemas.openxmlformats.org/markup-compatibility/2006">
+              <mc:Choice xmlns:v="urn:schemas-microsoft-com:vml" Requires="v">
+                <p:oleObj spid="_x0000_s82950" name="Visio" r:id="rId3" imgW="8321715" imgH="6803957" progId="Visio.Drawing.11">
+                  <p:embed/>
+                </p:oleObj>
+              </mc:Choice>
+              <mc:Fallback>
+                <p:oleObj name="Visio" r:id="rId3" imgW="8321715" imgH="6803957" progId="Visio.Drawing.11">
+                  <p:embed/>
+                  <p:pic>
+                    <p:nvPicPr>
+                      <p:cNvPr id="0" name="Picture 5"/>
+                      <p:cNvPicPr>
+                        <a:picLocks noChangeAspect="1" noChangeArrowheads="1"/>
+                      </p:cNvPicPr>
+                      <p:nvPr/>
+                    </p:nvPicPr>
+                    <p:blipFill>
+                      <a:blip r:embed="rId4">
+                        <a:extLst>
+                          <a:ext uri="{28A0092B-C50C-407E-A947-70E740481C1C}">
+                            <a14:useLocalDpi xmlns:a14="http://schemas.microsoft.com/office/drawing/2010/main" val="0"/>
+                          </a:ext>
+                        </a:extLst>
+                      </a:blip>
+                      <a:srcRect/>
+                      <a:stretch>
+                        <a:fillRect/>
+                      </a:stretch>
+                    </p:blipFill>
+                    <p:spPr bwMode="auto">
+                      <a:xfrm>
+                        <a:off x="1141413" y="885825"/>
+                        <a:ext cx="6591300" cy="5391150"/>
+                      </a:xfrm>
+                      <a:prstGeom prst="rect">
+                        <a:avLst/>
+                      </a:prstGeom>
+                      <a:noFill/>
+                      <a:extLst>
+                        <a:ext uri="{909E8E84-426E-40DD-AFC4-6F175D3DCCD1}">
+                          <a14:hiddenFill xmlns:a14="http://schemas.microsoft.com/office/drawing/2010/main">
+                            <a:solidFill>
+                              <a:srgbClr val="FFFFFF"/>
+                            </a:solidFill>
+                          </a14:hiddenFill>
+                        </a:ext>
+                      </a:extLst>
+                    </p:spPr>
+                  </p:pic>
+                </p:oleObj>
+              </mc:Fallback>
+            </mc:AlternateContent>
           </a:graphicData>
         </a:graphic>
       </p:graphicFrame>
@@ -48874,7 +49133,7 @@
     </p:spTree>
     <p:extLst>
       <p:ext uri="{BB962C8B-B14F-4D97-AF65-F5344CB8AC3E}">
-        <p14:creationId xmlns="" xmlns:p14="http://schemas.microsoft.com/office/powerpoint/2010/main" val="2385042335"/>
+        <p14:creationId xmlns:p14="http://schemas.microsoft.com/office/powerpoint/2010/main" val="2385042335"/>
       </p:ext>
     </p:extLst>
   </p:cSld>
@@ -48961,14 +49220,14 @@
           <a:effectLst/>
           <a:extLst>
             <a:ext uri="{909E8E84-426E-40DD-AFC4-6F175D3DCCD1}">
-              <a14:hiddenFill xmlns="" xmlns:a14="http://schemas.microsoft.com/office/drawing/2010/main">
+              <a14:hiddenFill xmlns:a14="http://schemas.microsoft.com/office/drawing/2010/main">
                 <a:solidFill>
                   <a:schemeClr val="accent1"/>
                 </a:solidFill>
               </a14:hiddenFill>
             </a:ext>
             <a:ext uri="{91240B29-F687-4F45-9708-019B960494DF}">
-              <a14:hiddenLine xmlns="" xmlns:a14="http://schemas.microsoft.com/office/drawing/2010/main" w="9525">
+              <a14:hiddenLine xmlns:a14="http://schemas.microsoft.com/office/drawing/2010/main" w="9525">
                 <a:solidFill>
                   <a:schemeClr val="tx1"/>
                 </a:solidFill>
@@ -48978,7 +49237,7 @@
               </a14:hiddenLine>
             </a:ext>
             <a:ext uri="{AF507438-7753-43E0-B8FC-AC1667EBCBE1}">
-              <a14:hiddenEffects xmlns="" xmlns:a14="http://schemas.microsoft.com/office/drawing/2010/main">
+              <a14:hiddenEffects xmlns:a14="http://schemas.microsoft.com/office/drawing/2010/main">
                 <a:effectLst>
                   <a:outerShdw dist="35921" dir="2700000" algn="ctr" rotWithShape="0">
                     <a:schemeClr val="bg2"/>
@@ -49036,7 +49295,7 @@
           <p:nvPr>
             <p:extLst>
               <p:ext uri="{D42A27DB-BD31-4B8C-83A1-F6EECF244321}">
-                <p14:modId xmlns="" xmlns:p14="http://schemas.microsoft.com/office/powerpoint/2010/main" val="717525081"/>
+                <p14:modId xmlns:p14="http://schemas.microsoft.com/office/powerpoint/2010/main" val="717525081"/>
               </p:ext>
             </p:extLst>
           </p:nvPr>
@@ -49047,9 +49306,59 @@
         </p:xfrm>
         <a:graphic>
           <a:graphicData uri="http://schemas.openxmlformats.org/presentationml/2006/ole">
-            <p:oleObj spid="_x0000_s83973" name="Visio" r:id="rId3" imgW="8321715" imgH="6803957" progId="Visio.Drawing.11">
-              <p:embed/>
-            </p:oleObj>
+            <mc:AlternateContent xmlns:mc="http://schemas.openxmlformats.org/markup-compatibility/2006">
+              <mc:Choice xmlns:v="urn:schemas-microsoft-com:vml" Requires="v">
+                <p:oleObj spid="_x0000_s83974" name="Visio" r:id="rId3" imgW="8321715" imgH="6803957" progId="Visio.Drawing.11">
+                  <p:embed/>
+                </p:oleObj>
+              </mc:Choice>
+              <mc:Fallback>
+                <p:oleObj name="Visio" r:id="rId3" imgW="8321715" imgH="6803957" progId="Visio.Drawing.11">
+                  <p:embed/>
+                  <p:pic>
+                    <p:nvPicPr>
+                      <p:cNvPr id="0" name="Picture 5"/>
+                      <p:cNvPicPr>
+                        <a:picLocks noChangeAspect="1" noChangeArrowheads="1"/>
+                      </p:cNvPicPr>
+                      <p:nvPr/>
+                    </p:nvPicPr>
+                    <p:blipFill>
+                      <a:blip r:embed="rId4">
+                        <a:extLst>
+                          <a:ext uri="{28A0092B-C50C-407E-A947-70E740481C1C}">
+                            <a14:useLocalDpi xmlns:a14="http://schemas.microsoft.com/office/drawing/2010/main" val="0"/>
+                          </a:ext>
+                        </a:extLst>
+                      </a:blip>
+                      <a:srcRect/>
+                      <a:stretch>
+                        <a:fillRect/>
+                      </a:stretch>
+                    </p:blipFill>
+                    <p:spPr bwMode="auto">
+                      <a:xfrm>
+                        <a:off x="1143000" y="890025"/>
+                        <a:ext cx="6599238" cy="5395714"/>
+                      </a:xfrm>
+                      <a:prstGeom prst="rect">
+                        <a:avLst/>
+                      </a:prstGeom>
+                      <a:noFill/>
+                      <a:extLst>
+                        <a:ext uri="{909E8E84-426E-40DD-AFC4-6F175D3DCCD1}">
+                          <a14:hiddenFill xmlns:a14="http://schemas.microsoft.com/office/drawing/2010/main">
+                            <a:solidFill>
+                              <a:srgbClr val="FFFFFF"/>
+                            </a:solidFill>
+                          </a14:hiddenFill>
+                        </a:ext>
+                      </a:extLst>
+                    </p:spPr>
+                  </p:pic>
+                </p:oleObj>
+              </mc:Fallback>
+            </mc:AlternateContent>
           </a:graphicData>
         </a:graphic>
       </p:graphicFrame>
@@ -49085,7 +49394,7 @@
     </p:spTree>
     <p:extLst>
       <p:ext uri="{BB962C8B-B14F-4D97-AF65-F5344CB8AC3E}">
-        <p14:creationId xmlns="" xmlns:p14="http://schemas.microsoft.com/office/powerpoint/2010/main" val="799163121"/>
+        <p14:creationId xmlns:p14="http://schemas.microsoft.com/office/powerpoint/2010/main" val="799163121"/>
       </p:ext>
     </p:extLst>
   </p:cSld>
